--- a/CRI AI Camaras.pptx
+++ b/CRI AI Camaras.pptx
@@ -5,16 +5,15 @@
     <p:sldMasterId id="2147483648" r:id="rId1"/>
   </p:sldMasterIdLst>
   <p:sldIdLst>
-    <p:sldId id="256" r:id="rId2"/>
-    <p:sldId id="257" r:id="rId3"/>
+    <p:sldId id="257" r:id="rId2"/>
+    <p:sldId id="258" r:id="rId3"/>
     <p:sldId id="264" r:id="rId4"/>
-    <p:sldId id="258" r:id="rId5"/>
-    <p:sldId id="260" r:id="rId6"/>
-    <p:sldId id="265" r:id="rId7"/>
+    <p:sldId id="265" r:id="rId5"/>
+    <p:sldId id="266" r:id="rId6"/>
+    <p:sldId id="261" r:id="rId7"/>
     <p:sldId id="259" r:id="rId8"/>
-    <p:sldId id="261" r:id="rId9"/>
-    <p:sldId id="262" r:id="rId10"/>
-    <p:sldId id="263" r:id="rId11"/>
+    <p:sldId id="262" r:id="rId9"/>
+    <p:sldId id="263" r:id="rId10"/>
   </p:sldIdLst>
   <p:sldSz cx="12192000" cy="6858000"/>
   <p:notesSz cx="6858000" cy="9144000"/>
@@ -163,7 +162,7 @@
           </a:lstStyle>
           <a:p>
             <a:r>
-              <a:rPr lang="en-US" smtClean="0"/>
+              <a:rPr lang="en-US"/>
               <a:t>Click to edit Master title style</a:t>
             </a:r>
             <a:endParaRPr lang="en-IN"/>
@@ -228,7 +227,7 @@
           </a:lstStyle>
           <a:p>
             <a:r>
-              <a:rPr lang="en-US" smtClean="0"/>
+              <a:rPr lang="en-US"/>
               <a:t>Click to edit Master subtitle style</a:t>
             </a:r>
             <a:endParaRPr lang="en-IN"/>
@@ -252,7 +251,7 @@
           <a:p>
             <a:fld id="{27488680-6B52-423D-9C05-D03BE6B7071F}" type="datetimeFigureOut">
               <a:rPr lang="en-IN" smtClean="0"/>
-              <a:t>23-01-2023</a:t>
+              <a:t>31-01-2023</a:t>
             </a:fld>
             <a:endParaRPr lang="en-IN"/>
           </a:p>
@@ -346,7 +345,7 @@
           <a:lstStyle/>
           <a:p>
             <a:r>
-              <a:rPr lang="en-US" smtClean="0"/>
+              <a:rPr lang="en-US"/>
               <a:t>Click to edit Master title style</a:t>
             </a:r>
             <a:endParaRPr lang="en-IN"/>
@@ -370,35 +369,35 @@
           <a:p>
             <a:pPr lvl="0"/>
             <a:r>
-              <a:rPr lang="en-US" smtClean="0"/>
+              <a:rPr lang="en-US"/>
               <a:t>Click to edit Master text styles</a:t>
             </a:r>
           </a:p>
           <a:p>
             <a:pPr lvl="1"/>
             <a:r>
-              <a:rPr lang="en-US" smtClean="0"/>
+              <a:rPr lang="en-US"/>
               <a:t>Second level</a:t>
             </a:r>
           </a:p>
           <a:p>
             <a:pPr lvl="2"/>
             <a:r>
-              <a:rPr lang="en-US" smtClean="0"/>
+              <a:rPr lang="en-US"/>
               <a:t>Third level</a:t>
             </a:r>
           </a:p>
           <a:p>
             <a:pPr lvl="3"/>
             <a:r>
-              <a:rPr lang="en-US" smtClean="0"/>
+              <a:rPr lang="en-US"/>
               <a:t>Fourth level</a:t>
             </a:r>
           </a:p>
           <a:p>
             <a:pPr lvl="4"/>
             <a:r>
-              <a:rPr lang="en-US" smtClean="0"/>
+              <a:rPr lang="en-US"/>
               <a:t>Fifth level</a:t>
             </a:r>
             <a:endParaRPr lang="en-IN"/>
@@ -422,7 +421,7 @@
           <a:p>
             <a:fld id="{27488680-6B52-423D-9C05-D03BE6B7071F}" type="datetimeFigureOut">
               <a:rPr lang="en-IN" smtClean="0"/>
-              <a:t>23-01-2023</a:t>
+              <a:t>31-01-2023</a:t>
             </a:fld>
             <a:endParaRPr lang="en-IN"/>
           </a:p>
@@ -521,7 +520,7 @@
           <a:lstStyle/>
           <a:p>
             <a:r>
-              <a:rPr lang="en-US" smtClean="0"/>
+              <a:rPr lang="en-US"/>
               <a:t>Click to edit Master title style</a:t>
             </a:r>
             <a:endParaRPr lang="en-IN"/>
@@ -550,35 +549,35 @@
           <a:p>
             <a:pPr lvl="0"/>
             <a:r>
-              <a:rPr lang="en-US" smtClean="0"/>
+              <a:rPr lang="en-US"/>
               <a:t>Click to edit Master text styles</a:t>
             </a:r>
           </a:p>
           <a:p>
             <a:pPr lvl="1"/>
             <a:r>
-              <a:rPr lang="en-US" smtClean="0"/>
+              <a:rPr lang="en-US"/>
               <a:t>Second level</a:t>
             </a:r>
           </a:p>
           <a:p>
             <a:pPr lvl="2"/>
             <a:r>
-              <a:rPr lang="en-US" smtClean="0"/>
+              <a:rPr lang="en-US"/>
               <a:t>Third level</a:t>
             </a:r>
           </a:p>
           <a:p>
             <a:pPr lvl="3"/>
             <a:r>
-              <a:rPr lang="en-US" smtClean="0"/>
+              <a:rPr lang="en-US"/>
               <a:t>Fourth level</a:t>
             </a:r>
           </a:p>
           <a:p>
             <a:pPr lvl="4"/>
             <a:r>
-              <a:rPr lang="en-US" smtClean="0"/>
+              <a:rPr lang="en-US"/>
               <a:t>Fifth level</a:t>
             </a:r>
             <a:endParaRPr lang="en-IN"/>
@@ -602,7 +601,7 @@
           <a:p>
             <a:fld id="{27488680-6B52-423D-9C05-D03BE6B7071F}" type="datetimeFigureOut">
               <a:rPr lang="en-IN" smtClean="0"/>
-              <a:t>23-01-2023</a:t>
+              <a:t>31-01-2023</a:t>
             </a:fld>
             <a:endParaRPr lang="en-IN"/>
           </a:p>
@@ -696,7 +695,7 @@
           <a:lstStyle/>
           <a:p>
             <a:r>
-              <a:rPr lang="en-US" smtClean="0"/>
+              <a:rPr lang="en-US"/>
               <a:t>Click to edit Master title style</a:t>
             </a:r>
             <a:endParaRPr lang="en-IN"/>
@@ -720,35 +719,35 @@
           <a:p>
             <a:pPr lvl="0"/>
             <a:r>
-              <a:rPr lang="en-US" smtClean="0"/>
+              <a:rPr lang="en-US"/>
               <a:t>Click to edit Master text styles</a:t>
             </a:r>
           </a:p>
           <a:p>
             <a:pPr lvl="1"/>
             <a:r>
-              <a:rPr lang="en-US" smtClean="0"/>
+              <a:rPr lang="en-US"/>
               <a:t>Second level</a:t>
             </a:r>
           </a:p>
           <a:p>
             <a:pPr lvl="2"/>
             <a:r>
-              <a:rPr lang="en-US" smtClean="0"/>
+              <a:rPr lang="en-US"/>
               <a:t>Third level</a:t>
             </a:r>
           </a:p>
           <a:p>
             <a:pPr lvl="3"/>
             <a:r>
-              <a:rPr lang="en-US" smtClean="0"/>
+              <a:rPr lang="en-US"/>
               <a:t>Fourth level</a:t>
             </a:r>
           </a:p>
           <a:p>
             <a:pPr lvl="4"/>
             <a:r>
-              <a:rPr lang="en-US" smtClean="0"/>
+              <a:rPr lang="en-US"/>
               <a:t>Fifth level</a:t>
             </a:r>
             <a:endParaRPr lang="en-IN"/>
@@ -772,7 +771,7 @@
           <a:p>
             <a:fld id="{27488680-6B52-423D-9C05-D03BE6B7071F}" type="datetimeFigureOut">
               <a:rPr lang="en-IN" smtClean="0"/>
-              <a:t>23-01-2023</a:t>
+              <a:t>31-01-2023</a:t>
             </a:fld>
             <a:endParaRPr lang="en-IN"/>
           </a:p>
@@ -875,7 +874,7 @@
           </a:lstStyle>
           <a:p>
             <a:r>
-              <a:rPr lang="en-US" smtClean="0"/>
+              <a:rPr lang="en-US"/>
               <a:t>Click to edit Master title style</a:t>
             </a:r>
             <a:endParaRPr lang="en-IN"/>
@@ -995,7 +994,7 @@
           <a:p>
             <a:pPr lvl="0"/>
             <a:r>
-              <a:rPr lang="en-US" smtClean="0"/>
+              <a:rPr lang="en-US"/>
               <a:t>Click to edit Master text styles</a:t>
             </a:r>
           </a:p>
@@ -1018,7 +1017,7 @@
           <a:p>
             <a:fld id="{27488680-6B52-423D-9C05-D03BE6B7071F}" type="datetimeFigureOut">
               <a:rPr lang="en-IN" smtClean="0"/>
-              <a:t>23-01-2023</a:t>
+              <a:t>31-01-2023</a:t>
             </a:fld>
             <a:endParaRPr lang="en-IN"/>
           </a:p>
@@ -1112,7 +1111,7 @@
           <a:lstStyle/>
           <a:p>
             <a:r>
-              <a:rPr lang="en-US" smtClean="0"/>
+              <a:rPr lang="en-US"/>
               <a:t>Click to edit Master title style</a:t>
             </a:r>
             <a:endParaRPr lang="en-IN"/>
@@ -1141,35 +1140,35 @@
           <a:p>
             <a:pPr lvl="0"/>
             <a:r>
-              <a:rPr lang="en-US" smtClean="0"/>
+              <a:rPr lang="en-US"/>
               <a:t>Click to edit Master text styles</a:t>
             </a:r>
           </a:p>
           <a:p>
             <a:pPr lvl="1"/>
             <a:r>
-              <a:rPr lang="en-US" smtClean="0"/>
+              <a:rPr lang="en-US"/>
               <a:t>Second level</a:t>
             </a:r>
           </a:p>
           <a:p>
             <a:pPr lvl="2"/>
             <a:r>
-              <a:rPr lang="en-US" smtClean="0"/>
+              <a:rPr lang="en-US"/>
               <a:t>Third level</a:t>
             </a:r>
           </a:p>
           <a:p>
             <a:pPr lvl="3"/>
             <a:r>
-              <a:rPr lang="en-US" smtClean="0"/>
+              <a:rPr lang="en-US"/>
               <a:t>Fourth level</a:t>
             </a:r>
           </a:p>
           <a:p>
             <a:pPr lvl="4"/>
             <a:r>
-              <a:rPr lang="en-US" smtClean="0"/>
+              <a:rPr lang="en-US"/>
               <a:t>Fifth level</a:t>
             </a:r>
             <a:endParaRPr lang="en-IN"/>
@@ -1198,35 +1197,35 @@
           <a:p>
             <a:pPr lvl="0"/>
             <a:r>
-              <a:rPr lang="en-US" smtClean="0"/>
+              <a:rPr lang="en-US"/>
               <a:t>Click to edit Master text styles</a:t>
             </a:r>
           </a:p>
           <a:p>
             <a:pPr lvl="1"/>
             <a:r>
-              <a:rPr lang="en-US" smtClean="0"/>
+              <a:rPr lang="en-US"/>
               <a:t>Second level</a:t>
             </a:r>
           </a:p>
           <a:p>
             <a:pPr lvl="2"/>
             <a:r>
-              <a:rPr lang="en-US" smtClean="0"/>
+              <a:rPr lang="en-US"/>
               <a:t>Third level</a:t>
             </a:r>
           </a:p>
           <a:p>
             <a:pPr lvl="3"/>
             <a:r>
-              <a:rPr lang="en-US" smtClean="0"/>
+              <a:rPr lang="en-US"/>
               <a:t>Fourth level</a:t>
             </a:r>
           </a:p>
           <a:p>
             <a:pPr lvl="4"/>
             <a:r>
-              <a:rPr lang="en-US" smtClean="0"/>
+              <a:rPr lang="en-US"/>
               <a:t>Fifth level</a:t>
             </a:r>
             <a:endParaRPr lang="en-IN"/>
@@ -1250,7 +1249,7 @@
           <a:p>
             <a:fld id="{27488680-6B52-423D-9C05-D03BE6B7071F}" type="datetimeFigureOut">
               <a:rPr lang="en-IN" smtClean="0"/>
-              <a:t>23-01-2023</a:t>
+              <a:t>31-01-2023</a:t>
             </a:fld>
             <a:endParaRPr lang="en-IN"/>
           </a:p>
@@ -1349,7 +1348,7 @@
           <a:lstStyle/>
           <a:p>
             <a:r>
-              <a:rPr lang="en-US" smtClean="0"/>
+              <a:rPr lang="en-US"/>
               <a:t>Click to edit Master title style</a:t>
             </a:r>
             <a:endParaRPr lang="en-IN"/>
@@ -1415,7 +1414,7 @@
           <a:p>
             <a:pPr lvl="0"/>
             <a:r>
-              <a:rPr lang="en-US" smtClean="0"/>
+              <a:rPr lang="en-US"/>
               <a:t>Click to edit Master text styles</a:t>
             </a:r>
           </a:p>
@@ -1443,35 +1442,35 @@
           <a:p>
             <a:pPr lvl="0"/>
             <a:r>
-              <a:rPr lang="en-US" smtClean="0"/>
+              <a:rPr lang="en-US"/>
               <a:t>Click to edit Master text styles</a:t>
             </a:r>
           </a:p>
           <a:p>
             <a:pPr lvl="1"/>
             <a:r>
-              <a:rPr lang="en-US" smtClean="0"/>
+              <a:rPr lang="en-US"/>
               <a:t>Second level</a:t>
             </a:r>
           </a:p>
           <a:p>
             <a:pPr lvl="2"/>
             <a:r>
-              <a:rPr lang="en-US" smtClean="0"/>
+              <a:rPr lang="en-US"/>
               <a:t>Third level</a:t>
             </a:r>
           </a:p>
           <a:p>
             <a:pPr lvl="3"/>
             <a:r>
-              <a:rPr lang="en-US" smtClean="0"/>
+              <a:rPr lang="en-US"/>
               <a:t>Fourth level</a:t>
             </a:r>
           </a:p>
           <a:p>
             <a:pPr lvl="4"/>
             <a:r>
-              <a:rPr lang="en-US" smtClean="0"/>
+              <a:rPr lang="en-US"/>
               <a:t>Fifth level</a:t>
             </a:r>
             <a:endParaRPr lang="en-IN"/>
@@ -1537,7 +1536,7 @@
           <a:p>
             <a:pPr lvl="0"/>
             <a:r>
-              <a:rPr lang="en-US" smtClean="0"/>
+              <a:rPr lang="en-US"/>
               <a:t>Click to edit Master text styles</a:t>
             </a:r>
           </a:p>
@@ -1565,35 +1564,35 @@
           <a:p>
             <a:pPr lvl="0"/>
             <a:r>
-              <a:rPr lang="en-US" smtClean="0"/>
+              <a:rPr lang="en-US"/>
               <a:t>Click to edit Master text styles</a:t>
             </a:r>
           </a:p>
           <a:p>
             <a:pPr lvl="1"/>
             <a:r>
-              <a:rPr lang="en-US" smtClean="0"/>
+              <a:rPr lang="en-US"/>
               <a:t>Second level</a:t>
             </a:r>
           </a:p>
           <a:p>
             <a:pPr lvl="2"/>
             <a:r>
-              <a:rPr lang="en-US" smtClean="0"/>
+              <a:rPr lang="en-US"/>
               <a:t>Third level</a:t>
             </a:r>
           </a:p>
           <a:p>
             <a:pPr lvl="3"/>
             <a:r>
-              <a:rPr lang="en-US" smtClean="0"/>
+              <a:rPr lang="en-US"/>
               <a:t>Fourth level</a:t>
             </a:r>
           </a:p>
           <a:p>
             <a:pPr lvl="4"/>
             <a:r>
-              <a:rPr lang="en-US" smtClean="0"/>
+              <a:rPr lang="en-US"/>
               <a:t>Fifth level</a:t>
             </a:r>
             <a:endParaRPr lang="en-IN"/>
@@ -1617,7 +1616,7 @@
           <a:p>
             <a:fld id="{27488680-6B52-423D-9C05-D03BE6B7071F}" type="datetimeFigureOut">
               <a:rPr lang="en-IN" smtClean="0"/>
-              <a:t>23-01-2023</a:t>
+              <a:t>31-01-2023</a:t>
             </a:fld>
             <a:endParaRPr lang="en-IN"/>
           </a:p>
@@ -1711,7 +1710,7 @@
           <a:lstStyle/>
           <a:p>
             <a:r>
-              <a:rPr lang="en-US" smtClean="0"/>
+              <a:rPr lang="en-US"/>
               <a:t>Click to edit Master title style</a:t>
             </a:r>
             <a:endParaRPr lang="en-IN"/>
@@ -1735,7 +1734,7 @@
           <a:p>
             <a:fld id="{27488680-6B52-423D-9C05-D03BE6B7071F}" type="datetimeFigureOut">
               <a:rPr lang="en-IN" smtClean="0"/>
-              <a:t>23-01-2023</a:t>
+              <a:t>31-01-2023</a:t>
             </a:fld>
             <a:endParaRPr lang="en-IN"/>
           </a:p>
@@ -1830,7 +1829,7 @@
           <a:p>
             <a:fld id="{27488680-6B52-423D-9C05-D03BE6B7071F}" type="datetimeFigureOut">
               <a:rPr lang="en-IN" smtClean="0"/>
-              <a:t>23-01-2023</a:t>
+              <a:t>31-01-2023</a:t>
             </a:fld>
             <a:endParaRPr lang="en-IN"/>
           </a:p>
@@ -1933,7 +1932,7 @@
           </a:lstStyle>
           <a:p>
             <a:r>
-              <a:rPr lang="en-US" smtClean="0"/>
+              <a:rPr lang="en-US"/>
               <a:t>Click to edit Master title style</a:t>
             </a:r>
             <a:endParaRPr lang="en-IN"/>
@@ -1990,35 +1989,35 @@
           <a:p>
             <a:pPr lvl="0"/>
             <a:r>
-              <a:rPr lang="en-US" smtClean="0"/>
+              <a:rPr lang="en-US"/>
               <a:t>Click to edit Master text styles</a:t>
             </a:r>
           </a:p>
           <a:p>
             <a:pPr lvl="1"/>
             <a:r>
-              <a:rPr lang="en-US" smtClean="0"/>
+              <a:rPr lang="en-US"/>
               <a:t>Second level</a:t>
             </a:r>
           </a:p>
           <a:p>
             <a:pPr lvl="2"/>
             <a:r>
-              <a:rPr lang="en-US" smtClean="0"/>
+              <a:rPr lang="en-US"/>
               <a:t>Third level</a:t>
             </a:r>
           </a:p>
           <a:p>
             <a:pPr lvl="3"/>
             <a:r>
-              <a:rPr lang="en-US" smtClean="0"/>
+              <a:rPr lang="en-US"/>
               <a:t>Fourth level</a:t>
             </a:r>
           </a:p>
           <a:p>
             <a:pPr lvl="4"/>
             <a:r>
-              <a:rPr lang="en-US" smtClean="0"/>
+              <a:rPr lang="en-US"/>
               <a:t>Fifth level</a:t>
             </a:r>
             <a:endParaRPr lang="en-IN"/>
@@ -2084,7 +2083,7 @@
           <a:p>
             <a:pPr lvl="0"/>
             <a:r>
-              <a:rPr lang="en-US" smtClean="0"/>
+              <a:rPr lang="en-US"/>
               <a:t>Click to edit Master text styles</a:t>
             </a:r>
           </a:p>
@@ -2107,7 +2106,7 @@
           <a:p>
             <a:fld id="{27488680-6B52-423D-9C05-D03BE6B7071F}" type="datetimeFigureOut">
               <a:rPr lang="en-IN" smtClean="0"/>
-              <a:t>23-01-2023</a:t>
+              <a:t>31-01-2023</a:t>
             </a:fld>
             <a:endParaRPr lang="en-IN"/>
           </a:p>
@@ -2210,7 +2209,7 @@
           </a:lstStyle>
           <a:p>
             <a:r>
-              <a:rPr lang="en-US" smtClean="0"/>
+              <a:rPr lang="en-US"/>
               <a:t>Click to edit Master title style</a:t>
             </a:r>
             <a:endParaRPr lang="en-IN"/>
@@ -2337,7 +2336,7 @@
           <a:p>
             <a:pPr lvl="0"/>
             <a:r>
-              <a:rPr lang="en-US" smtClean="0"/>
+              <a:rPr lang="en-US"/>
               <a:t>Click to edit Master text styles</a:t>
             </a:r>
           </a:p>
@@ -2360,7 +2359,7 @@
           <a:p>
             <a:fld id="{27488680-6B52-423D-9C05-D03BE6B7071F}" type="datetimeFigureOut">
               <a:rPr lang="en-IN" smtClean="0"/>
-              <a:t>23-01-2023</a:t>
+              <a:t>31-01-2023</a:t>
             </a:fld>
             <a:endParaRPr lang="en-IN"/>
           </a:p>
@@ -2425,9 +2424,19 @@
 <p:sldMaster xmlns:a="http://schemas.openxmlformats.org/drawingml/2006/main" xmlns:r="http://schemas.openxmlformats.org/officeDocument/2006/relationships" xmlns:p="http://schemas.openxmlformats.org/presentationml/2006/main">
   <p:cSld>
     <p:bg>
-      <p:bgRef idx="1001">
-        <a:schemeClr val="bg1"/>
-      </p:bgRef>
+      <p:bgPr>
+        <a:blipFill dpi="0" rotWithShape="1">
+          <a:blip r:embed="rId13">
+            <a:alphaModFix amt="50000"/>
+            <a:lum/>
+          </a:blip>
+          <a:srcRect/>
+          <a:stretch>
+            <a:fillRect/>
+          </a:stretch>
+        </a:blipFill>
+        <a:effectLst/>
+      </p:bgPr>
     </p:bg>
     <p:spTree>
       <p:nvGrpSpPr>
@@ -2469,7 +2478,7 @@
           <a:lstStyle/>
           <a:p>
             <a:r>
-              <a:rPr lang="en-US" smtClean="0"/>
+              <a:rPr lang="en-US"/>
               <a:t>Click to edit Master title style</a:t>
             </a:r>
             <a:endParaRPr lang="en-IN"/>
@@ -2503,35 +2512,35 @@
           <a:p>
             <a:pPr lvl="0"/>
             <a:r>
-              <a:rPr lang="en-US" smtClean="0"/>
+              <a:rPr lang="en-US"/>
               <a:t>Click to edit Master text styles</a:t>
             </a:r>
           </a:p>
           <a:p>
             <a:pPr lvl="1"/>
             <a:r>
-              <a:rPr lang="en-US" smtClean="0"/>
+              <a:rPr lang="en-US"/>
               <a:t>Second level</a:t>
             </a:r>
           </a:p>
           <a:p>
             <a:pPr lvl="2"/>
             <a:r>
-              <a:rPr lang="en-US" smtClean="0"/>
+              <a:rPr lang="en-US"/>
               <a:t>Third level</a:t>
             </a:r>
           </a:p>
           <a:p>
             <a:pPr lvl="3"/>
             <a:r>
-              <a:rPr lang="en-US" smtClean="0"/>
+              <a:rPr lang="en-US"/>
               <a:t>Fourth level</a:t>
             </a:r>
           </a:p>
           <a:p>
             <a:pPr lvl="4"/>
             <a:r>
-              <a:rPr lang="en-US" smtClean="0"/>
+              <a:rPr lang="en-US"/>
               <a:t>Fifth level</a:t>
             </a:r>
             <a:endParaRPr lang="en-IN"/>
@@ -2573,7 +2582,7 @@
           <a:p>
             <a:fld id="{27488680-6B52-423D-9C05-D03BE6B7071F}" type="datetimeFigureOut">
               <a:rPr lang="en-IN" smtClean="0"/>
-              <a:t>23-01-2023</a:t>
+              <a:t>31-01-2023</a:t>
             </a:fld>
             <a:endParaRPr lang="en-IN"/>
           </a:p>
@@ -2978,106 +2987,154 @@
           <a:chExt cx="0" cy="0"/>
         </a:xfrm>
       </p:grpSpPr>
-      <p:sp>
-        <p:nvSpPr>
-          <p:cNvPr id="2" name="Title 1"/>
-          <p:cNvSpPr>
-            <a:spLocks noGrp="1"/>
-          </p:cNvSpPr>
-          <p:nvPr>
-            <p:ph type="ctrTitle"/>
-          </p:nvPr>
-        </p:nvSpPr>
-        <p:spPr/>
-        <p:txBody>
-          <a:bodyPr/>
-          <a:lstStyle/>
-          <a:p>
-            <a:endParaRPr lang="en-IN" dirty="0"/>
-          </a:p>
-        </p:txBody>
-      </p:sp>
-      <p:sp>
-        <p:nvSpPr>
-          <p:cNvPr id="3" name="Subtitle 2"/>
-          <p:cNvSpPr>
-            <a:spLocks noGrp="1"/>
-          </p:cNvSpPr>
-          <p:nvPr>
-            <p:ph type="subTitle" idx="1"/>
-          </p:nvPr>
-        </p:nvSpPr>
-        <p:spPr/>
-        <p:txBody>
-          <a:bodyPr/>
-          <a:lstStyle/>
-          <a:p>
-            <a:endParaRPr lang="en-IN"/>
+      <p:pic>
+        <p:nvPicPr>
+          <p:cNvPr id="3" name="Picture 2">
+            <a:extLst>
+              <a:ext uri="{FF2B5EF4-FFF2-40B4-BE49-F238E27FC236}">
+                <a16:creationId xmlns:a16="http://schemas.microsoft.com/office/drawing/2014/main" id="{85DAA529-4A7E-943A-51E6-0C8B42DC569A}"/>
+              </a:ext>
+            </a:extLst>
+          </p:cNvPr>
+          <p:cNvPicPr>
+            <a:picLocks noChangeAspect="1"/>
+          </p:cNvPicPr>
+          <p:nvPr/>
+        </p:nvPicPr>
+        <p:blipFill>
+          <a:blip r:embed="rId2">
+            <a:extLst>
+              <a:ext uri="{28A0092B-C50C-407E-A947-70E740481C1C}">
+                <a14:useLocalDpi xmlns:a14="http://schemas.microsoft.com/office/drawing/2010/main" val="0"/>
+              </a:ext>
+            </a:extLst>
+          </a:blip>
+          <a:stretch>
+            <a:fillRect/>
+          </a:stretch>
+        </p:blipFill>
+        <p:spPr>
+          <a:xfrm>
+            <a:off x="1157922" y="1338411"/>
+            <a:ext cx="9501665" cy="5007005"/>
+          </a:xfrm>
+          <a:prstGeom prst="rect">
+            <a:avLst/>
+          </a:prstGeom>
+          <a:ln>
+            <a:noFill/>
+          </a:ln>
+          <a:effectLst>
+            <a:outerShdw blurRad="190500" algn="tl" rotWithShape="0">
+              <a:srgbClr val="000000">
+                <a:alpha val="70000"/>
+              </a:srgbClr>
+            </a:outerShdw>
+            <a:softEdge rad="38100"/>
+          </a:effectLst>
+        </p:spPr>
+      </p:pic>
+      <p:sp>
+        <p:nvSpPr>
+          <p:cNvPr id="6" name="TextBox 5">
+            <a:extLst>
+              <a:ext uri="{FF2B5EF4-FFF2-40B4-BE49-F238E27FC236}">
+                <a16:creationId xmlns:a16="http://schemas.microsoft.com/office/drawing/2014/main" id="{DA8E1DDC-81D9-D8CE-6B29-922F6AADE93C}"/>
+              </a:ext>
+            </a:extLst>
+          </p:cNvPr>
+          <p:cNvSpPr txBox="1"/>
+          <p:nvPr/>
+        </p:nvSpPr>
+        <p:spPr>
+          <a:xfrm flipH="1">
+            <a:off x="663390" y="512584"/>
+            <a:ext cx="10359105" cy="523220"/>
+          </a:xfrm>
+          <a:prstGeom prst="rect">
+            <a:avLst/>
+          </a:prstGeom>
+          <a:noFill/>
+        </p:spPr>
+        <p:txBody>
+          <a:bodyPr wrap="square" rtlCol="0">
+            <a:spAutoFit/>
+          </a:bodyPr>
+          <a:lstStyle/>
+          <a:p>
+            <a:pPr marL="36900" indent="0" algn="ctr">
+              <a:buNone/>
+            </a:pPr>
+            <a:r>
+              <a:rPr lang="en-IN" sz="2800" b="1" dirty="0">
+                <a:ln w="3175">
+                  <a:noFill/>
+                  <a:prstDash val="solid"/>
+                </a:ln>
+                <a:solidFill>
+                  <a:srgbClr val="002060"/>
+                </a:solidFill>
+                <a:effectLst>
+                  <a:outerShdw blurRad="38100" dist="38100" dir="2700000" algn="tl">
+                    <a:srgbClr val="000000">
+                      <a:alpha val="43137"/>
+                    </a:srgbClr>
+                  </a:outerShdw>
+                </a:effectLst>
+                <a:latin typeface="Times New Roman" panose="02020603050405020304" pitchFamily="18" charset="0"/>
+                <a:cs typeface="Times New Roman" panose="02020603050405020304" pitchFamily="18" charset="0"/>
+              </a:rPr>
+              <a:t>Facial Image Recognition using CRI-AI Thermal Cameras</a:t>
+            </a:r>
+          </a:p>
+        </p:txBody>
+      </p:sp>
+      <p:sp>
+        <p:nvSpPr>
+          <p:cNvPr id="7" name="TextBox 6">
+            <a:extLst>
+              <a:ext uri="{FF2B5EF4-FFF2-40B4-BE49-F238E27FC236}">
+                <a16:creationId xmlns:a16="http://schemas.microsoft.com/office/drawing/2014/main" id="{8C501897-3F92-5F2A-8331-80B4FB5AAE2C}"/>
+              </a:ext>
+            </a:extLst>
+          </p:cNvPr>
+          <p:cNvSpPr txBox="1"/>
+          <p:nvPr/>
+        </p:nvSpPr>
+        <p:spPr>
+          <a:xfrm>
+            <a:off x="6960093" y="6497227"/>
+            <a:ext cx="3773010" cy="215444"/>
+          </a:xfrm>
+          <a:prstGeom prst="rect">
+            <a:avLst/>
+          </a:prstGeom>
+          <a:noFill/>
+        </p:spPr>
+        <p:txBody>
+          <a:bodyPr wrap="square" rtlCol="0">
+            <a:spAutoFit/>
+          </a:bodyPr>
+          <a:lstStyle/>
+          <a:p>
+            <a:r>
+              <a:rPr lang="en-US" sz="800" dirty="0"/>
+              <a:t>Image Source: </a:t>
+            </a:r>
+            <a:r>
+              <a:rPr lang="en-US" sz="800" dirty="0">
+                <a:hlinkClick r:id="rId3"/>
+              </a:rPr>
+              <a:t>https://ngscinc.com/access-control-trends-for-2021-facial-recognition/</a:t>
+            </a:r>
+            <a:endParaRPr lang="en-IN" sz="800" dirty="0"/>
           </a:p>
         </p:txBody>
       </p:sp>
     </p:spTree>
     <p:extLst>
       <p:ext uri="{BB962C8B-B14F-4D97-AF65-F5344CB8AC3E}">
-        <p14:creationId xmlns:p14="http://schemas.microsoft.com/office/powerpoint/2010/main" val="2019143033"/>
-      </p:ext>
-    </p:extLst>
-  </p:cSld>
-  <p:clrMapOvr>
-    <a:masterClrMapping/>
-  </p:clrMapOvr>
-</p:sld>
-</file>
-
-<file path=ppt/slides/slide10.xml><?xml version="1.0" encoding="utf-8"?>
-<p:sld xmlns:a="http://schemas.openxmlformats.org/drawingml/2006/main" xmlns:r="http://schemas.openxmlformats.org/officeDocument/2006/relationships" xmlns:p="http://schemas.openxmlformats.org/presentationml/2006/main">
-  <p:cSld>
-    <p:spTree>
-      <p:nvGrpSpPr>
-        <p:cNvPr id="1" name=""/>
-        <p:cNvGrpSpPr/>
-        <p:nvPr/>
-      </p:nvGrpSpPr>
-      <p:grpSpPr>
-        <a:xfrm>
-          <a:off x="0" y="0"/>
-          <a:ext cx="0" cy="0"/>
-          <a:chOff x="0" y="0"/>
-          <a:chExt cx="0" cy="0"/>
-        </a:xfrm>
-      </p:grpSpPr>
-      <p:sp>
-        <p:nvSpPr>
-          <p:cNvPr id="2" name="Title 1"/>
-          <p:cNvSpPr>
-            <a:spLocks noGrp="1"/>
-          </p:cNvSpPr>
-          <p:nvPr>
-            <p:ph type="title"/>
-          </p:nvPr>
-        </p:nvSpPr>
-        <p:spPr>
-          <a:xfrm>
-            <a:off x="4380931" y="2466880"/>
-            <a:ext cx="3316406" cy="1325563"/>
-          </a:xfrm>
-        </p:spPr>
-        <p:txBody>
-          <a:bodyPr/>
-          <a:lstStyle/>
-          <a:p>
-            <a:r>
-              <a:rPr lang="en-IN" dirty="0" smtClean="0"/>
-              <a:t>Thank you!</a:t>
-            </a:r>
-            <a:endParaRPr lang="en-IN" dirty="0"/>
-          </a:p>
-        </p:txBody>
-      </p:sp>
-    </p:spTree>
-    <p:extLst>
-      <p:ext uri="{BB962C8B-B14F-4D97-AF65-F5344CB8AC3E}">
-        <p14:creationId xmlns:p14="http://schemas.microsoft.com/office/powerpoint/2010/main" val="1082783644"/>
+        <p14:creationId xmlns:p14="http://schemas.microsoft.com/office/powerpoint/2010/main" val="1970218311"/>
       </p:ext>
     </p:extLst>
   </p:cSld>
@@ -3106,10 +3163,49 @@
       </p:grpSpPr>
       <p:sp>
         <p:nvSpPr>
-          <p:cNvPr id="4" name="Title 3">
+          <p:cNvPr id="2" name="Title 1"/>
+          <p:cNvSpPr>
+            <a:spLocks noGrp="1"/>
+          </p:cNvSpPr>
+          <p:nvPr>
+            <p:ph type="title"/>
+          </p:nvPr>
+        </p:nvSpPr>
+        <p:spPr>
+          <a:xfrm>
+            <a:off x="830803" y="421689"/>
+            <a:ext cx="10515600" cy="1325563"/>
+          </a:xfrm>
+        </p:spPr>
+        <p:txBody>
+          <a:bodyPr>
+            <a:normAutofit/>
+          </a:bodyPr>
+          <a:lstStyle/>
+          <a:p>
+            <a:r>
+              <a:rPr lang="en-IN" sz="3600" dirty="0">
+                <a:effectLst>
+                  <a:outerShdw blurRad="38100" dist="38100" dir="2700000" algn="tl">
+                    <a:srgbClr val="000000">
+                      <a:alpha val="43137"/>
+                    </a:srgbClr>
+                  </a:outerShdw>
+                </a:effectLst>
+                <a:latin typeface="Times New Roman" panose="02020603050405020304" pitchFamily="18" charset="0"/>
+                <a:cs typeface="Times New Roman" panose="02020603050405020304" pitchFamily="18" charset="0"/>
+              </a:rPr>
+              <a:t>Content</a:t>
+            </a:r>
+          </a:p>
+        </p:txBody>
+      </p:sp>
+      <p:sp>
+        <p:nvSpPr>
+          <p:cNvPr id="6" name="Title 1">
             <a:extLst>
               <a:ext uri="{FF2B5EF4-FFF2-40B4-BE49-F238E27FC236}">
-                <a16:creationId xmlns:a16="http://schemas.microsoft.com/office/drawing/2014/main" xmlns="" id="{D8D9C6E5-92B7-2883-85E1-43F3547B4E5E}"/>
+                <a16:creationId xmlns:a16="http://schemas.microsoft.com/office/drawing/2014/main" id="{688F796A-DDDE-CAF6-1BDF-229759878D87}"/>
               </a:ext>
             </a:extLst>
           </p:cNvPr>
@@ -3120,8 +3216,8 @@
         </p:nvSpPr>
         <p:spPr>
           <a:xfrm>
-            <a:off x="913795" y="609600"/>
-            <a:ext cx="10353762" cy="1257300"/>
+            <a:off x="830803" y="1242906"/>
+            <a:ext cx="10515600" cy="5193405"/>
           </a:xfrm>
           <a:prstGeom prst="rect">
             <a:avLst/>
@@ -3151,281 +3247,151 @@
             </a:lvl1pPr>
           </a:lstStyle>
           <a:p>
-            <a:r>
-              <a:rPr lang="en-IN" smtClean="0"/>
-              <a:t>Title of the Project</a:t>
-            </a:r>
-            <a:endParaRPr lang="en-IN" dirty="0"/>
-          </a:p>
-        </p:txBody>
-      </p:sp>
-      <p:sp>
-        <p:nvSpPr>
-          <p:cNvPr id="5" name="Content Placeholder 4">
-            <a:extLst>
-              <a:ext uri="{FF2B5EF4-FFF2-40B4-BE49-F238E27FC236}">
-                <a16:creationId xmlns:a16="http://schemas.microsoft.com/office/drawing/2014/main" xmlns="" id="{62CA7F85-E098-930A-B7CD-F7C7FDB5D0E3}"/>
-              </a:ext>
-            </a:extLst>
-          </p:cNvPr>
-          <p:cNvSpPr txBox="1">
-            <a:spLocks/>
-          </p:cNvSpPr>
-          <p:nvPr/>
-        </p:nvSpPr>
-        <p:spPr>
-          <a:xfrm>
-            <a:off x="664413" y="1957697"/>
-            <a:ext cx="10353762" cy="3714749"/>
-          </a:xfrm>
-          <a:prstGeom prst="rect">
-            <a:avLst/>
-          </a:prstGeom>
-          <a:ln>
-            <a:noFill/>
-          </a:ln>
-        </p:spPr>
-        <p:txBody>
-          <a:bodyPr vert="horz" lIns="91440" tIns="45720" rIns="91440" bIns="45720" rtlCol="0">
-            <a:normAutofit/>
-          </a:bodyPr>
-          <a:lstStyle>
-            <a:lvl1pPr marL="228600" indent="-228600" algn="l" defTabSz="914400" rtl="0" eaLnBrk="1" latinLnBrk="0" hangingPunct="1">
-              <a:lnSpc>
-                <a:spcPct val="90000"/>
-              </a:lnSpc>
-              <a:spcBef>
-                <a:spcPts val="1000"/>
-              </a:spcBef>
+            <a:pPr marL="342900" indent="-342900">
               <a:buFont typeface="Arial" panose="020B0604020202020204" pitchFamily="34" charset="0"/>
               <a:buChar char="•"/>
-              <a:defRPr sz="2800" kern="1200">
-                <a:solidFill>
-                  <a:schemeClr val="tx1"/>
-                </a:solidFill>
-                <a:latin typeface="+mn-lt"/>
-                <a:ea typeface="+mn-ea"/>
-                <a:cs typeface="+mn-cs"/>
-              </a:defRPr>
-            </a:lvl1pPr>
-            <a:lvl2pPr marL="685800" indent="-228600" algn="l" defTabSz="914400" rtl="0" eaLnBrk="1" latinLnBrk="0" hangingPunct="1">
-              <a:lnSpc>
-                <a:spcPct val="90000"/>
-              </a:lnSpc>
-              <a:spcBef>
-                <a:spcPts val="500"/>
-              </a:spcBef>
+            </a:pPr>
+            <a:r>
+              <a:rPr lang="en-IN" sz="2000" dirty="0">
+                <a:latin typeface="Times New Roman" panose="02020603050405020304" pitchFamily="18" charset="0"/>
+                <a:cs typeface="Times New Roman" panose="02020603050405020304" pitchFamily="18" charset="0"/>
+              </a:rPr>
+              <a:t>Project Summary</a:t>
+            </a:r>
+          </a:p>
+          <a:p>
+            <a:pPr marL="342900" indent="-342900">
               <a:buFont typeface="Arial" panose="020B0604020202020204" pitchFamily="34" charset="0"/>
               <a:buChar char="•"/>
-              <a:defRPr sz="2400" kern="1200">
-                <a:solidFill>
-                  <a:schemeClr val="tx1"/>
-                </a:solidFill>
-                <a:latin typeface="+mn-lt"/>
-                <a:ea typeface="+mn-ea"/>
-                <a:cs typeface="+mn-cs"/>
-              </a:defRPr>
-            </a:lvl2pPr>
-            <a:lvl3pPr marL="1143000" indent="-228600" algn="l" defTabSz="914400" rtl="0" eaLnBrk="1" latinLnBrk="0" hangingPunct="1">
-              <a:lnSpc>
-                <a:spcPct val="90000"/>
-              </a:lnSpc>
-              <a:spcBef>
-                <a:spcPts val="500"/>
-              </a:spcBef>
+            </a:pPr>
+            <a:endParaRPr lang="en-IN" sz="2000" dirty="0">
+              <a:latin typeface="Times New Roman" panose="02020603050405020304" pitchFamily="18" charset="0"/>
+              <a:cs typeface="Times New Roman" panose="02020603050405020304" pitchFamily="18" charset="0"/>
+            </a:endParaRPr>
+          </a:p>
+          <a:p>
+            <a:pPr marL="342900" indent="-342900">
               <a:buFont typeface="Arial" panose="020B0604020202020204" pitchFamily="34" charset="0"/>
               <a:buChar char="•"/>
-              <a:defRPr sz="2000" kern="1200">
-                <a:solidFill>
-                  <a:schemeClr val="tx1"/>
-                </a:solidFill>
-                <a:latin typeface="+mn-lt"/>
-                <a:ea typeface="+mn-ea"/>
-                <a:cs typeface="+mn-cs"/>
-              </a:defRPr>
-            </a:lvl3pPr>
-            <a:lvl4pPr marL="1600200" indent="-228600" algn="l" defTabSz="914400" rtl="0" eaLnBrk="1" latinLnBrk="0" hangingPunct="1">
-              <a:lnSpc>
-                <a:spcPct val="90000"/>
-              </a:lnSpc>
-              <a:spcBef>
-                <a:spcPts val="500"/>
-              </a:spcBef>
+            </a:pPr>
+            <a:r>
+              <a:rPr lang="en-US" sz="2000" dirty="0">
+                <a:latin typeface="Times New Roman" panose="02020603050405020304" pitchFamily="18" charset="0"/>
+                <a:cs typeface="Times New Roman" panose="02020603050405020304" pitchFamily="18" charset="0"/>
+              </a:rPr>
+              <a:t>Team Profile</a:t>
+            </a:r>
+          </a:p>
+          <a:p>
+            <a:pPr marL="342900" indent="-342900">
               <a:buFont typeface="Arial" panose="020B0604020202020204" pitchFamily="34" charset="0"/>
               <a:buChar char="•"/>
-              <a:defRPr sz="1800" kern="1200">
-                <a:solidFill>
-                  <a:schemeClr val="tx1"/>
-                </a:solidFill>
-                <a:latin typeface="+mn-lt"/>
-                <a:ea typeface="+mn-ea"/>
-                <a:cs typeface="+mn-cs"/>
-              </a:defRPr>
-            </a:lvl4pPr>
-            <a:lvl5pPr marL="2057400" indent="-228600" algn="l" defTabSz="914400" rtl="0" eaLnBrk="1" latinLnBrk="0" hangingPunct="1">
-              <a:lnSpc>
-                <a:spcPct val="90000"/>
-              </a:lnSpc>
-              <a:spcBef>
-                <a:spcPts val="500"/>
-              </a:spcBef>
+            </a:pPr>
+            <a:endParaRPr lang="en-US" sz="2000" dirty="0">
+              <a:latin typeface="Times New Roman" panose="02020603050405020304" pitchFamily="18" charset="0"/>
+              <a:cs typeface="Times New Roman" panose="02020603050405020304" pitchFamily="18" charset="0"/>
+            </a:endParaRPr>
+          </a:p>
+          <a:p>
+            <a:pPr marL="342900" indent="-342900">
               <a:buFont typeface="Arial" panose="020B0604020202020204" pitchFamily="34" charset="0"/>
               <a:buChar char="•"/>
-              <a:defRPr sz="1800" kern="1200">
-                <a:solidFill>
-                  <a:schemeClr val="tx1"/>
-                </a:solidFill>
-                <a:latin typeface="+mn-lt"/>
-                <a:ea typeface="+mn-ea"/>
-                <a:cs typeface="+mn-cs"/>
-              </a:defRPr>
-            </a:lvl5pPr>
-            <a:lvl6pPr marL="2514600" indent="-228600" algn="l" defTabSz="914400" rtl="0" eaLnBrk="1" latinLnBrk="0" hangingPunct="1">
-              <a:lnSpc>
-                <a:spcPct val="90000"/>
-              </a:lnSpc>
-              <a:spcBef>
-                <a:spcPts val="500"/>
-              </a:spcBef>
+            </a:pPr>
+            <a:r>
+              <a:rPr lang="en-US" sz="2000" dirty="0">
+                <a:latin typeface="Times New Roman" panose="02020603050405020304" pitchFamily="18" charset="0"/>
+                <a:cs typeface="Times New Roman" panose="02020603050405020304" pitchFamily="18" charset="0"/>
+              </a:rPr>
+              <a:t>Project Progress update</a:t>
+            </a:r>
+          </a:p>
+          <a:p>
+            <a:pPr marL="342900" indent="-342900">
               <a:buFont typeface="Arial" panose="020B0604020202020204" pitchFamily="34" charset="0"/>
               <a:buChar char="•"/>
-              <a:defRPr sz="1800" kern="1200">
-                <a:solidFill>
-                  <a:schemeClr val="tx1"/>
-                </a:solidFill>
-                <a:latin typeface="+mn-lt"/>
-                <a:ea typeface="+mn-ea"/>
-                <a:cs typeface="+mn-cs"/>
-              </a:defRPr>
-            </a:lvl6pPr>
-            <a:lvl7pPr marL="2971800" indent="-228600" algn="l" defTabSz="914400" rtl="0" eaLnBrk="1" latinLnBrk="0" hangingPunct="1">
-              <a:lnSpc>
-                <a:spcPct val="90000"/>
-              </a:lnSpc>
-              <a:spcBef>
-                <a:spcPts val="500"/>
-              </a:spcBef>
+            </a:pPr>
+            <a:endParaRPr lang="en-US" sz="2000" dirty="0">
+              <a:latin typeface="Times New Roman" panose="02020603050405020304" pitchFamily="18" charset="0"/>
+              <a:cs typeface="Times New Roman" panose="02020603050405020304" pitchFamily="18" charset="0"/>
+            </a:endParaRPr>
+          </a:p>
+          <a:p>
+            <a:pPr marL="342900" indent="-342900">
               <a:buFont typeface="Arial" panose="020B0604020202020204" pitchFamily="34" charset="0"/>
               <a:buChar char="•"/>
-              <a:defRPr sz="1800" kern="1200">
-                <a:solidFill>
-                  <a:schemeClr val="tx1"/>
-                </a:solidFill>
-                <a:latin typeface="+mn-lt"/>
-                <a:ea typeface="+mn-ea"/>
-                <a:cs typeface="+mn-cs"/>
-              </a:defRPr>
-            </a:lvl7pPr>
-            <a:lvl8pPr marL="3429000" indent="-228600" algn="l" defTabSz="914400" rtl="0" eaLnBrk="1" latinLnBrk="0" hangingPunct="1">
-              <a:lnSpc>
-                <a:spcPct val="90000"/>
-              </a:lnSpc>
-              <a:spcBef>
-                <a:spcPts val="500"/>
-              </a:spcBef>
+            </a:pPr>
+            <a:r>
+              <a:rPr lang="en-US" sz="2000" dirty="0">
+                <a:latin typeface="Times New Roman" panose="02020603050405020304" pitchFamily="18" charset="0"/>
+                <a:cs typeface="Times New Roman" panose="02020603050405020304" pitchFamily="18" charset="0"/>
+              </a:rPr>
+              <a:t>Individual Status Report</a:t>
+            </a:r>
+          </a:p>
+          <a:p>
+            <a:pPr marL="342900" indent="-342900">
               <a:buFont typeface="Arial" panose="020B0604020202020204" pitchFamily="34" charset="0"/>
               <a:buChar char="•"/>
-              <a:defRPr sz="1800" kern="1200">
-                <a:solidFill>
-                  <a:schemeClr val="tx1"/>
-                </a:solidFill>
-                <a:latin typeface="+mn-lt"/>
-                <a:ea typeface="+mn-ea"/>
-                <a:cs typeface="+mn-cs"/>
-              </a:defRPr>
-            </a:lvl8pPr>
-            <a:lvl9pPr marL="3886200" indent="-228600" algn="l" defTabSz="914400" rtl="0" eaLnBrk="1" latinLnBrk="0" hangingPunct="1">
-              <a:lnSpc>
-                <a:spcPct val="90000"/>
-              </a:lnSpc>
-              <a:spcBef>
-                <a:spcPts val="500"/>
-              </a:spcBef>
+            </a:pPr>
+            <a:endParaRPr lang="en-US" sz="2000" dirty="0">
+              <a:latin typeface="Times New Roman" panose="02020603050405020304" pitchFamily="18" charset="0"/>
+              <a:cs typeface="Times New Roman" panose="02020603050405020304" pitchFamily="18" charset="0"/>
+            </a:endParaRPr>
+          </a:p>
+          <a:p>
+            <a:pPr marL="342900" indent="-342900">
               <a:buFont typeface="Arial" panose="020B0604020202020204" pitchFamily="34" charset="0"/>
               <a:buChar char="•"/>
-              <a:defRPr sz="1800" kern="1200">
-                <a:solidFill>
-                  <a:schemeClr val="tx1"/>
-                </a:solidFill>
-                <a:latin typeface="+mn-lt"/>
-                <a:ea typeface="+mn-ea"/>
-                <a:cs typeface="+mn-cs"/>
-              </a:defRPr>
-            </a:lvl9pPr>
-          </a:lstStyle>
-          <a:p>
-            <a:pPr algn="ctr"/>
-            <a:endParaRPr lang="en-IN" b="1" dirty="0" smtClean="0">
-              <a:ln w="22225">
-                <a:solidFill>
-                  <a:schemeClr val="accent2"/>
-                </a:solidFill>
-                <a:prstDash val="solid"/>
-              </a:ln>
-              <a:solidFill>
-                <a:srgbClr val="C00000"/>
-              </a:solidFill>
+            </a:pPr>
+            <a:r>
+              <a:rPr lang="en-US" sz="2000" dirty="0">
+                <a:latin typeface="Times New Roman" panose="02020603050405020304" pitchFamily="18" charset="0"/>
+                <a:cs typeface="Times New Roman" panose="02020603050405020304" pitchFamily="18" charset="0"/>
+              </a:rPr>
+              <a:t>High-Level Timeline Chart (GANTT)</a:t>
+            </a:r>
+          </a:p>
+          <a:p>
+            <a:endParaRPr lang="en-US" sz="2000" dirty="0">
+              <a:latin typeface="Times New Roman" panose="02020603050405020304" pitchFamily="18" charset="0"/>
+              <a:cs typeface="Times New Roman" panose="02020603050405020304" pitchFamily="18" charset="0"/>
             </a:endParaRPr>
           </a:p>
           <a:p>
-            <a:pPr algn="ctr"/>
-            <a:endParaRPr lang="en-IN" b="1" dirty="0" smtClean="0">
-              <a:ln w="22225">
-                <a:solidFill>
-                  <a:schemeClr val="accent2"/>
-                </a:solidFill>
-                <a:prstDash val="solid"/>
-              </a:ln>
-              <a:solidFill>
-                <a:srgbClr val="C00000"/>
-              </a:solidFill>
+            <a:pPr marL="342900" indent="-342900">
+              <a:buFont typeface="Arial" panose="020B0604020202020204" pitchFamily="34" charset="0"/>
+              <a:buChar char="•"/>
+            </a:pPr>
+            <a:r>
+              <a:rPr lang="en-US" sz="2000" dirty="0">
+                <a:latin typeface="Times New Roman" panose="02020603050405020304" pitchFamily="18" charset="0"/>
+                <a:cs typeface="Times New Roman" panose="02020603050405020304" pitchFamily="18" charset="0"/>
+              </a:rPr>
+              <a:t>Plans for the next weekly status report</a:t>
+            </a:r>
+          </a:p>
+          <a:p>
+            <a:pPr marL="342900" indent="-342900">
+              <a:buFont typeface="Arial" panose="020B0604020202020204" pitchFamily="34" charset="0"/>
+              <a:buChar char="•"/>
+            </a:pPr>
+            <a:endParaRPr lang="en-US" sz="2000" dirty="0">
+              <a:latin typeface="Times New Roman" panose="02020603050405020304" pitchFamily="18" charset="0"/>
+              <a:cs typeface="Times New Roman" panose="02020603050405020304" pitchFamily="18" charset="0"/>
             </a:endParaRPr>
           </a:p>
           <a:p>
-            <a:pPr algn="ctr"/>
-            <a:endParaRPr lang="en-IN" b="1" dirty="0" smtClean="0">
-              <a:ln w="22225">
-                <a:solidFill>
-                  <a:schemeClr val="accent2"/>
-                </a:solidFill>
-                <a:prstDash val="solid"/>
-              </a:ln>
-              <a:solidFill>
-                <a:srgbClr val="C00000"/>
-              </a:solidFill>
+            <a:endParaRPr lang="en-US" sz="2000" dirty="0">
+              <a:latin typeface="Times New Roman" panose="02020603050405020304" pitchFamily="18" charset="0"/>
+              <a:cs typeface="Times New Roman" panose="02020603050405020304" pitchFamily="18" charset="0"/>
             </a:endParaRPr>
-          </a:p>
-          <a:p>
-            <a:pPr marL="36900" indent="0" algn="ctr">
-              <a:buNone/>
-            </a:pPr>
-            <a:r>
-              <a:rPr lang="en-IN" b="1" dirty="0" smtClean="0">
-                <a:ln w="3175">
-                  <a:solidFill>
-                    <a:schemeClr val="accent1">
-                      <a:lumMod val="40000"/>
-                      <a:lumOff val="60000"/>
-                    </a:schemeClr>
-                  </a:solidFill>
-                  <a:prstDash val="solid"/>
-                </a:ln>
-                <a:solidFill>
-                  <a:srgbClr val="C00000"/>
-                </a:solidFill>
-              </a:rPr>
-              <a:t>Facial Image Recognition using CRI-AI Thermal cameras</a:t>
-            </a:r>
-          </a:p>
-          <a:p>
-            <a:endParaRPr lang="en-IN" dirty="0"/>
           </a:p>
         </p:txBody>
       </p:sp>
     </p:spTree>
     <p:extLst>
       <p:ext uri="{BB962C8B-B14F-4D97-AF65-F5344CB8AC3E}">
-        <p14:creationId xmlns:p14="http://schemas.microsoft.com/office/powerpoint/2010/main" val="1970218311"/>
+        <p14:creationId xmlns:p14="http://schemas.microsoft.com/office/powerpoint/2010/main" val="3199638323"/>
       </p:ext>
     </p:extLst>
   </p:cSld>
@@ -3462,59 +3428,195 @@
             <p:ph type="title"/>
           </p:nvPr>
         </p:nvSpPr>
-        <p:spPr/>
-        <p:txBody>
-          <a:bodyPr/>
-          <a:lstStyle/>
-          <a:p>
-            <a:r>
-              <a:rPr lang="en-IN" dirty="0" smtClean="0"/>
-              <a:t>Project summary </a:t>
-            </a:r>
-            <a:endParaRPr lang="en-IN" dirty="0"/>
-          </a:p>
-        </p:txBody>
-      </p:sp>
-      <p:sp>
-        <p:nvSpPr>
-          <p:cNvPr id="3" name="Content Placeholder 2"/>
-          <p:cNvSpPr>
-            <a:spLocks noGrp="1"/>
-          </p:cNvSpPr>
-          <p:nvPr>
-            <p:ph idx="1"/>
-          </p:nvPr>
-        </p:nvSpPr>
         <p:spPr>
           <a:xfrm>
-            <a:off x="746975" y="1690688"/>
-            <a:ext cx="10606825" cy="4486275"/>
+            <a:off x="838200" y="551558"/>
+            <a:ext cx="10515600" cy="703654"/>
           </a:xfrm>
         </p:spPr>
         <p:txBody>
-          <a:bodyPr/>
-          <a:lstStyle/>
-          <a:p>
-            <a:r>
-              <a:rPr lang="en-US" dirty="0"/>
-              <a:t>The process of Image segmentation involves using facial thermal signatures to </a:t>
-            </a:r>
-            <a:r>
-              <a:rPr lang="en-US" dirty="0" smtClean="0"/>
-              <a:t>accurately </a:t>
-            </a:r>
-            <a:r>
-              <a:rPr lang="en-US" dirty="0"/>
-              <a:t>identify and recognize faces.</a:t>
-            </a:r>
-            <a:endParaRPr lang="en-IN" dirty="0"/>
+          <a:bodyPr>
+            <a:normAutofit/>
+          </a:bodyPr>
+          <a:lstStyle/>
+          <a:p>
+            <a:r>
+              <a:rPr lang="en-IN" sz="3600" dirty="0">
+                <a:effectLst>
+                  <a:outerShdw blurRad="38100" dist="38100" dir="2700000" algn="tl">
+                    <a:srgbClr val="000000">
+                      <a:alpha val="43137"/>
+                    </a:srgbClr>
+                  </a:outerShdw>
+                </a:effectLst>
+                <a:latin typeface="Times New Roman" panose="02020603050405020304" pitchFamily="18" charset="0"/>
+                <a:cs typeface="Times New Roman" panose="02020603050405020304" pitchFamily="18" charset="0"/>
+              </a:rPr>
+              <a:t>Project Summary</a:t>
+            </a:r>
+          </a:p>
+        </p:txBody>
+      </p:sp>
+      <p:sp>
+        <p:nvSpPr>
+          <p:cNvPr id="6" name="Title 1">
+            <a:extLst>
+              <a:ext uri="{FF2B5EF4-FFF2-40B4-BE49-F238E27FC236}">
+                <a16:creationId xmlns:a16="http://schemas.microsoft.com/office/drawing/2014/main" id="{0383EC4E-DFE6-BF64-0650-FBF0B2FF6786}"/>
+              </a:ext>
+            </a:extLst>
+          </p:cNvPr>
+          <p:cNvSpPr txBox="1">
+            <a:spLocks/>
+          </p:cNvSpPr>
+          <p:nvPr/>
+        </p:nvSpPr>
+        <p:spPr>
+          <a:xfrm>
+            <a:off x="830803" y="1242906"/>
+            <a:ext cx="10515600" cy="5193405"/>
+          </a:xfrm>
+          <a:prstGeom prst="rect">
+            <a:avLst/>
+          </a:prstGeom>
+        </p:spPr>
+        <p:txBody>
+          <a:bodyPr vert="horz" lIns="91440" tIns="45720" rIns="91440" bIns="45720" rtlCol="0" anchor="ctr">
+            <a:normAutofit/>
+          </a:bodyPr>
+          <a:lstStyle>
+            <a:lvl1pPr algn="l" defTabSz="914400" rtl="0" eaLnBrk="1" latinLnBrk="0" hangingPunct="1">
+              <a:lnSpc>
+                <a:spcPct val="90000"/>
+              </a:lnSpc>
+              <a:spcBef>
+                <a:spcPct val="0"/>
+              </a:spcBef>
+              <a:buNone/>
+              <a:defRPr sz="4400" kern="1200">
+                <a:solidFill>
+                  <a:schemeClr val="tx1"/>
+                </a:solidFill>
+                <a:latin typeface="+mj-lt"/>
+                <a:ea typeface="+mj-ea"/>
+                <a:cs typeface="+mj-cs"/>
+              </a:defRPr>
+            </a:lvl1pPr>
+          </a:lstStyle>
+          <a:p>
+            <a:r>
+              <a:rPr lang="en-US" sz="2000" dirty="0">
+                <a:latin typeface="Times New Roman" panose="02020603050405020304" pitchFamily="18" charset="0"/>
+                <a:cs typeface="Times New Roman" panose="02020603050405020304" pitchFamily="18" charset="0"/>
+              </a:rPr>
+              <a:t>	Purpose of this project is to develop a model a facial recognition system using CRI- AI Thermal cameras. CRI stands for Color Rendering Index and is nothing but a specification of cameras which states </a:t>
+            </a:r>
+            <a:r>
+              <a:rPr lang="en-US" sz="2000" dirty="0">
+                <a:latin typeface="Times" panose="02020603060405020304" pitchFamily="18" charset="0"/>
+              </a:rPr>
+              <a:t>how accurately artificial light shows colors of the people under them.</a:t>
+            </a:r>
+          </a:p>
+          <a:p>
+            <a:pPr marL="342900" indent="-342900">
+              <a:buFont typeface="Arial" panose="020B0604020202020204" pitchFamily="34" charset="0"/>
+              <a:buChar char="•"/>
+            </a:pPr>
+            <a:endParaRPr lang="en-IN" sz="2000" dirty="0">
+              <a:latin typeface="Times New Roman" panose="02020603050405020304" pitchFamily="18" charset="0"/>
+              <a:cs typeface="Times New Roman" panose="02020603050405020304" pitchFamily="18" charset="0"/>
+            </a:endParaRPr>
+          </a:p>
+          <a:p>
+            <a:r>
+              <a:rPr lang="en-CA" sz="2000" dirty="0">
+                <a:effectLst/>
+                <a:latin typeface="Times New Roman" panose="02020603050405020304" pitchFamily="18" charset="0"/>
+                <a:ea typeface="Calibri" panose="020F0502020204030204" pitchFamily="34" charset="0"/>
+                <a:cs typeface="Times New Roman" panose="02020603050405020304" pitchFamily="18" charset="0"/>
+              </a:rPr>
+              <a:t>	Facial Recognition is the process of identifying a person through his or her facial features. We will be using thermal cameras to detect human faces. </a:t>
+            </a:r>
+            <a:r>
+              <a:rPr lang="en-CA" sz="2000" dirty="0">
+                <a:solidFill>
+                  <a:srgbClr val="222222"/>
+                </a:solidFill>
+                <a:effectLst/>
+                <a:latin typeface="Times New Roman" panose="02020603050405020304" pitchFamily="18" charset="0"/>
+                <a:ea typeface="Calibri" panose="020F0502020204030204" pitchFamily="34" charset="0"/>
+                <a:cs typeface="Times New Roman" panose="02020603050405020304" pitchFamily="18" charset="0"/>
+              </a:rPr>
+              <a:t>When we think about thermal images in the context of people, what usually comes to mind is night vision. The ability to see a person, or group of people, by the inevitable heat their bodies emit. </a:t>
+            </a:r>
+          </a:p>
+          <a:p>
+            <a:endParaRPr lang="en-CA" sz="2000" dirty="0">
+              <a:solidFill>
+                <a:srgbClr val="222222"/>
+              </a:solidFill>
+              <a:latin typeface="Times New Roman" panose="02020603050405020304" pitchFamily="18" charset="0"/>
+              <a:ea typeface="Calibri" panose="020F0502020204030204" pitchFamily="34" charset="0"/>
+              <a:cs typeface="Times New Roman" panose="02020603050405020304" pitchFamily="18" charset="0"/>
+            </a:endParaRPr>
+          </a:p>
+          <a:p>
+            <a:r>
+              <a:rPr lang="en-CA" sz="2000" dirty="0">
+                <a:solidFill>
+                  <a:srgbClr val="222222"/>
+                </a:solidFill>
+                <a:effectLst/>
+                <a:latin typeface="Times New Roman" panose="02020603050405020304" pitchFamily="18" charset="0"/>
+                <a:ea typeface="Calibri" panose="020F0502020204030204" pitchFamily="34" charset="0"/>
+                <a:cs typeface="Times New Roman" panose="02020603050405020304" pitchFamily="18" charset="0"/>
+              </a:rPr>
+              <a:t>	An important aspect of our project requires us to understand that thermal images capture heat in the form of frequency of pixels, varying from 0 to 1.</a:t>
+            </a:r>
+            <a:r>
+              <a:rPr lang="en-CA" sz="1800" dirty="0">
+                <a:solidFill>
+                  <a:srgbClr val="222222"/>
+                </a:solidFill>
+                <a:effectLst/>
+                <a:latin typeface="Calibri" panose="020F0502020204030204" pitchFamily="34" charset="0"/>
+                <a:ea typeface="Calibri" panose="020F0502020204030204" pitchFamily="34" charset="0"/>
+              </a:rPr>
+              <a:t> </a:t>
+            </a:r>
+            <a:r>
+              <a:rPr lang="en-CA" sz="2000" dirty="0">
+                <a:solidFill>
+                  <a:srgbClr val="222222"/>
+                </a:solidFill>
+                <a:effectLst/>
+                <a:latin typeface="Times New Roman" panose="02020603050405020304" pitchFamily="18" charset="0"/>
+                <a:ea typeface="Calibri" panose="020F0502020204030204" pitchFamily="34" charset="0"/>
+                <a:cs typeface="Times New Roman" panose="02020603050405020304" pitchFamily="18" charset="0"/>
+              </a:rPr>
+              <a:t>Studies have found that each face emits a unique heat signature due to the blood vessels below the skin, as mentioned by Barclay (2013).</a:t>
+            </a:r>
+            <a:r>
+              <a:rPr lang="en-CA" sz="2000" dirty="0">
+                <a:effectLst/>
+                <a:latin typeface="Times New Roman" panose="02020603050405020304" pitchFamily="18" charset="0"/>
+                <a:ea typeface="Calibri" panose="020F0502020204030204" pitchFamily="34" charset="0"/>
+                <a:cs typeface="Times New Roman" panose="02020603050405020304" pitchFamily="18" charset="0"/>
+              </a:rPr>
+              <a:t> Therefore, thermal facial images capture unique individual facial heat signatures which mark as unique biomarkers, providing us with rich information to classify a person correctly using a model.</a:t>
+            </a:r>
+            <a:endParaRPr lang="en-US" sz="2000" dirty="0">
+              <a:latin typeface="Times New Roman" panose="02020603050405020304" pitchFamily="18" charset="0"/>
+              <a:cs typeface="Times New Roman" panose="02020603050405020304" pitchFamily="18" charset="0"/>
+            </a:endParaRPr>
           </a:p>
         </p:txBody>
       </p:sp>
     </p:spTree>
     <p:extLst>
       <p:ext uri="{BB962C8B-B14F-4D97-AF65-F5344CB8AC3E}">
-        <p14:creationId xmlns:p14="http://schemas.microsoft.com/office/powerpoint/2010/main" val="3120807520"/>
+        <p14:creationId xmlns:p14="http://schemas.microsoft.com/office/powerpoint/2010/main" val="2925227165"/>
       </p:ext>
     </p:extLst>
   </p:cSld>
@@ -3541,76 +3643,22 @@
           <a:chExt cx="0" cy="0"/>
         </a:xfrm>
       </p:grpSpPr>
-      <p:sp>
-        <p:nvSpPr>
-          <p:cNvPr id="3" name="Content Placeholder 2"/>
-          <p:cNvSpPr>
-            <a:spLocks noGrp="1"/>
-          </p:cNvSpPr>
-          <p:nvPr>
-            <p:ph idx="1"/>
-          </p:nvPr>
-        </p:nvSpPr>
-        <p:spPr>
-          <a:xfrm>
-            <a:off x="735169" y="1052893"/>
-            <a:ext cx="10515600" cy="4351338"/>
-          </a:xfrm>
-        </p:spPr>
-        <p:txBody>
-          <a:bodyPr/>
-          <a:lstStyle/>
-          <a:p>
-            <a:pPr marL="0" indent="0">
-              <a:buNone/>
-            </a:pPr>
-            <a:r>
-              <a:rPr lang="en-US" dirty="0" smtClean="0"/>
-              <a:t>Tilak </a:t>
-            </a:r>
-            <a:r>
-              <a:rPr lang="en-US" dirty="0" err="1" smtClean="0"/>
-              <a:t>Pradipbhai</a:t>
-            </a:r>
-            <a:r>
-              <a:rPr lang="en-US" dirty="0" smtClean="0"/>
-              <a:t> Pandya</a:t>
-            </a:r>
-          </a:p>
-          <a:p>
-            <a:pPr marL="0" indent="0">
-              <a:buNone/>
-            </a:pPr>
-            <a:r>
-              <a:rPr lang="en-US" dirty="0" smtClean="0"/>
-              <a:t>A </a:t>
-            </a:r>
-            <a:r>
-              <a:rPr lang="en-US" dirty="0" smtClean="0"/>
-              <a:t>developer </a:t>
-            </a:r>
-            <a:r>
-              <a:rPr lang="en-US" dirty="0" smtClean="0"/>
-              <a:t>who is exploring the </a:t>
-            </a:r>
-            <a:r>
-              <a:rPr lang="en-US" dirty="0" smtClean="0"/>
-              <a:t>concepts and potential in the tech industry.</a:t>
-            </a:r>
-            <a:endParaRPr lang="en-IN" dirty="0"/>
-          </a:p>
-        </p:txBody>
-      </p:sp>
       <p:pic>
         <p:nvPicPr>
-          <p:cNvPr id="4" name="Picture 3"/>
+          <p:cNvPr id="7" name="Picture 6">
+            <a:extLst>
+              <a:ext uri="{FF2B5EF4-FFF2-40B4-BE49-F238E27FC236}">
+                <a16:creationId xmlns:a16="http://schemas.microsoft.com/office/drawing/2014/main" id="{4144EC14-7ADC-CF04-C71F-D6C094AB86C3}"/>
+              </a:ext>
+            </a:extLst>
+          </p:cNvPr>
           <p:cNvPicPr>
             <a:picLocks noChangeAspect="1"/>
           </p:cNvPicPr>
           <p:nvPr/>
         </p:nvPicPr>
         <p:blipFill>
-          <a:blip r:embed="rId2">
+          <a:blip r:embed="rId2" cstate="print">
             <a:extLst>
               <a:ext uri="{28A0092B-C50C-407E-A947-70E740481C1C}">
                 <a14:useLocalDpi xmlns:a14="http://schemas.microsoft.com/office/drawing/2010/main" val="0"/>
@@ -3623,24 +3671,898 @@
         </p:blipFill>
         <p:spPr>
           <a:xfrm>
-            <a:off x="7585656" y="2819400"/>
-            <a:ext cx="3768144" cy="3768144"/>
+            <a:off x="4568756" y="1549434"/>
+            <a:ext cx="3054488" cy="3054488"/>
+          </a:xfrm>
+          <a:prstGeom prst="roundRect">
+            <a:avLst>
+              <a:gd name="adj" fmla="val 8594"/>
+            </a:avLst>
+          </a:prstGeom>
+          <a:solidFill>
+            <a:srgbClr val="FFFFFF">
+              <a:shade val="85000"/>
+            </a:srgbClr>
+          </a:solidFill>
+          <a:ln>
+            <a:noFill/>
+          </a:ln>
+          <a:effectLst>
+            <a:reflection blurRad="12700" stA="38000" endPos="28000" dist="5000" dir="5400000" sy="-100000" algn="bl" rotWithShape="0"/>
+          </a:effectLst>
+        </p:spPr>
+      </p:pic>
+      <p:pic>
+        <p:nvPicPr>
+          <p:cNvPr id="9" name="Picture 8">
+            <a:extLst>
+              <a:ext uri="{FF2B5EF4-FFF2-40B4-BE49-F238E27FC236}">
+                <a16:creationId xmlns:a16="http://schemas.microsoft.com/office/drawing/2014/main" id="{98FF5E1D-0D41-6D46-7A8C-A957FD192D8E}"/>
+              </a:ext>
+            </a:extLst>
+          </p:cNvPr>
+          <p:cNvPicPr>
+            <a:picLocks noChangeAspect="1"/>
+          </p:cNvPicPr>
+          <p:nvPr/>
+        </p:nvPicPr>
+        <p:blipFill rotWithShape="1">
+          <a:blip r:embed="rId3" cstate="print">
+            <a:extLst>
+              <a:ext uri="{28A0092B-C50C-407E-A947-70E740481C1C}">
+                <a14:useLocalDpi xmlns:a14="http://schemas.microsoft.com/office/drawing/2010/main" val="0"/>
+              </a:ext>
+            </a:extLst>
+          </a:blip>
+          <a:srcRect t="10956" b="14043"/>
+          <a:stretch/>
+        </p:blipFill>
+        <p:spPr>
+          <a:xfrm>
+            <a:off x="8551793" y="1537184"/>
+            <a:ext cx="3054487" cy="3054488"/>
+          </a:xfrm>
+          <a:prstGeom prst="roundRect">
+            <a:avLst>
+              <a:gd name="adj" fmla="val 8594"/>
+            </a:avLst>
+          </a:prstGeom>
+          <a:solidFill>
+            <a:srgbClr val="FFFFFF">
+              <a:shade val="85000"/>
+            </a:srgbClr>
+          </a:solidFill>
+          <a:ln>
+            <a:noFill/>
+          </a:ln>
+          <a:effectLst>
+            <a:reflection blurRad="12700" stA="38000" endPos="28000" dist="5000" dir="5400000" sy="-100000" algn="bl" rotWithShape="0"/>
+          </a:effectLst>
+        </p:spPr>
+      </p:pic>
+      <p:pic>
+        <p:nvPicPr>
+          <p:cNvPr id="11" name="Picture 10">
+            <a:extLst>
+              <a:ext uri="{FF2B5EF4-FFF2-40B4-BE49-F238E27FC236}">
+                <a16:creationId xmlns:a16="http://schemas.microsoft.com/office/drawing/2014/main" id="{59BFCAB6-47E3-909A-10B5-4E9977979D3B}"/>
+              </a:ext>
+            </a:extLst>
+          </p:cNvPr>
+          <p:cNvPicPr>
+            <a:picLocks noChangeAspect="1"/>
+          </p:cNvPicPr>
+          <p:nvPr/>
+        </p:nvPicPr>
+        <p:blipFill rotWithShape="1">
+          <a:blip r:embed="rId4" cstate="print">
+            <a:extLst>
+              <a:ext uri="{28A0092B-C50C-407E-A947-70E740481C1C}">
+                <a14:useLocalDpi xmlns:a14="http://schemas.microsoft.com/office/drawing/2010/main" val="0"/>
+              </a:ext>
+            </a:extLst>
+          </a:blip>
+          <a:srcRect b="25040"/>
+          <a:stretch/>
+        </p:blipFill>
+        <p:spPr>
+          <a:xfrm>
+            <a:off x="563289" y="1549433"/>
+            <a:ext cx="3054487" cy="3054489"/>
+          </a:xfrm>
+          <a:prstGeom prst="roundRect">
+            <a:avLst>
+              <a:gd name="adj" fmla="val 8594"/>
+            </a:avLst>
+          </a:prstGeom>
+          <a:solidFill>
+            <a:srgbClr val="FFFFFF">
+              <a:shade val="85000"/>
+            </a:srgbClr>
+          </a:solidFill>
+          <a:ln>
+            <a:noFill/>
+          </a:ln>
+          <a:effectLst>
+            <a:reflection blurRad="12700" stA="38000" endPos="28000" dist="5000" dir="5400000" sy="-100000" algn="bl" rotWithShape="0"/>
+          </a:effectLst>
+        </p:spPr>
+      </p:pic>
+      <p:sp>
+        <p:nvSpPr>
+          <p:cNvPr id="2" name="Title 1"/>
+          <p:cNvSpPr>
+            <a:spLocks noGrp="1"/>
+          </p:cNvSpPr>
+          <p:nvPr>
+            <p:ph type="title"/>
+          </p:nvPr>
+        </p:nvSpPr>
+        <p:spPr>
+          <a:xfrm>
+            <a:off x="838200" y="211621"/>
+            <a:ext cx="10515600" cy="1325563"/>
+          </a:xfrm>
+        </p:spPr>
+        <p:txBody>
+          <a:bodyPr>
+            <a:normAutofit/>
+          </a:bodyPr>
+          <a:lstStyle/>
+          <a:p>
+            <a:r>
+              <a:rPr lang="en-IN" sz="3600" dirty="0">
+                <a:effectLst>
+                  <a:outerShdw blurRad="38100" dist="38100" dir="2700000" algn="tl">
+                    <a:srgbClr val="000000">
+                      <a:alpha val="43137"/>
+                    </a:srgbClr>
+                  </a:outerShdw>
+                </a:effectLst>
+                <a:latin typeface="Times New Roman" panose="02020603050405020304" pitchFamily="18" charset="0"/>
+                <a:cs typeface="Times New Roman" panose="02020603050405020304" pitchFamily="18" charset="0"/>
+              </a:rPr>
+              <a:t>Team Profile</a:t>
+            </a:r>
+          </a:p>
+        </p:txBody>
+      </p:sp>
+      <p:sp>
+        <p:nvSpPr>
+          <p:cNvPr id="3" name="Content Placeholder 2"/>
+          <p:cNvSpPr>
+            <a:spLocks noGrp="1"/>
+          </p:cNvSpPr>
+          <p:nvPr>
+            <p:ph idx="1"/>
+          </p:nvPr>
+        </p:nvSpPr>
+        <p:spPr>
+          <a:xfrm>
+            <a:off x="4568756" y="4944531"/>
+            <a:ext cx="3054488" cy="1554272"/>
+          </a:xfrm>
+        </p:spPr>
+        <p:txBody>
+          <a:bodyPr>
+            <a:normAutofit lnSpcReduction="10000"/>
+          </a:bodyPr>
+          <a:lstStyle/>
+          <a:p>
+            <a:pPr marL="0" indent="0" algn="ctr">
+              <a:buNone/>
+            </a:pPr>
+            <a:r>
+              <a:rPr lang="en-US" sz="2200" b="1" dirty="0">
+                <a:solidFill>
+                  <a:srgbClr val="002060"/>
+                </a:solidFill>
+                <a:effectLst>
+                  <a:outerShdw blurRad="38100" dist="38100" dir="2700000" algn="tl">
+                    <a:srgbClr val="000000">
+                      <a:alpha val="43137"/>
+                    </a:srgbClr>
+                  </a:outerShdw>
+                </a:effectLst>
+                <a:latin typeface="Times New Roman" panose="02020603050405020304" pitchFamily="18" charset="0"/>
+                <a:cs typeface="Times New Roman" panose="02020603050405020304" pitchFamily="18" charset="0"/>
+              </a:rPr>
+              <a:t>Tilak Pandya</a:t>
+            </a:r>
+          </a:p>
+          <a:p>
+            <a:pPr marL="0" indent="0" algn="ctr">
+              <a:buNone/>
+            </a:pPr>
+            <a:r>
+              <a:rPr lang="en-US" sz="1200" b="1" dirty="0">
+                <a:solidFill>
+                  <a:srgbClr val="002060"/>
+                </a:solidFill>
+                <a:effectLst>
+                  <a:outerShdw blurRad="38100" dist="38100" dir="2700000" algn="tl">
+                    <a:srgbClr val="000000">
+                      <a:alpha val="43137"/>
+                    </a:srgbClr>
+                  </a:outerShdw>
+                </a:effectLst>
+                <a:latin typeface="Times New Roman" panose="02020603050405020304" pitchFamily="18" charset="0"/>
+                <a:cs typeface="Times New Roman" panose="02020603050405020304" pitchFamily="18" charset="0"/>
+              </a:rPr>
+              <a:t>(BCA, MCA)</a:t>
+            </a:r>
+          </a:p>
+          <a:p>
+            <a:r>
+              <a:rPr lang="en-US" sz="1900" dirty="0">
+                <a:solidFill>
+                  <a:srgbClr val="002060"/>
+                </a:solidFill>
+                <a:latin typeface="Times New Roman" panose="02020603050405020304" pitchFamily="18" charset="0"/>
+                <a:cs typeface="Times New Roman" panose="02020603050405020304" pitchFamily="18" charset="0"/>
+              </a:rPr>
+              <a:t>A developer who explores concepts and potential in the tech industry.</a:t>
+            </a:r>
+            <a:endParaRPr lang="en-IN" sz="1900" dirty="0">
+              <a:solidFill>
+                <a:srgbClr val="002060"/>
+              </a:solidFill>
+              <a:latin typeface="Times New Roman" panose="02020603050405020304" pitchFamily="18" charset="0"/>
+              <a:cs typeface="Times New Roman" panose="02020603050405020304" pitchFamily="18" charset="0"/>
+            </a:endParaRPr>
+          </a:p>
+        </p:txBody>
+      </p:sp>
+      <p:sp>
+        <p:nvSpPr>
+          <p:cNvPr id="13" name="TextBox 12">
+            <a:extLst>
+              <a:ext uri="{FF2B5EF4-FFF2-40B4-BE49-F238E27FC236}">
+                <a16:creationId xmlns:a16="http://schemas.microsoft.com/office/drawing/2014/main" id="{018D77F0-6BFA-89B7-6D33-39315F6A59DF}"/>
+              </a:ext>
+            </a:extLst>
+          </p:cNvPr>
+          <p:cNvSpPr txBox="1"/>
+          <p:nvPr/>
+        </p:nvSpPr>
+        <p:spPr>
+          <a:xfrm>
+            <a:off x="563289" y="4861275"/>
+            <a:ext cx="3144627" cy="1954381"/>
           </a:xfrm>
           <a:prstGeom prst="rect">
             <a:avLst/>
           </a:prstGeom>
+          <a:noFill/>
         </p:spPr>
-      </p:pic>
+        <p:txBody>
+          <a:bodyPr wrap="square">
+            <a:spAutoFit/>
+          </a:bodyPr>
+          <a:lstStyle/>
+          <a:p>
+            <a:pPr marL="0" indent="0" algn="ctr">
+              <a:buNone/>
+            </a:pPr>
+            <a:r>
+              <a:rPr lang="en-US" sz="2000" b="1" dirty="0">
+                <a:solidFill>
+                  <a:srgbClr val="002060"/>
+                </a:solidFill>
+                <a:effectLst>
+                  <a:outerShdw blurRad="38100" dist="38100" dir="2700000" algn="tl">
+                    <a:srgbClr val="000000">
+                      <a:alpha val="43137"/>
+                    </a:srgbClr>
+                  </a:outerShdw>
+                </a:effectLst>
+                <a:latin typeface="Times New Roman" panose="02020603050405020304" pitchFamily="18" charset="0"/>
+                <a:cs typeface="Times New Roman" panose="02020603050405020304" pitchFamily="18" charset="0"/>
+              </a:rPr>
+              <a:t>Kishan Patel</a:t>
+            </a:r>
+          </a:p>
+          <a:p>
+            <a:pPr marL="0" indent="0" algn="ctr">
+              <a:buNone/>
+            </a:pPr>
+            <a:r>
+              <a:rPr lang="en-US" sz="1100" b="1" dirty="0">
+                <a:solidFill>
+                  <a:srgbClr val="002060"/>
+                </a:solidFill>
+                <a:effectLst>
+                  <a:outerShdw blurRad="38100" dist="38100" dir="2700000" algn="tl">
+                    <a:srgbClr val="000000">
+                      <a:alpha val="43137"/>
+                    </a:srgbClr>
+                  </a:outerShdw>
+                </a:effectLst>
+                <a:latin typeface="Times New Roman" panose="02020603050405020304" pitchFamily="18" charset="0"/>
+                <a:cs typeface="Times New Roman" panose="02020603050405020304" pitchFamily="18" charset="0"/>
+              </a:rPr>
+              <a:t>(B.Sc. Physics, PGDCA, Big Data Solution Architecture)</a:t>
+            </a:r>
+          </a:p>
+          <a:p>
+            <a:pPr marL="0" indent="0" algn="ctr">
+              <a:buNone/>
+            </a:pPr>
+            <a:endParaRPr lang="en-US" sz="700" b="1" dirty="0">
+              <a:solidFill>
+                <a:srgbClr val="002060"/>
+              </a:solidFill>
+              <a:effectLst>
+                <a:outerShdw blurRad="38100" dist="38100" dir="2700000" algn="tl">
+                  <a:srgbClr val="000000">
+                    <a:alpha val="43137"/>
+                  </a:srgbClr>
+                </a:outerShdw>
+              </a:effectLst>
+              <a:latin typeface="Times New Roman" panose="02020603050405020304" pitchFamily="18" charset="0"/>
+              <a:cs typeface="Times New Roman" panose="02020603050405020304" pitchFamily="18" charset="0"/>
+            </a:endParaRPr>
+          </a:p>
+          <a:p>
+            <a:pPr marL="285750" indent="-285750">
+              <a:buFont typeface="Arial" panose="020B0604020202020204" pitchFamily="34" charset="0"/>
+              <a:buChar char="•"/>
+            </a:pPr>
+            <a:r>
+              <a:rPr lang="en-US" sz="1800" dirty="0">
+                <a:solidFill>
+                  <a:srgbClr val="002060"/>
+                </a:solidFill>
+                <a:latin typeface="Times New Roman" panose="02020603050405020304" pitchFamily="18" charset="0"/>
+                <a:cs typeface="Times New Roman" panose="02020603050405020304" pitchFamily="18" charset="0"/>
+              </a:rPr>
+              <a:t>A Big Data Analyst having non-cs bachelor degree, yet significantly interested, and competent in AI industry.</a:t>
+            </a:r>
+            <a:endParaRPr lang="en-IN" sz="1800" dirty="0">
+              <a:solidFill>
+                <a:srgbClr val="002060"/>
+              </a:solidFill>
+              <a:latin typeface="Times New Roman" panose="02020603050405020304" pitchFamily="18" charset="0"/>
+              <a:cs typeface="Times New Roman" panose="02020603050405020304" pitchFamily="18" charset="0"/>
+            </a:endParaRPr>
+          </a:p>
+        </p:txBody>
+      </p:sp>
+      <p:sp>
+        <p:nvSpPr>
+          <p:cNvPr id="15" name="TextBox 14">
+            <a:extLst>
+              <a:ext uri="{FF2B5EF4-FFF2-40B4-BE49-F238E27FC236}">
+                <a16:creationId xmlns:a16="http://schemas.microsoft.com/office/drawing/2014/main" id="{EC3D82F1-A43D-0428-C58A-4966898D85D2}"/>
+              </a:ext>
+            </a:extLst>
+          </p:cNvPr>
+          <p:cNvSpPr txBox="1"/>
+          <p:nvPr/>
+        </p:nvSpPr>
+        <p:spPr>
+          <a:xfrm>
+            <a:off x="8540577" y="4861275"/>
+            <a:ext cx="3076918" cy="1554272"/>
+          </a:xfrm>
+          <a:prstGeom prst="rect">
+            <a:avLst/>
+          </a:prstGeom>
+          <a:noFill/>
+        </p:spPr>
+        <p:txBody>
+          <a:bodyPr wrap="square">
+            <a:spAutoFit/>
+          </a:bodyPr>
+          <a:lstStyle/>
+          <a:p>
+            <a:pPr marL="0" indent="0" algn="ctr">
+              <a:buNone/>
+            </a:pPr>
+            <a:r>
+              <a:rPr lang="en-US" sz="2000" b="1" dirty="0" err="1">
+                <a:solidFill>
+                  <a:srgbClr val="002060"/>
+                </a:solidFill>
+                <a:effectLst>
+                  <a:outerShdw blurRad="38100" dist="38100" dir="2700000" algn="tl">
+                    <a:srgbClr val="000000">
+                      <a:alpha val="43137"/>
+                    </a:srgbClr>
+                  </a:outerShdw>
+                </a:effectLst>
+                <a:latin typeface="Times New Roman" panose="02020603050405020304" pitchFamily="18" charset="0"/>
+                <a:cs typeface="Times New Roman" panose="02020603050405020304" pitchFamily="18" charset="0"/>
+              </a:rPr>
+              <a:t>Namrakumar</a:t>
+            </a:r>
+            <a:r>
+              <a:rPr lang="en-US" sz="2000" b="1" dirty="0">
+                <a:solidFill>
+                  <a:srgbClr val="002060"/>
+                </a:solidFill>
+                <a:effectLst>
+                  <a:outerShdw blurRad="38100" dist="38100" dir="2700000" algn="tl">
+                    <a:srgbClr val="000000">
+                      <a:alpha val="43137"/>
+                    </a:srgbClr>
+                  </a:outerShdw>
+                </a:effectLst>
+                <a:latin typeface="Times New Roman" panose="02020603050405020304" pitchFamily="18" charset="0"/>
+                <a:cs typeface="Times New Roman" panose="02020603050405020304" pitchFamily="18" charset="0"/>
+              </a:rPr>
+              <a:t> Patel</a:t>
+            </a:r>
+          </a:p>
+          <a:p>
+            <a:pPr marL="0" indent="0" algn="ctr">
+              <a:buNone/>
+            </a:pPr>
+            <a:r>
+              <a:rPr lang="en-US" sz="1100" b="1" dirty="0">
+                <a:solidFill>
+                  <a:srgbClr val="002060"/>
+                </a:solidFill>
+                <a:effectLst>
+                  <a:outerShdw blurRad="38100" dist="38100" dir="2700000" algn="tl">
+                    <a:srgbClr val="000000">
+                      <a:alpha val="43137"/>
+                    </a:srgbClr>
+                  </a:outerShdw>
+                </a:effectLst>
+                <a:latin typeface="Times New Roman" panose="02020603050405020304" pitchFamily="18" charset="0"/>
+                <a:cs typeface="Times New Roman" panose="02020603050405020304" pitchFamily="18" charset="0"/>
+              </a:rPr>
+              <a:t>(B.E. Computer Science)</a:t>
+            </a:r>
+          </a:p>
+          <a:p>
+            <a:pPr marL="0" indent="0" algn="ctr">
+              <a:buNone/>
+            </a:pPr>
+            <a:endParaRPr lang="en-US" sz="700" b="1" dirty="0">
+              <a:solidFill>
+                <a:srgbClr val="002060"/>
+              </a:solidFill>
+              <a:effectLst>
+                <a:outerShdw blurRad="38100" dist="38100" dir="2700000" algn="tl">
+                  <a:srgbClr val="000000">
+                    <a:alpha val="43137"/>
+                  </a:srgbClr>
+                </a:outerShdw>
+              </a:effectLst>
+              <a:latin typeface="Times New Roman" panose="02020603050405020304" pitchFamily="18" charset="0"/>
+              <a:cs typeface="Times New Roman" panose="02020603050405020304" pitchFamily="18" charset="0"/>
+            </a:endParaRPr>
+          </a:p>
+          <a:p>
+            <a:pPr marL="285750" indent="-285750">
+              <a:buFont typeface="Arial" panose="020B0604020202020204" pitchFamily="34" charset="0"/>
+              <a:buChar char="•"/>
+            </a:pPr>
+            <a:r>
+              <a:rPr lang="en-US" sz="1800" dirty="0">
+                <a:solidFill>
+                  <a:srgbClr val="002060"/>
+                </a:solidFill>
+                <a:latin typeface="Times New Roman" panose="02020603050405020304" pitchFamily="18" charset="0"/>
+                <a:cs typeface="Times New Roman" panose="02020603050405020304" pitchFamily="18" charset="0"/>
+              </a:rPr>
+              <a:t>A developer with real-world problem solving experience and a desire for innovation.</a:t>
+            </a:r>
+            <a:endParaRPr lang="en-IN" sz="1800" dirty="0">
+              <a:solidFill>
+                <a:srgbClr val="002060"/>
+              </a:solidFill>
+              <a:latin typeface="Times New Roman" panose="02020603050405020304" pitchFamily="18" charset="0"/>
+              <a:cs typeface="Times New Roman" panose="02020603050405020304" pitchFamily="18" charset="0"/>
+            </a:endParaRPr>
+          </a:p>
+        </p:txBody>
+      </p:sp>
     </p:spTree>
     <p:extLst>
       <p:ext uri="{BB962C8B-B14F-4D97-AF65-F5344CB8AC3E}">
-        <p14:creationId xmlns:p14="http://schemas.microsoft.com/office/powerpoint/2010/main" val="3199638323"/>
+        <p14:creationId xmlns:p14="http://schemas.microsoft.com/office/powerpoint/2010/main" val="360343082"/>
       </p:ext>
     </p:extLst>
   </p:cSld>
   <p:clrMapOvr>
     <a:masterClrMapping/>
   </p:clrMapOvr>
+  <p:timing>
+    <p:tnLst>
+      <p:par>
+        <p:cTn id="1" dur="indefinite" restart="never" nodeType="tmRoot">
+          <p:childTnLst>
+            <p:seq concurrent="1" nextAc="seek">
+              <p:cTn id="2" dur="indefinite" nodeType="mainSeq">
+                <p:childTnLst>
+                  <p:par>
+                    <p:cTn id="3" fill="hold">
+                      <p:stCondLst>
+                        <p:cond delay="indefinite"/>
+                      </p:stCondLst>
+                      <p:childTnLst>
+                        <p:par>
+                          <p:cTn id="4" fill="hold">
+                            <p:stCondLst>
+                              <p:cond delay="0"/>
+                            </p:stCondLst>
+                            <p:childTnLst>
+                              <p:par>
+                                <p:cTn id="5" presetID="10" presetClass="entr" presetSubtype="0" fill="hold" nodeType="clickEffect">
+                                  <p:stCondLst>
+                                    <p:cond delay="0"/>
+                                  </p:stCondLst>
+                                  <p:childTnLst>
+                                    <p:set>
+                                      <p:cBhvr>
+                                        <p:cTn id="6" dur="1" fill="hold">
+                                          <p:stCondLst>
+                                            <p:cond delay="0"/>
+                                          </p:stCondLst>
+                                        </p:cTn>
+                                        <p:tgtEl>
+                                          <p:spTgt spid="11"/>
+                                        </p:tgtEl>
+                                        <p:attrNameLst>
+                                          <p:attrName>style.visibility</p:attrName>
+                                        </p:attrNameLst>
+                                      </p:cBhvr>
+                                      <p:to>
+                                        <p:strVal val="visible"/>
+                                      </p:to>
+                                    </p:set>
+                                    <p:animEffect transition="in" filter="fade">
+                                      <p:cBhvr>
+                                        <p:cTn id="7" dur="500"/>
+                                        <p:tgtEl>
+                                          <p:spTgt spid="11"/>
+                                        </p:tgtEl>
+                                      </p:cBhvr>
+                                    </p:animEffect>
+                                  </p:childTnLst>
+                                </p:cTn>
+                              </p:par>
+                              <p:par>
+                                <p:cTn id="8" presetID="10" presetClass="entr" presetSubtype="0" fill="hold" grpId="0" nodeType="withEffect">
+                                  <p:stCondLst>
+                                    <p:cond delay="0"/>
+                                  </p:stCondLst>
+                                  <p:childTnLst>
+                                    <p:set>
+                                      <p:cBhvr>
+                                        <p:cTn id="9" dur="1" fill="hold">
+                                          <p:stCondLst>
+                                            <p:cond delay="0"/>
+                                          </p:stCondLst>
+                                        </p:cTn>
+                                        <p:tgtEl>
+                                          <p:spTgt spid="13"/>
+                                        </p:tgtEl>
+                                        <p:attrNameLst>
+                                          <p:attrName>style.visibility</p:attrName>
+                                        </p:attrNameLst>
+                                      </p:cBhvr>
+                                      <p:to>
+                                        <p:strVal val="visible"/>
+                                      </p:to>
+                                    </p:set>
+                                    <p:animEffect transition="in" filter="fade">
+                                      <p:cBhvr>
+                                        <p:cTn id="10" dur="500"/>
+                                        <p:tgtEl>
+                                          <p:spTgt spid="13"/>
+                                        </p:tgtEl>
+                                      </p:cBhvr>
+                                    </p:animEffect>
+                                  </p:childTnLst>
+                                </p:cTn>
+                              </p:par>
+                            </p:childTnLst>
+                          </p:cTn>
+                        </p:par>
+                      </p:childTnLst>
+                    </p:cTn>
+                  </p:par>
+                  <p:par>
+                    <p:cTn id="11" fill="hold">
+                      <p:stCondLst>
+                        <p:cond delay="indefinite"/>
+                      </p:stCondLst>
+                      <p:childTnLst>
+                        <p:par>
+                          <p:cTn id="12" fill="hold">
+                            <p:stCondLst>
+                              <p:cond delay="0"/>
+                            </p:stCondLst>
+                            <p:childTnLst>
+                              <p:par>
+                                <p:cTn id="13" presetID="10" presetClass="entr" presetSubtype="0" fill="hold" grpId="0" nodeType="clickEffect">
+                                  <p:stCondLst>
+                                    <p:cond delay="0"/>
+                                  </p:stCondLst>
+                                  <p:childTnLst>
+                                    <p:set>
+                                      <p:cBhvr>
+                                        <p:cTn id="14" dur="1" fill="hold">
+                                          <p:stCondLst>
+                                            <p:cond delay="0"/>
+                                          </p:stCondLst>
+                                        </p:cTn>
+                                        <p:tgtEl>
+                                          <p:spTgt spid="3">
+                                            <p:txEl>
+                                              <p:pRg st="0" end="0"/>
+                                            </p:txEl>
+                                          </p:spTgt>
+                                        </p:tgtEl>
+                                        <p:attrNameLst>
+                                          <p:attrName>style.visibility</p:attrName>
+                                        </p:attrNameLst>
+                                      </p:cBhvr>
+                                      <p:to>
+                                        <p:strVal val="visible"/>
+                                      </p:to>
+                                    </p:set>
+                                    <p:animEffect transition="in" filter="fade">
+                                      <p:cBhvr>
+                                        <p:cTn id="15" dur="500"/>
+                                        <p:tgtEl>
+                                          <p:spTgt spid="3">
+                                            <p:txEl>
+                                              <p:pRg st="0" end="0"/>
+                                            </p:txEl>
+                                          </p:spTgt>
+                                        </p:tgtEl>
+                                      </p:cBhvr>
+                                    </p:animEffect>
+                                  </p:childTnLst>
+                                </p:cTn>
+                              </p:par>
+                              <p:par>
+                                <p:cTn id="16" presetID="10" presetClass="entr" presetSubtype="0" fill="hold" grpId="0" nodeType="withEffect">
+                                  <p:stCondLst>
+                                    <p:cond delay="0"/>
+                                  </p:stCondLst>
+                                  <p:childTnLst>
+                                    <p:set>
+                                      <p:cBhvr>
+                                        <p:cTn id="17" dur="1" fill="hold">
+                                          <p:stCondLst>
+                                            <p:cond delay="0"/>
+                                          </p:stCondLst>
+                                        </p:cTn>
+                                        <p:tgtEl>
+                                          <p:spTgt spid="3">
+                                            <p:txEl>
+                                              <p:pRg st="1" end="1"/>
+                                            </p:txEl>
+                                          </p:spTgt>
+                                        </p:tgtEl>
+                                        <p:attrNameLst>
+                                          <p:attrName>style.visibility</p:attrName>
+                                        </p:attrNameLst>
+                                      </p:cBhvr>
+                                      <p:to>
+                                        <p:strVal val="visible"/>
+                                      </p:to>
+                                    </p:set>
+                                    <p:animEffect transition="in" filter="fade">
+                                      <p:cBhvr>
+                                        <p:cTn id="18" dur="500"/>
+                                        <p:tgtEl>
+                                          <p:spTgt spid="3">
+                                            <p:txEl>
+                                              <p:pRg st="1" end="1"/>
+                                            </p:txEl>
+                                          </p:spTgt>
+                                        </p:tgtEl>
+                                      </p:cBhvr>
+                                    </p:animEffect>
+                                  </p:childTnLst>
+                                </p:cTn>
+                              </p:par>
+                              <p:par>
+                                <p:cTn id="19" presetID="10" presetClass="entr" presetSubtype="0" fill="hold" grpId="0" nodeType="withEffect">
+                                  <p:stCondLst>
+                                    <p:cond delay="0"/>
+                                  </p:stCondLst>
+                                  <p:childTnLst>
+                                    <p:set>
+                                      <p:cBhvr>
+                                        <p:cTn id="20" dur="1" fill="hold">
+                                          <p:stCondLst>
+                                            <p:cond delay="0"/>
+                                          </p:stCondLst>
+                                        </p:cTn>
+                                        <p:tgtEl>
+                                          <p:spTgt spid="3">
+                                            <p:txEl>
+                                              <p:pRg st="2" end="2"/>
+                                            </p:txEl>
+                                          </p:spTgt>
+                                        </p:tgtEl>
+                                        <p:attrNameLst>
+                                          <p:attrName>style.visibility</p:attrName>
+                                        </p:attrNameLst>
+                                      </p:cBhvr>
+                                      <p:to>
+                                        <p:strVal val="visible"/>
+                                      </p:to>
+                                    </p:set>
+                                    <p:animEffect transition="in" filter="fade">
+                                      <p:cBhvr>
+                                        <p:cTn id="21" dur="500"/>
+                                        <p:tgtEl>
+                                          <p:spTgt spid="3">
+                                            <p:txEl>
+                                              <p:pRg st="2" end="2"/>
+                                            </p:txEl>
+                                          </p:spTgt>
+                                        </p:tgtEl>
+                                      </p:cBhvr>
+                                    </p:animEffect>
+                                  </p:childTnLst>
+                                </p:cTn>
+                              </p:par>
+                              <p:par>
+                                <p:cTn id="22" presetID="10" presetClass="entr" presetSubtype="0" fill="hold" nodeType="withEffect">
+                                  <p:stCondLst>
+                                    <p:cond delay="0"/>
+                                  </p:stCondLst>
+                                  <p:childTnLst>
+                                    <p:set>
+                                      <p:cBhvr>
+                                        <p:cTn id="23" dur="1" fill="hold">
+                                          <p:stCondLst>
+                                            <p:cond delay="0"/>
+                                          </p:stCondLst>
+                                        </p:cTn>
+                                        <p:tgtEl>
+                                          <p:spTgt spid="7"/>
+                                        </p:tgtEl>
+                                        <p:attrNameLst>
+                                          <p:attrName>style.visibility</p:attrName>
+                                        </p:attrNameLst>
+                                      </p:cBhvr>
+                                      <p:to>
+                                        <p:strVal val="visible"/>
+                                      </p:to>
+                                    </p:set>
+                                    <p:animEffect transition="in" filter="fade">
+                                      <p:cBhvr>
+                                        <p:cTn id="24" dur="500"/>
+                                        <p:tgtEl>
+                                          <p:spTgt spid="7"/>
+                                        </p:tgtEl>
+                                      </p:cBhvr>
+                                    </p:animEffect>
+                                  </p:childTnLst>
+                                </p:cTn>
+                              </p:par>
+                            </p:childTnLst>
+                          </p:cTn>
+                        </p:par>
+                      </p:childTnLst>
+                    </p:cTn>
+                  </p:par>
+                  <p:par>
+                    <p:cTn id="25" fill="hold">
+                      <p:stCondLst>
+                        <p:cond delay="indefinite"/>
+                      </p:stCondLst>
+                      <p:childTnLst>
+                        <p:par>
+                          <p:cTn id="26" fill="hold">
+                            <p:stCondLst>
+                              <p:cond delay="0"/>
+                            </p:stCondLst>
+                            <p:childTnLst>
+                              <p:par>
+                                <p:cTn id="27" presetID="10" presetClass="entr" presetSubtype="0" fill="hold" nodeType="clickEffect">
+                                  <p:stCondLst>
+                                    <p:cond delay="0"/>
+                                  </p:stCondLst>
+                                  <p:childTnLst>
+                                    <p:set>
+                                      <p:cBhvr>
+                                        <p:cTn id="28" dur="1" fill="hold">
+                                          <p:stCondLst>
+                                            <p:cond delay="0"/>
+                                          </p:stCondLst>
+                                        </p:cTn>
+                                        <p:tgtEl>
+                                          <p:spTgt spid="9"/>
+                                        </p:tgtEl>
+                                        <p:attrNameLst>
+                                          <p:attrName>style.visibility</p:attrName>
+                                        </p:attrNameLst>
+                                      </p:cBhvr>
+                                      <p:to>
+                                        <p:strVal val="visible"/>
+                                      </p:to>
+                                    </p:set>
+                                    <p:animEffect transition="in" filter="fade">
+                                      <p:cBhvr>
+                                        <p:cTn id="29" dur="500"/>
+                                        <p:tgtEl>
+                                          <p:spTgt spid="9"/>
+                                        </p:tgtEl>
+                                      </p:cBhvr>
+                                    </p:animEffect>
+                                  </p:childTnLst>
+                                </p:cTn>
+                              </p:par>
+                              <p:par>
+                                <p:cTn id="30" presetID="10" presetClass="entr" presetSubtype="0" fill="hold" grpId="0" nodeType="withEffect">
+                                  <p:stCondLst>
+                                    <p:cond delay="0"/>
+                                  </p:stCondLst>
+                                  <p:childTnLst>
+                                    <p:set>
+                                      <p:cBhvr>
+                                        <p:cTn id="31" dur="1" fill="hold">
+                                          <p:stCondLst>
+                                            <p:cond delay="0"/>
+                                          </p:stCondLst>
+                                        </p:cTn>
+                                        <p:tgtEl>
+                                          <p:spTgt spid="15"/>
+                                        </p:tgtEl>
+                                        <p:attrNameLst>
+                                          <p:attrName>style.visibility</p:attrName>
+                                        </p:attrNameLst>
+                                      </p:cBhvr>
+                                      <p:to>
+                                        <p:strVal val="visible"/>
+                                      </p:to>
+                                    </p:set>
+                                    <p:animEffect transition="in" filter="fade">
+                                      <p:cBhvr>
+                                        <p:cTn id="32" dur="500"/>
+                                        <p:tgtEl>
+                                          <p:spTgt spid="15"/>
+                                        </p:tgtEl>
+                                      </p:cBhvr>
+                                    </p:animEffect>
+                                  </p:childTnLst>
+                                </p:cTn>
+                              </p:par>
+                            </p:childTnLst>
+                          </p:cTn>
+                        </p:par>
+                      </p:childTnLst>
+                    </p:cTn>
+                  </p:par>
+                </p:childTnLst>
+              </p:cTn>
+              <p:prevCondLst>
+                <p:cond evt="onPrev" delay="0">
+                  <p:tgtEl>
+                    <p:sldTgt/>
+                  </p:tgtEl>
+                </p:cond>
+              </p:prevCondLst>
+              <p:nextCondLst>
+                <p:cond evt="onNext" delay="0">
+                  <p:tgtEl>
+                    <p:sldTgt/>
+                  </p:tgtEl>
+                </p:cond>
+              </p:nextCondLst>
+            </p:seq>
+          </p:childTnLst>
+        </p:cTn>
+      </p:par>
+    </p:tnLst>
+    <p:bldLst>
+      <p:bldP spid="3" grpId="0" uiExpand="1" build="allAtOnce"/>
+      <p:bldP spid="13" grpId="0"/>
+      <p:bldP spid="15" grpId="0"/>
+    </p:bldLst>
+  </p:timing>
 </p:sld>
 </file>
 
@@ -3671,317 +4593,178 @@
             <p:ph type="title"/>
           </p:nvPr>
         </p:nvSpPr>
-        <p:spPr>
-          <a:xfrm>
-            <a:off x="838200" y="365126"/>
-            <a:ext cx="10515600" cy="703654"/>
-          </a:xfrm>
-        </p:spPr>
-        <p:txBody>
-          <a:bodyPr/>
-          <a:lstStyle/>
-          <a:p>
-            <a:r>
-              <a:rPr lang="en-IN" dirty="0" smtClean="0"/>
-              <a:t>Work flow</a:t>
-            </a:r>
-            <a:endParaRPr lang="en-IN" dirty="0"/>
-          </a:p>
-        </p:txBody>
-      </p:sp>
-      <p:graphicFrame>
-        <p:nvGraphicFramePr>
-          <p:cNvPr id="4" name="Content Placeholder 3"/>
-          <p:cNvGraphicFramePr>
-            <a:graphicFrameLocks noGrp="1"/>
-          </p:cNvGraphicFramePr>
+        <p:spPr/>
+        <p:txBody>
+          <a:bodyPr>
+            <a:normAutofit/>
+          </a:bodyPr>
+          <a:lstStyle/>
+          <a:p>
+            <a:r>
+              <a:rPr lang="en-IN" sz="3600" dirty="0">
+                <a:effectLst>
+                  <a:outerShdw blurRad="38100" dist="38100" dir="2700000" algn="tl">
+                    <a:srgbClr val="000000">
+                      <a:alpha val="43137"/>
+                    </a:srgbClr>
+                  </a:outerShdw>
+                </a:effectLst>
+                <a:latin typeface="Times New Roman" panose="02020603050405020304" pitchFamily="18" charset="0"/>
+                <a:cs typeface="Times New Roman" panose="02020603050405020304" pitchFamily="18" charset="0"/>
+              </a:rPr>
+              <a:t>Project Progress Update</a:t>
+            </a:r>
+          </a:p>
+        </p:txBody>
+      </p:sp>
+      <p:sp>
+        <p:nvSpPr>
+          <p:cNvPr id="5" name="Content Placeholder 4">
+            <a:extLst>
+              <a:ext uri="{FF2B5EF4-FFF2-40B4-BE49-F238E27FC236}">
+                <a16:creationId xmlns:a16="http://schemas.microsoft.com/office/drawing/2014/main" id="{C727D6AB-2ED1-490A-9EBD-99C9428D4C08}"/>
+              </a:ext>
+            </a:extLst>
+          </p:cNvPr>
+          <p:cNvSpPr>
+            <a:spLocks noGrp="1"/>
+          </p:cNvSpPr>
           <p:nvPr>
             <p:ph idx="1"/>
-            <p:extLst>
-              <p:ext uri="{D42A27DB-BD31-4B8C-83A1-F6EECF244321}">
-                <p14:modId xmlns:p14="http://schemas.microsoft.com/office/powerpoint/2010/main" val="2497237373"/>
-              </p:ext>
-            </p:extLst>
-          </p:nvPr>
-        </p:nvGraphicFramePr>
-        <p:xfrm>
-          <a:off x="642175" y="1189525"/>
-          <a:ext cx="10515600" cy="2966720"/>
-        </p:xfrm>
-        <a:graphic>
-          <a:graphicData uri="http://schemas.openxmlformats.org/drawingml/2006/table">
-            <a:tbl>
-              <a:tblPr firstRow="1" bandRow="1">
-                <a:tableStyleId>{5C22544A-7EE6-4342-B048-85BDC9FD1C3A}</a:tableStyleId>
-              </a:tblPr>
-              <a:tblGrid>
-                <a:gridCol w="1133104"/>
-                <a:gridCol w="9382496"/>
-              </a:tblGrid>
-              <a:tr h="370840">
-                <a:tc>
-                  <a:txBody>
-                    <a:bodyPr/>
-                    <a:lstStyle/>
-                    <a:p>
-                      <a:r>
-                        <a:rPr lang="en-IN" dirty="0" smtClean="0"/>
-                        <a:t>Week</a:t>
-                      </a:r>
-                      <a:endParaRPr lang="en-IN" dirty="0"/>
-                    </a:p>
-                  </a:txBody>
-                  <a:tcPr/>
-                </a:tc>
-                <a:tc>
-                  <a:txBody>
-                    <a:bodyPr/>
-                    <a:lstStyle/>
-                    <a:p>
-                      <a:r>
-                        <a:rPr lang="en-IN" dirty="0" smtClean="0"/>
-                        <a:t>Process</a:t>
-                      </a:r>
-                      <a:endParaRPr lang="en-IN" dirty="0"/>
-                    </a:p>
-                  </a:txBody>
-                  <a:tcPr/>
-                </a:tc>
-              </a:tr>
-              <a:tr h="370840">
-                <a:tc>
-                  <a:txBody>
-                    <a:bodyPr/>
-                    <a:lstStyle/>
-                    <a:p>
-                      <a:r>
-                        <a:rPr lang="en-IN" dirty="0" smtClean="0"/>
-                        <a:t>1</a:t>
-                      </a:r>
-                      <a:endParaRPr lang="en-IN" dirty="0"/>
-                    </a:p>
-                  </a:txBody>
-                  <a:tcPr/>
-                </a:tc>
-                <a:tc>
-                  <a:txBody>
-                    <a:bodyPr/>
-                    <a:lstStyle/>
-                    <a:p>
-                      <a:r>
-                        <a:rPr lang="en-IN" dirty="0" smtClean="0"/>
-                        <a:t>Project and</a:t>
-                      </a:r>
-                      <a:r>
-                        <a:rPr lang="en-IN" baseline="0" dirty="0" smtClean="0"/>
-                        <a:t> team selection</a:t>
-                      </a:r>
-                      <a:endParaRPr lang="en-IN" dirty="0"/>
-                    </a:p>
-                  </a:txBody>
-                  <a:tcPr/>
-                </a:tc>
-              </a:tr>
-              <a:tr h="370840">
-                <a:tc>
-                  <a:txBody>
-                    <a:bodyPr/>
-                    <a:lstStyle/>
-                    <a:p>
-                      <a:r>
-                        <a:rPr lang="en-IN" dirty="0" smtClean="0"/>
-                        <a:t>2</a:t>
-                      </a:r>
-                      <a:endParaRPr lang="en-IN" dirty="0"/>
-                    </a:p>
-                  </a:txBody>
-                  <a:tcPr/>
-                </a:tc>
-                <a:tc>
-                  <a:txBody>
-                    <a:bodyPr/>
-                    <a:lstStyle/>
-                    <a:p>
-                      <a:r>
-                        <a:rPr lang="en-IN" dirty="0" smtClean="0"/>
-                        <a:t>Project Understanding</a:t>
-                      </a:r>
-                      <a:endParaRPr lang="en-IN" dirty="0"/>
-                    </a:p>
-                  </a:txBody>
-                  <a:tcPr/>
-                </a:tc>
-              </a:tr>
-              <a:tr h="370840">
-                <a:tc>
-                  <a:txBody>
-                    <a:bodyPr/>
-                    <a:lstStyle/>
-                    <a:p>
-                      <a:r>
-                        <a:rPr lang="en-IN" dirty="0" smtClean="0"/>
-                        <a:t>3</a:t>
-                      </a:r>
-                      <a:endParaRPr lang="en-IN" dirty="0"/>
-                    </a:p>
-                  </a:txBody>
-                  <a:tcPr/>
-                </a:tc>
-                <a:tc>
-                  <a:txBody>
-                    <a:bodyPr/>
-                    <a:lstStyle/>
-                    <a:p>
-                      <a:r>
-                        <a:rPr lang="en-IN" dirty="0" smtClean="0"/>
-                        <a:t>Requirement gathering</a:t>
-                      </a:r>
-                      <a:r>
-                        <a:rPr lang="en-IN" baseline="0" dirty="0" smtClean="0"/>
-                        <a:t> and project understanding</a:t>
-                      </a:r>
-                      <a:endParaRPr lang="en-IN" dirty="0"/>
-                    </a:p>
-                  </a:txBody>
-                  <a:tcPr/>
-                </a:tc>
-              </a:tr>
-              <a:tr h="370840">
-                <a:tc>
-                  <a:txBody>
-                    <a:bodyPr/>
-                    <a:lstStyle/>
-                    <a:p>
-                      <a:r>
-                        <a:rPr lang="en-IN" dirty="0" smtClean="0"/>
-                        <a:t>4</a:t>
-                      </a:r>
-                      <a:endParaRPr lang="en-IN" dirty="0"/>
-                    </a:p>
-                  </a:txBody>
-                  <a:tcPr/>
-                </a:tc>
-                <a:tc>
-                  <a:txBody>
-                    <a:bodyPr/>
-                    <a:lstStyle/>
-                    <a:p>
-                      <a:r>
-                        <a:rPr lang="en-IN" dirty="0" smtClean="0"/>
-                        <a:t>Resource gathering on thermal image recognition</a:t>
-                      </a:r>
-                      <a:endParaRPr lang="en-IN" dirty="0"/>
-                    </a:p>
-                  </a:txBody>
-                  <a:tcPr/>
-                </a:tc>
-              </a:tr>
-              <a:tr h="370840">
-                <a:tc>
-                  <a:txBody>
-                    <a:bodyPr/>
-                    <a:lstStyle/>
-                    <a:p>
-                      <a:r>
-                        <a:rPr lang="en-IN" dirty="0" smtClean="0"/>
-                        <a:t>5</a:t>
-                      </a:r>
-                      <a:endParaRPr lang="en-IN" dirty="0"/>
-                    </a:p>
-                  </a:txBody>
-                  <a:tcPr/>
-                </a:tc>
-                <a:tc>
-                  <a:txBody>
-                    <a:bodyPr/>
-                    <a:lstStyle/>
-                    <a:p>
-                      <a:r>
-                        <a:rPr lang="en-IN" dirty="0" smtClean="0"/>
-                        <a:t>Work on Models and dummy data gathering</a:t>
-                      </a:r>
-                      <a:endParaRPr lang="en-IN" dirty="0"/>
-                    </a:p>
-                  </a:txBody>
-                  <a:tcPr/>
-                </a:tc>
-              </a:tr>
-              <a:tr h="370840">
-                <a:tc>
-                  <a:txBody>
-                    <a:bodyPr/>
-                    <a:lstStyle/>
-                    <a:p>
-                      <a:r>
-                        <a:rPr lang="en-IN" dirty="0" smtClean="0"/>
-                        <a:t>6</a:t>
-                      </a:r>
-                      <a:endParaRPr lang="en-IN" dirty="0"/>
-                    </a:p>
-                  </a:txBody>
-                  <a:tcPr/>
-                </a:tc>
-                <a:tc>
-                  <a:txBody>
-                    <a:bodyPr/>
-                    <a:lstStyle/>
-                    <a:p>
-                      <a:r>
-                        <a:rPr lang="en-IN" dirty="0" smtClean="0"/>
-                        <a:t>Face</a:t>
-                      </a:r>
-                      <a:r>
-                        <a:rPr lang="en-IN" baseline="0" dirty="0" smtClean="0"/>
-                        <a:t> recognition and detection</a:t>
-                      </a:r>
-                      <a:endParaRPr lang="en-IN" dirty="0"/>
-                    </a:p>
-                  </a:txBody>
-                  <a:tcPr/>
-                </a:tc>
-              </a:tr>
-              <a:tr h="370840">
-                <a:tc>
-                  <a:txBody>
-                    <a:bodyPr/>
-                    <a:lstStyle/>
-                    <a:p>
-                      <a:r>
-                        <a:rPr lang="en-IN" dirty="0" smtClean="0"/>
-                        <a:t>7</a:t>
-                      </a:r>
-                      <a:endParaRPr lang="en-IN" dirty="0"/>
-                    </a:p>
-                  </a:txBody>
-                  <a:tcPr/>
-                </a:tc>
-                <a:tc>
-                  <a:txBody>
-                    <a:bodyPr/>
-                    <a:lstStyle/>
-                    <a:p>
-                      <a:r>
-                        <a:rPr lang="en-IN" dirty="0" smtClean="0"/>
-                        <a:t>Model</a:t>
-                      </a:r>
-                      <a:r>
-                        <a:rPr lang="en-IN" baseline="0" dirty="0" smtClean="0"/>
-                        <a:t> Selection</a:t>
-                      </a:r>
-                      <a:endParaRPr lang="en-IN" dirty="0"/>
-                    </a:p>
-                  </a:txBody>
-                  <a:tcPr/>
-                </a:tc>
-              </a:tr>
-            </a:tbl>
-          </a:graphicData>
-        </a:graphic>
-      </p:graphicFrame>
+          </p:nvPr>
+        </p:nvSpPr>
+        <p:spPr/>
+        <p:txBody>
+          <a:bodyPr>
+            <a:normAutofit/>
+          </a:bodyPr>
+          <a:lstStyle/>
+          <a:p>
+            <a:r>
+              <a:rPr lang="en-US" sz="2000" dirty="0">
+                <a:latin typeface="Times New Roman" panose="02020603050405020304" pitchFamily="18" charset="0"/>
+                <a:cs typeface="Times New Roman" panose="02020603050405020304" pitchFamily="18" charset="0"/>
+              </a:rPr>
+              <a:t>Worked on face detection.</a:t>
+            </a:r>
+          </a:p>
+          <a:p>
+            <a:endParaRPr lang="en-US" sz="2000" dirty="0">
+              <a:latin typeface="Times New Roman" panose="02020603050405020304" pitchFamily="18" charset="0"/>
+              <a:cs typeface="Times New Roman" panose="02020603050405020304" pitchFamily="18" charset="0"/>
+            </a:endParaRPr>
+          </a:p>
+          <a:p>
+            <a:pPr marL="971550" lvl="1" indent="-514350">
+              <a:buFont typeface="+mj-lt"/>
+              <a:buAutoNum type="romanLcPeriod"/>
+            </a:pPr>
+            <a:r>
+              <a:rPr lang="en-US" sz="2000" dirty="0">
+                <a:latin typeface="Times New Roman" panose="02020603050405020304" pitchFamily="18" charset="0"/>
+                <a:cs typeface="Times New Roman" panose="02020603050405020304" pitchFamily="18" charset="0"/>
+              </a:rPr>
+              <a:t>Used webcam as a source of images.</a:t>
+            </a:r>
+          </a:p>
+          <a:p>
+            <a:pPr marL="971550" lvl="1" indent="-514350">
+              <a:buFont typeface="+mj-lt"/>
+              <a:buAutoNum type="romanLcPeriod"/>
+            </a:pPr>
+            <a:endParaRPr lang="en-US" sz="2000" dirty="0">
+              <a:latin typeface="Times New Roman" panose="02020603050405020304" pitchFamily="18" charset="0"/>
+              <a:cs typeface="Times New Roman" panose="02020603050405020304" pitchFamily="18" charset="0"/>
+            </a:endParaRPr>
+          </a:p>
+          <a:p>
+            <a:pPr marL="971550" lvl="1" indent="-514350">
+              <a:buFont typeface="+mj-lt"/>
+              <a:buAutoNum type="romanLcPeriod"/>
+            </a:pPr>
+            <a:r>
+              <a:rPr lang="en-US" sz="2000" dirty="0">
+                <a:latin typeface="Times New Roman" panose="02020603050405020304" pitchFamily="18" charset="0"/>
+                <a:cs typeface="Times New Roman" panose="02020603050405020304" pitchFamily="18" charset="0"/>
+              </a:rPr>
+              <a:t>Identified various libraries which can be used for computer vision. </a:t>
+            </a:r>
+          </a:p>
+          <a:p>
+            <a:pPr marL="971550" lvl="1" indent="-514350">
+              <a:buFont typeface="+mj-lt"/>
+              <a:buAutoNum type="romanLcPeriod"/>
+            </a:pPr>
+            <a:endParaRPr lang="en-US" sz="2000" dirty="0">
+              <a:latin typeface="Times New Roman" panose="02020603050405020304" pitchFamily="18" charset="0"/>
+              <a:cs typeface="Times New Roman" panose="02020603050405020304" pitchFamily="18" charset="0"/>
+            </a:endParaRPr>
+          </a:p>
+          <a:p>
+            <a:pPr marL="971550" lvl="1" indent="-514350">
+              <a:buFont typeface="+mj-lt"/>
+              <a:buAutoNum type="romanLcPeriod"/>
+            </a:pPr>
+            <a:r>
+              <a:rPr lang="en-US" sz="2000" dirty="0">
+                <a:latin typeface="Times New Roman" panose="02020603050405020304" pitchFamily="18" charset="0"/>
+                <a:cs typeface="Times New Roman" panose="02020603050405020304" pitchFamily="18" charset="0"/>
+              </a:rPr>
+              <a:t>Finalized OpenCV library.</a:t>
+            </a:r>
+          </a:p>
+          <a:p>
+            <a:pPr marL="971550" lvl="1" indent="-514350">
+              <a:buFont typeface="+mj-lt"/>
+              <a:buAutoNum type="romanLcPeriod"/>
+            </a:pPr>
+            <a:endParaRPr lang="en-US" sz="2000" dirty="0">
+              <a:latin typeface="Times New Roman" panose="02020603050405020304" pitchFamily="18" charset="0"/>
+              <a:cs typeface="Times New Roman" panose="02020603050405020304" pitchFamily="18" charset="0"/>
+            </a:endParaRPr>
+          </a:p>
+          <a:p>
+            <a:pPr marL="971550" lvl="1" indent="-514350">
+              <a:buFont typeface="+mj-lt"/>
+              <a:buAutoNum type="romanLcPeriod"/>
+            </a:pPr>
+            <a:r>
+              <a:rPr lang="en-US" sz="2000" dirty="0">
+                <a:latin typeface="Times New Roman" panose="02020603050405020304" pitchFamily="18" charset="0"/>
+                <a:cs typeface="Times New Roman" panose="02020603050405020304" pitchFamily="18" charset="0"/>
+              </a:rPr>
+              <a:t>Facial Detection and Confidence rate detection. </a:t>
+            </a:r>
+          </a:p>
+          <a:p>
+            <a:pPr marL="971550" lvl="1" indent="-514350">
+              <a:buFont typeface="+mj-lt"/>
+              <a:buAutoNum type="romanLcPeriod"/>
+            </a:pPr>
+            <a:endParaRPr lang="en-US" sz="2000" dirty="0">
+              <a:latin typeface="Times New Roman" panose="02020603050405020304" pitchFamily="18" charset="0"/>
+              <a:cs typeface="Times New Roman" panose="02020603050405020304" pitchFamily="18" charset="0"/>
+            </a:endParaRPr>
+          </a:p>
+          <a:p>
+            <a:pPr marL="971550" lvl="1" indent="-514350">
+              <a:buFont typeface="+mj-lt"/>
+              <a:buAutoNum type="romanLcPeriod"/>
+            </a:pPr>
+            <a:r>
+              <a:rPr lang="en-US" sz="2000" dirty="0">
+                <a:latin typeface="Times New Roman" panose="02020603050405020304" pitchFamily="18" charset="0"/>
+                <a:cs typeface="Times New Roman" panose="02020603050405020304" pitchFamily="18" charset="0"/>
+              </a:rPr>
+              <a:t>Presentation.</a:t>
+            </a:r>
+          </a:p>
+        </p:txBody>
+      </p:sp>
     </p:spTree>
     <p:extLst>
       <p:ext uri="{BB962C8B-B14F-4D97-AF65-F5344CB8AC3E}">
-        <p14:creationId xmlns:p14="http://schemas.microsoft.com/office/powerpoint/2010/main" val="3623458234"/>
+        <p14:creationId xmlns:p14="http://schemas.microsoft.com/office/powerpoint/2010/main" val="2891419364"/>
       </p:ext>
     </p:extLst>
   </p:cSld>
@@ -4018,286 +4801,263 @@
             <p:ph type="title"/>
           </p:nvPr>
         </p:nvSpPr>
-        <p:spPr>
-          <a:xfrm>
-            <a:off x="838200" y="365126"/>
-            <a:ext cx="10515600" cy="793974"/>
-          </a:xfrm>
-        </p:spPr>
-        <p:txBody>
-          <a:bodyPr/>
-          <a:lstStyle/>
-          <a:p>
-            <a:r>
-              <a:rPr lang="en-IN" dirty="0"/>
-              <a:t>Work flow</a:t>
-            </a:r>
-          </a:p>
-        </p:txBody>
-      </p:sp>
-      <p:graphicFrame>
-        <p:nvGraphicFramePr>
-          <p:cNvPr id="4" name="Content Placeholder 3"/>
-          <p:cNvGraphicFramePr>
-            <a:graphicFrameLocks noGrp="1"/>
-          </p:cNvGraphicFramePr>
+        <p:spPr/>
+        <p:txBody>
+          <a:bodyPr>
+            <a:normAutofit/>
+          </a:bodyPr>
+          <a:lstStyle/>
+          <a:p>
+            <a:r>
+              <a:rPr lang="en-US" sz="3600" dirty="0">
+                <a:effectLst>
+                  <a:outerShdw blurRad="38100" dist="38100" dir="2700000" algn="tl">
+                    <a:srgbClr val="000000">
+                      <a:alpha val="43137"/>
+                    </a:srgbClr>
+                  </a:outerShdw>
+                </a:effectLst>
+                <a:latin typeface="Times New Roman" panose="02020603050405020304" pitchFamily="18" charset="0"/>
+                <a:cs typeface="Times New Roman" panose="02020603050405020304" pitchFamily="18" charset="0"/>
+              </a:rPr>
+              <a:t>I</a:t>
+            </a:r>
+            <a:r>
+              <a:rPr lang="en-IN" sz="3600" dirty="0" err="1">
+                <a:effectLst>
+                  <a:outerShdw blurRad="38100" dist="38100" dir="2700000" algn="tl">
+                    <a:srgbClr val="000000">
+                      <a:alpha val="43137"/>
+                    </a:srgbClr>
+                  </a:outerShdw>
+                </a:effectLst>
+                <a:latin typeface="Times New Roman" panose="02020603050405020304" pitchFamily="18" charset="0"/>
+                <a:cs typeface="Times New Roman" panose="02020603050405020304" pitchFamily="18" charset="0"/>
+              </a:rPr>
+              <a:t>ndividual</a:t>
+            </a:r>
+            <a:r>
+              <a:rPr lang="en-IN" sz="3600" dirty="0">
+                <a:effectLst>
+                  <a:outerShdw blurRad="38100" dist="38100" dir="2700000" algn="tl">
+                    <a:srgbClr val="000000">
+                      <a:alpha val="43137"/>
+                    </a:srgbClr>
+                  </a:outerShdw>
+                </a:effectLst>
+                <a:latin typeface="Times New Roman" panose="02020603050405020304" pitchFamily="18" charset="0"/>
+                <a:cs typeface="Times New Roman" panose="02020603050405020304" pitchFamily="18" charset="0"/>
+              </a:rPr>
+              <a:t> Status Report</a:t>
+            </a:r>
+          </a:p>
+        </p:txBody>
+      </p:sp>
+      <p:sp>
+        <p:nvSpPr>
+          <p:cNvPr id="5" name="Content Placeholder 4">
+            <a:extLst>
+              <a:ext uri="{FF2B5EF4-FFF2-40B4-BE49-F238E27FC236}">
+                <a16:creationId xmlns:a16="http://schemas.microsoft.com/office/drawing/2014/main" id="{D40A2881-15F6-FF24-285A-218469C87F53}"/>
+              </a:ext>
+            </a:extLst>
+          </p:cNvPr>
+          <p:cNvSpPr>
+            <a:spLocks noGrp="1"/>
+          </p:cNvSpPr>
           <p:nvPr>
             <p:ph idx="1"/>
-            <p:extLst>
-              <p:ext uri="{D42A27DB-BD31-4B8C-83A1-F6EECF244321}">
-                <p14:modId xmlns:p14="http://schemas.microsoft.com/office/powerpoint/2010/main" val="3659484666"/>
-              </p:ext>
-            </p:extLst>
-          </p:nvPr>
-        </p:nvGraphicFramePr>
-        <p:xfrm>
-          <a:off x="682580" y="1581150"/>
-          <a:ext cx="10258470" cy="2595880"/>
-        </p:xfrm>
-        <a:graphic>
-          <a:graphicData uri="http://schemas.openxmlformats.org/drawingml/2006/table">
-            <a:tbl>
-              <a:tblPr firstRow="1" bandRow="1">
-                <a:tableStyleId>{5C22544A-7EE6-4342-B048-85BDC9FD1C3A}</a:tableStyleId>
-              </a:tblPr>
-              <a:tblGrid>
-                <a:gridCol w="1068947"/>
-                <a:gridCol w="9189523"/>
-              </a:tblGrid>
-              <a:tr h="370840">
-                <a:tc>
-                  <a:txBody>
-                    <a:bodyPr/>
-                    <a:lstStyle/>
-                    <a:p>
-                      <a:r>
-                        <a:rPr lang="en-IN" dirty="0" smtClean="0"/>
-                        <a:t>Week</a:t>
-                      </a:r>
-                      <a:endParaRPr lang="en-IN" dirty="0"/>
-                    </a:p>
-                  </a:txBody>
-                  <a:tcPr/>
-                </a:tc>
-                <a:tc>
-                  <a:txBody>
-                    <a:bodyPr/>
-                    <a:lstStyle/>
-                    <a:p>
-                      <a:r>
-                        <a:rPr lang="en-IN" dirty="0" smtClean="0"/>
-                        <a:t>Process</a:t>
-                      </a:r>
-                      <a:endParaRPr lang="en-IN" dirty="0"/>
-                    </a:p>
-                  </a:txBody>
-                  <a:tcPr/>
-                </a:tc>
-              </a:tr>
-              <a:tr h="370840">
-                <a:tc>
-                  <a:txBody>
-                    <a:bodyPr/>
-                    <a:lstStyle/>
-                    <a:p>
-                      <a:r>
-                        <a:rPr lang="en-IN" dirty="0" smtClean="0"/>
-                        <a:t>7</a:t>
-                      </a:r>
-                      <a:endParaRPr lang="en-IN" dirty="0"/>
-                    </a:p>
-                  </a:txBody>
-                  <a:tcPr/>
-                </a:tc>
-                <a:tc>
-                  <a:txBody>
-                    <a:bodyPr/>
-                    <a:lstStyle/>
-                    <a:p>
-                      <a:r>
-                        <a:rPr lang="en-IN" dirty="0" smtClean="0"/>
-                        <a:t>Model</a:t>
-                      </a:r>
-                      <a:r>
-                        <a:rPr lang="en-IN" baseline="0" dirty="0" smtClean="0"/>
-                        <a:t> Selection</a:t>
-                      </a:r>
-                      <a:endParaRPr lang="en-IN" dirty="0"/>
-                    </a:p>
-                  </a:txBody>
-                  <a:tcPr/>
-                </a:tc>
-              </a:tr>
-              <a:tr h="370840">
-                <a:tc>
-                  <a:txBody>
-                    <a:bodyPr/>
-                    <a:lstStyle/>
-                    <a:p>
-                      <a:r>
-                        <a:rPr lang="en-IN" dirty="0" smtClean="0"/>
-                        <a:t>8</a:t>
-                      </a:r>
-                      <a:endParaRPr lang="en-IN" dirty="0"/>
-                    </a:p>
-                  </a:txBody>
-                  <a:tcPr/>
-                </a:tc>
-                <a:tc>
-                  <a:txBody>
-                    <a:bodyPr/>
-                    <a:lstStyle/>
-                    <a:p>
-                      <a:r>
-                        <a:rPr lang="en-IN" dirty="0" smtClean="0"/>
-                        <a:t>Setup and gather data using CRI AI cameras</a:t>
-                      </a:r>
-                      <a:endParaRPr lang="en-IN" dirty="0"/>
-                    </a:p>
-                  </a:txBody>
-                  <a:tcPr/>
-                </a:tc>
-              </a:tr>
-              <a:tr h="370840">
-                <a:tc>
-                  <a:txBody>
-                    <a:bodyPr/>
-                    <a:lstStyle/>
-                    <a:p>
-                      <a:r>
-                        <a:rPr lang="en-IN" dirty="0" smtClean="0"/>
-                        <a:t>9</a:t>
-                      </a:r>
-                      <a:endParaRPr lang="en-IN" dirty="0"/>
-                    </a:p>
-                  </a:txBody>
-                  <a:tcPr/>
-                </a:tc>
-                <a:tc>
-                  <a:txBody>
-                    <a:bodyPr/>
-                    <a:lstStyle/>
-                    <a:p>
-                      <a:r>
-                        <a:rPr lang="en-IN" dirty="0" smtClean="0"/>
-                        <a:t>Implement Fusion techniques on system</a:t>
-                      </a:r>
-                      <a:endParaRPr lang="en-IN" dirty="0"/>
-                    </a:p>
-                  </a:txBody>
-                  <a:tcPr/>
-                </a:tc>
-              </a:tr>
-              <a:tr h="370840">
-                <a:tc>
-                  <a:txBody>
-                    <a:bodyPr/>
-                    <a:lstStyle/>
-                    <a:p>
-                      <a:r>
-                        <a:rPr lang="en-IN" dirty="0" smtClean="0"/>
-                        <a:t>10</a:t>
-                      </a:r>
-                      <a:endParaRPr lang="en-IN" dirty="0"/>
-                    </a:p>
-                  </a:txBody>
-                  <a:tcPr/>
-                </a:tc>
-                <a:tc>
-                  <a:txBody>
-                    <a:bodyPr/>
-                    <a:lstStyle/>
-                    <a:p>
-                      <a:r>
-                        <a:rPr lang="en-IN" dirty="0" smtClean="0"/>
-                        <a:t>Testing</a:t>
-                      </a:r>
-                      <a:r>
-                        <a:rPr lang="en-IN" baseline="0" dirty="0" smtClean="0"/>
-                        <a:t> selected work approach </a:t>
-                      </a:r>
-                      <a:endParaRPr lang="en-IN" dirty="0"/>
-                    </a:p>
-                  </a:txBody>
-                  <a:tcPr/>
-                </a:tc>
-              </a:tr>
-              <a:tr h="370840">
-                <a:tc>
-                  <a:txBody>
-                    <a:bodyPr/>
-                    <a:lstStyle/>
-                    <a:p>
-                      <a:r>
-                        <a:rPr lang="en-IN" dirty="0" smtClean="0"/>
-                        <a:t>11</a:t>
-                      </a:r>
-                      <a:endParaRPr lang="en-IN" dirty="0"/>
-                    </a:p>
-                  </a:txBody>
-                  <a:tcPr/>
-                </a:tc>
-                <a:tc>
-                  <a:txBody>
-                    <a:bodyPr/>
-                    <a:lstStyle/>
-                    <a:p>
-                      <a:r>
-                        <a:rPr lang="en-IN" dirty="0" smtClean="0"/>
-                        <a:t>Testing and Training each</a:t>
-                      </a:r>
-                      <a:r>
-                        <a:rPr lang="en-IN" baseline="0" dirty="0" smtClean="0"/>
-                        <a:t> model</a:t>
-                      </a:r>
-                      <a:endParaRPr lang="en-IN" dirty="0"/>
-                    </a:p>
-                  </a:txBody>
-                  <a:tcPr/>
-                </a:tc>
-              </a:tr>
-              <a:tr h="370840">
-                <a:tc>
-                  <a:txBody>
-                    <a:bodyPr/>
-                    <a:lstStyle/>
-                    <a:p>
-                      <a:r>
-                        <a:rPr lang="en-IN" dirty="0" smtClean="0"/>
-                        <a:t>12</a:t>
-                      </a:r>
-                      <a:endParaRPr lang="en-IN" dirty="0"/>
-                    </a:p>
-                  </a:txBody>
-                  <a:tcPr/>
-                </a:tc>
-                <a:tc>
-                  <a:txBody>
-                    <a:bodyPr/>
-                    <a:lstStyle/>
-                    <a:p>
-                      <a:r>
-                        <a:rPr lang="en-IN" dirty="0" smtClean="0"/>
-                        <a:t>Final Testing over the</a:t>
-                      </a:r>
-                      <a:r>
-                        <a:rPr lang="en-IN" baseline="0" dirty="0" smtClean="0"/>
-                        <a:t> system</a:t>
-                      </a:r>
-                      <a:endParaRPr lang="en-IN" dirty="0"/>
-                    </a:p>
-                  </a:txBody>
-                  <a:tcPr/>
-                </a:tc>
-              </a:tr>
-            </a:tbl>
-          </a:graphicData>
-        </a:graphic>
-      </p:graphicFrame>
+          </p:nvPr>
+        </p:nvSpPr>
+        <p:spPr/>
+        <p:txBody>
+          <a:bodyPr>
+            <a:normAutofit/>
+          </a:bodyPr>
+          <a:lstStyle/>
+          <a:p>
+            <a:r>
+              <a:rPr lang="en-US" sz="2000" b="1" dirty="0">
+                <a:latin typeface="Times New Roman" panose="02020603050405020304" pitchFamily="18" charset="0"/>
+                <a:cs typeface="Times New Roman" panose="02020603050405020304" pitchFamily="18" charset="0"/>
+              </a:rPr>
+              <a:t>Tilak and </a:t>
+            </a:r>
+            <a:r>
+              <a:rPr lang="en-US" sz="2000" b="1" dirty="0" err="1">
+                <a:latin typeface="Times New Roman" panose="02020603050405020304" pitchFamily="18" charset="0"/>
+                <a:cs typeface="Times New Roman" panose="02020603050405020304" pitchFamily="18" charset="0"/>
+              </a:rPr>
+              <a:t>Namra</a:t>
+            </a:r>
+            <a:r>
+              <a:rPr lang="en-US" sz="2000" b="1" dirty="0">
+                <a:latin typeface="Times New Roman" panose="02020603050405020304" pitchFamily="18" charset="0"/>
+                <a:cs typeface="Times New Roman" panose="02020603050405020304" pitchFamily="18" charset="0"/>
+              </a:rPr>
+              <a:t>:</a:t>
+            </a:r>
+            <a:r>
+              <a:rPr lang="en-US" sz="2000" dirty="0">
+                <a:latin typeface="Times New Roman" panose="02020603050405020304" pitchFamily="18" charset="0"/>
+                <a:cs typeface="Times New Roman" panose="02020603050405020304" pitchFamily="18" charset="0"/>
+              </a:rPr>
+              <a:t> </a:t>
+            </a:r>
+          </a:p>
+          <a:p>
+            <a:pPr lvl="1"/>
+            <a:r>
+              <a:rPr lang="en-US" sz="1800" dirty="0">
+                <a:latin typeface="Times New Roman" panose="02020603050405020304" pitchFamily="18" charset="0"/>
+                <a:cs typeface="Times New Roman" panose="02020603050405020304" pitchFamily="18" charset="0"/>
+              </a:rPr>
+              <a:t>Explored various libraries that supports computer vision. (OpenCV, Scikit-images, </a:t>
+            </a:r>
+            <a:r>
+              <a:rPr lang="en-US" sz="1800" dirty="0" err="1">
+                <a:latin typeface="Times New Roman" panose="02020603050405020304" pitchFamily="18" charset="0"/>
+                <a:cs typeface="Times New Roman" panose="02020603050405020304" pitchFamily="18" charset="0"/>
+              </a:rPr>
+              <a:t>SimpleCV</a:t>
+            </a:r>
+            <a:r>
+              <a:rPr lang="en-US" sz="1800" dirty="0">
+                <a:latin typeface="Times New Roman" panose="02020603050405020304" pitchFamily="18" charset="0"/>
+                <a:cs typeface="Times New Roman" panose="02020603050405020304" pitchFamily="18" charset="0"/>
+              </a:rPr>
+              <a:t>, Pillow,…)</a:t>
+            </a:r>
+          </a:p>
+          <a:p>
+            <a:pPr lvl="1"/>
+            <a:r>
+              <a:rPr lang="en-US" sz="1800" dirty="0">
+                <a:latin typeface="Times New Roman" panose="02020603050405020304" pitchFamily="18" charset="0"/>
+                <a:cs typeface="Times New Roman" panose="02020603050405020304" pitchFamily="18" charset="0"/>
+              </a:rPr>
+              <a:t>Finalized OpenCV because of…</a:t>
+            </a:r>
+          </a:p>
+          <a:p>
+            <a:pPr lvl="2"/>
+            <a:r>
+              <a:rPr lang="en-US" sz="1800" dirty="0">
+                <a:latin typeface="Times New Roman" panose="02020603050405020304" pitchFamily="18" charset="0"/>
+                <a:cs typeface="Times New Roman" panose="02020603050405020304" pitchFamily="18" charset="0"/>
+              </a:rPr>
+              <a:t>Large Community</a:t>
+            </a:r>
+          </a:p>
+          <a:p>
+            <a:pPr lvl="2"/>
+            <a:r>
+              <a:rPr lang="en-US" sz="1800" dirty="0">
+                <a:latin typeface="Times New Roman" panose="02020603050405020304" pitchFamily="18" charset="0"/>
+                <a:cs typeface="Times New Roman" panose="02020603050405020304" pitchFamily="18" charset="0"/>
+              </a:rPr>
+              <a:t>Wide Range of functions</a:t>
+            </a:r>
+          </a:p>
+          <a:p>
+            <a:pPr lvl="2"/>
+            <a:r>
+              <a:rPr lang="en-US" sz="1800" dirty="0">
+                <a:latin typeface="Times New Roman" panose="02020603050405020304" pitchFamily="18" charset="0"/>
+                <a:cs typeface="Times New Roman" panose="02020603050405020304" pitchFamily="18" charset="0"/>
+              </a:rPr>
+              <a:t>Platform Independent </a:t>
+            </a:r>
+          </a:p>
+          <a:p>
+            <a:pPr lvl="2"/>
+            <a:r>
+              <a:rPr lang="en-US" sz="1800" dirty="0">
+                <a:latin typeface="Times New Roman" panose="02020603050405020304" pitchFamily="18" charset="0"/>
+                <a:cs typeface="Times New Roman" panose="02020603050405020304" pitchFamily="18" charset="0"/>
+              </a:rPr>
+              <a:t>Performance</a:t>
+            </a:r>
+          </a:p>
+          <a:p>
+            <a:pPr lvl="2"/>
+            <a:r>
+              <a:rPr lang="en-US" sz="1800" dirty="0">
+                <a:latin typeface="Times New Roman" panose="02020603050405020304" pitchFamily="18" charset="0"/>
+                <a:cs typeface="Times New Roman" panose="02020603050405020304" pitchFamily="18" charset="0"/>
+              </a:rPr>
+              <a:t>Interpretability</a:t>
+            </a:r>
+          </a:p>
+          <a:p>
+            <a:pPr marL="914400" lvl="2" indent="0">
+              <a:buNone/>
+            </a:pPr>
+            <a:endParaRPr lang="en-US" sz="1400" dirty="0">
+              <a:latin typeface="Times New Roman" panose="02020603050405020304" pitchFamily="18" charset="0"/>
+              <a:cs typeface="Times New Roman" panose="02020603050405020304" pitchFamily="18" charset="0"/>
+            </a:endParaRPr>
+          </a:p>
+          <a:p>
+            <a:r>
+              <a:rPr lang="en-US" sz="2000" b="1" dirty="0">
+                <a:latin typeface="Times New Roman" panose="02020603050405020304" pitchFamily="18" charset="0"/>
+                <a:cs typeface="Times New Roman" panose="02020603050405020304" pitchFamily="18" charset="0"/>
+              </a:rPr>
+              <a:t>Kishan:</a:t>
+            </a:r>
+            <a:endParaRPr lang="en-US" sz="2000" dirty="0">
+              <a:latin typeface="Times New Roman" panose="02020603050405020304" pitchFamily="18" charset="0"/>
+              <a:cs typeface="Times New Roman" panose="02020603050405020304" pitchFamily="18" charset="0"/>
+            </a:endParaRPr>
+          </a:p>
+          <a:p>
+            <a:pPr lvl="1"/>
+            <a:r>
+              <a:rPr lang="en-US" sz="1800" dirty="0">
+                <a:latin typeface="Times New Roman" panose="02020603050405020304" pitchFamily="18" charset="0"/>
+                <a:cs typeface="Times New Roman" panose="02020603050405020304" pitchFamily="18" charset="0"/>
+              </a:rPr>
+              <a:t>Explored alternatives of CRI AI cameras to integrate the model. i.e. Webcam, Smartphone camera, DSLR, </a:t>
+            </a:r>
+            <a:r>
+              <a:rPr lang="en-US" sz="1800" dirty="0" err="1">
+                <a:latin typeface="Times New Roman" panose="02020603050405020304" pitchFamily="18" charset="0"/>
+                <a:cs typeface="Times New Roman" panose="02020603050405020304" pitchFamily="18" charset="0"/>
+              </a:rPr>
+              <a:t>etc</a:t>
+            </a:r>
+            <a:r>
+              <a:rPr lang="en-US" sz="1800" dirty="0">
+                <a:latin typeface="Times New Roman" panose="02020603050405020304" pitchFamily="18" charset="0"/>
+                <a:cs typeface="Times New Roman" panose="02020603050405020304" pitchFamily="18" charset="0"/>
+              </a:rPr>
+              <a:t>…)</a:t>
+            </a:r>
+          </a:p>
+          <a:p>
+            <a:pPr lvl="1"/>
+            <a:r>
+              <a:rPr lang="en-US" sz="1800" dirty="0">
+                <a:latin typeface="Times New Roman" panose="02020603050405020304" pitchFamily="18" charset="0"/>
+                <a:cs typeface="Times New Roman" panose="02020603050405020304" pitchFamily="18" charset="0"/>
+              </a:rPr>
+              <a:t>Presentation </a:t>
+            </a:r>
+          </a:p>
+          <a:p>
+            <a:pPr lvl="2"/>
+            <a:endParaRPr lang="en-US" sz="1400" dirty="0">
+              <a:latin typeface="Times New Roman" panose="02020603050405020304" pitchFamily="18" charset="0"/>
+              <a:cs typeface="Times New Roman" panose="02020603050405020304" pitchFamily="18" charset="0"/>
+            </a:endParaRPr>
+          </a:p>
+        </p:txBody>
+      </p:sp>
     </p:spTree>
     <p:extLst>
       <p:ext uri="{BB962C8B-B14F-4D97-AF65-F5344CB8AC3E}">
-        <p14:creationId xmlns:p14="http://schemas.microsoft.com/office/powerpoint/2010/main" val="1980632648"/>
+        <p14:creationId xmlns:p14="http://schemas.microsoft.com/office/powerpoint/2010/main" val="2631961069"/>
       </p:ext>
     </p:extLst>
   </p:cSld>
@@ -4334,361 +5094,70 @@
             <p:ph type="title"/>
           </p:nvPr>
         </p:nvSpPr>
-        <p:spPr/>
-        <p:txBody>
-          <a:bodyPr/>
-          <a:lstStyle/>
-          <a:p>
-            <a:r>
-              <a:rPr lang="en-IN" dirty="0" smtClean="0"/>
-              <a:t>Roles and Responsibilities</a:t>
-            </a:r>
-            <a:endParaRPr lang="en-IN" dirty="0"/>
-          </a:p>
-        </p:txBody>
-      </p:sp>
-      <p:graphicFrame>
-        <p:nvGraphicFramePr>
-          <p:cNvPr id="4" name="Content Placeholder 3"/>
-          <p:cNvGraphicFramePr>
-            <a:graphicFrameLocks noGrp="1"/>
-          </p:cNvGraphicFramePr>
-          <p:nvPr>
-            <p:ph idx="1"/>
-            <p:extLst>
-              <p:ext uri="{D42A27DB-BD31-4B8C-83A1-F6EECF244321}">
-                <p14:modId xmlns:p14="http://schemas.microsoft.com/office/powerpoint/2010/main" val="2702051489"/>
-              </p:ext>
-            </p:extLst>
-          </p:nvPr>
-        </p:nvGraphicFramePr>
-        <p:xfrm>
-          <a:off x="838200" y="1825625"/>
-          <a:ext cx="10515600" cy="3032760"/>
-        </p:xfrm>
-        <a:graphic>
-          <a:graphicData uri="http://schemas.openxmlformats.org/drawingml/2006/table">
-            <a:tbl>
-              <a:tblPr firstRow="1" bandRow="1">
-                <a:tableStyleId>{5C22544A-7EE6-4342-B048-85BDC9FD1C3A}</a:tableStyleId>
-              </a:tblPr>
-              <a:tblGrid>
-                <a:gridCol w="3505200"/>
-                <a:gridCol w="3505200"/>
-                <a:gridCol w="3505200"/>
-              </a:tblGrid>
-              <a:tr h="370840">
-                <a:tc>
-                  <a:txBody>
-                    <a:bodyPr/>
-                    <a:lstStyle/>
-                    <a:p>
-                      <a:r>
-                        <a:rPr lang="en-IN" dirty="0" smtClean="0"/>
-                        <a:t>Tilak Pandya</a:t>
-                      </a:r>
-                      <a:endParaRPr lang="en-IN" dirty="0"/>
-                    </a:p>
-                  </a:txBody>
-                  <a:tcPr/>
-                </a:tc>
-                <a:tc>
-                  <a:txBody>
-                    <a:bodyPr/>
-                    <a:lstStyle/>
-                    <a:p>
-                      <a:r>
-                        <a:rPr lang="en-IN" dirty="0" err="1" smtClean="0"/>
-                        <a:t>Kishan</a:t>
-                      </a:r>
-                      <a:r>
-                        <a:rPr lang="en-IN" dirty="0" smtClean="0"/>
-                        <a:t> Patel</a:t>
-                      </a:r>
-                      <a:endParaRPr lang="en-IN" dirty="0"/>
-                    </a:p>
-                  </a:txBody>
-                  <a:tcPr/>
-                </a:tc>
-                <a:tc>
-                  <a:txBody>
-                    <a:bodyPr/>
-                    <a:lstStyle/>
-                    <a:p>
-                      <a:r>
-                        <a:rPr lang="en-IN" dirty="0" err="1" smtClean="0"/>
-                        <a:t>Namra</a:t>
-                      </a:r>
-                      <a:r>
-                        <a:rPr lang="en-IN" dirty="0" smtClean="0"/>
-                        <a:t> Patel</a:t>
-                      </a:r>
-                      <a:endParaRPr lang="en-IN" dirty="0"/>
-                    </a:p>
-                  </a:txBody>
-                  <a:tcPr/>
-                </a:tc>
-              </a:tr>
-              <a:tr h="370840">
-                <a:tc>
-                  <a:txBody>
-                    <a:bodyPr/>
-                    <a:lstStyle/>
-                    <a:p>
-                      <a:r>
-                        <a:rPr lang="en-IN" dirty="0" smtClean="0"/>
-                        <a:t>Use</a:t>
-                      </a:r>
-                      <a:r>
-                        <a:rPr lang="en-IN" baseline="0" dirty="0" smtClean="0"/>
-                        <a:t> case creation</a:t>
-                      </a:r>
-                      <a:endParaRPr lang="en-IN" dirty="0"/>
-                    </a:p>
-                  </a:txBody>
-                  <a:tcPr/>
-                </a:tc>
-                <a:tc>
-                  <a:txBody>
-                    <a:bodyPr/>
-                    <a:lstStyle/>
-                    <a:p>
-                      <a:r>
-                        <a:rPr lang="en-IN" dirty="0" smtClean="0"/>
-                        <a:t>Use case creation</a:t>
-                      </a:r>
-                      <a:endParaRPr lang="en-IN" dirty="0"/>
-                    </a:p>
-                  </a:txBody>
-                  <a:tcPr/>
-                </a:tc>
-                <a:tc>
-                  <a:txBody>
-                    <a:bodyPr/>
-                    <a:lstStyle/>
-                    <a:p>
-                      <a:r>
-                        <a:rPr lang="en-IN" dirty="0" smtClean="0"/>
-                        <a:t>Use case creation</a:t>
-                      </a:r>
-                      <a:endParaRPr lang="en-IN" dirty="0"/>
-                    </a:p>
-                  </a:txBody>
-                  <a:tcPr/>
-                </a:tc>
-              </a:tr>
-              <a:tr h="370840">
-                <a:tc>
-                  <a:txBody>
-                    <a:bodyPr/>
-                    <a:lstStyle/>
-                    <a:p>
-                      <a:r>
-                        <a:rPr lang="en-IN" dirty="0" smtClean="0"/>
-                        <a:t>Will work on prototype</a:t>
-                      </a:r>
-                      <a:r>
-                        <a:rPr lang="en-IN" baseline="0" dirty="0" smtClean="0"/>
-                        <a:t> development.</a:t>
-                      </a:r>
-                      <a:endParaRPr lang="en-IN" dirty="0"/>
-                    </a:p>
-                  </a:txBody>
-                  <a:tcPr/>
-                </a:tc>
-                <a:tc>
-                  <a:txBody>
-                    <a:bodyPr/>
-                    <a:lstStyle/>
-                    <a:p>
-                      <a:r>
-                        <a:rPr lang="en-IN" dirty="0" smtClean="0"/>
-                        <a:t>Data</a:t>
-                      </a:r>
-                      <a:r>
-                        <a:rPr lang="en-IN" baseline="0" dirty="0" smtClean="0"/>
-                        <a:t> and business Understanding</a:t>
-                      </a:r>
-                      <a:endParaRPr lang="en-IN" dirty="0"/>
-                    </a:p>
-                  </a:txBody>
-                  <a:tcPr/>
-                </a:tc>
-                <a:tc>
-                  <a:txBody>
-                    <a:bodyPr/>
-                    <a:lstStyle/>
-                    <a:p>
-                      <a:r>
-                        <a:rPr lang="en-IN" dirty="0" smtClean="0"/>
-                        <a:t>Integration with CRI AI</a:t>
-                      </a:r>
-                      <a:r>
-                        <a:rPr lang="en-IN" baseline="0" dirty="0" smtClean="0"/>
-                        <a:t> cameras.</a:t>
-                      </a:r>
-                      <a:endParaRPr lang="en-IN" dirty="0"/>
-                    </a:p>
-                  </a:txBody>
-                  <a:tcPr/>
-                </a:tc>
-              </a:tr>
-              <a:tr h="370840">
-                <a:tc>
-                  <a:txBody>
-                    <a:bodyPr/>
-                    <a:lstStyle/>
-                    <a:p>
-                      <a:r>
-                        <a:rPr lang="en-IN" dirty="0" smtClean="0"/>
-                        <a:t>Will work on Face Detection</a:t>
-                      </a:r>
-                      <a:r>
-                        <a:rPr lang="en-IN" baseline="0" dirty="0" smtClean="0"/>
-                        <a:t> algorithms.</a:t>
-                      </a:r>
-                      <a:endParaRPr lang="en-IN" dirty="0"/>
-                    </a:p>
-                  </a:txBody>
-                  <a:tcPr/>
-                </a:tc>
-                <a:tc>
-                  <a:txBody>
-                    <a:bodyPr/>
-                    <a:lstStyle/>
-                    <a:p>
-                      <a:r>
-                        <a:rPr lang="en-IN" dirty="0" smtClean="0"/>
-                        <a:t>Will work on ML approaches and techniques</a:t>
-                      </a:r>
-                      <a:endParaRPr lang="en-IN" dirty="0"/>
-                    </a:p>
-                  </a:txBody>
-                  <a:tcPr/>
-                </a:tc>
-                <a:tc>
-                  <a:txBody>
-                    <a:bodyPr/>
-                    <a:lstStyle/>
-                    <a:p>
-                      <a:r>
-                        <a:rPr lang="en-IN" dirty="0" smtClean="0"/>
-                        <a:t>Will work on Face Detection</a:t>
-                      </a:r>
-                      <a:r>
-                        <a:rPr lang="en-IN" baseline="0" dirty="0" smtClean="0"/>
-                        <a:t> algorithms.</a:t>
-                      </a:r>
-                      <a:endParaRPr lang="en-IN" dirty="0"/>
-                    </a:p>
-                  </a:txBody>
-                  <a:tcPr/>
-                </a:tc>
-              </a:tr>
-              <a:tr h="370840">
-                <a:tc>
-                  <a:txBody>
-                    <a:bodyPr/>
-                    <a:lstStyle/>
-                    <a:p>
-                      <a:r>
-                        <a:rPr lang="en-IN" dirty="0" smtClean="0"/>
-                        <a:t>Will work on Face Recognition</a:t>
-                      </a:r>
-                      <a:r>
-                        <a:rPr lang="en-IN" baseline="0" dirty="0" smtClean="0"/>
-                        <a:t>.</a:t>
-                      </a:r>
-                      <a:endParaRPr lang="en-IN" dirty="0"/>
-                    </a:p>
-                  </a:txBody>
-                  <a:tcPr/>
-                </a:tc>
-                <a:tc>
-                  <a:txBody>
-                    <a:bodyPr/>
-                    <a:lstStyle/>
-                    <a:p>
-                      <a:r>
-                        <a:rPr lang="en-IN" dirty="0" smtClean="0"/>
-                        <a:t>Performance tuning</a:t>
-                      </a:r>
-                      <a:r>
-                        <a:rPr lang="en-IN" baseline="0" dirty="0" smtClean="0"/>
-                        <a:t> and optimization</a:t>
-                      </a:r>
-                      <a:endParaRPr lang="en-IN" dirty="0"/>
-                    </a:p>
-                  </a:txBody>
-                  <a:tcPr/>
-                </a:tc>
-                <a:tc>
-                  <a:txBody>
-                    <a:bodyPr/>
-                    <a:lstStyle/>
-                    <a:p>
-                      <a:r>
-                        <a:rPr lang="en-IN" dirty="0" smtClean="0"/>
-                        <a:t>Will work on Face Recognition</a:t>
-                      </a:r>
-                      <a:r>
-                        <a:rPr lang="en-IN" baseline="0" dirty="0" smtClean="0"/>
-                        <a:t>.</a:t>
-                      </a:r>
-                      <a:endParaRPr lang="en-IN" dirty="0"/>
-                    </a:p>
-                  </a:txBody>
-                  <a:tcPr/>
-                </a:tc>
-              </a:tr>
-              <a:tr h="370840">
-                <a:tc>
-                  <a:txBody>
-                    <a:bodyPr/>
-                    <a:lstStyle/>
-                    <a:p>
-                      <a:r>
-                        <a:rPr lang="en-IN" dirty="0" smtClean="0"/>
-                        <a:t>Documentation</a:t>
-                      </a:r>
-                      <a:endParaRPr lang="en-IN" dirty="0"/>
-                    </a:p>
-                  </a:txBody>
-                  <a:tcPr/>
-                </a:tc>
-                <a:tc>
-                  <a:txBody>
-                    <a:bodyPr/>
-                    <a:lstStyle/>
-                    <a:p>
-                      <a:r>
-                        <a:rPr lang="en-IN" dirty="0" smtClean="0"/>
-                        <a:t>Documentation</a:t>
-                      </a:r>
-                      <a:endParaRPr lang="en-IN" dirty="0"/>
-                    </a:p>
-                  </a:txBody>
-                  <a:tcPr/>
-                </a:tc>
-                <a:tc>
-                  <a:txBody>
-                    <a:bodyPr/>
-                    <a:lstStyle/>
-                    <a:p>
-                      <a:r>
-                        <a:rPr lang="en-IN" dirty="0" smtClean="0"/>
-                        <a:t>Documentation</a:t>
-                      </a:r>
-                      <a:endParaRPr lang="en-IN" dirty="0"/>
-                    </a:p>
-                  </a:txBody>
-                  <a:tcPr/>
-                </a:tc>
-              </a:tr>
-            </a:tbl>
-          </a:graphicData>
-        </a:graphic>
-      </p:graphicFrame>
+        <p:spPr>
+          <a:xfrm>
+            <a:off x="979503" y="134305"/>
+            <a:ext cx="10515600" cy="1325563"/>
+          </a:xfrm>
+        </p:spPr>
+        <p:txBody>
+          <a:bodyPr>
+            <a:normAutofit/>
+          </a:bodyPr>
+          <a:lstStyle/>
+          <a:p>
+            <a:r>
+              <a:rPr lang="en-IN" sz="3600" dirty="0">
+                <a:effectLst>
+                  <a:outerShdw blurRad="38100" dist="38100" dir="2700000" algn="tl">
+                    <a:srgbClr val="000000">
+                      <a:alpha val="43137"/>
+                    </a:srgbClr>
+                  </a:outerShdw>
+                </a:effectLst>
+                <a:latin typeface="Times New Roman" panose="02020603050405020304" pitchFamily="18" charset="0"/>
+                <a:cs typeface="Times New Roman" panose="02020603050405020304" pitchFamily="18" charset="0"/>
+              </a:rPr>
+              <a:t>High-Level Timeline Chart (GANTT)</a:t>
+            </a:r>
+          </a:p>
+        </p:txBody>
+      </p:sp>
+      <p:pic>
+        <p:nvPicPr>
+          <p:cNvPr id="4" name="Picture 3">
+            <a:extLst>
+              <a:ext uri="{FF2B5EF4-FFF2-40B4-BE49-F238E27FC236}">
+                <a16:creationId xmlns:a16="http://schemas.microsoft.com/office/drawing/2014/main" id="{4C27CCBF-42BC-CE0F-A463-77F54548275A}"/>
+              </a:ext>
+            </a:extLst>
+          </p:cNvPr>
+          <p:cNvPicPr>
+            <a:picLocks noChangeAspect="1"/>
+          </p:cNvPicPr>
+          <p:nvPr/>
+        </p:nvPicPr>
+        <p:blipFill rotWithShape="1">
+          <a:blip r:embed="rId2">
+            <a:extLst>
+              <a:ext uri="{28A0092B-C50C-407E-A947-70E740481C1C}">
+                <a14:useLocalDpi xmlns:a14="http://schemas.microsoft.com/office/drawing/2010/main" val="0"/>
+              </a:ext>
+            </a:extLst>
+          </a:blip>
+          <a:srcRect t="18641" b="9931"/>
+          <a:stretch/>
+        </p:blipFill>
+        <p:spPr>
+          <a:xfrm>
+            <a:off x="973583" y="1305018"/>
+            <a:ext cx="9522180" cy="5101176"/>
+          </a:xfrm>
+          <a:prstGeom prst="rect">
+            <a:avLst/>
+          </a:prstGeom>
+        </p:spPr>
+      </p:pic>
     </p:spTree>
     <p:extLst>
       <p:ext uri="{BB962C8B-B14F-4D97-AF65-F5344CB8AC3E}">
@@ -4729,158 +5198,135 @@
             <p:ph type="title"/>
           </p:nvPr>
         </p:nvSpPr>
+        <p:spPr>
+          <a:xfrm>
+            <a:off x="1013790" y="365125"/>
+            <a:ext cx="10340009" cy="1325563"/>
+          </a:xfrm>
+        </p:spPr>
+        <p:txBody>
+          <a:bodyPr>
+            <a:normAutofit/>
+          </a:bodyPr>
+          <a:lstStyle/>
+          <a:p>
+            <a:r>
+              <a:rPr lang="en-IN" sz="3600" dirty="0">
+                <a:effectLst>
+                  <a:outerShdw blurRad="38100" dist="38100" dir="2700000" algn="tl">
+                    <a:srgbClr val="000000">
+                      <a:alpha val="43137"/>
+                    </a:srgbClr>
+                  </a:outerShdw>
+                </a:effectLst>
+                <a:latin typeface="Times New Roman" panose="02020603050405020304" pitchFamily="18" charset="0"/>
+                <a:cs typeface="Times New Roman" panose="02020603050405020304" pitchFamily="18" charset="0"/>
+              </a:rPr>
+              <a:t>Now Onwards …</a:t>
+            </a:r>
+          </a:p>
+        </p:txBody>
+      </p:sp>
+      <p:sp>
+        <p:nvSpPr>
+          <p:cNvPr id="3" name="Content Placeholder 2"/>
+          <p:cNvSpPr>
+            <a:spLocks noGrp="1"/>
+          </p:cNvSpPr>
+          <p:nvPr>
+            <p:ph idx="1"/>
+          </p:nvPr>
+        </p:nvSpPr>
         <p:spPr/>
         <p:txBody>
-          <a:bodyPr/>
-          <a:lstStyle/>
-          <a:p>
-            <a:r>
-              <a:rPr lang="en-IN" dirty="0" smtClean="0"/>
-              <a:t>Scheduling Meetings</a:t>
-            </a:r>
-            <a:endParaRPr lang="en-IN" dirty="0"/>
-          </a:p>
-        </p:txBody>
-      </p:sp>
-      <p:graphicFrame>
-        <p:nvGraphicFramePr>
-          <p:cNvPr id="4" name="Content Placeholder 3"/>
-          <p:cNvGraphicFramePr>
-            <a:graphicFrameLocks noGrp="1"/>
-          </p:cNvGraphicFramePr>
-          <p:nvPr>
-            <p:ph idx="1"/>
-            <p:extLst>
-              <p:ext uri="{D42A27DB-BD31-4B8C-83A1-F6EECF244321}">
-                <p14:modId xmlns:p14="http://schemas.microsoft.com/office/powerpoint/2010/main" val="1363921627"/>
-              </p:ext>
-            </p:extLst>
-          </p:nvPr>
-        </p:nvGraphicFramePr>
-        <p:xfrm>
-          <a:off x="838200" y="1825625"/>
-          <a:ext cx="10515600" cy="1112520"/>
-        </p:xfrm>
-        <a:graphic>
-          <a:graphicData uri="http://schemas.openxmlformats.org/drawingml/2006/table">
-            <a:tbl>
-              <a:tblPr firstRow="1" bandRow="1">
-                <a:tableStyleId>{5C22544A-7EE6-4342-B048-85BDC9FD1C3A}</a:tableStyleId>
-              </a:tblPr>
-              <a:tblGrid>
-                <a:gridCol w="2427514"/>
-                <a:gridCol w="8088086"/>
-              </a:tblGrid>
-              <a:tr h="370840">
-                <a:tc>
-                  <a:txBody>
-                    <a:bodyPr/>
-                    <a:lstStyle/>
-                    <a:p>
-                      <a:r>
-                        <a:rPr lang="en-IN" dirty="0" smtClean="0"/>
-                        <a:t>Meeting</a:t>
-                      </a:r>
-                      <a:r>
-                        <a:rPr lang="en-IN" baseline="0" dirty="0" smtClean="0"/>
-                        <a:t>s</a:t>
-                      </a:r>
-                      <a:endParaRPr lang="en-IN" dirty="0"/>
-                    </a:p>
-                  </a:txBody>
-                  <a:tcPr/>
-                </a:tc>
-                <a:tc>
-                  <a:txBody>
-                    <a:bodyPr/>
-                    <a:lstStyle/>
-                    <a:p>
-                      <a:r>
-                        <a:rPr lang="en-IN" dirty="0" smtClean="0"/>
-                        <a:t>Day(s)</a:t>
-                      </a:r>
-                      <a:endParaRPr lang="en-IN" dirty="0"/>
-                    </a:p>
-                  </a:txBody>
-                  <a:tcPr/>
-                </a:tc>
-              </a:tr>
-              <a:tr h="370840">
-                <a:tc>
-                  <a:txBody>
-                    <a:bodyPr/>
-                    <a:lstStyle/>
-                    <a:p>
-                      <a:r>
-                        <a:rPr lang="en-IN" dirty="0" smtClean="0"/>
-                        <a:t>Team meeting</a:t>
-                      </a:r>
-                      <a:endParaRPr lang="en-IN" dirty="0"/>
-                    </a:p>
-                  </a:txBody>
-                  <a:tcPr/>
-                </a:tc>
-                <a:tc>
-                  <a:txBody>
-                    <a:bodyPr/>
-                    <a:lstStyle/>
-                    <a:p>
-                      <a:r>
-                        <a:rPr lang="en-IN" dirty="0" smtClean="0"/>
-                        <a:t>Saturday,</a:t>
-                      </a:r>
-                      <a:r>
-                        <a:rPr lang="en-IN" baseline="0" dirty="0" smtClean="0"/>
-                        <a:t> Sunday, Wednesday </a:t>
-                      </a:r>
-                      <a:endParaRPr lang="en-IN" dirty="0"/>
-                    </a:p>
-                  </a:txBody>
-                  <a:tcPr/>
-                </a:tc>
-              </a:tr>
-              <a:tr h="370840">
-                <a:tc>
-                  <a:txBody>
-                    <a:bodyPr/>
-                    <a:lstStyle/>
-                    <a:p>
-                      <a:r>
-                        <a:rPr lang="en-IN" dirty="0" smtClean="0"/>
-                        <a:t>Meeting</a:t>
-                      </a:r>
-                      <a:r>
-                        <a:rPr lang="en-IN" baseline="0" dirty="0" smtClean="0"/>
-                        <a:t> with sponsor</a:t>
-                      </a:r>
-                      <a:endParaRPr lang="en-IN" dirty="0"/>
-                    </a:p>
-                  </a:txBody>
-                  <a:tcPr/>
-                </a:tc>
-                <a:tc>
-                  <a:txBody>
-                    <a:bodyPr/>
-                    <a:lstStyle/>
-                    <a:p>
-                      <a:r>
-                        <a:rPr lang="en-IN" dirty="0" smtClean="0"/>
-                        <a:t>Wednesday</a:t>
-                      </a:r>
-                      <a:endParaRPr lang="en-IN" dirty="0"/>
-                    </a:p>
-                  </a:txBody>
-                  <a:tcPr/>
-                </a:tc>
-              </a:tr>
-            </a:tbl>
-          </a:graphicData>
-        </a:graphic>
-      </p:graphicFrame>
+          <a:bodyPr>
+            <a:normAutofit/>
+          </a:bodyPr>
+          <a:lstStyle/>
+          <a:p>
+            <a:r>
+              <a:rPr lang="en-IN" sz="1800" dirty="0">
+                <a:latin typeface="Times New Roman" panose="02020603050405020304" pitchFamily="18" charset="0"/>
+                <a:cs typeface="Times New Roman" panose="02020603050405020304" pitchFamily="18" charset="0"/>
+              </a:rPr>
+              <a:t>Save multiple images of faces in dataset.</a:t>
+            </a:r>
+          </a:p>
+          <a:p>
+            <a:endParaRPr lang="en-IN" sz="1800" dirty="0">
+              <a:latin typeface="Times New Roman" panose="02020603050405020304" pitchFamily="18" charset="0"/>
+              <a:cs typeface="Times New Roman" panose="02020603050405020304" pitchFamily="18" charset="0"/>
+            </a:endParaRPr>
+          </a:p>
+          <a:p>
+            <a:r>
+              <a:rPr lang="en-IN" sz="1800" dirty="0">
+                <a:latin typeface="Times New Roman" panose="02020603050405020304" pitchFamily="18" charset="0"/>
+                <a:cs typeface="Times New Roman" panose="02020603050405020304" pitchFamily="18" charset="0"/>
+              </a:rPr>
+              <a:t>Convert images in such a way that the model captures the detailed information of the picture.</a:t>
+            </a:r>
+          </a:p>
+          <a:p>
+            <a:endParaRPr lang="en-IN" sz="1800" dirty="0">
+              <a:latin typeface="Times New Roman" panose="02020603050405020304" pitchFamily="18" charset="0"/>
+              <a:cs typeface="Times New Roman" panose="02020603050405020304" pitchFamily="18" charset="0"/>
+            </a:endParaRPr>
+          </a:p>
+          <a:p>
+            <a:r>
+              <a:rPr lang="en-IN" sz="1800" dirty="0">
+                <a:latin typeface="Times New Roman" panose="02020603050405020304" pitchFamily="18" charset="0"/>
+                <a:cs typeface="Times New Roman" panose="02020603050405020304" pitchFamily="18" charset="0"/>
+              </a:rPr>
+              <a:t>Work upon Image Segmentation.</a:t>
+            </a:r>
+          </a:p>
+          <a:p>
+            <a:endParaRPr lang="en-IN" sz="1800" dirty="0">
+              <a:latin typeface="Times New Roman" panose="02020603050405020304" pitchFamily="18" charset="0"/>
+              <a:cs typeface="Times New Roman" panose="02020603050405020304" pitchFamily="18" charset="0"/>
+            </a:endParaRPr>
+          </a:p>
+          <a:p>
+            <a:r>
+              <a:rPr lang="en-IN" sz="1800" dirty="0">
+                <a:latin typeface="Times New Roman" panose="02020603050405020304" pitchFamily="18" charset="0"/>
+                <a:cs typeface="Times New Roman" panose="02020603050405020304" pitchFamily="18" charset="0"/>
+              </a:rPr>
+              <a:t>Start working on Thermal images.</a:t>
+            </a:r>
+          </a:p>
+          <a:p>
+            <a:endParaRPr lang="en-IN" sz="1800" dirty="0">
+              <a:latin typeface="Times New Roman" panose="02020603050405020304" pitchFamily="18" charset="0"/>
+              <a:cs typeface="Times New Roman" panose="02020603050405020304" pitchFamily="18" charset="0"/>
+            </a:endParaRPr>
+          </a:p>
+          <a:p>
+            <a:endParaRPr lang="en-IN" sz="1800" dirty="0">
+              <a:latin typeface="Times New Roman" panose="02020603050405020304" pitchFamily="18" charset="0"/>
+              <a:cs typeface="Times New Roman" panose="02020603050405020304" pitchFamily="18" charset="0"/>
+            </a:endParaRPr>
+          </a:p>
+          <a:p>
+            <a:endParaRPr lang="en-IN" sz="1800" dirty="0">
+              <a:latin typeface="Times New Roman" panose="02020603050405020304" pitchFamily="18" charset="0"/>
+              <a:cs typeface="Times New Roman" panose="02020603050405020304" pitchFamily="18" charset="0"/>
+            </a:endParaRPr>
+          </a:p>
+          <a:p>
+            <a:endParaRPr lang="en-IN" sz="1800" dirty="0">
+              <a:latin typeface="Times New Roman" panose="02020603050405020304" pitchFamily="18" charset="0"/>
+              <a:cs typeface="Times New Roman" panose="02020603050405020304" pitchFamily="18" charset="0"/>
+            </a:endParaRPr>
+          </a:p>
+        </p:txBody>
+      </p:sp>
     </p:spTree>
     <p:extLst>
       <p:ext uri="{BB962C8B-B14F-4D97-AF65-F5344CB8AC3E}">
-        <p14:creationId xmlns:p14="http://schemas.microsoft.com/office/powerpoint/2010/main" val="2631961069"/>
+        <p14:creationId xmlns:p14="http://schemas.microsoft.com/office/powerpoint/2010/main" val="72546162"/>
       </p:ext>
     </p:extLst>
   </p:cSld>
@@ -4917,57 +5363,37 @@
             <p:ph type="title"/>
           </p:nvPr>
         </p:nvSpPr>
-        <p:spPr/>
+        <p:spPr>
+          <a:xfrm>
+            <a:off x="4437797" y="2766218"/>
+            <a:ext cx="3316406" cy="1325563"/>
+          </a:xfrm>
+        </p:spPr>
         <p:txBody>
           <a:bodyPr/>
           <a:lstStyle/>
           <a:p>
             <a:r>
-              <a:rPr lang="en-IN" dirty="0" smtClean="0"/>
-              <a:t>General Budget</a:t>
-            </a:r>
-            <a:endParaRPr lang="en-IN" dirty="0"/>
-          </a:p>
-        </p:txBody>
-      </p:sp>
-      <p:sp>
-        <p:nvSpPr>
-          <p:cNvPr id="3" name="Content Placeholder 2"/>
-          <p:cNvSpPr>
-            <a:spLocks noGrp="1"/>
-          </p:cNvSpPr>
-          <p:nvPr>
-            <p:ph idx="1"/>
-          </p:nvPr>
-        </p:nvSpPr>
-        <p:spPr/>
-        <p:txBody>
-          <a:bodyPr/>
-          <a:lstStyle/>
-          <a:p>
-            <a:r>
-              <a:rPr lang="en-IN" dirty="0" smtClean="0"/>
-              <a:t>Our factious budget will $50 per hour. Each team member will work 8 hours per week (3 team members - 24 hours per week) for approx. 12 weeks.</a:t>
-            </a:r>
-          </a:p>
-          <a:p>
-            <a:r>
-              <a:rPr lang="en-IN" dirty="0" smtClean="0"/>
-              <a:t>Total estimated budget would be $14,400.</a:t>
-            </a:r>
-          </a:p>
-          <a:p>
-            <a:endParaRPr lang="en-IN" dirty="0" smtClean="0"/>
-          </a:p>
-          <a:p>
-            <a:endParaRPr lang="en-IN" dirty="0"/>
+              <a:rPr lang="en-IN" b="1" dirty="0">
+                <a:effectLst>
+                  <a:outerShdw blurRad="38100" dist="38100" dir="2700000" algn="tl">
+                    <a:srgbClr val="000000">
+                      <a:alpha val="43137"/>
+                    </a:srgbClr>
+                  </a:outerShdw>
+                </a:effectLst>
+                <a:latin typeface="Times New Roman" panose="02020603050405020304" pitchFamily="18" charset="0"/>
+                <a:cs typeface="Times New Roman" panose="02020603050405020304" pitchFamily="18" charset="0"/>
+              </a:rPr>
+              <a:t>Thank you!</a:t>
+            </a:r>
           </a:p>
         </p:txBody>
       </p:sp>
     </p:spTree>
     <p:extLst>
       <p:ext uri="{BB962C8B-B14F-4D97-AF65-F5344CB8AC3E}">
-        <p14:creationId xmlns:p14="http://schemas.microsoft.com/office/powerpoint/2010/main" val="72546162"/>
+        <p14:creationId xmlns:p14="http://schemas.microsoft.com/office/powerpoint/2010/main" val="1082783644"/>
       </p:ext>
     </p:extLst>
   </p:cSld>

--- a/CRI AI Camaras.pptx
+++ b/CRI AI Camaras.pptx
@@ -251,7 +251,7 @@
           <a:p>
             <a:fld id="{27488680-6B52-423D-9C05-D03BE6B7071F}" type="datetimeFigureOut">
               <a:rPr lang="en-IN" smtClean="0"/>
-              <a:t>31-01-2023</a:t>
+              <a:t>07-02-2023</a:t>
             </a:fld>
             <a:endParaRPr lang="en-IN"/>
           </a:p>
@@ -421,7 +421,7 @@
           <a:p>
             <a:fld id="{27488680-6B52-423D-9C05-D03BE6B7071F}" type="datetimeFigureOut">
               <a:rPr lang="en-IN" smtClean="0"/>
-              <a:t>31-01-2023</a:t>
+              <a:t>07-02-2023</a:t>
             </a:fld>
             <a:endParaRPr lang="en-IN"/>
           </a:p>
@@ -601,7 +601,7 @@
           <a:p>
             <a:fld id="{27488680-6B52-423D-9C05-D03BE6B7071F}" type="datetimeFigureOut">
               <a:rPr lang="en-IN" smtClean="0"/>
-              <a:t>31-01-2023</a:t>
+              <a:t>07-02-2023</a:t>
             </a:fld>
             <a:endParaRPr lang="en-IN"/>
           </a:p>
@@ -771,7 +771,7 @@
           <a:p>
             <a:fld id="{27488680-6B52-423D-9C05-D03BE6B7071F}" type="datetimeFigureOut">
               <a:rPr lang="en-IN" smtClean="0"/>
-              <a:t>31-01-2023</a:t>
+              <a:t>07-02-2023</a:t>
             </a:fld>
             <a:endParaRPr lang="en-IN"/>
           </a:p>
@@ -1017,7 +1017,7 @@
           <a:p>
             <a:fld id="{27488680-6B52-423D-9C05-D03BE6B7071F}" type="datetimeFigureOut">
               <a:rPr lang="en-IN" smtClean="0"/>
-              <a:t>31-01-2023</a:t>
+              <a:t>07-02-2023</a:t>
             </a:fld>
             <a:endParaRPr lang="en-IN"/>
           </a:p>
@@ -1249,7 +1249,7 @@
           <a:p>
             <a:fld id="{27488680-6B52-423D-9C05-D03BE6B7071F}" type="datetimeFigureOut">
               <a:rPr lang="en-IN" smtClean="0"/>
-              <a:t>31-01-2023</a:t>
+              <a:t>07-02-2023</a:t>
             </a:fld>
             <a:endParaRPr lang="en-IN"/>
           </a:p>
@@ -1616,7 +1616,7 @@
           <a:p>
             <a:fld id="{27488680-6B52-423D-9C05-D03BE6B7071F}" type="datetimeFigureOut">
               <a:rPr lang="en-IN" smtClean="0"/>
-              <a:t>31-01-2023</a:t>
+              <a:t>07-02-2023</a:t>
             </a:fld>
             <a:endParaRPr lang="en-IN"/>
           </a:p>
@@ -1734,7 +1734,7 @@
           <a:p>
             <a:fld id="{27488680-6B52-423D-9C05-D03BE6B7071F}" type="datetimeFigureOut">
               <a:rPr lang="en-IN" smtClean="0"/>
-              <a:t>31-01-2023</a:t>
+              <a:t>07-02-2023</a:t>
             </a:fld>
             <a:endParaRPr lang="en-IN"/>
           </a:p>
@@ -1829,7 +1829,7 @@
           <a:p>
             <a:fld id="{27488680-6B52-423D-9C05-D03BE6B7071F}" type="datetimeFigureOut">
               <a:rPr lang="en-IN" smtClean="0"/>
-              <a:t>31-01-2023</a:t>
+              <a:t>07-02-2023</a:t>
             </a:fld>
             <a:endParaRPr lang="en-IN"/>
           </a:p>
@@ -2106,7 +2106,7 @@
           <a:p>
             <a:fld id="{27488680-6B52-423D-9C05-D03BE6B7071F}" type="datetimeFigureOut">
               <a:rPr lang="en-IN" smtClean="0"/>
-              <a:t>31-01-2023</a:t>
+              <a:t>07-02-2023</a:t>
             </a:fld>
             <a:endParaRPr lang="en-IN"/>
           </a:p>
@@ -2359,7 +2359,7 @@
           <a:p>
             <a:fld id="{27488680-6B52-423D-9C05-D03BE6B7071F}" type="datetimeFigureOut">
               <a:rPr lang="en-IN" smtClean="0"/>
-              <a:t>31-01-2023</a:t>
+              <a:t>07-02-2023</a:t>
             </a:fld>
             <a:endParaRPr lang="en-IN"/>
           </a:p>
@@ -2582,7 +2582,7 @@
           <a:p>
             <a:fld id="{27488680-6B52-423D-9C05-D03BE6B7071F}" type="datetimeFigureOut">
               <a:rPr lang="en-IN" smtClean="0"/>
-              <a:t>31-01-2023</a:t>
+              <a:t>07-02-2023</a:t>
             </a:fld>
             <a:endParaRPr lang="en-IN"/>
           </a:p>
@@ -2992,7 +2992,7 @@
           <p:cNvPr id="3" name="Picture 2">
             <a:extLst>
               <a:ext uri="{FF2B5EF4-FFF2-40B4-BE49-F238E27FC236}">
-                <a16:creationId xmlns:a16="http://schemas.microsoft.com/office/drawing/2014/main" id="{85DAA529-4A7E-943A-51E6-0C8B42DC569A}"/>
+                <a16:creationId xmlns:a16="http://schemas.microsoft.com/office/drawing/2014/main" xmlns="" id="{85DAA529-4A7E-943A-51E6-0C8B42DC569A}"/>
               </a:ext>
             </a:extLst>
           </p:cNvPr>
@@ -3039,7 +3039,7 @@
           <p:cNvPr id="6" name="TextBox 5">
             <a:extLst>
               <a:ext uri="{FF2B5EF4-FFF2-40B4-BE49-F238E27FC236}">
-                <a16:creationId xmlns:a16="http://schemas.microsoft.com/office/drawing/2014/main" id="{DA8E1DDC-81D9-D8CE-6B29-922F6AADE93C}"/>
+                <a16:creationId xmlns:a16="http://schemas.microsoft.com/office/drawing/2014/main" xmlns="" id="{DA8E1DDC-81D9-D8CE-6B29-922F6AADE93C}"/>
               </a:ext>
             </a:extLst>
           </p:cNvPr>
@@ -3094,7 +3094,7 @@
           <p:cNvPr id="7" name="TextBox 6">
             <a:extLst>
               <a:ext uri="{FF2B5EF4-FFF2-40B4-BE49-F238E27FC236}">
-                <a16:creationId xmlns:a16="http://schemas.microsoft.com/office/drawing/2014/main" id="{8C501897-3F92-5F2A-8331-80B4FB5AAE2C}"/>
+                <a16:creationId xmlns:a16="http://schemas.microsoft.com/office/drawing/2014/main" xmlns="" id="{8C501897-3F92-5F2A-8331-80B4FB5AAE2C}"/>
               </a:ext>
             </a:extLst>
           </p:cNvPr>
@@ -3205,7 +3205,7 @@
           <p:cNvPr id="6" name="Title 1">
             <a:extLst>
               <a:ext uri="{FF2B5EF4-FFF2-40B4-BE49-F238E27FC236}">
-                <a16:creationId xmlns:a16="http://schemas.microsoft.com/office/drawing/2014/main" id="{688F796A-DDDE-CAF6-1BDF-229759878D87}"/>
+                <a16:creationId xmlns:a16="http://schemas.microsoft.com/office/drawing/2014/main" xmlns="" id="{688F796A-DDDE-CAF6-1BDF-229759878D87}"/>
               </a:ext>
             </a:extLst>
           </p:cNvPr>
@@ -3462,7 +3462,7 @@
           <p:cNvPr id="6" name="Title 1">
             <a:extLst>
               <a:ext uri="{FF2B5EF4-FFF2-40B4-BE49-F238E27FC236}">
-                <a16:creationId xmlns:a16="http://schemas.microsoft.com/office/drawing/2014/main" id="{0383EC4E-DFE6-BF64-0650-FBF0B2FF6786}"/>
+                <a16:creationId xmlns:a16="http://schemas.microsoft.com/office/drawing/2014/main" xmlns="" id="{0383EC4E-DFE6-BF64-0650-FBF0B2FF6786}"/>
               </a:ext>
             </a:extLst>
           </p:cNvPr>
@@ -3648,7 +3648,7 @@
           <p:cNvPr id="7" name="Picture 6">
             <a:extLst>
               <a:ext uri="{FF2B5EF4-FFF2-40B4-BE49-F238E27FC236}">
-                <a16:creationId xmlns:a16="http://schemas.microsoft.com/office/drawing/2014/main" id="{4144EC14-7ADC-CF04-C71F-D6C094AB86C3}"/>
+                <a16:creationId xmlns:a16="http://schemas.microsoft.com/office/drawing/2014/main" xmlns="" id="{4144EC14-7ADC-CF04-C71F-D6C094AB86C3}"/>
               </a:ext>
             </a:extLst>
           </p:cNvPr>
@@ -3697,7 +3697,7 @@
           <p:cNvPr id="9" name="Picture 8">
             <a:extLst>
               <a:ext uri="{FF2B5EF4-FFF2-40B4-BE49-F238E27FC236}">
-                <a16:creationId xmlns:a16="http://schemas.microsoft.com/office/drawing/2014/main" id="{98FF5E1D-0D41-6D46-7A8C-A957FD192D8E}"/>
+                <a16:creationId xmlns:a16="http://schemas.microsoft.com/office/drawing/2014/main" xmlns="" id="{98FF5E1D-0D41-6D46-7A8C-A957FD192D8E}"/>
               </a:ext>
             </a:extLst>
           </p:cNvPr>
@@ -3745,7 +3745,7 @@
           <p:cNvPr id="11" name="Picture 10">
             <a:extLst>
               <a:ext uri="{FF2B5EF4-FFF2-40B4-BE49-F238E27FC236}">
-                <a16:creationId xmlns:a16="http://schemas.microsoft.com/office/drawing/2014/main" id="{59BFCAB6-47E3-909A-10B5-4E9977979D3B}"/>
+                <a16:creationId xmlns:a16="http://schemas.microsoft.com/office/drawing/2014/main" xmlns="" id="{59BFCAB6-47E3-909A-10B5-4E9977979D3B}"/>
               </a:ext>
             </a:extLst>
           </p:cNvPr>
@@ -3918,7 +3918,7 @@
           <p:cNvPr id="13" name="TextBox 12">
             <a:extLst>
               <a:ext uri="{FF2B5EF4-FFF2-40B4-BE49-F238E27FC236}">
-                <a16:creationId xmlns:a16="http://schemas.microsoft.com/office/drawing/2014/main" id="{018D77F0-6BFA-89B7-6D33-39315F6A59DF}"/>
+                <a16:creationId xmlns:a16="http://schemas.microsoft.com/office/drawing/2014/main" xmlns="" id="{018D77F0-6BFA-89B7-6D33-39315F6A59DF}"/>
               </a:ext>
             </a:extLst>
           </p:cNvPr>
@@ -4033,7 +4033,7 @@
           <p:cNvPr id="15" name="TextBox 14">
             <a:extLst>
               <a:ext uri="{FF2B5EF4-FFF2-40B4-BE49-F238E27FC236}">
-                <a16:creationId xmlns:a16="http://schemas.microsoft.com/office/drawing/2014/main" id="{EC3D82F1-A43D-0428-C58A-4966898D85D2}"/>
+                <a16:creationId xmlns:a16="http://schemas.microsoft.com/office/drawing/2014/main" xmlns="" id="{EC3D82F1-A43D-0428-C58A-4966898D85D2}"/>
               </a:ext>
             </a:extLst>
           </p:cNvPr>
@@ -4622,7 +4622,7 @@
           <p:cNvPr id="5" name="Content Placeholder 4">
             <a:extLst>
               <a:ext uri="{FF2B5EF4-FFF2-40B4-BE49-F238E27FC236}">
-                <a16:creationId xmlns:a16="http://schemas.microsoft.com/office/drawing/2014/main" id="{C727D6AB-2ED1-490A-9EBD-99C9428D4C08}"/>
+                <a16:creationId xmlns:a16="http://schemas.microsoft.com/office/drawing/2014/main" xmlns="" id="{C727D6AB-2ED1-490A-9EBD-99C9428D4C08}"/>
               </a:ext>
             </a:extLst>
           </p:cNvPr>
@@ -4660,11 +4660,11 @@
               <a:buAutoNum type="romanLcPeriod"/>
             </a:pPr>
             <a:r>
-              <a:rPr lang="en-US" sz="2000" dirty="0">
+              <a:rPr lang="en-US" sz="2000" dirty="0" smtClean="0">
                 <a:latin typeface="Times New Roman" panose="02020603050405020304" pitchFamily="18" charset="0"/>
                 <a:cs typeface="Times New Roman" panose="02020603050405020304" pitchFamily="18" charset="0"/>
               </a:rPr>
-              <a:t>Used webcam as a source of images.</a:t>
+              <a:t>Convert Image in gray scale</a:t>
             </a:r>
           </a:p>
           <a:p>
@@ -4672,10 +4672,13 @@
               <a:buFont typeface="+mj-lt"/>
               <a:buAutoNum type="romanLcPeriod"/>
             </a:pPr>
-            <a:endParaRPr lang="en-US" sz="2000" dirty="0">
-              <a:latin typeface="Times New Roman" panose="02020603050405020304" pitchFamily="18" charset="0"/>
-              <a:cs typeface="Times New Roman" panose="02020603050405020304" pitchFamily="18" charset="0"/>
-            </a:endParaRPr>
+            <a:r>
+              <a:rPr lang="en-US" sz="2000" dirty="0" smtClean="0">
+                <a:latin typeface="Times New Roman" panose="02020603050405020304" pitchFamily="18" charset="0"/>
+                <a:cs typeface="Times New Roman" panose="02020603050405020304" pitchFamily="18" charset="0"/>
+              </a:rPr>
+              <a:t>Store multiple images in dataset</a:t>
+            </a:r>
           </a:p>
           <a:p>
             <a:pPr marL="971550" lvl="1" indent="-514350">
@@ -4683,64 +4686,12 @@
               <a:buAutoNum type="romanLcPeriod"/>
             </a:pPr>
             <a:r>
-              <a:rPr lang="en-US" sz="2000" dirty="0">
+              <a:rPr lang="en-US" sz="2000" dirty="0" smtClean="0">
                 <a:latin typeface="Times New Roman" panose="02020603050405020304" pitchFamily="18" charset="0"/>
                 <a:cs typeface="Times New Roman" panose="02020603050405020304" pitchFamily="18" charset="0"/>
               </a:rPr>
-              <a:t>Identified various libraries which can be used for computer vision. </a:t>
-            </a:r>
-          </a:p>
-          <a:p>
-            <a:pPr marL="971550" lvl="1" indent="-514350">
-              <a:buFont typeface="+mj-lt"/>
-              <a:buAutoNum type="romanLcPeriod"/>
-            </a:pPr>
-            <a:endParaRPr lang="en-US" sz="2000" dirty="0">
-              <a:latin typeface="Times New Roman" panose="02020603050405020304" pitchFamily="18" charset="0"/>
-              <a:cs typeface="Times New Roman" panose="02020603050405020304" pitchFamily="18" charset="0"/>
-            </a:endParaRPr>
-          </a:p>
-          <a:p>
-            <a:pPr marL="971550" lvl="1" indent="-514350">
-              <a:buFont typeface="+mj-lt"/>
-              <a:buAutoNum type="romanLcPeriod"/>
-            </a:pPr>
-            <a:r>
-              <a:rPr lang="en-US" sz="2000" dirty="0">
-                <a:latin typeface="Times New Roman" panose="02020603050405020304" pitchFamily="18" charset="0"/>
-                <a:cs typeface="Times New Roman" panose="02020603050405020304" pitchFamily="18" charset="0"/>
-              </a:rPr>
-              <a:t>Finalized OpenCV library.</a:t>
-            </a:r>
-          </a:p>
-          <a:p>
-            <a:pPr marL="971550" lvl="1" indent="-514350">
-              <a:buFont typeface="+mj-lt"/>
-              <a:buAutoNum type="romanLcPeriod"/>
-            </a:pPr>
-            <a:endParaRPr lang="en-US" sz="2000" dirty="0">
-              <a:latin typeface="Times New Roman" panose="02020603050405020304" pitchFamily="18" charset="0"/>
-              <a:cs typeface="Times New Roman" panose="02020603050405020304" pitchFamily="18" charset="0"/>
-            </a:endParaRPr>
-          </a:p>
-          <a:p>
-            <a:pPr marL="971550" lvl="1" indent="-514350">
-              <a:buFont typeface="+mj-lt"/>
-              <a:buAutoNum type="romanLcPeriod"/>
-            </a:pPr>
-            <a:r>
-              <a:rPr lang="en-US" sz="2000" dirty="0">
-                <a:latin typeface="Times New Roman" panose="02020603050405020304" pitchFamily="18" charset="0"/>
-                <a:cs typeface="Times New Roman" panose="02020603050405020304" pitchFamily="18" charset="0"/>
-              </a:rPr>
-              <a:t>Facial Detection and Confidence rate detection. </a:t>
-            </a:r>
-          </a:p>
-          <a:p>
-            <a:pPr marL="971550" lvl="1" indent="-514350">
-              <a:buFont typeface="+mj-lt"/>
-              <a:buAutoNum type="romanLcPeriod"/>
-            </a:pPr>
+              <a:t>Code Optimization</a:t>
+            </a:r>
             <a:endParaRPr lang="en-US" sz="2000" dirty="0">
               <a:latin typeface="Times New Roman" panose="02020603050405020304" pitchFamily="18" charset="0"/>
               <a:cs typeface="Times New Roman" panose="02020603050405020304" pitchFamily="18" charset="0"/>
@@ -4771,6 +4722,13 @@
   <p:clrMapOvr>
     <a:masterClrMapping/>
   </p:clrMapOvr>
+  <p:timing>
+    <p:tnLst>
+      <p:par>
+        <p:cTn id="1" dur="indefinite" restart="never" nodeType="tmRoot"/>
+      </p:par>
+    </p:tnLst>
+  </p:timing>
 </p:sld>
 </file>
 
@@ -4858,7 +4816,7 @@
           <p:cNvPr id="5" name="Content Placeholder 4">
             <a:extLst>
               <a:ext uri="{FF2B5EF4-FFF2-40B4-BE49-F238E27FC236}">
-                <a16:creationId xmlns:a16="http://schemas.microsoft.com/office/drawing/2014/main" id="{D40A2881-15F6-FF24-285A-218469C87F53}"/>
+                <a16:creationId xmlns:a16="http://schemas.microsoft.com/office/drawing/2014/main" xmlns="" id="{D40A2881-15F6-FF24-285A-218469C87F53}"/>
               </a:ext>
             </a:extLst>
           </p:cNvPr>
@@ -4877,14 +4835,7 @@
           <a:lstStyle/>
           <a:p>
             <a:r>
-              <a:rPr lang="en-US" sz="2000" b="1" dirty="0">
-                <a:latin typeface="Times New Roman" panose="02020603050405020304" pitchFamily="18" charset="0"/>
-                <a:cs typeface="Times New Roman" panose="02020603050405020304" pitchFamily="18" charset="0"/>
-              </a:rPr>
-              <a:t>Tilak and </a:t>
-            </a:r>
-            <a:r>
-              <a:rPr lang="en-US" sz="2000" b="1" dirty="0" err="1">
+              <a:rPr lang="en-US" sz="2000" b="1" dirty="0" err="1" smtClean="0">
                 <a:latin typeface="Times New Roman" panose="02020603050405020304" pitchFamily="18" charset="0"/>
                 <a:cs typeface="Times New Roman" panose="02020603050405020304" pitchFamily="18" charset="0"/>
               </a:rPr>
@@ -4908,91 +4859,42 @@
           <a:p>
             <a:pPr lvl="1"/>
             <a:r>
-              <a:rPr lang="en-US" sz="1800" dirty="0">
+              <a:rPr lang="en-US" sz="1800" dirty="0" smtClean="0">
                 <a:latin typeface="Times New Roman" panose="02020603050405020304" pitchFamily="18" charset="0"/>
                 <a:cs typeface="Times New Roman" panose="02020603050405020304" pitchFamily="18" charset="0"/>
               </a:rPr>
-              <a:t>Explored various libraries that supports computer vision. (OpenCV, Scikit-images, </a:t>
-            </a:r>
-            <a:r>
-              <a:rPr lang="en-US" sz="1800" dirty="0" err="1">
+              <a:t>Identify ways to store images in Dataset and Develop code for that</a:t>
+            </a:r>
+          </a:p>
+          <a:p>
+            <a:r>
+              <a:rPr lang="en-US" sz="2000" b="1" dirty="0" smtClean="0">
                 <a:latin typeface="Times New Roman" panose="02020603050405020304" pitchFamily="18" charset="0"/>
                 <a:cs typeface="Times New Roman" panose="02020603050405020304" pitchFamily="18" charset="0"/>
               </a:rPr>
-              <a:t>SimpleCV</a:t>
-            </a:r>
-            <a:r>
-              <a:rPr lang="en-US" sz="1800" dirty="0">
+              <a:t>Tilak:</a:t>
+            </a:r>
+            <a:r>
+              <a:rPr lang="en-US" sz="2000" dirty="0" smtClean="0">
                 <a:latin typeface="Times New Roman" panose="02020603050405020304" pitchFamily="18" charset="0"/>
                 <a:cs typeface="Times New Roman" panose="02020603050405020304" pitchFamily="18" charset="0"/>
               </a:rPr>
-              <a:t>, Pillow,…)</a:t>
-            </a:r>
+              <a:t> </a:t>
+            </a:r>
+            <a:endParaRPr lang="en-US" sz="2000" dirty="0">
+              <a:latin typeface="Times New Roman" panose="02020603050405020304" pitchFamily="18" charset="0"/>
+              <a:cs typeface="Times New Roman" panose="02020603050405020304" pitchFamily="18" charset="0"/>
+            </a:endParaRPr>
           </a:p>
           <a:p>
             <a:pPr lvl="1"/>
             <a:r>
-              <a:rPr lang="en-US" sz="1800" dirty="0">
+              <a:rPr lang="en-US" sz="1800" dirty="0" smtClean="0">
                 <a:latin typeface="Times New Roman" panose="02020603050405020304" pitchFamily="18" charset="0"/>
                 <a:cs typeface="Times New Roman" panose="02020603050405020304" pitchFamily="18" charset="0"/>
               </a:rPr>
-              <a:t>Finalized OpenCV because of…</a:t>
-            </a:r>
-          </a:p>
-          <a:p>
-            <a:pPr lvl="2"/>
-            <a:r>
-              <a:rPr lang="en-US" sz="1800" dirty="0">
-                <a:latin typeface="Times New Roman" panose="02020603050405020304" pitchFamily="18" charset="0"/>
-                <a:cs typeface="Times New Roman" panose="02020603050405020304" pitchFamily="18" charset="0"/>
-              </a:rPr>
-              <a:t>Large Community</a:t>
-            </a:r>
-          </a:p>
-          <a:p>
-            <a:pPr lvl="2"/>
-            <a:r>
-              <a:rPr lang="en-US" sz="1800" dirty="0">
-                <a:latin typeface="Times New Roman" panose="02020603050405020304" pitchFamily="18" charset="0"/>
-                <a:cs typeface="Times New Roman" panose="02020603050405020304" pitchFamily="18" charset="0"/>
-              </a:rPr>
-              <a:t>Wide Range of functions</a:t>
-            </a:r>
-          </a:p>
-          <a:p>
-            <a:pPr lvl="2"/>
-            <a:r>
-              <a:rPr lang="en-US" sz="1800" dirty="0">
-                <a:latin typeface="Times New Roman" panose="02020603050405020304" pitchFamily="18" charset="0"/>
-                <a:cs typeface="Times New Roman" panose="02020603050405020304" pitchFamily="18" charset="0"/>
-              </a:rPr>
-              <a:t>Platform Independent </a:t>
-            </a:r>
-          </a:p>
-          <a:p>
-            <a:pPr lvl="2"/>
-            <a:r>
-              <a:rPr lang="en-US" sz="1800" dirty="0">
-                <a:latin typeface="Times New Roman" panose="02020603050405020304" pitchFamily="18" charset="0"/>
-                <a:cs typeface="Times New Roman" panose="02020603050405020304" pitchFamily="18" charset="0"/>
-              </a:rPr>
-              <a:t>Performance</a:t>
-            </a:r>
-          </a:p>
-          <a:p>
-            <a:pPr lvl="2"/>
-            <a:r>
-              <a:rPr lang="en-US" sz="1800" dirty="0">
-                <a:latin typeface="Times New Roman" panose="02020603050405020304" pitchFamily="18" charset="0"/>
-                <a:cs typeface="Times New Roman" panose="02020603050405020304" pitchFamily="18" charset="0"/>
-              </a:rPr>
-              <a:t>Interpretability</a:t>
-            </a:r>
-          </a:p>
-          <a:p>
-            <a:pPr marL="914400" lvl="2" indent="0">
-              <a:buNone/>
-            </a:pPr>
+              <a:t>Convert Image to gray scale</a:t>
+            </a:r>
             <a:endParaRPr lang="en-US" sz="1400" dirty="0">
               <a:latin typeface="Times New Roman" panose="02020603050405020304" pitchFamily="18" charset="0"/>
               <a:cs typeface="Times New Roman" panose="02020603050405020304" pitchFamily="18" charset="0"/>
@@ -5014,26 +4916,16 @@
           <a:p>
             <a:pPr lvl="1"/>
             <a:r>
-              <a:rPr lang="en-US" sz="1800" dirty="0">
+              <a:rPr lang="en-US" sz="1800" dirty="0" smtClean="0">
                 <a:latin typeface="Times New Roman" panose="02020603050405020304" pitchFamily="18" charset="0"/>
                 <a:cs typeface="Times New Roman" panose="02020603050405020304" pitchFamily="18" charset="0"/>
               </a:rPr>
-              <a:t>Explored alternatives of CRI AI cameras to integrate the model. i.e. Webcam, Smartphone camera, DSLR, </a:t>
-            </a:r>
-            <a:r>
-              <a:rPr lang="en-US" sz="1800" dirty="0" err="1">
-                <a:latin typeface="Times New Roman" panose="02020603050405020304" pitchFamily="18" charset="0"/>
-                <a:cs typeface="Times New Roman" panose="02020603050405020304" pitchFamily="18" charset="0"/>
-              </a:rPr>
-              <a:t>etc</a:t>
-            </a:r>
-            <a:r>
-              <a:rPr lang="en-US" sz="1800" dirty="0">
-                <a:latin typeface="Times New Roman" panose="02020603050405020304" pitchFamily="18" charset="0"/>
-                <a:cs typeface="Times New Roman" panose="02020603050405020304" pitchFamily="18" charset="0"/>
-              </a:rPr>
-              <a:t>…)</a:t>
-            </a:r>
+              <a:t>Code optimization</a:t>
+            </a:r>
+            <a:endParaRPr lang="en-US" sz="1800" dirty="0">
+              <a:latin typeface="Times New Roman" panose="02020603050405020304" pitchFamily="18" charset="0"/>
+              <a:cs typeface="Times New Roman" panose="02020603050405020304" pitchFamily="18" charset="0"/>
+            </a:endParaRPr>
           </a:p>
           <a:p>
             <a:pPr lvl="1"/>
@@ -5064,6 +4956,13 @@
   <p:clrMapOvr>
     <a:masterClrMapping/>
   </p:clrMapOvr>
+  <p:timing>
+    <p:tnLst>
+      <p:par>
+        <p:cTn id="1" dur="indefinite" restart="never" nodeType="tmRoot"/>
+      </p:par>
+    </p:tnLst>
+  </p:timing>
 </p:sld>
 </file>
 
@@ -5128,7 +5027,7 @@
           <p:cNvPr id="4" name="Picture 3">
             <a:extLst>
               <a:ext uri="{FF2B5EF4-FFF2-40B4-BE49-F238E27FC236}">
-                <a16:creationId xmlns:a16="http://schemas.microsoft.com/office/drawing/2014/main" id="{4C27CCBF-42BC-CE0F-A463-77F54548275A}"/>
+                <a16:creationId xmlns:a16="http://schemas.microsoft.com/office/drawing/2014/main" xmlns="" id="{4C27CCBF-42BC-CE0F-A463-77F54548275A}"/>
               </a:ext>
             </a:extLst>
           </p:cNvPr>
@@ -5145,13 +5044,13 @@
               </a:ext>
             </a:extLst>
           </a:blip>
-          <a:srcRect t="18641" b="9931"/>
+          <a:srcRect l="2042" t="9510" r="4608" b="10962"/>
           <a:stretch/>
         </p:blipFill>
         <p:spPr>
           <a:xfrm>
-            <a:off x="973583" y="1305018"/>
-            <a:ext cx="9522180" cy="5101176"/>
+            <a:off x="1687133" y="1459868"/>
+            <a:ext cx="8136142" cy="4799264"/>
           </a:xfrm>
           <a:prstGeom prst="rect">
             <a:avLst/>
@@ -5168,6 +5067,13 @@
   <p:clrMapOvr>
     <a:masterClrMapping/>
   </p:clrMapOvr>
+  <p:timing>
+    <p:tnLst>
+      <p:par>
+        <p:cTn id="1" dur="indefinite" restart="never" nodeType="tmRoot"/>
+      </p:par>
+    </p:tnLst>
+  </p:timing>
 </p:sld>
 </file>
 
@@ -5245,29 +5151,40 @@
           <a:lstStyle/>
           <a:p>
             <a:r>
-              <a:rPr lang="en-IN" sz="1800" dirty="0">
+              <a:rPr lang="en-IN" sz="1800" dirty="0" smtClean="0">
                 <a:latin typeface="Times New Roman" panose="02020603050405020304" pitchFamily="18" charset="0"/>
                 <a:cs typeface="Times New Roman" panose="02020603050405020304" pitchFamily="18" charset="0"/>
               </a:rPr>
-              <a:t>Save multiple images of faces in dataset.</a:t>
-            </a:r>
-          </a:p>
-          <a:p>
+              <a:t>Get the CRI AI Cameras.</a:t>
+            </a:r>
             <a:endParaRPr lang="en-IN" sz="1800" dirty="0">
               <a:latin typeface="Times New Roman" panose="02020603050405020304" pitchFamily="18" charset="0"/>
               <a:cs typeface="Times New Roman" panose="02020603050405020304" pitchFamily="18" charset="0"/>
             </a:endParaRPr>
           </a:p>
           <a:p>
-            <a:r>
-              <a:rPr lang="en-IN" sz="1800" dirty="0">
+            <a:endParaRPr lang="en-IN" sz="1800" dirty="0">
+              <a:latin typeface="Times New Roman" panose="02020603050405020304" pitchFamily="18" charset="0"/>
+              <a:cs typeface="Times New Roman" panose="02020603050405020304" pitchFamily="18" charset="0"/>
+            </a:endParaRPr>
+          </a:p>
+          <a:p>
+            <a:r>
+              <a:rPr lang="en-IN" sz="1800" dirty="0" smtClean="0">
                 <a:latin typeface="Times New Roman" panose="02020603050405020304" pitchFamily="18" charset="0"/>
                 <a:cs typeface="Times New Roman" panose="02020603050405020304" pitchFamily="18" charset="0"/>
               </a:rPr>
-              <a:t>Convert images in such a way that the model captures the detailed information of the picture.</a:t>
-            </a:r>
-          </a:p>
-          <a:p>
+              <a:t>Convert captured images to thermal images.</a:t>
+            </a:r>
+            <a:endParaRPr lang="en-IN" sz="1800" dirty="0">
+              <a:latin typeface="Times New Roman" panose="02020603050405020304" pitchFamily="18" charset="0"/>
+              <a:cs typeface="Times New Roman" panose="02020603050405020304" pitchFamily="18" charset="0"/>
+            </a:endParaRPr>
+          </a:p>
+          <a:p>
+            <a:pPr marL="0" indent="0">
+              <a:buNone/>
+            </a:pPr>
             <a:endParaRPr lang="en-IN" sz="1800" dirty="0">
               <a:latin typeface="Times New Roman" panose="02020603050405020304" pitchFamily="18" charset="0"/>
               <a:cs typeface="Times New Roman" panose="02020603050405020304" pitchFamily="18" charset="0"/>
@@ -5294,8 +5211,19 @@
                 <a:latin typeface="Times New Roman" panose="02020603050405020304" pitchFamily="18" charset="0"/>
                 <a:cs typeface="Times New Roman" panose="02020603050405020304" pitchFamily="18" charset="0"/>
               </a:rPr>
-              <a:t>Start working on Thermal images.</a:t>
-            </a:r>
+              <a:t>Start working </a:t>
+            </a:r>
+            <a:r>
+              <a:rPr lang="en-IN" sz="1800" dirty="0" smtClean="0">
+                <a:latin typeface="Times New Roman" panose="02020603050405020304" pitchFamily="18" charset="0"/>
+                <a:cs typeface="Times New Roman" panose="02020603050405020304" pitchFamily="18" charset="0"/>
+              </a:rPr>
+              <a:t>on integration of CRI AI Cameras.</a:t>
+            </a:r>
+            <a:endParaRPr lang="en-IN" sz="1800" dirty="0">
+              <a:latin typeface="Times New Roman" panose="02020603050405020304" pitchFamily="18" charset="0"/>
+              <a:cs typeface="Times New Roman" panose="02020603050405020304" pitchFamily="18" charset="0"/>
+            </a:endParaRPr>
           </a:p>
           <a:p>
             <a:endParaRPr lang="en-IN" sz="1800" dirty="0">
@@ -5333,6 +5261,13 @@
   <p:clrMapOvr>
     <a:masterClrMapping/>
   </p:clrMapOvr>
+  <p:timing>
+    <p:tnLst>
+      <p:par>
+        <p:cTn id="1" dur="indefinite" restart="never" nodeType="tmRoot"/>
+      </p:par>
+    </p:tnLst>
+  </p:timing>
 </p:sld>
 </file>
 
@@ -5400,6 +5335,13 @@
   <p:clrMapOvr>
     <a:masterClrMapping/>
   </p:clrMapOvr>
+  <p:timing>
+    <p:tnLst>
+      <p:par>
+        <p:cTn id="1" dur="indefinite" restart="never" nodeType="tmRoot"/>
+      </p:par>
+    </p:tnLst>
+  </p:timing>
 </p:sld>
 </file>
 

--- a/CRI AI Camaras.pptx
+++ b/CRI AI Camaras.pptx
@@ -2992,7 +2992,7 @@
           <p:cNvPr id="3" name="Picture 2">
             <a:extLst>
               <a:ext uri="{FF2B5EF4-FFF2-40B4-BE49-F238E27FC236}">
-                <a16:creationId xmlns:a16="http://schemas.microsoft.com/office/drawing/2014/main" xmlns="" id="{85DAA529-4A7E-943A-51E6-0C8B42DC569A}"/>
+                <a16:creationId xmlns="" xmlns:a16="http://schemas.microsoft.com/office/drawing/2014/main" id="{85DAA529-4A7E-943A-51E6-0C8B42DC569A}"/>
               </a:ext>
             </a:extLst>
           </p:cNvPr>
@@ -3039,7 +3039,7 @@
           <p:cNvPr id="6" name="TextBox 5">
             <a:extLst>
               <a:ext uri="{FF2B5EF4-FFF2-40B4-BE49-F238E27FC236}">
-                <a16:creationId xmlns:a16="http://schemas.microsoft.com/office/drawing/2014/main" xmlns="" id="{DA8E1DDC-81D9-D8CE-6B29-922F6AADE93C}"/>
+                <a16:creationId xmlns="" xmlns:a16="http://schemas.microsoft.com/office/drawing/2014/main" id="{DA8E1DDC-81D9-D8CE-6B29-922F6AADE93C}"/>
               </a:ext>
             </a:extLst>
           </p:cNvPr>
@@ -3094,7 +3094,7 @@
           <p:cNvPr id="7" name="TextBox 6">
             <a:extLst>
               <a:ext uri="{FF2B5EF4-FFF2-40B4-BE49-F238E27FC236}">
-                <a16:creationId xmlns:a16="http://schemas.microsoft.com/office/drawing/2014/main" xmlns="" id="{8C501897-3F92-5F2A-8331-80B4FB5AAE2C}"/>
+                <a16:creationId xmlns="" xmlns:a16="http://schemas.microsoft.com/office/drawing/2014/main" id="{8C501897-3F92-5F2A-8331-80B4FB5AAE2C}"/>
               </a:ext>
             </a:extLst>
           </p:cNvPr>
@@ -3205,7 +3205,7 @@
           <p:cNvPr id="6" name="Title 1">
             <a:extLst>
               <a:ext uri="{FF2B5EF4-FFF2-40B4-BE49-F238E27FC236}">
-                <a16:creationId xmlns:a16="http://schemas.microsoft.com/office/drawing/2014/main" xmlns="" id="{688F796A-DDDE-CAF6-1BDF-229759878D87}"/>
+                <a16:creationId xmlns="" xmlns:a16="http://schemas.microsoft.com/office/drawing/2014/main" id="{688F796A-DDDE-CAF6-1BDF-229759878D87}"/>
               </a:ext>
             </a:extLst>
           </p:cNvPr>
@@ -3462,7 +3462,7 @@
           <p:cNvPr id="6" name="Title 1">
             <a:extLst>
               <a:ext uri="{FF2B5EF4-FFF2-40B4-BE49-F238E27FC236}">
-                <a16:creationId xmlns:a16="http://schemas.microsoft.com/office/drawing/2014/main" xmlns="" id="{0383EC4E-DFE6-BF64-0650-FBF0B2FF6786}"/>
+                <a16:creationId xmlns="" xmlns:a16="http://schemas.microsoft.com/office/drawing/2014/main" id="{0383EC4E-DFE6-BF64-0650-FBF0B2FF6786}"/>
               </a:ext>
             </a:extLst>
           </p:cNvPr>
@@ -3648,7 +3648,7 @@
           <p:cNvPr id="7" name="Picture 6">
             <a:extLst>
               <a:ext uri="{FF2B5EF4-FFF2-40B4-BE49-F238E27FC236}">
-                <a16:creationId xmlns:a16="http://schemas.microsoft.com/office/drawing/2014/main" xmlns="" id="{4144EC14-7ADC-CF04-C71F-D6C094AB86C3}"/>
+                <a16:creationId xmlns="" xmlns:a16="http://schemas.microsoft.com/office/drawing/2014/main" id="{4144EC14-7ADC-CF04-C71F-D6C094AB86C3}"/>
               </a:ext>
             </a:extLst>
           </p:cNvPr>
@@ -3697,7 +3697,7 @@
           <p:cNvPr id="9" name="Picture 8">
             <a:extLst>
               <a:ext uri="{FF2B5EF4-FFF2-40B4-BE49-F238E27FC236}">
-                <a16:creationId xmlns:a16="http://schemas.microsoft.com/office/drawing/2014/main" xmlns="" id="{98FF5E1D-0D41-6D46-7A8C-A957FD192D8E}"/>
+                <a16:creationId xmlns="" xmlns:a16="http://schemas.microsoft.com/office/drawing/2014/main" id="{98FF5E1D-0D41-6D46-7A8C-A957FD192D8E}"/>
               </a:ext>
             </a:extLst>
           </p:cNvPr>
@@ -3745,7 +3745,7 @@
           <p:cNvPr id="11" name="Picture 10">
             <a:extLst>
               <a:ext uri="{FF2B5EF4-FFF2-40B4-BE49-F238E27FC236}">
-                <a16:creationId xmlns:a16="http://schemas.microsoft.com/office/drawing/2014/main" xmlns="" id="{59BFCAB6-47E3-909A-10B5-4E9977979D3B}"/>
+                <a16:creationId xmlns="" xmlns:a16="http://schemas.microsoft.com/office/drawing/2014/main" id="{59BFCAB6-47E3-909A-10B5-4E9977979D3B}"/>
               </a:ext>
             </a:extLst>
           </p:cNvPr>
@@ -3918,7 +3918,7 @@
           <p:cNvPr id="13" name="TextBox 12">
             <a:extLst>
               <a:ext uri="{FF2B5EF4-FFF2-40B4-BE49-F238E27FC236}">
-                <a16:creationId xmlns:a16="http://schemas.microsoft.com/office/drawing/2014/main" xmlns="" id="{018D77F0-6BFA-89B7-6D33-39315F6A59DF}"/>
+                <a16:creationId xmlns="" xmlns:a16="http://schemas.microsoft.com/office/drawing/2014/main" id="{018D77F0-6BFA-89B7-6D33-39315F6A59DF}"/>
               </a:ext>
             </a:extLst>
           </p:cNvPr>
@@ -4033,7 +4033,7 @@
           <p:cNvPr id="15" name="TextBox 14">
             <a:extLst>
               <a:ext uri="{FF2B5EF4-FFF2-40B4-BE49-F238E27FC236}">
-                <a16:creationId xmlns:a16="http://schemas.microsoft.com/office/drawing/2014/main" xmlns="" id="{EC3D82F1-A43D-0428-C58A-4966898D85D2}"/>
+                <a16:creationId xmlns="" xmlns:a16="http://schemas.microsoft.com/office/drawing/2014/main" id="{EC3D82F1-A43D-0428-C58A-4966898D85D2}"/>
               </a:ext>
             </a:extLst>
           </p:cNvPr>
@@ -4622,7 +4622,7 @@
           <p:cNvPr id="5" name="Content Placeholder 4">
             <a:extLst>
               <a:ext uri="{FF2B5EF4-FFF2-40B4-BE49-F238E27FC236}">
-                <a16:creationId xmlns:a16="http://schemas.microsoft.com/office/drawing/2014/main" xmlns="" id="{C727D6AB-2ED1-490A-9EBD-99C9428D4C08}"/>
+                <a16:creationId xmlns="" xmlns:a16="http://schemas.microsoft.com/office/drawing/2014/main" id="{C727D6AB-2ED1-490A-9EBD-99C9428D4C08}"/>
               </a:ext>
             </a:extLst>
           </p:cNvPr>
@@ -4640,15 +4640,9 @@
           </a:bodyPr>
           <a:lstStyle/>
           <a:p>
-            <a:r>
-              <a:rPr lang="en-US" sz="2000" dirty="0">
-                <a:latin typeface="Times New Roman" panose="02020603050405020304" pitchFamily="18" charset="0"/>
-                <a:cs typeface="Times New Roman" panose="02020603050405020304" pitchFamily="18" charset="0"/>
-              </a:rPr>
-              <a:t>Worked on face detection.</a:t>
-            </a:r>
-          </a:p>
-          <a:p>
+            <a:pPr marL="0" indent="0">
+              <a:buNone/>
+            </a:pPr>
             <a:endParaRPr lang="en-US" sz="2000" dirty="0">
               <a:latin typeface="Times New Roman" panose="02020603050405020304" pitchFamily="18" charset="0"/>
               <a:cs typeface="Times New Roman" panose="02020603050405020304" pitchFamily="18" charset="0"/>
@@ -4690,7 +4684,48 @@
                 <a:latin typeface="Times New Roman" panose="02020603050405020304" pitchFamily="18" charset="0"/>
                 <a:cs typeface="Times New Roman" panose="02020603050405020304" pitchFamily="18" charset="0"/>
               </a:rPr>
-              <a:t>Code Optimization</a:t>
+              <a:t>Code </a:t>
+            </a:r>
+            <a:r>
+              <a:rPr lang="en-US" sz="2000" dirty="0" smtClean="0">
+                <a:latin typeface="Times New Roman" panose="02020603050405020304" pitchFamily="18" charset="0"/>
+                <a:cs typeface="Times New Roman" panose="02020603050405020304" pitchFamily="18" charset="0"/>
+              </a:rPr>
+              <a:t>Optimization</a:t>
+            </a:r>
+          </a:p>
+          <a:p>
+            <a:pPr marL="971550" lvl="1" indent="-514350">
+              <a:buFont typeface="+mj-lt"/>
+              <a:buAutoNum type="romanLcPeriod"/>
+            </a:pPr>
+            <a:r>
+              <a:rPr lang="en-US" sz="2000" dirty="0" smtClean="0">
+                <a:latin typeface="Times New Roman" panose="02020603050405020304" pitchFamily="18" charset="0"/>
+                <a:cs typeface="Times New Roman" panose="02020603050405020304" pitchFamily="18" charset="0"/>
+              </a:rPr>
+              <a:t>Update </a:t>
+            </a:r>
+            <a:r>
+              <a:rPr lang="en-US" sz="2000" dirty="0" err="1">
+                <a:latin typeface="Times New Roman" panose="02020603050405020304" pitchFamily="18" charset="0"/>
+                <a:cs typeface="Times New Roman" panose="02020603050405020304" pitchFamily="18" charset="0"/>
+              </a:rPr>
+              <a:t>G</a:t>
+            </a:r>
+            <a:r>
+              <a:rPr lang="en-US" sz="2000" dirty="0" err="1" smtClean="0">
+                <a:latin typeface="Times New Roman" panose="02020603050405020304" pitchFamily="18" charset="0"/>
+                <a:cs typeface="Times New Roman" panose="02020603050405020304" pitchFamily="18" charset="0"/>
+              </a:rPr>
+              <a:t>it</a:t>
+            </a:r>
+            <a:r>
+              <a:rPr lang="en-US" sz="2000" dirty="0" smtClean="0">
+                <a:latin typeface="Times New Roman" panose="02020603050405020304" pitchFamily="18" charset="0"/>
+                <a:cs typeface="Times New Roman" panose="02020603050405020304" pitchFamily="18" charset="0"/>
+              </a:rPr>
+              <a:t> repository</a:t>
             </a:r>
             <a:endParaRPr lang="en-US" sz="2000" dirty="0">
               <a:latin typeface="Times New Roman" panose="02020603050405020304" pitchFamily="18" charset="0"/>
@@ -4816,7 +4851,7 @@
           <p:cNvPr id="5" name="Content Placeholder 4">
             <a:extLst>
               <a:ext uri="{FF2B5EF4-FFF2-40B4-BE49-F238E27FC236}">
-                <a16:creationId xmlns:a16="http://schemas.microsoft.com/office/drawing/2014/main" xmlns="" id="{D40A2881-15F6-FF24-285A-218469C87F53}"/>
+                <a16:creationId xmlns="" xmlns:a16="http://schemas.microsoft.com/office/drawing/2014/main" id="{D40A2881-15F6-FF24-285A-218469C87F53}"/>
               </a:ext>
             </a:extLst>
           </p:cNvPr>
@@ -5027,7 +5062,7 @@
           <p:cNvPr id="4" name="Picture 3">
             <a:extLst>
               <a:ext uri="{FF2B5EF4-FFF2-40B4-BE49-F238E27FC236}">
-                <a16:creationId xmlns:a16="http://schemas.microsoft.com/office/drawing/2014/main" xmlns="" id="{4C27CCBF-42BC-CE0F-A463-77F54548275A}"/>
+                <a16:creationId xmlns="" xmlns:a16="http://schemas.microsoft.com/office/drawing/2014/main" id="{4C27CCBF-42BC-CE0F-A463-77F54548275A}"/>
               </a:ext>
             </a:extLst>
           </p:cNvPr>

--- a/CRI AI Camaras.pptx
+++ b/CRI AI Camaras.pptx
@@ -12,8 +12,9 @@
     <p:sldId id="266" r:id="rId6"/>
     <p:sldId id="261" r:id="rId7"/>
     <p:sldId id="259" r:id="rId8"/>
-    <p:sldId id="262" r:id="rId9"/>
-    <p:sldId id="263" r:id="rId10"/>
+    <p:sldId id="268" r:id="rId9"/>
+    <p:sldId id="262" r:id="rId10"/>
+    <p:sldId id="263" r:id="rId11"/>
   </p:sldIdLst>
   <p:sldSz cx="12192000" cy="6858000"/>
   <p:notesSz cx="6858000" cy="9144000"/>
@@ -251,7 +252,7 @@
           <a:p>
             <a:fld id="{27488680-6B52-423D-9C05-D03BE6B7071F}" type="datetimeFigureOut">
               <a:rPr lang="en-IN" smtClean="0"/>
-              <a:t>07-02-2023</a:t>
+              <a:t>14-02-2023</a:t>
             </a:fld>
             <a:endParaRPr lang="en-IN"/>
           </a:p>
@@ -421,7 +422,7 @@
           <a:p>
             <a:fld id="{27488680-6B52-423D-9C05-D03BE6B7071F}" type="datetimeFigureOut">
               <a:rPr lang="en-IN" smtClean="0"/>
-              <a:t>07-02-2023</a:t>
+              <a:t>14-02-2023</a:t>
             </a:fld>
             <a:endParaRPr lang="en-IN"/>
           </a:p>
@@ -601,7 +602,7 @@
           <a:p>
             <a:fld id="{27488680-6B52-423D-9C05-D03BE6B7071F}" type="datetimeFigureOut">
               <a:rPr lang="en-IN" smtClean="0"/>
-              <a:t>07-02-2023</a:t>
+              <a:t>14-02-2023</a:t>
             </a:fld>
             <a:endParaRPr lang="en-IN"/>
           </a:p>
@@ -771,7 +772,7 @@
           <a:p>
             <a:fld id="{27488680-6B52-423D-9C05-D03BE6B7071F}" type="datetimeFigureOut">
               <a:rPr lang="en-IN" smtClean="0"/>
-              <a:t>07-02-2023</a:t>
+              <a:t>14-02-2023</a:t>
             </a:fld>
             <a:endParaRPr lang="en-IN"/>
           </a:p>
@@ -1017,7 +1018,7 @@
           <a:p>
             <a:fld id="{27488680-6B52-423D-9C05-D03BE6B7071F}" type="datetimeFigureOut">
               <a:rPr lang="en-IN" smtClean="0"/>
-              <a:t>07-02-2023</a:t>
+              <a:t>14-02-2023</a:t>
             </a:fld>
             <a:endParaRPr lang="en-IN"/>
           </a:p>
@@ -1249,7 +1250,7 @@
           <a:p>
             <a:fld id="{27488680-6B52-423D-9C05-D03BE6B7071F}" type="datetimeFigureOut">
               <a:rPr lang="en-IN" smtClean="0"/>
-              <a:t>07-02-2023</a:t>
+              <a:t>14-02-2023</a:t>
             </a:fld>
             <a:endParaRPr lang="en-IN"/>
           </a:p>
@@ -1616,7 +1617,7 @@
           <a:p>
             <a:fld id="{27488680-6B52-423D-9C05-D03BE6B7071F}" type="datetimeFigureOut">
               <a:rPr lang="en-IN" smtClean="0"/>
-              <a:t>07-02-2023</a:t>
+              <a:t>14-02-2023</a:t>
             </a:fld>
             <a:endParaRPr lang="en-IN"/>
           </a:p>
@@ -1734,7 +1735,7 @@
           <a:p>
             <a:fld id="{27488680-6B52-423D-9C05-D03BE6B7071F}" type="datetimeFigureOut">
               <a:rPr lang="en-IN" smtClean="0"/>
-              <a:t>07-02-2023</a:t>
+              <a:t>14-02-2023</a:t>
             </a:fld>
             <a:endParaRPr lang="en-IN"/>
           </a:p>
@@ -1829,7 +1830,7 @@
           <a:p>
             <a:fld id="{27488680-6B52-423D-9C05-D03BE6B7071F}" type="datetimeFigureOut">
               <a:rPr lang="en-IN" smtClean="0"/>
-              <a:t>07-02-2023</a:t>
+              <a:t>14-02-2023</a:t>
             </a:fld>
             <a:endParaRPr lang="en-IN"/>
           </a:p>
@@ -2106,7 +2107,7 @@
           <a:p>
             <a:fld id="{27488680-6B52-423D-9C05-D03BE6B7071F}" type="datetimeFigureOut">
               <a:rPr lang="en-IN" smtClean="0"/>
-              <a:t>07-02-2023</a:t>
+              <a:t>14-02-2023</a:t>
             </a:fld>
             <a:endParaRPr lang="en-IN"/>
           </a:p>
@@ -2359,7 +2360,7 @@
           <a:p>
             <a:fld id="{27488680-6B52-423D-9C05-D03BE6B7071F}" type="datetimeFigureOut">
               <a:rPr lang="en-IN" smtClean="0"/>
-              <a:t>07-02-2023</a:t>
+              <a:t>14-02-2023</a:t>
             </a:fld>
             <a:endParaRPr lang="en-IN"/>
           </a:p>
@@ -2582,7 +2583,7 @@
           <a:p>
             <a:fld id="{27488680-6B52-423D-9C05-D03BE6B7071F}" type="datetimeFigureOut">
               <a:rPr lang="en-IN" smtClean="0"/>
-              <a:t>07-02-2023</a:t>
+              <a:t>14-02-2023</a:t>
             </a:fld>
             <a:endParaRPr lang="en-IN"/>
           </a:p>
@@ -3141,6 +3142,80 @@
   <p:clrMapOvr>
     <a:masterClrMapping/>
   </p:clrMapOvr>
+</p:sld>
+</file>
+
+<file path=ppt/slides/slide10.xml><?xml version="1.0" encoding="utf-8"?>
+<p:sld xmlns:a="http://schemas.openxmlformats.org/drawingml/2006/main" xmlns:r="http://schemas.openxmlformats.org/officeDocument/2006/relationships" xmlns:p="http://schemas.openxmlformats.org/presentationml/2006/main">
+  <p:cSld>
+    <p:spTree>
+      <p:nvGrpSpPr>
+        <p:cNvPr id="1" name=""/>
+        <p:cNvGrpSpPr/>
+        <p:nvPr/>
+      </p:nvGrpSpPr>
+      <p:grpSpPr>
+        <a:xfrm>
+          <a:off x="0" y="0"/>
+          <a:ext cx="0" cy="0"/>
+          <a:chOff x="0" y="0"/>
+          <a:chExt cx="0" cy="0"/>
+        </a:xfrm>
+      </p:grpSpPr>
+      <p:sp>
+        <p:nvSpPr>
+          <p:cNvPr id="2" name="Title 1"/>
+          <p:cNvSpPr>
+            <a:spLocks noGrp="1"/>
+          </p:cNvSpPr>
+          <p:nvPr>
+            <p:ph type="title"/>
+          </p:nvPr>
+        </p:nvSpPr>
+        <p:spPr>
+          <a:xfrm>
+            <a:off x="4437797" y="2766218"/>
+            <a:ext cx="3316406" cy="1325563"/>
+          </a:xfrm>
+        </p:spPr>
+        <p:txBody>
+          <a:bodyPr/>
+          <a:lstStyle/>
+          <a:p>
+            <a:r>
+              <a:rPr lang="en-IN" b="1" dirty="0">
+                <a:effectLst>
+                  <a:outerShdw blurRad="38100" dist="38100" dir="2700000" algn="tl">
+                    <a:srgbClr val="000000">
+                      <a:alpha val="43137"/>
+                    </a:srgbClr>
+                  </a:outerShdw>
+                </a:effectLst>
+                <a:latin typeface="Times New Roman" panose="02020603050405020304" pitchFamily="18" charset="0"/>
+                <a:cs typeface="Times New Roman" panose="02020603050405020304" pitchFamily="18" charset="0"/>
+              </a:rPr>
+              <a:t>Thank you!</a:t>
+            </a:r>
+          </a:p>
+        </p:txBody>
+      </p:sp>
+    </p:spTree>
+    <p:extLst>
+      <p:ext uri="{BB962C8B-B14F-4D97-AF65-F5344CB8AC3E}">
+        <p14:creationId xmlns:p14="http://schemas.microsoft.com/office/powerpoint/2010/main" val="1082783644"/>
+      </p:ext>
+    </p:extLst>
+  </p:cSld>
+  <p:clrMapOvr>
+    <a:masterClrMapping/>
+  </p:clrMapOvr>
+  <p:timing>
+    <p:tnLst>
+      <p:par>
+        <p:cTn id="1" dur="indefinite" restart="never" nodeType="tmRoot"/>
+      </p:par>
+    </p:tnLst>
+  </p:timing>
 </p:sld>
 </file>
 
@@ -4658,8 +4733,19 @@
                 <a:latin typeface="Times New Roman" panose="02020603050405020304" pitchFamily="18" charset="0"/>
                 <a:cs typeface="Times New Roman" panose="02020603050405020304" pitchFamily="18" charset="0"/>
               </a:rPr>
-              <a:t>Convert Image in gray scale</a:t>
-            </a:r>
+              <a:t>Convert Image in </a:t>
+            </a:r>
+            <a:r>
+              <a:rPr lang="en-US" sz="2000" dirty="0" smtClean="0">
+                <a:latin typeface="Times New Roman" panose="02020603050405020304" pitchFamily="18" charset="0"/>
+                <a:cs typeface="Times New Roman" panose="02020603050405020304" pitchFamily="18" charset="0"/>
+              </a:rPr>
+              <a:t>Thermal and grayscale images</a:t>
+            </a:r>
+            <a:endParaRPr lang="en-US" sz="2000" dirty="0" smtClean="0">
+              <a:latin typeface="Times New Roman" panose="02020603050405020304" pitchFamily="18" charset="0"/>
+              <a:cs typeface="Times New Roman" panose="02020603050405020304" pitchFamily="18" charset="0"/>
+            </a:endParaRPr>
           </a:p>
           <a:p>
             <a:pPr marL="971550" lvl="1" indent="-514350">
@@ -4684,15 +4770,25 @@
                 <a:latin typeface="Times New Roman" panose="02020603050405020304" pitchFamily="18" charset="0"/>
                 <a:cs typeface="Times New Roman" panose="02020603050405020304" pitchFamily="18" charset="0"/>
               </a:rPr>
-              <a:t>Code </a:t>
-            </a:r>
+              <a:t>Explore the capacity of CRI AI Cameras</a:t>
+            </a:r>
+          </a:p>
+          <a:p>
+            <a:pPr marL="971550" lvl="1" indent="-514350">
+              <a:buFont typeface="+mj-lt"/>
+              <a:buAutoNum type="romanLcPeriod"/>
+            </a:pPr>
             <a:r>
               <a:rPr lang="en-US" sz="2000" dirty="0" smtClean="0">
                 <a:latin typeface="Times New Roman" panose="02020603050405020304" pitchFamily="18" charset="0"/>
                 <a:cs typeface="Times New Roman" panose="02020603050405020304" pitchFamily="18" charset="0"/>
               </a:rPr>
-              <a:t>Optimization</a:t>
-            </a:r>
+              <a:t>Problem statement/scope of work</a:t>
+            </a:r>
+            <a:endParaRPr lang="en-US" sz="2000" dirty="0" smtClean="0">
+              <a:latin typeface="Times New Roman" panose="02020603050405020304" pitchFamily="18" charset="0"/>
+              <a:cs typeface="Times New Roman" panose="02020603050405020304" pitchFamily="18" charset="0"/>
+            </a:endParaRPr>
           </a:p>
           <a:p>
             <a:pPr marL="971550" lvl="1" indent="-514350">
@@ -4898,8 +4994,50 @@
                 <a:latin typeface="Times New Roman" panose="02020603050405020304" pitchFamily="18" charset="0"/>
                 <a:cs typeface="Times New Roman" panose="02020603050405020304" pitchFamily="18" charset="0"/>
               </a:rPr>
-              <a:t>Identify ways to store images in Dataset and Develop code for that</a:t>
-            </a:r>
+              <a:t>Identify ways to </a:t>
+            </a:r>
+            <a:r>
+              <a:rPr lang="en-US" sz="1800" dirty="0" smtClean="0">
+                <a:latin typeface="Times New Roman" panose="02020603050405020304" pitchFamily="18" charset="0"/>
+                <a:cs typeface="Times New Roman" panose="02020603050405020304" pitchFamily="18" charset="0"/>
+              </a:rPr>
+              <a:t>store multiple </a:t>
+            </a:r>
+            <a:r>
+              <a:rPr lang="en-US" sz="1800" dirty="0" smtClean="0">
+                <a:latin typeface="Times New Roman" panose="02020603050405020304" pitchFamily="18" charset="0"/>
+                <a:cs typeface="Times New Roman" panose="02020603050405020304" pitchFamily="18" charset="0"/>
+              </a:rPr>
+              <a:t>images in </a:t>
+            </a:r>
+            <a:r>
+              <a:rPr lang="en-US" sz="1800" dirty="0" smtClean="0">
+                <a:latin typeface="Times New Roman" panose="02020603050405020304" pitchFamily="18" charset="0"/>
+                <a:cs typeface="Times New Roman" panose="02020603050405020304" pitchFamily="18" charset="0"/>
+              </a:rPr>
+              <a:t>Dataset.</a:t>
+            </a:r>
+          </a:p>
+          <a:p>
+            <a:pPr lvl="1"/>
+            <a:r>
+              <a:rPr lang="en-US" sz="1800" dirty="0">
+                <a:latin typeface="Times New Roman" panose="02020603050405020304" pitchFamily="18" charset="0"/>
+                <a:cs typeface="Times New Roman" panose="02020603050405020304" pitchFamily="18" charset="0"/>
+              </a:rPr>
+              <a:t>Explore the capacity of CRI AI </a:t>
+            </a:r>
+            <a:r>
+              <a:rPr lang="en-US" sz="1800" dirty="0" smtClean="0">
+                <a:latin typeface="Times New Roman" panose="02020603050405020304" pitchFamily="18" charset="0"/>
+                <a:cs typeface="Times New Roman" panose="02020603050405020304" pitchFamily="18" charset="0"/>
+              </a:rPr>
+              <a:t>Cameras</a:t>
+            </a:r>
+            <a:endParaRPr lang="en-US" sz="1800" dirty="0" smtClean="0">
+              <a:latin typeface="Times New Roman" panose="02020603050405020304" pitchFamily="18" charset="0"/>
+              <a:cs typeface="Times New Roman" panose="02020603050405020304" pitchFamily="18" charset="0"/>
+            </a:endParaRPr>
           </a:p>
           <a:p>
             <a:r>
@@ -4915,6 +5053,60 @@
                 <a:cs typeface="Times New Roman" panose="02020603050405020304" pitchFamily="18" charset="0"/>
               </a:rPr>
               <a:t> </a:t>
+            </a:r>
+          </a:p>
+          <a:p>
+            <a:pPr lvl="1"/>
+            <a:r>
+              <a:rPr lang="en-US" sz="1800" dirty="0" smtClean="0">
+                <a:latin typeface="Times New Roman" panose="02020603050405020304" pitchFamily="18" charset="0"/>
+                <a:cs typeface="Times New Roman" panose="02020603050405020304" pitchFamily="18" charset="0"/>
+              </a:rPr>
+              <a:t>Convert </a:t>
+            </a:r>
+            <a:r>
+              <a:rPr lang="en-US" sz="1800" dirty="0" smtClean="0">
+                <a:latin typeface="Times New Roman" panose="02020603050405020304" pitchFamily="18" charset="0"/>
+                <a:cs typeface="Times New Roman" panose="02020603050405020304" pitchFamily="18" charset="0"/>
+              </a:rPr>
+              <a:t>Image to gray scale and thermal </a:t>
+            </a:r>
+            <a:r>
+              <a:rPr lang="en-US" sz="1800" dirty="0" smtClean="0">
+                <a:latin typeface="Times New Roman" panose="02020603050405020304" pitchFamily="18" charset="0"/>
+                <a:cs typeface="Times New Roman" panose="02020603050405020304" pitchFamily="18" charset="0"/>
+              </a:rPr>
+              <a:t>images</a:t>
+            </a:r>
+          </a:p>
+          <a:p>
+            <a:pPr lvl="1"/>
+            <a:r>
+              <a:rPr lang="en-US" sz="1800" dirty="0">
+                <a:latin typeface="Times New Roman" panose="02020603050405020304" pitchFamily="18" charset="0"/>
+                <a:cs typeface="Times New Roman" panose="02020603050405020304" pitchFamily="18" charset="0"/>
+              </a:rPr>
+              <a:t>Presentation </a:t>
+            </a:r>
+            <a:endParaRPr lang="en-US" sz="1800" dirty="0" smtClean="0">
+              <a:latin typeface="Times New Roman" panose="02020603050405020304" pitchFamily="18" charset="0"/>
+              <a:cs typeface="Times New Roman" panose="02020603050405020304" pitchFamily="18" charset="0"/>
+            </a:endParaRPr>
+          </a:p>
+          <a:p>
+            <a:r>
+              <a:rPr lang="en-US" sz="2000" b="1" dirty="0" err="1" smtClean="0">
+                <a:latin typeface="Times New Roman" panose="02020603050405020304" pitchFamily="18" charset="0"/>
+                <a:cs typeface="Times New Roman" panose="02020603050405020304" pitchFamily="18" charset="0"/>
+              </a:rPr>
+              <a:t>Kishan</a:t>
+            </a:r>
+            <a:r>
+              <a:rPr lang="en-US" sz="2000" b="1" dirty="0">
+                <a:latin typeface="Times New Roman" panose="02020603050405020304" pitchFamily="18" charset="0"/>
+                <a:cs typeface="Times New Roman" panose="02020603050405020304" pitchFamily="18" charset="0"/>
+              </a:rPr>
+              <a:t>:</a:t>
             </a:r>
             <a:endParaRPr lang="en-US" sz="2000" dirty="0">
               <a:latin typeface="Times New Roman" panose="02020603050405020304" pitchFamily="18" charset="0"/>
@@ -4924,38 +5116,60 @@
           <a:p>
             <a:pPr lvl="1"/>
             <a:r>
+              <a:rPr lang="en-US" sz="1800" dirty="0">
+                <a:latin typeface="Times New Roman" panose="02020603050405020304" pitchFamily="18" charset="0"/>
+                <a:cs typeface="Times New Roman" panose="02020603050405020304" pitchFamily="18" charset="0"/>
+              </a:rPr>
+              <a:t>Develop code </a:t>
+            </a:r>
+            <a:r>
               <a:rPr lang="en-US" sz="1800" dirty="0" smtClean="0">
                 <a:latin typeface="Times New Roman" panose="02020603050405020304" pitchFamily="18" charset="0"/>
                 <a:cs typeface="Times New Roman" panose="02020603050405020304" pitchFamily="18" charset="0"/>
               </a:rPr>
-              <a:t>Convert Image to gray scale</a:t>
-            </a:r>
-            <a:endParaRPr lang="en-US" sz="1400" dirty="0">
+              <a:t>to store </a:t>
+            </a:r>
+            <a:r>
+              <a:rPr lang="en-US" sz="1800" dirty="0">
+                <a:latin typeface="Times New Roman" panose="02020603050405020304" pitchFamily="18" charset="0"/>
+                <a:cs typeface="Times New Roman" panose="02020603050405020304" pitchFamily="18" charset="0"/>
+              </a:rPr>
+              <a:t>multiple</a:t>
+            </a:r>
+            <a:r>
+              <a:rPr lang="en-US" sz="1800" dirty="0" smtClean="0">
+                <a:latin typeface="Times New Roman" panose="02020603050405020304" pitchFamily="18" charset="0"/>
+                <a:cs typeface="Times New Roman" panose="02020603050405020304" pitchFamily="18" charset="0"/>
+              </a:rPr>
+              <a:t> images in the dataset</a:t>
+            </a:r>
+            <a:endParaRPr lang="en-US" sz="1800" dirty="0" smtClean="0">
               <a:latin typeface="Times New Roman" panose="02020603050405020304" pitchFamily="18" charset="0"/>
               <a:cs typeface="Times New Roman" panose="02020603050405020304" pitchFamily="18" charset="0"/>
             </a:endParaRPr>
           </a:p>
           <a:p>
-            <a:r>
-              <a:rPr lang="en-US" sz="2000" b="1" dirty="0">
-                <a:latin typeface="Times New Roman" panose="02020603050405020304" pitchFamily="18" charset="0"/>
-                <a:cs typeface="Times New Roman" panose="02020603050405020304" pitchFamily="18" charset="0"/>
-              </a:rPr>
-              <a:t>Kishan:</a:t>
-            </a:r>
-            <a:endParaRPr lang="en-US" sz="2000" dirty="0">
-              <a:latin typeface="Times New Roman" panose="02020603050405020304" pitchFamily="18" charset="0"/>
-              <a:cs typeface="Times New Roman" panose="02020603050405020304" pitchFamily="18" charset="0"/>
-            </a:endParaRPr>
-          </a:p>
-          <a:p>
             <a:pPr lvl="1"/>
             <a:r>
               <a:rPr lang="en-US" sz="1800" dirty="0" smtClean="0">
                 <a:latin typeface="Times New Roman" panose="02020603050405020304" pitchFamily="18" charset="0"/>
                 <a:cs typeface="Times New Roman" panose="02020603050405020304" pitchFamily="18" charset="0"/>
               </a:rPr>
-              <a:t>Code optimization</a:t>
+              <a:t>Analyze </a:t>
+            </a:r>
+            <a:r>
+              <a:rPr lang="en-US" sz="1800" dirty="0">
+                <a:latin typeface="Times New Roman" panose="02020603050405020304" pitchFamily="18" charset="0"/>
+                <a:cs typeface="Times New Roman" panose="02020603050405020304" pitchFamily="18" charset="0"/>
+              </a:rPr>
+              <a:t>Problem statement/scope of </a:t>
+            </a:r>
+            <a:r>
+              <a:rPr lang="en-US" sz="1800" dirty="0" smtClean="0">
+                <a:latin typeface="Times New Roman" panose="02020603050405020304" pitchFamily="18" charset="0"/>
+                <a:cs typeface="Times New Roman" panose="02020603050405020304" pitchFamily="18" charset="0"/>
+              </a:rPr>
+              <a:t>work</a:t>
             </a:r>
             <a:endParaRPr lang="en-US" sz="1800" dirty="0">
               <a:latin typeface="Times New Roman" panose="02020603050405020304" pitchFamily="18" charset="0"/>
@@ -4963,14 +5177,13 @@
             </a:endParaRPr>
           </a:p>
           <a:p>
-            <a:pPr lvl="1"/>
-            <a:r>
-              <a:rPr lang="en-US" sz="1800" dirty="0">
-                <a:latin typeface="Times New Roman" panose="02020603050405020304" pitchFamily="18" charset="0"/>
-                <a:cs typeface="Times New Roman" panose="02020603050405020304" pitchFamily="18" charset="0"/>
-              </a:rPr>
-              <a:t>Presentation </a:t>
-            </a:r>
+            <a:pPr marL="457200" lvl="1" indent="0">
+              <a:buNone/>
+            </a:pPr>
+            <a:endParaRPr lang="en-US" sz="1800" dirty="0">
+              <a:latin typeface="Times New Roman" panose="02020603050405020304" pitchFamily="18" charset="0"/>
+              <a:cs typeface="Times New Roman" panose="02020603050405020304" pitchFamily="18" charset="0"/>
+            </a:endParaRPr>
           </a:p>
           <a:p>
             <a:pPr lvl="2"/>
@@ -5059,33 +5272,22 @@
       </p:sp>
       <p:pic>
         <p:nvPicPr>
-          <p:cNvPr id="4" name="Picture 3">
-            <a:extLst>
-              <a:ext uri="{FF2B5EF4-FFF2-40B4-BE49-F238E27FC236}">
-                <a16:creationId xmlns="" xmlns:a16="http://schemas.microsoft.com/office/drawing/2014/main" id="{4C27CCBF-42BC-CE0F-A463-77F54548275A}"/>
-              </a:ext>
-            </a:extLst>
-          </p:cNvPr>
+          <p:cNvPr id="3" name="Picture 2"/>
           <p:cNvPicPr>
             <a:picLocks noChangeAspect="1"/>
           </p:cNvPicPr>
           <p:nvPr/>
         </p:nvPicPr>
-        <p:blipFill rotWithShape="1">
-          <a:blip r:embed="rId2">
-            <a:extLst>
-              <a:ext uri="{28A0092B-C50C-407E-A947-70E740481C1C}">
-                <a14:useLocalDpi xmlns:a14="http://schemas.microsoft.com/office/drawing/2010/main" val="0"/>
-              </a:ext>
-            </a:extLst>
-          </a:blip>
-          <a:srcRect l="2042" t="9510" r="4608" b="10962"/>
-          <a:stretch/>
+        <p:blipFill>
+          <a:blip r:embed="rId2"/>
+          <a:stretch>
+            <a:fillRect/>
+          </a:stretch>
         </p:blipFill>
         <p:spPr>
           <a:xfrm>
-            <a:off x="1687133" y="1459868"/>
-            <a:ext cx="8136142" cy="4799264"/>
+            <a:off x="1448425" y="1459868"/>
+            <a:ext cx="7683851" cy="4943696"/>
           </a:xfrm>
           <a:prstGeom prst="rect">
             <a:avLst/>
@@ -5131,20 +5333,15 @@
       </p:grpSpPr>
       <p:sp>
         <p:nvSpPr>
-          <p:cNvPr id="2" name="Title 1"/>
-          <p:cNvSpPr>
-            <a:spLocks noGrp="1"/>
-          </p:cNvSpPr>
-          <p:nvPr>
-            <p:ph type="title"/>
-          </p:nvPr>
-        </p:nvSpPr>
-        <p:spPr>
-          <a:xfrm>
-            <a:off x="1013790" y="365125"/>
-            <a:ext cx="10340009" cy="1325563"/>
-          </a:xfrm>
-        </p:spPr>
+          <p:cNvPr id="3" name="Content Placeholder 2"/>
+          <p:cNvSpPr>
+            <a:spLocks noGrp="1"/>
+          </p:cNvSpPr>
+          <p:nvPr>
+            <p:ph idx="1"/>
+          </p:nvPr>
+        </p:nvSpPr>
+        <p:spPr/>
         <p:txBody>
           <a:bodyPr>
             <a:normAutofit/>
@@ -5152,7 +5349,144 @@
           <a:lstStyle/>
           <a:p>
             <a:r>
-              <a:rPr lang="en-IN" sz="3600" dirty="0">
+              <a:rPr lang="en-US" sz="1800" dirty="0">
+                <a:latin typeface="Times New Roman" panose="02020603050405020304" pitchFamily="18" charset="0"/>
+                <a:cs typeface="Times New Roman" panose="02020603050405020304" pitchFamily="18" charset="0"/>
+              </a:rPr>
+              <a:t>For more information on the cv2.cvtColor function, you can refer to the </a:t>
+            </a:r>
+            <a:r>
+              <a:rPr lang="en-US" sz="1800" dirty="0" err="1">
+                <a:latin typeface="Times New Roman" panose="02020603050405020304" pitchFamily="18" charset="0"/>
+                <a:cs typeface="Times New Roman" panose="02020603050405020304" pitchFamily="18" charset="0"/>
+              </a:rPr>
+              <a:t>OpenCV</a:t>
+            </a:r>
+            <a:r>
+              <a:rPr lang="en-US" sz="1800" dirty="0">
+                <a:latin typeface="Times New Roman" panose="02020603050405020304" pitchFamily="18" charset="0"/>
+                <a:cs typeface="Times New Roman" panose="02020603050405020304" pitchFamily="18" charset="0"/>
+              </a:rPr>
+              <a:t> documentation: </a:t>
+            </a:r>
+            <a:r>
+              <a:rPr lang="en-US" sz="1800" dirty="0">
+                <a:latin typeface="Times New Roman" panose="02020603050405020304" pitchFamily="18" charset="0"/>
+                <a:cs typeface="Times New Roman" panose="02020603050405020304" pitchFamily="18" charset="0"/>
+                <a:hlinkClick r:id="rId2" action="ppaction://hlinkfile"/>
+              </a:rPr>
+              <a:t>https://docs.opencv.org/master/d9/d61/tutorial_py_morphological_ops.html </a:t>
+            </a:r>
+            <a:endParaRPr lang="en-US" sz="1800" dirty="0" smtClean="0">
+              <a:latin typeface="Times New Roman" panose="02020603050405020304" pitchFamily="18" charset="0"/>
+              <a:cs typeface="Times New Roman" panose="02020603050405020304" pitchFamily="18" charset="0"/>
+            </a:endParaRPr>
+          </a:p>
+          <a:p>
+            <a:r>
+              <a:rPr lang="en-US" sz="1800" dirty="0" smtClean="0">
+                <a:latin typeface="Times New Roman" panose="02020603050405020304" pitchFamily="18" charset="0"/>
+                <a:cs typeface="Times New Roman" panose="02020603050405020304" pitchFamily="18" charset="0"/>
+              </a:rPr>
+              <a:t>For </a:t>
+            </a:r>
+            <a:r>
+              <a:rPr lang="en-US" sz="1800" dirty="0">
+                <a:latin typeface="Times New Roman" panose="02020603050405020304" pitchFamily="18" charset="0"/>
+                <a:cs typeface="Times New Roman" panose="02020603050405020304" pitchFamily="18" charset="0"/>
+              </a:rPr>
+              <a:t>more information on the cv2.applyColorMap function, you can refer to the </a:t>
+            </a:r>
+            <a:r>
+              <a:rPr lang="en-US" sz="1800" dirty="0" err="1">
+                <a:latin typeface="Times New Roman" panose="02020603050405020304" pitchFamily="18" charset="0"/>
+                <a:cs typeface="Times New Roman" panose="02020603050405020304" pitchFamily="18" charset="0"/>
+              </a:rPr>
+              <a:t>OpenCV</a:t>
+            </a:r>
+            <a:r>
+              <a:rPr lang="en-US" sz="1800" dirty="0">
+                <a:latin typeface="Times New Roman" panose="02020603050405020304" pitchFamily="18" charset="0"/>
+                <a:cs typeface="Times New Roman" panose="02020603050405020304" pitchFamily="18" charset="0"/>
+              </a:rPr>
+              <a:t> documentation: </a:t>
+            </a:r>
+            <a:r>
+              <a:rPr lang="en-US" sz="1800" dirty="0">
+                <a:latin typeface="Times New Roman" panose="02020603050405020304" pitchFamily="18" charset="0"/>
+                <a:cs typeface="Times New Roman" panose="02020603050405020304" pitchFamily="18" charset="0"/>
+                <a:hlinkClick r:id="rId2" action="ppaction://hlinkfile"/>
+              </a:rPr>
+              <a:t>https://docs.opencv.org/master/d3/d50/group__imgproc__colormap.html </a:t>
+            </a:r>
+            <a:endParaRPr lang="en-US" sz="1800" dirty="0" smtClean="0">
+              <a:latin typeface="Times New Roman" panose="02020603050405020304" pitchFamily="18" charset="0"/>
+              <a:cs typeface="Times New Roman" panose="02020603050405020304" pitchFamily="18" charset="0"/>
+            </a:endParaRPr>
+          </a:p>
+          <a:p>
+            <a:r>
+              <a:rPr lang="en-US" sz="1800" dirty="0" smtClean="0">
+                <a:latin typeface="Times New Roman" panose="02020603050405020304" pitchFamily="18" charset="0"/>
+                <a:cs typeface="Times New Roman" panose="02020603050405020304" pitchFamily="18" charset="0"/>
+              </a:rPr>
+              <a:t>For </a:t>
+            </a:r>
+            <a:r>
+              <a:rPr lang="en-US" sz="1800" dirty="0">
+                <a:latin typeface="Times New Roman" panose="02020603050405020304" pitchFamily="18" charset="0"/>
+                <a:cs typeface="Times New Roman" panose="02020603050405020304" pitchFamily="18" charset="0"/>
+              </a:rPr>
+              <a:t>more information on the cv2.imwrite function, you can refer to the </a:t>
+            </a:r>
+            <a:r>
+              <a:rPr lang="en-US" sz="1800" dirty="0" err="1">
+                <a:latin typeface="Times New Roman" panose="02020603050405020304" pitchFamily="18" charset="0"/>
+                <a:cs typeface="Times New Roman" panose="02020603050405020304" pitchFamily="18" charset="0"/>
+              </a:rPr>
+              <a:t>OpenCV</a:t>
+            </a:r>
+            <a:r>
+              <a:rPr lang="en-US" sz="1800" dirty="0">
+                <a:latin typeface="Times New Roman" panose="02020603050405020304" pitchFamily="18" charset="0"/>
+                <a:cs typeface="Times New Roman" panose="02020603050405020304" pitchFamily="18" charset="0"/>
+              </a:rPr>
+              <a:t> documentation: </a:t>
+            </a:r>
+            <a:r>
+              <a:rPr lang="en-US" sz="1800" dirty="0">
+                <a:latin typeface="Times New Roman" panose="02020603050405020304" pitchFamily="18" charset="0"/>
+                <a:cs typeface="Times New Roman" panose="02020603050405020304" pitchFamily="18" charset="0"/>
+                <a:hlinkClick r:id="rId2" action="ppaction://hlinkfile"/>
+              </a:rPr>
+              <a:t>https://docs.opencv.org/master/d4/dc0/group__imgcodecs.html</a:t>
+            </a:r>
+            <a:endParaRPr lang="en-IN" sz="1800" dirty="0">
+              <a:latin typeface="Times New Roman" panose="02020603050405020304" pitchFamily="18" charset="0"/>
+              <a:cs typeface="Times New Roman" panose="02020603050405020304" pitchFamily="18" charset="0"/>
+            </a:endParaRPr>
+          </a:p>
+        </p:txBody>
+      </p:sp>
+      <p:sp>
+        <p:nvSpPr>
+          <p:cNvPr id="4" name="Title 1"/>
+          <p:cNvSpPr>
+            <a:spLocks noGrp="1"/>
+          </p:cNvSpPr>
+          <p:nvPr>
+            <p:ph type="title"/>
+          </p:nvPr>
+        </p:nvSpPr>
+        <p:spPr/>
+        <p:txBody>
+          <a:bodyPr>
+            <a:normAutofit/>
+          </a:bodyPr>
+          <a:lstStyle/>
+          <a:p>
+            <a:r>
+              <a:rPr lang="en-IN" sz="3600" dirty="0" smtClean="0">
                 <a:effectLst>
                   <a:outerShdw blurRad="38100" dist="38100" dir="2700000" algn="tl">
                     <a:srgbClr val="000000">
@@ -5163,146 +5497,32 @@
                 <a:latin typeface="Times New Roman" panose="02020603050405020304" pitchFamily="18" charset="0"/>
                 <a:cs typeface="Times New Roman" panose="02020603050405020304" pitchFamily="18" charset="0"/>
               </a:rPr>
-              <a:t>Now Onwards …</a:t>
-            </a:r>
-          </a:p>
-        </p:txBody>
-      </p:sp>
-      <p:sp>
-        <p:nvSpPr>
-          <p:cNvPr id="3" name="Content Placeholder 2"/>
-          <p:cNvSpPr>
-            <a:spLocks noGrp="1"/>
-          </p:cNvSpPr>
-          <p:nvPr>
-            <p:ph idx="1"/>
-          </p:nvPr>
-        </p:nvSpPr>
-        <p:spPr/>
-        <p:txBody>
-          <a:bodyPr>
-            <a:normAutofit/>
-          </a:bodyPr>
-          <a:lstStyle/>
-          <a:p>
-            <a:r>
-              <a:rPr lang="en-IN" sz="1800" dirty="0" smtClean="0">
-                <a:latin typeface="Times New Roman" panose="02020603050405020304" pitchFamily="18" charset="0"/>
-                <a:cs typeface="Times New Roman" panose="02020603050405020304" pitchFamily="18" charset="0"/>
-              </a:rPr>
-              <a:t>Get the CRI AI Cameras.</a:t>
-            </a:r>
-            <a:endParaRPr lang="en-IN" sz="1800" dirty="0">
+              <a:t>Thermal Images detection References</a:t>
+            </a:r>
+            <a:endParaRPr lang="en-IN" sz="3600" dirty="0">
+              <a:effectLst>
+                <a:outerShdw blurRad="38100" dist="38100" dir="2700000" algn="tl">
+                  <a:srgbClr val="000000">
+                    <a:alpha val="43137"/>
+                  </a:srgbClr>
+                </a:outerShdw>
+              </a:effectLst>
               <a:latin typeface="Times New Roman" panose="02020603050405020304" pitchFamily="18" charset="0"/>
               <a:cs typeface="Times New Roman" panose="02020603050405020304" pitchFamily="18" charset="0"/>
             </a:endParaRPr>
           </a:p>
-          <a:p>
-            <a:endParaRPr lang="en-IN" sz="1800" dirty="0">
-              <a:latin typeface="Times New Roman" panose="02020603050405020304" pitchFamily="18" charset="0"/>
-              <a:cs typeface="Times New Roman" panose="02020603050405020304" pitchFamily="18" charset="0"/>
-            </a:endParaRPr>
-          </a:p>
-          <a:p>
-            <a:r>
-              <a:rPr lang="en-IN" sz="1800" dirty="0" smtClean="0">
-                <a:latin typeface="Times New Roman" panose="02020603050405020304" pitchFamily="18" charset="0"/>
-                <a:cs typeface="Times New Roman" panose="02020603050405020304" pitchFamily="18" charset="0"/>
-              </a:rPr>
-              <a:t>Convert captured images to thermal images.</a:t>
-            </a:r>
-            <a:endParaRPr lang="en-IN" sz="1800" dirty="0">
-              <a:latin typeface="Times New Roman" panose="02020603050405020304" pitchFamily="18" charset="0"/>
-              <a:cs typeface="Times New Roman" panose="02020603050405020304" pitchFamily="18" charset="0"/>
-            </a:endParaRPr>
-          </a:p>
-          <a:p>
-            <a:pPr marL="0" indent="0">
-              <a:buNone/>
-            </a:pPr>
-            <a:endParaRPr lang="en-IN" sz="1800" dirty="0">
-              <a:latin typeface="Times New Roman" panose="02020603050405020304" pitchFamily="18" charset="0"/>
-              <a:cs typeface="Times New Roman" panose="02020603050405020304" pitchFamily="18" charset="0"/>
-            </a:endParaRPr>
-          </a:p>
-          <a:p>
-            <a:r>
-              <a:rPr lang="en-IN" sz="1800" dirty="0">
-                <a:latin typeface="Times New Roman" panose="02020603050405020304" pitchFamily="18" charset="0"/>
-                <a:cs typeface="Times New Roman" panose="02020603050405020304" pitchFamily="18" charset="0"/>
-              </a:rPr>
-              <a:t>Work upon Image Segmentation.</a:t>
-            </a:r>
-          </a:p>
-          <a:p>
-            <a:endParaRPr lang="en-IN" sz="1800" dirty="0">
-              <a:latin typeface="Times New Roman" panose="02020603050405020304" pitchFamily="18" charset="0"/>
-              <a:cs typeface="Times New Roman" panose="02020603050405020304" pitchFamily="18" charset="0"/>
-            </a:endParaRPr>
-          </a:p>
-          <a:p>
-            <a:r>
-              <a:rPr lang="en-IN" sz="1800" dirty="0">
-                <a:latin typeface="Times New Roman" panose="02020603050405020304" pitchFamily="18" charset="0"/>
-                <a:cs typeface="Times New Roman" panose="02020603050405020304" pitchFamily="18" charset="0"/>
-              </a:rPr>
-              <a:t>Start working </a:t>
-            </a:r>
-            <a:r>
-              <a:rPr lang="en-IN" sz="1800" dirty="0" smtClean="0">
-                <a:latin typeface="Times New Roman" panose="02020603050405020304" pitchFamily="18" charset="0"/>
-                <a:cs typeface="Times New Roman" panose="02020603050405020304" pitchFamily="18" charset="0"/>
-              </a:rPr>
-              <a:t>on integration of CRI AI Cameras.</a:t>
-            </a:r>
-            <a:endParaRPr lang="en-IN" sz="1800" dirty="0">
-              <a:latin typeface="Times New Roman" panose="02020603050405020304" pitchFamily="18" charset="0"/>
-              <a:cs typeface="Times New Roman" panose="02020603050405020304" pitchFamily="18" charset="0"/>
-            </a:endParaRPr>
-          </a:p>
-          <a:p>
-            <a:endParaRPr lang="en-IN" sz="1800" dirty="0">
-              <a:latin typeface="Times New Roman" panose="02020603050405020304" pitchFamily="18" charset="0"/>
-              <a:cs typeface="Times New Roman" panose="02020603050405020304" pitchFamily="18" charset="0"/>
-            </a:endParaRPr>
-          </a:p>
-          <a:p>
-            <a:endParaRPr lang="en-IN" sz="1800" dirty="0">
-              <a:latin typeface="Times New Roman" panose="02020603050405020304" pitchFamily="18" charset="0"/>
-              <a:cs typeface="Times New Roman" panose="02020603050405020304" pitchFamily="18" charset="0"/>
-            </a:endParaRPr>
-          </a:p>
-          <a:p>
-            <a:endParaRPr lang="en-IN" sz="1800" dirty="0">
-              <a:latin typeface="Times New Roman" panose="02020603050405020304" pitchFamily="18" charset="0"/>
-              <a:cs typeface="Times New Roman" panose="02020603050405020304" pitchFamily="18" charset="0"/>
-            </a:endParaRPr>
-          </a:p>
-          <a:p>
-            <a:endParaRPr lang="en-IN" sz="1800" dirty="0">
-              <a:latin typeface="Times New Roman" panose="02020603050405020304" pitchFamily="18" charset="0"/>
-              <a:cs typeface="Times New Roman" panose="02020603050405020304" pitchFamily="18" charset="0"/>
-            </a:endParaRPr>
-          </a:p>
         </p:txBody>
       </p:sp>
     </p:spTree>
     <p:extLst>
       <p:ext uri="{BB962C8B-B14F-4D97-AF65-F5344CB8AC3E}">
-        <p14:creationId xmlns:p14="http://schemas.microsoft.com/office/powerpoint/2010/main" val="72546162"/>
+        <p14:creationId xmlns:p14="http://schemas.microsoft.com/office/powerpoint/2010/main" val="1442264115"/>
       </p:ext>
     </p:extLst>
   </p:cSld>
   <p:clrMapOvr>
     <a:masterClrMapping/>
   </p:clrMapOvr>
-  <p:timing>
-    <p:tnLst>
-      <p:par>
-        <p:cTn id="1" dur="indefinite" restart="never" nodeType="tmRoot"/>
-      </p:par>
-    </p:tnLst>
-  </p:timing>
 </p:sld>
 </file>
 
@@ -5335,16 +5555,18 @@
         </p:nvSpPr>
         <p:spPr>
           <a:xfrm>
-            <a:off x="4437797" y="2766218"/>
-            <a:ext cx="3316406" cy="1325563"/>
+            <a:off x="1013790" y="365125"/>
+            <a:ext cx="10340009" cy="1325563"/>
           </a:xfrm>
         </p:spPr>
         <p:txBody>
-          <a:bodyPr/>
-          <a:lstStyle/>
-          <a:p>
-            <a:r>
-              <a:rPr lang="en-IN" b="1" dirty="0">
+          <a:bodyPr>
+            <a:normAutofit/>
+          </a:bodyPr>
+          <a:lstStyle/>
+          <a:p>
+            <a:r>
+              <a:rPr lang="en-IN" sz="3600" dirty="0">
                 <a:effectLst>
                   <a:outerShdw blurRad="38100" dist="38100" dir="2700000" algn="tl">
                     <a:srgbClr val="000000">
@@ -5355,15 +5577,133 @@
                 <a:latin typeface="Times New Roman" panose="02020603050405020304" pitchFamily="18" charset="0"/>
                 <a:cs typeface="Times New Roman" panose="02020603050405020304" pitchFamily="18" charset="0"/>
               </a:rPr>
-              <a:t>Thank you!</a:t>
-            </a:r>
+              <a:t>Now Onwards …</a:t>
+            </a:r>
+          </a:p>
+        </p:txBody>
+      </p:sp>
+      <p:sp>
+        <p:nvSpPr>
+          <p:cNvPr id="3" name="Content Placeholder 2"/>
+          <p:cNvSpPr>
+            <a:spLocks noGrp="1"/>
+          </p:cNvSpPr>
+          <p:nvPr>
+            <p:ph idx="1"/>
+          </p:nvPr>
+        </p:nvSpPr>
+        <p:spPr/>
+        <p:txBody>
+          <a:bodyPr>
+            <a:normAutofit/>
+          </a:bodyPr>
+          <a:lstStyle/>
+          <a:p>
+            <a:r>
+              <a:rPr lang="en-IN" sz="1800" dirty="0" smtClean="0">
+                <a:latin typeface="Times New Roman" panose="02020603050405020304" pitchFamily="18" charset="0"/>
+                <a:cs typeface="Times New Roman" panose="02020603050405020304" pitchFamily="18" charset="0"/>
+              </a:rPr>
+              <a:t>Get the CRI AI Cameras.</a:t>
+            </a:r>
+            <a:endParaRPr lang="en-IN" sz="1800" dirty="0">
+              <a:latin typeface="Times New Roman" panose="02020603050405020304" pitchFamily="18" charset="0"/>
+              <a:cs typeface="Times New Roman" panose="02020603050405020304" pitchFamily="18" charset="0"/>
+            </a:endParaRPr>
+          </a:p>
+          <a:p>
+            <a:endParaRPr lang="en-IN" sz="1800" dirty="0">
+              <a:latin typeface="Times New Roman" panose="02020603050405020304" pitchFamily="18" charset="0"/>
+              <a:cs typeface="Times New Roman" panose="02020603050405020304" pitchFamily="18" charset="0"/>
+            </a:endParaRPr>
+          </a:p>
+          <a:p>
+            <a:r>
+              <a:rPr lang="en-IN" sz="1800" dirty="0" smtClean="0">
+                <a:latin typeface="Times New Roman" panose="02020603050405020304" pitchFamily="18" charset="0"/>
+                <a:cs typeface="Times New Roman" panose="02020603050405020304" pitchFamily="18" charset="0"/>
+              </a:rPr>
+              <a:t>Convert captured images to thermal images.</a:t>
+            </a:r>
+            <a:endParaRPr lang="en-IN" sz="1800" dirty="0">
+              <a:latin typeface="Times New Roman" panose="02020603050405020304" pitchFamily="18" charset="0"/>
+              <a:cs typeface="Times New Roman" panose="02020603050405020304" pitchFamily="18" charset="0"/>
+            </a:endParaRPr>
+          </a:p>
+          <a:p>
+            <a:pPr marL="0" indent="0">
+              <a:buNone/>
+            </a:pPr>
+            <a:endParaRPr lang="en-IN" sz="1800" dirty="0">
+              <a:latin typeface="Times New Roman" panose="02020603050405020304" pitchFamily="18" charset="0"/>
+              <a:cs typeface="Times New Roman" panose="02020603050405020304" pitchFamily="18" charset="0"/>
+            </a:endParaRPr>
+          </a:p>
+          <a:p>
+            <a:r>
+              <a:rPr lang="en-IN" sz="1800" dirty="0">
+                <a:latin typeface="Times New Roman" panose="02020603050405020304" pitchFamily="18" charset="0"/>
+                <a:cs typeface="Times New Roman" panose="02020603050405020304" pitchFamily="18" charset="0"/>
+              </a:rPr>
+              <a:t>Work upon Image Segmentation.</a:t>
+            </a:r>
+          </a:p>
+          <a:p>
+            <a:endParaRPr lang="en-IN" sz="1800" dirty="0">
+              <a:latin typeface="Times New Roman" panose="02020603050405020304" pitchFamily="18" charset="0"/>
+              <a:cs typeface="Times New Roman" panose="02020603050405020304" pitchFamily="18" charset="0"/>
+            </a:endParaRPr>
+          </a:p>
+          <a:p>
+            <a:r>
+              <a:rPr lang="en-IN" sz="1800" dirty="0">
+                <a:latin typeface="Times New Roman" panose="02020603050405020304" pitchFamily="18" charset="0"/>
+                <a:cs typeface="Times New Roman" panose="02020603050405020304" pitchFamily="18" charset="0"/>
+              </a:rPr>
+              <a:t>Start working </a:t>
+            </a:r>
+            <a:r>
+              <a:rPr lang="en-IN" sz="1800" dirty="0" smtClean="0">
+                <a:latin typeface="Times New Roman" panose="02020603050405020304" pitchFamily="18" charset="0"/>
+                <a:cs typeface="Times New Roman" panose="02020603050405020304" pitchFamily="18" charset="0"/>
+              </a:rPr>
+              <a:t>on integration of CRI AI Cameras.</a:t>
+            </a:r>
+            <a:endParaRPr lang="en-IN" sz="1800" dirty="0">
+              <a:latin typeface="Times New Roman" panose="02020603050405020304" pitchFamily="18" charset="0"/>
+              <a:cs typeface="Times New Roman" panose="02020603050405020304" pitchFamily="18" charset="0"/>
+            </a:endParaRPr>
+          </a:p>
+          <a:p>
+            <a:endParaRPr lang="en-IN" sz="1800" dirty="0">
+              <a:latin typeface="Times New Roman" panose="02020603050405020304" pitchFamily="18" charset="0"/>
+              <a:cs typeface="Times New Roman" panose="02020603050405020304" pitchFamily="18" charset="0"/>
+            </a:endParaRPr>
+          </a:p>
+          <a:p>
+            <a:endParaRPr lang="en-IN" sz="1800" dirty="0">
+              <a:latin typeface="Times New Roman" panose="02020603050405020304" pitchFamily="18" charset="0"/>
+              <a:cs typeface="Times New Roman" panose="02020603050405020304" pitchFamily="18" charset="0"/>
+            </a:endParaRPr>
+          </a:p>
+          <a:p>
+            <a:endParaRPr lang="en-IN" sz="1800" dirty="0">
+              <a:latin typeface="Times New Roman" panose="02020603050405020304" pitchFamily="18" charset="0"/>
+              <a:cs typeface="Times New Roman" panose="02020603050405020304" pitchFamily="18" charset="0"/>
+            </a:endParaRPr>
+          </a:p>
+          <a:p>
+            <a:endParaRPr lang="en-IN" sz="1800" dirty="0">
+              <a:latin typeface="Times New Roman" panose="02020603050405020304" pitchFamily="18" charset="0"/>
+              <a:cs typeface="Times New Roman" panose="02020603050405020304" pitchFamily="18" charset="0"/>
+            </a:endParaRPr>
           </a:p>
         </p:txBody>
       </p:sp>
     </p:spTree>
     <p:extLst>
       <p:ext uri="{BB962C8B-B14F-4D97-AF65-F5344CB8AC3E}">
-        <p14:creationId xmlns:p14="http://schemas.microsoft.com/office/powerpoint/2010/main" val="1082783644"/>
+        <p14:creationId xmlns:p14="http://schemas.microsoft.com/office/powerpoint/2010/main" val="72546162"/>
       </p:ext>
     </p:extLst>
   </p:cSld>

--- a/CRI AI Camaras.pptx
+++ b/CRI AI Camaras.pptx
@@ -13,8 +13,9 @@
     <p:sldId id="261" r:id="rId7"/>
     <p:sldId id="259" r:id="rId8"/>
     <p:sldId id="268" r:id="rId9"/>
-    <p:sldId id="262" r:id="rId10"/>
-    <p:sldId id="263" r:id="rId11"/>
+    <p:sldId id="269" r:id="rId10"/>
+    <p:sldId id="262" r:id="rId11"/>
+    <p:sldId id="263" r:id="rId12"/>
   </p:sldIdLst>
   <p:sldSz cx="12192000" cy="6858000"/>
   <p:notesSz cx="6858000" cy="9144000"/>
@@ -3146,6 +3147,183 @@
 </file>
 
 <file path=ppt/slides/slide10.xml><?xml version="1.0" encoding="utf-8"?>
+<p:sld xmlns:a="http://schemas.openxmlformats.org/drawingml/2006/main" xmlns:r="http://schemas.openxmlformats.org/officeDocument/2006/relationships" xmlns:p="http://schemas.openxmlformats.org/presentationml/2006/main">
+  <p:cSld>
+    <p:spTree>
+      <p:nvGrpSpPr>
+        <p:cNvPr id="1" name=""/>
+        <p:cNvGrpSpPr/>
+        <p:nvPr/>
+      </p:nvGrpSpPr>
+      <p:grpSpPr>
+        <a:xfrm>
+          <a:off x="0" y="0"/>
+          <a:ext cx="0" cy="0"/>
+          <a:chOff x="0" y="0"/>
+          <a:chExt cx="0" cy="0"/>
+        </a:xfrm>
+      </p:grpSpPr>
+      <p:sp>
+        <p:nvSpPr>
+          <p:cNvPr id="2" name="Title 1"/>
+          <p:cNvSpPr>
+            <a:spLocks noGrp="1"/>
+          </p:cNvSpPr>
+          <p:nvPr>
+            <p:ph type="title"/>
+          </p:nvPr>
+        </p:nvSpPr>
+        <p:spPr>
+          <a:xfrm>
+            <a:off x="1013790" y="365125"/>
+            <a:ext cx="10340009" cy="1325563"/>
+          </a:xfrm>
+        </p:spPr>
+        <p:txBody>
+          <a:bodyPr>
+            <a:normAutofit/>
+          </a:bodyPr>
+          <a:lstStyle/>
+          <a:p>
+            <a:r>
+              <a:rPr lang="en-IN" sz="3600" dirty="0">
+                <a:effectLst>
+                  <a:outerShdw blurRad="38100" dist="38100" dir="2700000" algn="tl">
+                    <a:srgbClr val="000000">
+                      <a:alpha val="43137"/>
+                    </a:srgbClr>
+                  </a:outerShdw>
+                </a:effectLst>
+                <a:latin typeface="Times New Roman" panose="02020603050405020304" pitchFamily="18" charset="0"/>
+                <a:cs typeface="Times New Roman" panose="02020603050405020304" pitchFamily="18" charset="0"/>
+              </a:rPr>
+              <a:t>Now Onwards …</a:t>
+            </a:r>
+          </a:p>
+        </p:txBody>
+      </p:sp>
+      <p:sp>
+        <p:nvSpPr>
+          <p:cNvPr id="3" name="Content Placeholder 2"/>
+          <p:cNvSpPr>
+            <a:spLocks noGrp="1"/>
+          </p:cNvSpPr>
+          <p:nvPr>
+            <p:ph idx="1"/>
+          </p:nvPr>
+        </p:nvSpPr>
+        <p:spPr/>
+        <p:txBody>
+          <a:bodyPr>
+            <a:normAutofit/>
+          </a:bodyPr>
+          <a:lstStyle/>
+          <a:p>
+            <a:pPr marL="0" indent="0">
+              <a:buNone/>
+            </a:pPr>
+            <a:endParaRPr lang="en-IN" sz="1800" dirty="0">
+              <a:latin typeface="Times New Roman" panose="02020603050405020304" pitchFamily="18" charset="0"/>
+              <a:cs typeface="Times New Roman" panose="02020603050405020304" pitchFamily="18" charset="0"/>
+            </a:endParaRPr>
+          </a:p>
+          <a:p>
+            <a:r>
+              <a:rPr lang="en-IN" sz="1800" dirty="0">
+                <a:latin typeface="Times New Roman" panose="02020603050405020304" pitchFamily="18" charset="0"/>
+                <a:cs typeface="Times New Roman" panose="02020603050405020304" pitchFamily="18" charset="0"/>
+              </a:rPr>
+              <a:t>Work upon Image Segmentation</a:t>
+            </a:r>
+            <a:r>
+              <a:rPr lang="en-IN" sz="1800" dirty="0" smtClean="0">
+                <a:latin typeface="Times New Roman" panose="02020603050405020304" pitchFamily="18" charset="0"/>
+                <a:cs typeface="Times New Roman" panose="02020603050405020304" pitchFamily="18" charset="0"/>
+              </a:rPr>
+              <a:t>.</a:t>
+            </a:r>
+            <a:endParaRPr lang="en-IN" sz="1800" dirty="0">
+              <a:latin typeface="Times New Roman" panose="02020603050405020304" pitchFamily="18" charset="0"/>
+              <a:cs typeface="Times New Roman" panose="02020603050405020304" pitchFamily="18" charset="0"/>
+            </a:endParaRPr>
+          </a:p>
+          <a:p>
+            <a:r>
+              <a:rPr lang="en-IN" sz="1800" dirty="0">
+                <a:latin typeface="Times New Roman" panose="02020603050405020304" pitchFamily="18" charset="0"/>
+                <a:cs typeface="Times New Roman" panose="02020603050405020304" pitchFamily="18" charset="0"/>
+              </a:rPr>
+              <a:t>Start working </a:t>
+            </a:r>
+            <a:r>
+              <a:rPr lang="en-IN" sz="1800" dirty="0" smtClean="0">
+                <a:latin typeface="Times New Roman" panose="02020603050405020304" pitchFamily="18" charset="0"/>
+                <a:cs typeface="Times New Roman" panose="02020603050405020304" pitchFamily="18" charset="0"/>
+              </a:rPr>
+              <a:t>on integration of CRI AI Cameras</a:t>
+            </a:r>
+            <a:r>
+              <a:rPr lang="en-IN" sz="1800" dirty="0" smtClean="0">
+                <a:latin typeface="Times New Roman" panose="02020603050405020304" pitchFamily="18" charset="0"/>
+                <a:cs typeface="Times New Roman" panose="02020603050405020304" pitchFamily="18" charset="0"/>
+              </a:rPr>
+              <a:t>.</a:t>
+            </a:r>
+          </a:p>
+          <a:p>
+            <a:r>
+              <a:rPr lang="en-IN" sz="1800" dirty="0" smtClean="0">
+                <a:latin typeface="Times New Roman" panose="02020603050405020304" pitchFamily="18" charset="0"/>
+                <a:cs typeface="Times New Roman" panose="02020603050405020304" pitchFamily="18" charset="0"/>
+              </a:rPr>
+              <a:t>Capture and store thermal Images using CRI AI Cameras.</a:t>
+            </a:r>
+            <a:endParaRPr lang="en-IN" sz="1800" dirty="0">
+              <a:latin typeface="Times New Roman" panose="02020603050405020304" pitchFamily="18" charset="0"/>
+              <a:cs typeface="Times New Roman" panose="02020603050405020304" pitchFamily="18" charset="0"/>
+            </a:endParaRPr>
+          </a:p>
+          <a:p>
+            <a:endParaRPr lang="en-IN" sz="1800" dirty="0">
+              <a:latin typeface="Times New Roman" panose="02020603050405020304" pitchFamily="18" charset="0"/>
+              <a:cs typeface="Times New Roman" panose="02020603050405020304" pitchFamily="18" charset="0"/>
+            </a:endParaRPr>
+          </a:p>
+          <a:p>
+            <a:endParaRPr lang="en-IN" sz="1800" dirty="0">
+              <a:latin typeface="Times New Roman" panose="02020603050405020304" pitchFamily="18" charset="0"/>
+              <a:cs typeface="Times New Roman" panose="02020603050405020304" pitchFamily="18" charset="0"/>
+            </a:endParaRPr>
+          </a:p>
+          <a:p>
+            <a:endParaRPr lang="en-IN" sz="1800" dirty="0">
+              <a:latin typeface="Times New Roman" panose="02020603050405020304" pitchFamily="18" charset="0"/>
+              <a:cs typeface="Times New Roman" panose="02020603050405020304" pitchFamily="18" charset="0"/>
+            </a:endParaRPr>
+          </a:p>
+        </p:txBody>
+      </p:sp>
+    </p:spTree>
+    <p:extLst>
+      <p:ext uri="{BB962C8B-B14F-4D97-AF65-F5344CB8AC3E}">
+        <p14:creationId xmlns:p14="http://schemas.microsoft.com/office/powerpoint/2010/main" val="72546162"/>
+      </p:ext>
+    </p:extLst>
+  </p:cSld>
+  <p:clrMapOvr>
+    <a:masterClrMapping/>
+  </p:clrMapOvr>
+  <p:timing>
+    <p:tnLst>
+      <p:par>
+        <p:cTn id="1" dur="indefinite" restart="never" nodeType="tmRoot"/>
+      </p:par>
+    </p:tnLst>
+  </p:timing>
+</p:sld>
+</file>
+
+<file path=ppt/slides/slide11.xml><?xml version="1.0" encoding="utf-8"?>
 <p:sld xmlns:a="http://schemas.openxmlformats.org/drawingml/2006/main" xmlns:r="http://schemas.openxmlformats.org/officeDocument/2006/relationships" xmlns:p="http://schemas.openxmlformats.org/presentationml/2006/main">
   <p:cSld>
     <p:spTree>
@@ -5001,7 +5179,7 @@
                 <a:latin typeface="Times New Roman" panose="02020603050405020304" pitchFamily="18" charset="0"/>
                 <a:cs typeface="Times New Roman" panose="02020603050405020304" pitchFamily="18" charset="0"/>
               </a:rPr>
-              <a:t>store multiple </a:t>
+              <a:t>store limited multiple </a:t>
             </a:r>
             <a:r>
               <a:rPr lang="en-US" sz="1800" dirty="0" smtClean="0">
@@ -5128,6 +5306,20 @@
                 <a:cs typeface="Times New Roman" panose="02020603050405020304" pitchFamily="18" charset="0"/>
               </a:rPr>
               <a:t>to store </a:t>
+            </a:r>
+            <a:r>
+              <a:rPr lang="en-US" sz="1800" dirty="0">
+                <a:latin typeface="Times New Roman" panose="02020603050405020304" pitchFamily="18" charset="0"/>
+                <a:cs typeface="Times New Roman" panose="02020603050405020304" pitchFamily="18" charset="0"/>
+              </a:rPr>
+              <a:t>limited</a:t>
+            </a:r>
+            <a:r>
+              <a:rPr lang="en-US" sz="1800" dirty="0" smtClean="0">
+                <a:latin typeface="Times New Roman" panose="02020603050405020304" pitchFamily="18" charset="0"/>
+                <a:cs typeface="Times New Roman" panose="02020603050405020304" pitchFamily="18" charset="0"/>
+              </a:rPr>
+              <a:t> </a:t>
             </a:r>
             <a:r>
               <a:rPr lang="en-US" sz="1800" dirty="0">
@@ -5553,20 +5745,13 @@
             <p:ph type="title"/>
           </p:nvPr>
         </p:nvSpPr>
-        <p:spPr>
-          <a:xfrm>
-            <a:off x="1013790" y="365125"/>
-            <a:ext cx="10340009" cy="1325563"/>
-          </a:xfrm>
-        </p:spPr>
-        <p:txBody>
-          <a:bodyPr>
-            <a:normAutofit/>
-          </a:bodyPr>
-          <a:lstStyle/>
-          <a:p>
-            <a:r>
-              <a:rPr lang="en-IN" sz="3600" dirty="0">
+        <p:spPr/>
+        <p:txBody>
+          <a:bodyPr/>
+          <a:lstStyle/>
+          <a:p>
+            <a:r>
+              <a:rPr lang="en-IN" dirty="0" smtClean="0">
                 <a:effectLst>
                   <a:outerShdw blurRad="38100" dist="38100" dir="2700000" algn="tl">
                     <a:srgbClr val="000000">
@@ -5577,8 +5762,13 @@
                 <a:latin typeface="Times New Roman" panose="02020603050405020304" pitchFamily="18" charset="0"/>
                 <a:cs typeface="Times New Roman" panose="02020603050405020304" pitchFamily="18" charset="0"/>
               </a:rPr>
-              <a:t>Now Onwards …</a:t>
-            </a:r>
+              <a:t>Time to work on N-101</a:t>
+            </a:r>
+            <a:r>
+              <a:rPr lang="en-US" dirty="0" smtClean="0"/>
+              <a:t>:</a:t>
+            </a:r>
+            <a:endParaRPr lang="en-US" dirty="0"/>
           </a:p>
         </p:txBody>
       </p:sp>
@@ -5600,123 +5790,50 @@
           <a:lstStyle/>
           <a:p>
             <a:r>
-              <a:rPr lang="en-IN" sz="1800" dirty="0" smtClean="0">
-                <a:latin typeface="Times New Roman" panose="02020603050405020304" pitchFamily="18" charset="0"/>
-                <a:cs typeface="Times New Roman" panose="02020603050405020304" pitchFamily="18" charset="0"/>
-              </a:rPr>
-              <a:t>Get the CRI AI Cameras.</a:t>
-            </a:r>
-            <a:endParaRPr lang="en-IN" sz="1800" dirty="0">
-              <a:latin typeface="Times New Roman" panose="02020603050405020304" pitchFamily="18" charset="0"/>
-              <a:cs typeface="Times New Roman" panose="02020603050405020304" pitchFamily="18" charset="0"/>
-            </a:endParaRPr>
-          </a:p>
-          <a:p>
-            <a:endParaRPr lang="en-IN" sz="1800" dirty="0">
-              <a:latin typeface="Times New Roman" panose="02020603050405020304" pitchFamily="18" charset="0"/>
-              <a:cs typeface="Times New Roman" panose="02020603050405020304" pitchFamily="18" charset="0"/>
-            </a:endParaRPr>
-          </a:p>
-          <a:p>
-            <a:r>
-              <a:rPr lang="en-IN" sz="1800" dirty="0" smtClean="0">
-                <a:latin typeface="Times New Roman" panose="02020603050405020304" pitchFamily="18" charset="0"/>
-                <a:cs typeface="Times New Roman" panose="02020603050405020304" pitchFamily="18" charset="0"/>
-              </a:rPr>
-              <a:t>Convert captured images to thermal images.</a:t>
-            </a:r>
-            <a:endParaRPr lang="en-IN" sz="1800" dirty="0">
-              <a:latin typeface="Times New Roman" panose="02020603050405020304" pitchFamily="18" charset="0"/>
-              <a:cs typeface="Times New Roman" panose="02020603050405020304" pitchFamily="18" charset="0"/>
-            </a:endParaRPr>
-          </a:p>
-          <a:p>
-            <a:pPr marL="0" indent="0">
-              <a:buNone/>
-            </a:pPr>
-            <a:endParaRPr lang="en-IN" sz="1800" dirty="0">
-              <a:latin typeface="Times New Roman" panose="02020603050405020304" pitchFamily="18" charset="0"/>
-              <a:cs typeface="Times New Roman" panose="02020603050405020304" pitchFamily="18" charset="0"/>
-            </a:endParaRPr>
-          </a:p>
-          <a:p>
-            <a:r>
-              <a:rPr lang="en-IN" sz="1800" dirty="0">
-                <a:latin typeface="Times New Roman" panose="02020603050405020304" pitchFamily="18" charset="0"/>
-                <a:cs typeface="Times New Roman" panose="02020603050405020304" pitchFamily="18" charset="0"/>
-              </a:rPr>
-              <a:t>Work upon Image Segmentation.</a:t>
-            </a:r>
-          </a:p>
-          <a:p>
-            <a:endParaRPr lang="en-IN" sz="1800" dirty="0">
-              <a:latin typeface="Times New Roman" panose="02020603050405020304" pitchFamily="18" charset="0"/>
-              <a:cs typeface="Times New Roman" panose="02020603050405020304" pitchFamily="18" charset="0"/>
-            </a:endParaRPr>
-          </a:p>
-          <a:p>
-            <a:r>
-              <a:rPr lang="en-IN" sz="1800" dirty="0">
-                <a:latin typeface="Times New Roman" panose="02020603050405020304" pitchFamily="18" charset="0"/>
-                <a:cs typeface="Times New Roman" panose="02020603050405020304" pitchFamily="18" charset="0"/>
-              </a:rPr>
-              <a:t>Start working </a:t>
-            </a:r>
-            <a:r>
-              <a:rPr lang="en-IN" sz="1800" dirty="0" smtClean="0">
-                <a:latin typeface="Times New Roman" panose="02020603050405020304" pitchFamily="18" charset="0"/>
-                <a:cs typeface="Times New Roman" panose="02020603050405020304" pitchFamily="18" charset="0"/>
-              </a:rPr>
-              <a:t>on integration of CRI AI Cameras.</a:t>
-            </a:r>
-            <a:endParaRPr lang="en-IN" sz="1800" dirty="0">
-              <a:latin typeface="Times New Roman" panose="02020603050405020304" pitchFamily="18" charset="0"/>
-              <a:cs typeface="Times New Roman" panose="02020603050405020304" pitchFamily="18" charset="0"/>
-            </a:endParaRPr>
-          </a:p>
-          <a:p>
-            <a:endParaRPr lang="en-IN" sz="1800" dirty="0">
-              <a:latin typeface="Times New Roman" panose="02020603050405020304" pitchFamily="18" charset="0"/>
-              <a:cs typeface="Times New Roman" panose="02020603050405020304" pitchFamily="18" charset="0"/>
-            </a:endParaRPr>
-          </a:p>
-          <a:p>
-            <a:endParaRPr lang="en-IN" sz="1800" dirty="0">
-              <a:latin typeface="Times New Roman" panose="02020603050405020304" pitchFamily="18" charset="0"/>
-              <a:cs typeface="Times New Roman" panose="02020603050405020304" pitchFamily="18" charset="0"/>
-            </a:endParaRPr>
-          </a:p>
-          <a:p>
-            <a:endParaRPr lang="en-IN" sz="1800" dirty="0">
-              <a:latin typeface="Times New Roman" panose="02020603050405020304" pitchFamily="18" charset="0"/>
-              <a:cs typeface="Times New Roman" panose="02020603050405020304" pitchFamily="18" charset="0"/>
-            </a:endParaRPr>
-          </a:p>
-          <a:p>
-            <a:endParaRPr lang="en-IN" sz="1800" dirty="0">
-              <a:latin typeface="Times New Roman" panose="02020603050405020304" pitchFamily="18" charset="0"/>
-              <a:cs typeface="Times New Roman" panose="02020603050405020304" pitchFamily="18" charset="0"/>
-            </a:endParaRPr>
+              <a:rPr lang="en-US" sz="1800" dirty="0" smtClean="0">
+                <a:latin typeface="Times New Roman" panose="02020603050405020304" pitchFamily="18" charset="0"/>
+                <a:cs typeface="Times New Roman" panose="02020603050405020304" pitchFamily="18" charset="0"/>
+              </a:rPr>
+              <a:t>Tuesday</a:t>
+            </a:r>
+            <a:r>
+              <a:rPr lang="en-US" sz="1800" dirty="0">
+                <a:latin typeface="Times New Roman" panose="02020603050405020304" pitchFamily="18" charset="0"/>
+                <a:cs typeface="Times New Roman" panose="02020603050405020304" pitchFamily="18" charset="0"/>
+              </a:rPr>
+              <a:t>: all day</a:t>
+            </a:r>
+          </a:p>
+          <a:p>
+            <a:r>
+              <a:rPr lang="en-US" sz="1800" dirty="0">
+                <a:latin typeface="Times New Roman" panose="02020603050405020304" pitchFamily="18" charset="0"/>
+                <a:cs typeface="Times New Roman" panose="02020603050405020304" pitchFamily="18" charset="0"/>
+              </a:rPr>
+              <a:t>Wednesday: Morning</a:t>
+            </a:r>
+          </a:p>
+          <a:p>
+            <a:r>
+              <a:rPr lang="en-US" sz="1800" dirty="0">
+                <a:latin typeface="Times New Roman" panose="02020603050405020304" pitchFamily="18" charset="0"/>
+                <a:cs typeface="Times New Roman" panose="02020603050405020304" pitchFamily="18" charset="0"/>
+              </a:rPr>
+              <a:t>Thursday: Morning until 11 or after 12:00</a:t>
+            </a:r>
           </a:p>
         </p:txBody>
       </p:sp>
     </p:spTree>
     <p:extLst>
       <p:ext uri="{BB962C8B-B14F-4D97-AF65-F5344CB8AC3E}">
-        <p14:creationId xmlns:p14="http://schemas.microsoft.com/office/powerpoint/2010/main" val="72546162"/>
+        <p14:creationId xmlns:p14="http://schemas.microsoft.com/office/powerpoint/2010/main" val="1126275773"/>
       </p:ext>
     </p:extLst>
   </p:cSld>
   <p:clrMapOvr>
     <a:masterClrMapping/>
   </p:clrMapOvr>
-  <p:timing>
-    <p:tnLst>
-      <p:par>
-        <p:cTn id="1" dur="indefinite" restart="never" nodeType="tmRoot"/>
-      </p:par>
-    </p:tnLst>
-  </p:timing>
 </p:sld>
 </file>
 

--- a/CRI AI Camaras.pptx
+++ b/CRI AI Camaras.pptx
@@ -9,13 +9,14 @@
     <p:sldId id="258" r:id="rId3"/>
     <p:sldId id="264" r:id="rId4"/>
     <p:sldId id="265" r:id="rId5"/>
-    <p:sldId id="266" r:id="rId6"/>
-    <p:sldId id="261" r:id="rId7"/>
-    <p:sldId id="259" r:id="rId8"/>
-    <p:sldId id="268" r:id="rId9"/>
-    <p:sldId id="269" r:id="rId10"/>
+    <p:sldId id="259" r:id="rId6"/>
+    <p:sldId id="266" r:id="rId7"/>
+    <p:sldId id="261" r:id="rId8"/>
+    <p:sldId id="269" r:id="rId9"/>
+    <p:sldId id="268" r:id="rId10"/>
     <p:sldId id="262" r:id="rId11"/>
-    <p:sldId id="263" r:id="rId12"/>
+    <p:sldId id="270" r:id="rId12"/>
+    <p:sldId id="263" r:id="rId13"/>
   </p:sldIdLst>
   <p:sldSz cx="12192000" cy="6858000"/>
   <p:notesSz cx="6858000" cy="9144000"/>
@@ -122,6 +123,977 @@
 </p:presentation>
 </file>
 
+<file path=ppt/charts/chart1.xml><?xml version="1.0" encoding="utf-8"?>
+<c:chartSpace xmlns:c="http://schemas.openxmlformats.org/drawingml/2006/chart" xmlns:a="http://schemas.openxmlformats.org/drawingml/2006/main" xmlns:r="http://schemas.openxmlformats.org/officeDocument/2006/relationships" xmlns:c16r2="http://schemas.microsoft.com/office/drawing/2015/06/chart">
+  <c:date1904 val="0"/>
+  <c:lang val="en-US"/>
+  <c:roundedCorners val="0"/>
+  <mc:AlternateContent xmlns:mc="http://schemas.openxmlformats.org/markup-compatibility/2006">
+    <mc:Choice xmlns:c14="http://schemas.microsoft.com/office/drawing/2007/8/2/chart" Requires="c14">
+      <c14:style val="102"/>
+    </mc:Choice>
+    <mc:Fallback>
+      <c:style val="2"/>
+    </mc:Fallback>
+  </mc:AlternateContent>
+  <c:chart>
+    <c:title>
+      <c:tx>
+        <c:rich>
+          <a:bodyPr rot="0" spcFirstLastPara="1" vertOverflow="ellipsis" vert="horz" wrap="square" anchor="ctr" anchorCtr="1"/>
+          <a:lstStyle/>
+          <a:p>
+            <a:pPr>
+              <a:defRPr sz="1862" b="0" i="0" u="none" strike="noStrike" kern="1200" spc="0" baseline="0">
+                <a:solidFill>
+                  <a:schemeClr val="tx1">
+                    <a:lumMod val="65000"/>
+                    <a:lumOff val="35000"/>
+                  </a:schemeClr>
+                </a:solidFill>
+                <a:latin typeface="+mn-lt"/>
+                <a:ea typeface="+mn-ea"/>
+                <a:cs typeface="+mn-cs"/>
+              </a:defRPr>
+            </a:pPr>
+            <a:r>
+              <a:rPr lang="en-CA" dirty="0"/>
+              <a:t>Expected hours and</a:t>
+            </a:r>
+            <a:r>
+              <a:rPr lang="en-CA" baseline="0" dirty="0"/>
+              <a:t> hours worked</a:t>
+            </a:r>
+            <a:endParaRPr lang="en-CA" dirty="0"/>
+          </a:p>
+        </c:rich>
+      </c:tx>
+      <c:overlay val="0"/>
+      <c:spPr>
+        <a:noFill/>
+        <a:ln>
+          <a:noFill/>
+        </a:ln>
+        <a:effectLst/>
+      </c:spPr>
+      <c:txPr>
+        <a:bodyPr rot="0" spcFirstLastPara="1" vertOverflow="ellipsis" vert="horz" wrap="square" anchor="ctr" anchorCtr="1"/>
+        <a:lstStyle/>
+        <a:p>
+          <a:pPr>
+            <a:defRPr sz="1862" b="0" i="0" u="none" strike="noStrike" kern="1200" spc="0" baseline="0">
+              <a:solidFill>
+                <a:schemeClr val="tx1">
+                  <a:lumMod val="65000"/>
+                  <a:lumOff val="35000"/>
+                </a:schemeClr>
+              </a:solidFill>
+              <a:latin typeface="+mn-lt"/>
+              <a:ea typeface="+mn-ea"/>
+              <a:cs typeface="+mn-cs"/>
+            </a:defRPr>
+          </a:pPr>
+          <a:endParaRPr lang="en-US"/>
+        </a:p>
+      </c:txPr>
+    </c:title>
+    <c:autoTitleDeleted val="0"/>
+    <c:plotArea>
+      <c:layout/>
+      <c:barChart>
+        <c:barDir val="col"/>
+        <c:grouping val="clustered"/>
+        <c:varyColors val="0"/>
+        <c:ser>
+          <c:idx val="0"/>
+          <c:order val="0"/>
+          <c:tx>
+            <c:strRef>
+              <c:f>Sheet1!$B$1</c:f>
+              <c:strCache>
+                <c:ptCount val="1"/>
+                <c:pt idx="0">
+                  <c:v>Expected hours</c:v>
+                </c:pt>
+              </c:strCache>
+            </c:strRef>
+          </c:tx>
+          <c:spPr>
+            <a:solidFill>
+              <a:schemeClr val="accent1"/>
+            </a:solidFill>
+            <a:ln>
+              <a:noFill/>
+            </a:ln>
+            <a:effectLst/>
+          </c:spPr>
+          <c:invertIfNegative val="0"/>
+          <c:cat>
+            <c:strRef>
+              <c:f>Sheet1!$A$2:$A$6</c:f>
+              <c:strCache>
+                <c:ptCount val="5"/>
+                <c:pt idx="0">
+                  <c:v>Week 2</c:v>
+                </c:pt>
+                <c:pt idx="1">
+                  <c:v>Week 3</c:v>
+                </c:pt>
+                <c:pt idx="2">
+                  <c:v>Week 4</c:v>
+                </c:pt>
+                <c:pt idx="3">
+                  <c:v>Week 5</c:v>
+                </c:pt>
+                <c:pt idx="4">
+                  <c:v>Week 6</c:v>
+                </c:pt>
+              </c:strCache>
+            </c:strRef>
+          </c:cat>
+          <c:val>
+            <c:numRef>
+              <c:f>Sheet1!$B$2:$B$6</c:f>
+              <c:numCache>
+                <c:formatCode>General</c:formatCode>
+                <c:ptCount val="5"/>
+                <c:pt idx="0">
+                  <c:v>24</c:v>
+                </c:pt>
+                <c:pt idx="1">
+                  <c:v>24</c:v>
+                </c:pt>
+                <c:pt idx="2">
+                  <c:v>24</c:v>
+                </c:pt>
+                <c:pt idx="3">
+                  <c:v>24</c:v>
+                </c:pt>
+                <c:pt idx="4">
+                  <c:v>24</c:v>
+                </c:pt>
+              </c:numCache>
+            </c:numRef>
+          </c:val>
+          <c:extLst>
+            <c:ext xmlns:c16="http://schemas.microsoft.com/office/drawing/2014/chart" uri="{C3380CC4-5D6E-409C-BE32-E72D297353CC}">
+              <c16:uniqueId val="{00000000-9501-4E2D-A7FC-2A08325C9BB1}"/>
+            </c:ext>
+          </c:extLst>
+        </c:ser>
+        <c:ser>
+          <c:idx val="1"/>
+          <c:order val="1"/>
+          <c:tx>
+            <c:strRef>
+              <c:f>Sheet1!$C$1</c:f>
+              <c:strCache>
+                <c:ptCount val="1"/>
+                <c:pt idx="0">
+                  <c:v>Hours worked</c:v>
+                </c:pt>
+              </c:strCache>
+            </c:strRef>
+          </c:tx>
+          <c:spPr>
+            <a:solidFill>
+              <a:schemeClr val="accent2"/>
+            </a:solidFill>
+            <a:ln>
+              <a:noFill/>
+            </a:ln>
+            <a:effectLst/>
+          </c:spPr>
+          <c:invertIfNegative val="0"/>
+          <c:cat>
+            <c:strRef>
+              <c:f>Sheet1!$A$2:$A$6</c:f>
+              <c:strCache>
+                <c:ptCount val="5"/>
+                <c:pt idx="0">
+                  <c:v>Week 2</c:v>
+                </c:pt>
+                <c:pt idx="1">
+                  <c:v>Week 3</c:v>
+                </c:pt>
+                <c:pt idx="2">
+                  <c:v>Week 4</c:v>
+                </c:pt>
+                <c:pt idx="3">
+                  <c:v>Week 5</c:v>
+                </c:pt>
+                <c:pt idx="4">
+                  <c:v>Week 6</c:v>
+                </c:pt>
+              </c:strCache>
+            </c:strRef>
+          </c:cat>
+          <c:val>
+            <c:numRef>
+              <c:f>Sheet1!$C$2:$C$6</c:f>
+              <c:numCache>
+                <c:formatCode>General</c:formatCode>
+                <c:ptCount val="5"/>
+                <c:pt idx="0">
+                  <c:v>14</c:v>
+                </c:pt>
+                <c:pt idx="1">
+                  <c:v>15</c:v>
+                </c:pt>
+                <c:pt idx="2">
+                  <c:v>11</c:v>
+                </c:pt>
+                <c:pt idx="3">
+                  <c:v>18</c:v>
+                </c:pt>
+                <c:pt idx="4">
+                  <c:v>20.5</c:v>
+                </c:pt>
+              </c:numCache>
+            </c:numRef>
+          </c:val>
+          <c:extLst>
+            <c:ext xmlns:c16="http://schemas.microsoft.com/office/drawing/2014/chart" uri="{C3380CC4-5D6E-409C-BE32-E72D297353CC}">
+              <c16:uniqueId val="{00000001-9501-4E2D-A7FC-2A08325C9BB1}"/>
+            </c:ext>
+          </c:extLst>
+        </c:ser>
+        <c:dLbls>
+          <c:showLegendKey val="0"/>
+          <c:showVal val="0"/>
+          <c:showCatName val="0"/>
+          <c:showSerName val="0"/>
+          <c:showPercent val="0"/>
+          <c:showBubbleSize val="0"/>
+        </c:dLbls>
+        <c:gapWidth val="219"/>
+        <c:overlap val="-27"/>
+        <c:axId val="1174332144"/>
+        <c:axId val="1174332976"/>
+      </c:barChart>
+      <c:catAx>
+        <c:axId val="1174332144"/>
+        <c:scaling>
+          <c:orientation val="minMax"/>
+        </c:scaling>
+        <c:delete val="0"/>
+        <c:axPos val="b"/>
+        <c:numFmt formatCode="General" sourceLinked="1"/>
+        <c:majorTickMark val="none"/>
+        <c:minorTickMark val="none"/>
+        <c:tickLblPos val="nextTo"/>
+        <c:spPr>
+          <a:noFill/>
+          <a:ln w="9525" cap="flat" cmpd="sng" algn="ctr">
+            <a:solidFill>
+              <a:schemeClr val="tx1">
+                <a:lumMod val="15000"/>
+                <a:lumOff val="85000"/>
+              </a:schemeClr>
+            </a:solidFill>
+            <a:round/>
+          </a:ln>
+          <a:effectLst/>
+        </c:spPr>
+        <c:txPr>
+          <a:bodyPr rot="-60000000" spcFirstLastPara="1" vertOverflow="ellipsis" vert="horz" wrap="square" anchor="ctr" anchorCtr="1"/>
+          <a:lstStyle/>
+          <a:p>
+            <a:pPr>
+              <a:defRPr sz="1197" b="0" i="0" u="none" strike="noStrike" kern="1200" baseline="0">
+                <a:solidFill>
+                  <a:schemeClr val="tx1">
+                    <a:lumMod val="65000"/>
+                    <a:lumOff val="35000"/>
+                  </a:schemeClr>
+                </a:solidFill>
+                <a:latin typeface="+mn-lt"/>
+                <a:ea typeface="+mn-ea"/>
+                <a:cs typeface="+mn-cs"/>
+              </a:defRPr>
+            </a:pPr>
+            <a:endParaRPr lang="en-US"/>
+          </a:p>
+        </c:txPr>
+        <c:crossAx val="1174332976"/>
+        <c:crosses val="autoZero"/>
+        <c:auto val="1"/>
+        <c:lblAlgn val="ctr"/>
+        <c:lblOffset val="100"/>
+        <c:noMultiLvlLbl val="0"/>
+      </c:catAx>
+      <c:valAx>
+        <c:axId val="1174332976"/>
+        <c:scaling>
+          <c:orientation val="minMax"/>
+        </c:scaling>
+        <c:delete val="0"/>
+        <c:axPos val="l"/>
+        <c:majorGridlines>
+          <c:spPr>
+            <a:ln w="9525" cap="flat" cmpd="sng" algn="ctr">
+              <a:solidFill>
+                <a:schemeClr val="tx1">
+                  <a:lumMod val="15000"/>
+                  <a:lumOff val="85000"/>
+                </a:schemeClr>
+              </a:solidFill>
+              <a:round/>
+            </a:ln>
+            <a:effectLst/>
+          </c:spPr>
+        </c:majorGridlines>
+        <c:numFmt formatCode="General" sourceLinked="1"/>
+        <c:majorTickMark val="none"/>
+        <c:minorTickMark val="none"/>
+        <c:tickLblPos val="nextTo"/>
+        <c:spPr>
+          <a:noFill/>
+          <a:ln>
+            <a:noFill/>
+          </a:ln>
+          <a:effectLst/>
+        </c:spPr>
+        <c:txPr>
+          <a:bodyPr rot="-60000000" spcFirstLastPara="1" vertOverflow="ellipsis" vert="horz" wrap="square" anchor="ctr" anchorCtr="1"/>
+          <a:lstStyle/>
+          <a:p>
+            <a:pPr>
+              <a:defRPr sz="1197" b="0" i="0" u="none" strike="noStrike" kern="1200" baseline="0">
+                <a:solidFill>
+                  <a:schemeClr val="tx1">
+                    <a:lumMod val="65000"/>
+                    <a:lumOff val="35000"/>
+                  </a:schemeClr>
+                </a:solidFill>
+                <a:latin typeface="+mn-lt"/>
+                <a:ea typeface="+mn-ea"/>
+                <a:cs typeface="+mn-cs"/>
+              </a:defRPr>
+            </a:pPr>
+            <a:endParaRPr lang="en-US"/>
+          </a:p>
+        </c:txPr>
+        <c:crossAx val="1174332144"/>
+        <c:crosses val="autoZero"/>
+        <c:crossBetween val="between"/>
+      </c:valAx>
+      <c:spPr>
+        <a:noFill/>
+        <a:ln>
+          <a:noFill/>
+        </a:ln>
+        <a:effectLst/>
+      </c:spPr>
+    </c:plotArea>
+    <c:legend>
+      <c:legendPos val="b"/>
+      <c:overlay val="0"/>
+      <c:spPr>
+        <a:noFill/>
+        <a:ln>
+          <a:noFill/>
+        </a:ln>
+        <a:effectLst/>
+      </c:spPr>
+      <c:txPr>
+        <a:bodyPr rot="0" spcFirstLastPara="1" vertOverflow="ellipsis" vert="horz" wrap="square" anchor="ctr" anchorCtr="1"/>
+        <a:lstStyle/>
+        <a:p>
+          <a:pPr>
+            <a:defRPr sz="1197" b="0" i="0" u="none" strike="noStrike" kern="1200" baseline="0">
+              <a:solidFill>
+                <a:schemeClr val="tx1">
+                  <a:lumMod val="65000"/>
+                  <a:lumOff val="35000"/>
+                </a:schemeClr>
+              </a:solidFill>
+              <a:latin typeface="+mn-lt"/>
+              <a:ea typeface="+mn-ea"/>
+              <a:cs typeface="+mn-cs"/>
+            </a:defRPr>
+          </a:pPr>
+          <a:endParaRPr lang="en-US"/>
+        </a:p>
+      </c:txPr>
+    </c:legend>
+    <c:plotVisOnly val="1"/>
+    <c:dispBlanksAs val="gap"/>
+    <c:extLst>
+      <c:ext xmlns:c16r3="http://schemas.microsoft.com/office/drawing/2017/03/chart" uri="{56B9EC1D-385E-4148-901F-78D8002777C0}">
+        <c16r3:dataDisplayOptions16>
+          <c16r3:dispNaAsBlank val="1"/>
+        </c16r3:dataDisplayOptions16>
+      </c:ext>
+    </c:extLst>
+    <c:showDLblsOverMax val="0"/>
+  </c:chart>
+  <c:spPr>
+    <a:noFill/>
+    <a:ln>
+      <a:noFill/>
+    </a:ln>
+    <a:effectLst/>
+  </c:spPr>
+  <c:txPr>
+    <a:bodyPr/>
+    <a:lstStyle/>
+    <a:p>
+      <a:pPr>
+        <a:defRPr/>
+      </a:pPr>
+      <a:endParaRPr lang="en-US"/>
+    </a:p>
+  </c:txPr>
+  <c:externalData r:id="rId3">
+    <c:autoUpdate val="0"/>
+  </c:externalData>
+</c:chartSpace>
+</file>
+
+<file path=ppt/charts/colors1.xml><?xml version="1.0" encoding="utf-8"?>
+<cs:colorStyle xmlns:cs="http://schemas.microsoft.com/office/drawing/2012/chartStyle" xmlns:a="http://schemas.openxmlformats.org/drawingml/2006/main" meth="cycle" id="10">
+  <a:schemeClr val="accent1"/>
+  <a:schemeClr val="accent2"/>
+  <a:schemeClr val="accent3"/>
+  <a:schemeClr val="accent4"/>
+  <a:schemeClr val="accent5"/>
+  <a:schemeClr val="accent6"/>
+  <cs:variation/>
+  <cs:variation>
+    <a:lumMod val="60000"/>
+  </cs:variation>
+  <cs:variation>
+    <a:lumMod val="80000"/>
+    <a:lumOff val="20000"/>
+  </cs:variation>
+  <cs:variation>
+    <a:lumMod val="80000"/>
+  </cs:variation>
+  <cs:variation>
+    <a:lumMod val="60000"/>
+    <a:lumOff val="40000"/>
+  </cs:variation>
+  <cs:variation>
+    <a:lumMod val="50000"/>
+  </cs:variation>
+  <cs:variation>
+    <a:lumMod val="70000"/>
+    <a:lumOff val="30000"/>
+  </cs:variation>
+  <cs:variation>
+    <a:lumMod val="70000"/>
+  </cs:variation>
+  <cs:variation>
+    <a:lumMod val="50000"/>
+    <a:lumOff val="50000"/>
+  </cs:variation>
+</cs:colorStyle>
+</file>
+
+<file path=ppt/charts/style1.xml><?xml version="1.0" encoding="utf-8"?>
+<cs:chartStyle xmlns:cs="http://schemas.microsoft.com/office/drawing/2012/chartStyle" xmlns:a="http://schemas.openxmlformats.org/drawingml/2006/main" id="201">
+  <cs:axisTitle>
+    <cs:lnRef idx="0"/>
+    <cs:fillRef idx="0"/>
+    <cs:effectRef idx="0"/>
+    <cs:fontRef idx="minor">
+      <a:schemeClr val="tx1">
+        <a:lumMod val="65000"/>
+        <a:lumOff val="35000"/>
+      </a:schemeClr>
+    </cs:fontRef>
+    <cs:defRPr sz="1330" kern="1200"/>
+  </cs:axisTitle>
+  <cs:categoryAxis>
+    <cs:lnRef idx="0"/>
+    <cs:fillRef idx="0"/>
+    <cs:effectRef idx="0"/>
+    <cs:fontRef idx="minor">
+      <a:schemeClr val="tx1">
+        <a:lumMod val="65000"/>
+        <a:lumOff val="35000"/>
+      </a:schemeClr>
+    </cs:fontRef>
+    <cs:spPr>
+      <a:ln w="9525" cap="flat" cmpd="sng" algn="ctr">
+        <a:solidFill>
+          <a:schemeClr val="tx1">
+            <a:lumMod val="15000"/>
+            <a:lumOff val="85000"/>
+          </a:schemeClr>
+        </a:solidFill>
+        <a:round/>
+      </a:ln>
+    </cs:spPr>
+    <cs:defRPr sz="1197" kern="1200"/>
+  </cs:categoryAxis>
+  <cs:chartArea mods="allowNoFillOverride allowNoLineOverride">
+    <cs:lnRef idx="0"/>
+    <cs:fillRef idx="0"/>
+    <cs:effectRef idx="0"/>
+    <cs:fontRef idx="minor">
+      <a:schemeClr val="tx1"/>
+    </cs:fontRef>
+    <cs:spPr>
+      <a:solidFill>
+        <a:schemeClr val="bg1"/>
+      </a:solidFill>
+      <a:ln w="9525" cap="flat" cmpd="sng" algn="ctr">
+        <a:solidFill>
+          <a:schemeClr val="tx1">
+            <a:lumMod val="15000"/>
+            <a:lumOff val="85000"/>
+          </a:schemeClr>
+        </a:solidFill>
+        <a:round/>
+      </a:ln>
+    </cs:spPr>
+    <cs:defRPr sz="1330" kern="1200"/>
+  </cs:chartArea>
+  <cs:dataLabel>
+    <cs:lnRef idx="0"/>
+    <cs:fillRef idx="0"/>
+    <cs:effectRef idx="0"/>
+    <cs:fontRef idx="minor">
+      <a:schemeClr val="tx1">
+        <a:lumMod val="75000"/>
+        <a:lumOff val="25000"/>
+      </a:schemeClr>
+    </cs:fontRef>
+    <cs:defRPr sz="1197" kern="1200"/>
+  </cs:dataLabel>
+  <cs:dataLabelCallout>
+    <cs:lnRef idx="0"/>
+    <cs:fillRef idx="0"/>
+    <cs:effectRef idx="0"/>
+    <cs:fontRef idx="minor">
+      <a:schemeClr val="dk1">
+        <a:lumMod val="65000"/>
+        <a:lumOff val="35000"/>
+      </a:schemeClr>
+    </cs:fontRef>
+    <cs:spPr>
+      <a:solidFill>
+        <a:schemeClr val="lt1"/>
+      </a:solidFill>
+      <a:ln>
+        <a:solidFill>
+          <a:schemeClr val="dk1">
+            <a:lumMod val="25000"/>
+            <a:lumOff val="75000"/>
+          </a:schemeClr>
+        </a:solidFill>
+      </a:ln>
+    </cs:spPr>
+    <cs:defRPr sz="1197" kern="1200"/>
+    <cs:bodyPr rot="0" spcFirstLastPara="1" vertOverflow="clip" horzOverflow="clip" vert="horz" wrap="square" lIns="36576" tIns="18288" rIns="36576" bIns="18288" anchor="ctr" anchorCtr="1">
+      <a:spAutoFit/>
+    </cs:bodyPr>
+  </cs:dataLabelCallout>
+  <cs:dataPoint>
+    <cs:lnRef idx="0"/>
+    <cs:fillRef idx="1">
+      <cs:styleClr val="auto"/>
+    </cs:fillRef>
+    <cs:effectRef idx="0"/>
+    <cs:fontRef idx="minor">
+      <a:schemeClr val="tx1"/>
+    </cs:fontRef>
+  </cs:dataPoint>
+  <cs:dataPoint3D>
+    <cs:lnRef idx="0"/>
+    <cs:fillRef idx="1">
+      <cs:styleClr val="auto"/>
+    </cs:fillRef>
+    <cs:effectRef idx="0"/>
+    <cs:fontRef idx="minor">
+      <a:schemeClr val="tx1"/>
+    </cs:fontRef>
+  </cs:dataPoint3D>
+  <cs:dataPointLine>
+    <cs:lnRef idx="0">
+      <cs:styleClr val="auto"/>
+    </cs:lnRef>
+    <cs:fillRef idx="1"/>
+    <cs:effectRef idx="0"/>
+    <cs:fontRef idx="minor">
+      <a:schemeClr val="tx1"/>
+    </cs:fontRef>
+    <cs:spPr>
+      <a:ln w="28575" cap="rnd">
+        <a:solidFill>
+          <a:schemeClr val="phClr"/>
+        </a:solidFill>
+        <a:round/>
+      </a:ln>
+    </cs:spPr>
+  </cs:dataPointLine>
+  <cs:dataPointMarker>
+    <cs:lnRef idx="0">
+      <cs:styleClr val="auto"/>
+    </cs:lnRef>
+    <cs:fillRef idx="1">
+      <cs:styleClr val="auto"/>
+    </cs:fillRef>
+    <cs:effectRef idx="0"/>
+    <cs:fontRef idx="minor">
+      <a:schemeClr val="tx1"/>
+    </cs:fontRef>
+    <cs:spPr>
+      <a:ln w="9525">
+        <a:solidFill>
+          <a:schemeClr val="phClr"/>
+        </a:solidFill>
+      </a:ln>
+    </cs:spPr>
+  </cs:dataPointMarker>
+  <cs:dataPointMarkerLayout symbol="circle" size="5"/>
+  <cs:dataPointWireframe>
+    <cs:lnRef idx="0">
+      <cs:styleClr val="auto"/>
+    </cs:lnRef>
+    <cs:fillRef idx="1"/>
+    <cs:effectRef idx="0"/>
+    <cs:fontRef idx="minor">
+      <a:schemeClr val="tx1"/>
+    </cs:fontRef>
+    <cs:spPr>
+      <a:ln w="9525" cap="rnd">
+        <a:solidFill>
+          <a:schemeClr val="phClr"/>
+        </a:solidFill>
+        <a:round/>
+      </a:ln>
+    </cs:spPr>
+  </cs:dataPointWireframe>
+  <cs:dataTable>
+    <cs:lnRef idx="0"/>
+    <cs:fillRef idx="0"/>
+    <cs:effectRef idx="0"/>
+    <cs:fontRef idx="minor">
+      <a:schemeClr val="tx1">
+        <a:lumMod val="65000"/>
+        <a:lumOff val="35000"/>
+      </a:schemeClr>
+    </cs:fontRef>
+    <cs:spPr>
+      <a:noFill/>
+      <a:ln w="9525" cap="flat" cmpd="sng" algn="ctr">
+        <a:solidFill>
+          <a:schemeClr val="tx1">
+            <a:lumMod val="15000"/>
+            <a:lumOff val="85000"/>
+          </a:schemeClr>
+        </a:solidFill>
+        <a:round/>
+      </a:ln>
+    </cs:spPr>
+    <cs:defRPr sz="1197" kern="1200"/>
+  </cs:dataTable>
+  <cs:downBar>
+    <cs:lnRef idx="0"/>
+    <cs:fillRef idx="0"/>
+    <cs:effectRef idx="0"/>
+    <cs:fontRef idx="minor">
+      <a:schemeClr val="dk1"/>
+    </cs:fontRef>
+    <cs:spPr>
+      <a:solidFill>
+        <a:schemeClr val="dk1">
+          <a:lumMod val="65000"/>
+          <a:lumOff val="35000"/>
+        </a:schemeClr>
+      </a:solidFill>
+      <a:ln w="9525">
+        <a:solidFill>
+          <a:schemeClr val="tx1">
+            <a:lumMod val="65000"/>
+            <a:lumOff val="35000"/>
+          </a:schemeClr>
+        </a:solidFill>
+      </a:ln>
+    </cs:spPr>
+  </cs:downBar>
+  <cs:dropLine>
+    <cs:lnRef idx="0"/>
+    <cs:fillRef idx="0"/>
+    <cs:effectRef idx="0"/>
+    <cs:fontRef idx="minor">
+      <a:schemeClr val="tx1"/>
+    </cs:fontRef>
+    <cs:spPr>
+      <a:ln w="9525" cap="flat" cmpd="sng" algn="ctr">
+        <a:solidFill>
+          <a:schemeClr val="tx1">
+            <a:lumMod val="35000"/>
+            <a:lumOff val="65000"/>
+          </a:schemeClr>
+        </a:solidFill>
+        <a:round/>
+      </a:ln>
+    </cs:spPr>
+  </cs:dropLine>
+  <cs:errorBar>
+    <cs:lnRef idx="0"/>
+    <cs:fillRef idx="0"/>
+    <cs:effectRef idx="0"/>
+    <cs:fontRef idx="minor">
+      <a:schemeClr val="tx1"/>
+    </cs:fontRef>
+    <cs:spPr>
+      <a:ln w="9525" cap="flat" cmpd="sng" algn="ctr">
+        <a:solidFill>
+          <a:schemeClr val="tx1">
+            <a:lumMod val="65000"/>
+            <a:lumOff val="35000"/>
+          </a:schemeClr>
+        </a:solidFill>
+        <a:round/>
+      </a:ln>
+    </cs:spPr>
+  </cs:errorBar>
+  <cs:floor>
+    <cs:lnRef idx="0"/>
+    <cs:fillRef idx="0"/>
+    <cs:effectRef idx="0"/>
+    <cs:fontRef idx="minor">
+      <a:schemeClr val="tx1"/>
+    </cs:fontRef>
+    <cs:spPr>
+      <a:noFill/>
+      <a:ln>
+        <a:noFill/>
+      </a:ln>
+    </cs:spPr>
+  </cs:floor>
+  <cs:gridlineMajor>
+    <cs:lnRef idx="0"/>
+    <cs:fillRef idx="0"/>
+    <cs:effectRef idx="0"/>
+    <cs:fontRef idx="minor">
+      <a:schemeClr val="tx1"/>
+    </cs:fontRef>
+    <cs:spPr>
+      <a:ln w="9525" cap="flat" cmpd="sng" algn="ctr">
+        <a:solidFill>
+          <a:schemeClr val="tx1">
+            <a:lumMod val="15000"/>
+            <a:lumOff val="85000"/>
+          </a:schemeClr>
+        </a:solidFill>
+        <a:round/>
+      </a:ln>
+    </cs:spPr>
+  </cs:gridlineMajor>
+  <cs:gridlineMinor>
+    <cs:lnRef idx="0"/>
+    <cs:fillRef idx="0"/>
+    <cs:effectRef idx="0"/>
+    <cs:fontRef idx="minor">
+      <a:schemeClr val="tx1"/>
+    </cs:fontRef>
+    <cs:spPr>
+      <a:ln w="9525" cap="flat" cmpd="sng" algn="ctr">
+        <a:solidFill>
+          <a:schemeClr val="tx1">
+            <a:lumMod val="5000"/>
+            <a:lumOff val="95000"/>
+          </a:schemeClr>
+        </a:solidFill>
+        <a:round/>
+      </a:ln>
+    </cs:spPr>
+  </cs:gridlineMinor>
+  <cs:hiLoLine>
+    <cs:lnRef idx="0"/>
+    <cs:fillRef idx="0"/>
+    <cs:effectRef idx="0"/>
+    <cs:fontRef idx="minor">
+      <a:schemeClr val="tx1"/>
+    </cs:fontRef>
+    <cs:spPr>
+      <a:ln w="9525" cap="flat" cmpd="sng" algn="ctr">
+        <a:solidFill>
+          <a:schemeClr val="tx1">
+            <a:lumMod val="75000"/>
+            <a:lumOff val="25000"/>
+          </a:schemeClr>
+        </a:solidFill>
+        <a:round/>
+      </a:ln>
+    </cs:spPr>
+  </cs:hiLoLine>
+  <cs:leaderLine>
+    <cs:lnRef idx="0"/>
+    <cs:fillRef idx="0"/>
+    <cs:effectRef idx="0"/>
+    <cs:fontRef idx="minor">
+      <a:schemeClr val="tx1"/>
+    </cs:fontRef>
+    <cs:spPr>
+      <a:ln w="9525" cap="flat" cmpd="sng" algn="ctr">
+        <a:solidFill>
+          <a:schemeClr val="tx1">
+            <a:lumMod val="35000"/>
+            <a:lumOff val="65000"/>
+          </a:schemeClr>
+        </a:solidFill>
+        <a:round/>
+      </a:ln>
+    </cs:spPr>
+  </cs:leaderLine>
+  <cs:legend>
+    <cs:lnRef idx="0"/>
+    <cs:fillRef idx="0"/>
+    <cs:effectRef idx="0"/>
+    <cs:fontRef idx="minor">
+      <a:schemeClr val="tx1">
+        <a:lumMod val="65000"/>
+        <a:lumOff val="35000"/>
+      </a:schemeClr>
+    </cs:fontRef>
+    <cs:defRPr sz="1197" kern="1200"/>
+  </cs:legend>
+  <cs:plotArea mods="allowNoFillOverride allowNoLineOverride">
+    <cs:lnRef idx="0"/>
+    <cs:fillRef idx="0"/>
+    <cs:effectRef idx="0"/>
+    <cs:fontRef idx="minor">
+      <a:schemeClr val="tx1"/>
+    </cs:fontRef>
+  </cs:plotArea>
+  <cs:plotArea3D mods="allowNoFillOverride allowNoLineOverride">
+    <cs:lnRef idx="0"/>
+    <cs:fillRef idx="0"/>
+    <cs:effectRef idx="0"/>
+    <cs:fontRef idx="minor">
+      <a:schemeClr val="tx1"/>
+    </cs:fontRef>
+  </cs:plotArea3D>
+  <cs:seriesAxis>
+    <cs:lnRef idx="0"/>
+    <cs:fillRef idx="0"/>
+    <cs:effectRef idx="0"/>
+    <cs:fontRef idx="minor">
+      <a:schemeClr val="tx1">
+        <a:lumMod val="65000"/>
+        <a:lumOff val="35000"/>
+      </a:schemeClr>
+    </cs:fontRef>
+    <cs:defRPr sz="1197" kern="1200"/>
+  </cs:seriesAxis>
+  <cs:seriesLine>
+    <cs:lnRef idx="0"/>
+    <cs:fillRef idx="0"/>
+    <cs:effectRef idx="0"/>
+    <cs:fontRef idx="minor">
+      <a:schemeClr val="tx1"/>
+    </cs:fontRef>
+    <cs:spPr>
+      <a:ln w="9525" cap="flat" cmpd="sng" algn="ctr">
+        <a:solidFill>
+          <a:schemeClr val="tx1">
+            <a:lumMod val="35000"/>
+            <a:lumOff val="65000"/>
+          </a:schemeClr>
+        </a:solidFill>
+        <a:round/>
+      </a:ln>
+    </cs:spPr>
+  </cs:seriesLine>
+  <cs:title>
+    <cs:lnRef idx="0"/>
+    <cs:fillRef idx="0"/>
+    <cs:effectRef idx="0"/>
+    <cs:fontRef idx="minor">
+      <a:schemeClr val="tx1">
+        <a:lumMod val="65000"/>
+        <a:lumOff val="35000"/>
+      </a:schemeClr>
+    </cs:fontRef>
+    <cs:defRPr sz="1862" b="0" kern="1200" spc="0" baseline="0"/>
+  </cs:title>
+  <cs:trendline>
+    <cs:lnRef idx="0">
+      <cs:styleClr val="auto"/>
+    </cs:lnRef>
+    <cs:fillRef idx="0"/>
+    <cs:effectRef idx="0"/>
+    <cs:fontRef idx="minor">
+      <a:schemeClr val="tx1"/>
+    </cs:fontRef>
+    <cs:spPr>
+      <a:ln w="19050" cap="rnd">
+        <a:solidFill>
+          <a:schemeClr val="phClr"/>
+        </a:solidFill>
+        <a:prstDash val="sysDot"/>
+      </a:ln>
+    </cs:spPr>
+  </cs:trendline>
+  <cs:trendlineLabel>
+    <cs:lnRef idx="0"/>
+    <cs:fillRef idx="0"/>
+    <cs:effectRef idx="0"/>
+    <cs:fontRef idx="minor">
+      <a:schemeClr val="tx1">
+        <a:lumMod val="65000"/>
+        <a:lumOff val="35000"/>
+      </a:schemeClr>
+    </cs:fontRef>
+    <cs:defRPr sz="1197" kern="1200"/>
+  </cs:trendlineLabel>
+  <cs:upBar>
+    <cs:lnRef idx="0"/>
+    <cs:fillRef idx="0"/>
+    <cs:effectRef idx="0"/>
+    <cs:fontRef idx="minor">
+      <a:schemeClr val="dk1"/>
+    </cs:fontRef>
+    <cs:spPr>
+      <a:solidFill>
+        <a:schemeClr val="lt1"/>
+      </a:solidFill>
+      <a:ln w="9525">
+        <a:solidFill>
+          <a:schemeClr val="tx1">
+            <a:lumMod val="15000"/>
+            <a:lumOff val="85000"/>
+          </a:schemeClr>
+        </a:solidFill>
+      </a:ln>
+    </cs:spPr>
+  </cs:upBar>
+  <cs:valueAxis>
+    <cs:lnRef idx="0"/>
+    <cs:fillRef idx="0"/>
+    <cs:effectRef idx="0"/>
+    <cs:fontRef idx="minor">
+      <a:schemeClr val="tx1">
+        <a:lumMod val="65000"/>
+        <a:lumOff val="35000"/>
+      </a:schemeClr>
+    </cs:fontRef>
+    <cs:defRPr sz="1197" kern="1200"/>
+  </cs:valueAxis>
+  <cs:wall>
+    <cs:lnRef idx="0"/>
+    <cs:fillRef idx="0"/>
+    <cs:effectRef idx="0"/>
+    <cs:fontRef idx="minor">
+      <a:schemeClr val="tx1"/>
+    </cs:fontRef>
+    <cs:spPr>
+      <a:noFill/>
+      <a:ln>
+        <a:noFill/>
+      </a:ln>
+    </cs:spPr>
+  </cs:wall>
+</cs:chartStyle>
+</file>
+
 <file path=ppt/slideLayouts/slideLayout1.xml><?xml version="1.0" encoding="utf-8"?>
 <p:sldLayout xmlns:a="http://schemas.openxmlformats.org/drawingml/2006/main" xmlns:r="http://schemas.openxmlformats.org/officeDocument/2006/relationships" xmlns:p="http://schemas.openxmlformats.org/presentationml/2006/main" type="title" preserve="1">
   <p:cSld name="Title Slide">
@@ -253,7 +1225,7 @@
           <a:p>
             <a:fld id="{27488680-6B52-423D-9C05-D03BE6B7071F}" type="datetimeFigureOut">
               <a:rPr lang="en-IN" smtClean="0"/>
-              <a:t>14-02-2023</a:t>
+              <a:t>21-02-2023</a:t>
             </a:fld>
             <a:endParaRPr lang="en-IN"/>
           </a:p>
@@ -423,7 +1395,7 @@
           <a:p>
             <a:fld id="{27488680-6B52-423D-9C05-D03BE6B7071F}" type="datetimeFigureOut">
               <a:rPr lang="en-IN" smtClean="0"/>
-              <a:t>14-02-2023</a:t>
+              <a:t>21-02-2023</a:t>
             </a:fld>
             <a:endParaRPr lang="en-IN"/>
           </a:p>
@@ -603,7 +1575,7 @@
           <a:p>
             <a:fld id="{27488680-6B52-423D-9C05-D03BE6B7071F}" type="datetimeFigureOut">
               <a:rPr lang="en-IN" smtClean="0"/>
-              <a:t>14-02-2023</a:t>
+              <a:t>21-02-2023</a:t>
             </a:fld>
             <a:endParaRPr lang="en-IN"/>
           </a:p>
@@ -773,7 +1745,7 @@
           <a:p>
             <a:fld id="{27488680-6B52-423D-9C05-D03BE6B7071F}" type="datetimeFigureOut">
               <a:rPr lang="en-IN" smtClean="0"/>
-              <a:t>14-02-2023</a:t>
+              <a:t>21-02-2023</a:t>
             </a:fld>
             <a:endParaRPr lang="en-IN"/>
           </a:p>
@@ -1019,7 +1991,7 @@
           <a:p>
             <a:fld id="{27488680-6B52-423D-9C05-D03BE6B7071F}" type="datetimeFigureOut">
               <a:rPr lang="en-IN" smtClean="0"/>
-              <a:t>14-02-2023</a:t>
+              <a:t>21-02-2023</a:t>
             </a:fld>
             <a:endParaRPr lang="en-IN"/>
           </a:p>
@@ -1251,7 +2223,7 @@
           <a:p>
             <a:fld id="{27488680-6B52-423D-9C05-D03BE6B7071F}" type="datetimeFigureOut">
               <a:rPr lang="en-IN" smtClean="0"/>
-              <a:t>14-02-2023</a:t>
+              <a:t>21-02-2023</a:t>
             </a:fld>
             <a:endParaRPr lang="en-IN"/>
           </a:p>
@@ -1618,7 +2590,7 @@
           <a:p>
             <a:fld id="{27488680-6B52-423D-9C05-D03BE6B7071F}" type="datetimeFigureOut">
               <a:rPr lang="en-IN" smtClean="0"/>
-              <a:t>14-02-2023</a:t>
+              <a:t>21-02-2023</a:t>
             </a:fld>
             <a:endParaRPr lang="en-IN"/>
           </a:p>
@@ -1736,7 +2708,7 @@
           <a:p>
             <a:fld id="{27488680-6B52-423D-9C05-D03BE6B7071F}" type="datetimeFigureOut">
               <a:rPr lang="en-IN" smtClean="0"/>
-              <a:t>14-02-2023</a:t>
+              <a:t>21-02-2023</a:t>
             </a:fld>
             <a:endParaRPr lang="en-IN"/>
           </a:p>
@@ -1831,7 +2803,7 @@
           <a:p>
             <a:fld id="{27488680-6B52-423D-9C05-D03BE6B7071F}" type="datetimeFigureOut">
               <a:rPr lang="en-IN" smtClean="0"/>
-              <a:t>14-02-2023</a:t>
+              <a:t>21-02-2023</a:t>
             </a:fld>
             <a:endParaRPr lang="en-IN"/>
           </a:p>
@@ -2108,7 +3080,7 @@
           <a:p>
             <a:fld id="{27488680-6B52-423D-9C05-D03BE6B7071F}" type="datetimeFigureOut">
               <a:rPr lang="en-IN" smtClean="0"/>
-              <a:t>14-02-2023</a:t>
+              <a:t>21-02-2023</a:t>
             </a:fld>
             <a:endParaRPr lang="en-IN"/>
           </a:p>
@@ -2361,7 +3333,7 @@
           <a:p>
             <a:fld id="{27488680-6B52-423D-9C05-D03BE6B7071F}" type="datetimeFigureOut">
               <a:rPr lang="en-IN" smtClean="0"/>
-              <a:t>14-02-2023</a:t>
+              <a:t>21-02-2023</a:t>
             </a:fld>
             <a:endParaRPr lang="en-IN"/>
           </a:p>
@@ -2584,7 +3556,7 @@
           <a:p>
             <a:fld id="{27488680-6B52-423D-9C05-D03BE6B7071F}" type="datetimeFigureOut">
               <a:rPr lang="en-IN" smtClean="0"/>
-              <a:t>14-02-2023</a:t>
+              <a:t>21-02-2023</a:t>
             </a:fld>
             <a:endParaRPr lang="en-IN"/>
           </a:p>
@@ -2994,7 +3966,7 @@
           <p:cNvPr id="3" name="Picture 2">
             <a:extLst>
               <a:ext uri="{FF2B5EF4-FFF2-40B4-BE49-F238E27FC236}">
-                <a16:creationId xmlns="" xmlns:a16="http://schemas.microsoft.com/office/drawing/2014/main" id="{85DAA529-4A7E-943A-51E6-0C8B42DC569A}"/>
+                <a16:creationId xmlns:a16="http://schemas.microsoft.com/office/drawing/2014/main" id="{85DAA529-4A7E-943A-51E6-0C8B42DC569A}"/>
               </a:ext>
             </a:extLst>
           </p:cNvPr>
@@ -3041,7 +4013,7 @@
           <p:cNvPr id="6" name="TextBox 5">
             <a:extLst>
               <a:ext uri="{FF2B5EF4-FFF2-40B4-BE49-F238E27FC236}">
-                <a16:creationId xmlns="" xmlns:a16="http://schemas.microsoft.com/office/drawing/2014/main" id="{DA8E1DDC-81D9-D8CE-6B29-922F6AADE93C}"/>
+                <a16:creationId xmlns:a16="http://schemas.microsoft.com/office/drawing/2014/main" id="{DA8E1DDC-81D9-D8CE-6B29-922F6AADE93C}"/>
               </a:ext>
             </a:extLst>
           </p:cNvPr>
@@ -3096,7 +4068,7 @@
           <p:cNvPr id="7" name="TextBox 6">
             <a:extLst>
               <a:ext uri="{FF2B5EF4-FFF2-40B4-BE49-F238E27FC236}">
-                <a16:creationId xmlns="" xmlns:a16="http://schemas.microsoft.com/office/drawing/2014/main" id="{8C501897-3F92-5F2A-8331-80B4FB5AAE2C}"/>
+                <a16:creationId xmlns:a16="http://schemas.microsoft.com/office/drawing/2014/main" id="{8C501897-3F92-5F2A-8331-80B4FB5AAE2C}"/>
               </a:ext>
             </a:extLst>
           </p:cNvPr>
@@ -3233,15 +4205,10 @@
                 <a:latin typeface="Times New Roman" panose="02020603050405020304" pitchFamily="18" charset="0"/>
                 <a:cs typeface="Times New Roman" panose="02020603050405020304" pitchFamily="18" charset="0"/>
               </a:rPr>
-              <a:t>Work upon Image Segmentation</a:t>
-            </a:r>
-            <a:r>
-              <a:rPr lang="en-IN" sz="1800" dirty="0" smtClean="0">
-                <a:latin typeface="Times New Roman" panose="02020603050405020304" pitchFamily="18" charset="0"/>
-                <a:cs typeface="Times New Roman" panose="02020603050405020304" pitchFamily="18" charset="0"/>
-              </a:rPr>
-              <a:t>.</a:t>
-            </a:r>
+              <a:t>Integrating system and algorithms with CRI AI Camera.</a:t>
+            </a:r>
+          </a:p>
+          <a:p>
             <a:endParaRPr lang="en-IN" sz="1800" dirty="0">
               <a:latin typeface="Times New Roman" panose="02020603050405020304" pitchFamily="18" charset="0"/>
               <a:cs typeface="Times New Roman" panose="02020603050405020304" pitchFamily="18" charset="0"/>
@@ -3253,31 +4220,28 @@
                 <a:latin typeface="Times New Roman" panose="02020603050405020304" pitchFamily="18" charset="0"/>
                 <a:cs typeface="Times New Roman" panose="02020603050405020304" pitchFamily="18" charset="0"/>
               </a:rPr>
-              <a:t>Start working </a:t>
-            </a:r>
-            <a:r>
-              <a:rPr lang="en-IN" sz="1800" dirty="0" smtClean="0">
-                <a:latin typeface="Times New Roman" panose="02020603050405020304" pitchFamily="18" charset="0"/>
-                <a:cs typeface="Times New Roman" panose="02020603050405020304" pitchFamily="18" charset="0"/>
-              </a:rPr>
-              <a:t>on integration of CRI AI Cameras</a:t>
-            </a:r>
-            <a:r>
-              <a:rPr lang="en-IN" sz="1800" dirty="0" smtClean="0">
-                <a:latin typeface="Times New Roman" panose="02020603050405020304" pitchFamily="18" charset="0"/>
-                <a:cs typeface="Times New Roman" panose="02020603050405020304" pitchFamily="18" charset="0"/>
-              </a:rPr>
-              <a:t>.</a:t>
-            </a:r>
-          </a:p>
-          <a:p>
-            <a:r>
-              <a:rPr lang="en-IN" sz="1800" dirty="0" smtClean="0">
-                <a:latin typeface="Times New Roman" panose="02020603050405020304" pitchFamily="18" charset="0"/>
-                <a:cs typeface="Times New Roman" panose="02020603050405020304" pitchFamily="18" charset="0"/>
-              </a:rPr>
-              <a:t>Capture and store thermal Images using CRI AI Cameras.</a:t>
-            </a:r>
+              <a:t>Working upon connecting Black body radiation box to produce thermal images</a:t>
+            </a:r>
+          </a:p>
+          <a:p>
+            <a:endParaRPr lang="en-IN" sz="1800" dirty="0">
+              <a:latin typeface="Times New Roman" panose="02020603050405020304" pitchFamily="18" charset="0"/>
+              <a:cs typeface="Times New Roman" panose="02020603050405020304" pitchFamily="18" charset="0"/>
+            </a:endParaRPr>
+          </a:p>
+          <a:p>
+            <a:r>
+              <a:rPr lang="en-IN" sz="1800" dirty="0">
+                <a:latin typeface="Times New Roman" panose="02020603050405020304" pitchFamily="18" charset="0"/>
+                <a:cs typeface="Times New Roman" panose="02020603050405020304" pitchFamily="18" charset="0"/>
+              </a:rPr>
+              <a:t>Fusion of RGB and thermal images to produce accurate results</a:t>
+            </a:r>
+          </a:p>
+          <a:p>
+            <a:pPr marL="0" indent="0">
+              <a:buNone/>
+            </a:pPr>
             <a:endParaRPr lang="en-IN" sz="1800" dirty="0">
               <a:latin typeface="Times New Roman" panose="02020603050405020304" pitchFamily="18" charset="0"/>
               <a:cs typeface="Times New Roman" panose="02020603050405020304" pitchFamily="18" charset="0"/>
@@ -3313,13 +4277,6 @@
   <p:clrMapOvr>
     <a:masterClrMapping/>
   </p:clrMapOvr>
-  <p:timing>
-    <p:tnLst>
-      <p:par>
-        <p:cTn id="1" dur="indefinite" restart="never" nodeType="tmRoot"/>
-      </p:par>
-    </p:tnLst>
-  </p:timing>
 </p:sld>
 </file>
 
@@ -3352,6 +4309,106 @@
         </p:nvSpPr>
         <p:spPr>
           <a:xfrm>
+            <a:off x="1013790" y="365125"/>
+            <a:ext cx="10340009" cy="1325563"/>
+          </a:xfrm>
+        </p:spPr>
+        <p:txBody>
+          <a:bodyPr>
+            <a:normAutofit/>
+          </a:bodyPr>
+          <a:lstStyle/>
+          <a:p>
+            <a:r>
+              <a:rPr lang="en-IN" sz="3600" dirty="0">
+                <a:effectLst>
+                  <a:outerShdw blurRad="38100" dist="38100" dir="2700000" algn="tl">
+                    <a:srgbClr val="000000">
+                      <a:alpha val="43137"/>
+                    </a:srgbClr>
+                  </a:outerShdw>
+                </a:effectLst>
+                <a:latin typeface="Times New Roman" panose="02020603050405020304" pitchFamily="18" charset="0"/>
+                <a:cs typeface="Times New Roman" panose="02020603050405020304" pitchFamily="18" charset="0"/>
+              </a:rPr>
+              <a:t>Hours worked</a:t>
+            </a:r>
+          </a:p>
+        </p:txBody>
+      </p:sp>
+      <p:graphicFrame>
+        <p:nvGraphicFramePr>
+          <p:cNvPr id="8" name="Content Placeholder 7">
+            <a:extLst>
+              <a:ext uri="{FF2B5EF4-FFF2-40B4-BE49-F238E27FC236}">
+                <a16:creationId xmlns:a16="http://schemas.microsoft.com/office/drawing/2014/main" id="{BEF7C8E1-FB12-C90D-BBD8-9F9455992533}"/>
+              </a:ext>
+            </a:extLst>
+          </p:cNvPr>
+          <p:cNvGraphicFramePr>
+            <a:graphicFrameLocks noGrp="1"/>
+          </p:cNvGraphicFramePr>
+          <p:nvPr>
+            <p:ph idx="1"/>
+            <p:extLst>
+              <p:ext uri="{D42A27DB-BD31-4B8C-83A1-F6EECF244321}">
+                <p14:modId xmlns:p14="http://schemas.microsoft.com/office/powerpoint/2010/main" val="2541750007"/>
+              </p:ext>
+            </p:extLst>
+          </p:nvPr>
+        </p:nvGraphicFramePr>
+        <p:xfrm>
+          <a:off x="838200" y="1471448"/>
+          <a:ext cx="10515600" cy="4705515"/>
+        </p:xfrm>
+        <a:graphic>
+          <a:graphicData uri="http://schemas.openxmlformats.org/drawingml/2006/chart">
+            <c:chart xmlns:c="http://schemas.openxmlformats.org/drawingml/2006/chart" xmlns:r="http://schemas.openxmlformats.org/officeDocument/2006/relationships" r:id="rId2"/>
+          </a:graphicData>
+        </a:graphic>
+      </p:graphicFrame>
+    </p:spTree>
+    <p:extLst>
+      <p:ext uri="{BB962C8B-B14F-4D97-AF65-F5344CB8AC3E}">
+        <p14:creationId xmlns:p14="http://schemas.microsoft.com/office/powerpoint/2010/main" val="1674378630"/>
+      </p:ext>
+    </p:extLst>
+  </p:cSld>
+  <p:clrMapOvr>
+    <a:masterClrMapping/>
+  </p:clrMapOvr>
+</p:sld>
+</file>
+
+<file path=ppt/slides/slide12.xml><?xml version="1.0" encoding="utf-8"?>
+<p:sld xmlns:a="http://schemas.openxmlformats.org/drawingml/2006/main" xmlns:r="http://schemas.openxmlformats.org/officeDocument/2006/relationships" xmlns:p="http://schemas.openxmlformats.org/presentationml/2006/main">
+  <p:cSld>
+    <p:spTree>
+      <p:nvGrpSpPr>
+        <p:cNvPr id="1" name=""/>
+        <p:cNvGrpSpPr/>
+        <p:nvPr/>
+      </p:nvGrpSpPr>
+      <p:grpSpPr>
+        <a:xfrm>
+          <a:off x="0" y="0"/>
+          <a:ext cx="0" cy="0"/>
+          <a:chOff x="0" y="0"/>
+          <a:chExt cx="0" cy="0"/>
+        </a:xfrm>
+      </p:grpSpPr>
+      <p:sp>
+        <p:nvSpPr>
+          <p:cNvPr id="2" name="Title 1"/>
+          <p:cNvSpPr>
+            <a:spLocks noGrp="1"/>
+          </p:cNvSpPr>
+          <p:nvPr>
+            <p:ph type="title"/>
+          </p:nvPr>
+        </p:nvSpPr>
+        <p:spPr>
+          <a:xfrm>
             <a:off x="4437797" y="2766218"/>
             <a:ext cx="3316406" cy="1325563"/>
           </a:xfrm>
@@ -3387,13 +4444,6 @@
   <p:clrMapOvr>
     <a:masterClrMapping/>
   </p:clrMapOvr>
-  <p:timing>
-    <p:tnLst>
-      <p:par>
-        <p:cTn id="1" dur="indefinite" restart="never" nodeType="tmRoot"/>
-      </p:par>
-    </p:tnLst>
-  </p:timing>
 </p:sld>
 </file>
 
@@ -3458,7 +4508,7 @@
           <p:cNvPr id="6" name="Title 1">
             <a:extLst>
               <a:ext uri="{FF2B5EF4-FFF2-40B4-BE49-F238E27FC236}">
-                <a16:creationId xmlns="" xmlns:a16="http://schemas.microsoft.com/office/drawing/2014/main" id="{688F796A-DDDE-CAF6-1BDF-229759878D87}"/>
+                <a16:creationId xmlns:a16="http://schemas.microsoft.com/office/drawing/2014/main" id="{688F796A-DDDE-CAF6-1BDF-229759878D87}"/>
               </a:ext>
             </a:extLst>
           </p:cNvPr>
@@ -3715,7 +4765,7 @@
           <p:cNvPr id="6" name="Title 1">
             <a:extLst>
               <a:ext uri="{FF2B5EF4-FFF2-40B4-BE49-F238E27FC236}">
-                <a16:creationId xmlns="" xmlns:a16="http://schemas.microsoft.com/office/drawing/2014/main" id="{0383EC4E-DFE6-BF64-0650-FBF0B2FF6786}"/>
+                <a16:creationId xmlns:a16="http://schemas.microsoft.com/office/drawing/2014/main" id="{0383EC4E-DFE6-BF64-0650-FBF0B2FF6786}"/>
               </a:ext>
             </a:extLst>
           </p:cNvPr>
@@ -3901,7 +4951,7 @@
           <p:cNvPr id="7" name="Picture 6">
             <a:extLst>
               <a:ext uri="{FF2B5EF4-FFF2-40B4-BE49-F238E27FC236}">
-                <a16:creationId xmlns="" xmlns:a16="http://schemas.microsoft.com/office/drawing/2014/main" id="{4144EC14-7ADC-CF04-C71F-D6C094AB86C3}"/>
+                <a16:creationId xmlns:a16="http://schemas.microsoft.com/office/drawing/2014/main" id="{4144EC14-7ADC-CF04-C71F-D6C094AB86C3}"/>
               </a:ext>
             </a:extLst>
           </p:cNvPr>
@@ -3950,7 +5000,7 @@
           <p:cNvPr id="9" name="Picture 8">
             <a:extLst>
               <a:ext uri="{FF2B5EF4-FFF2-40B4-BE49-F238E27FC236}">
-                <a16:creationId xmlns="" xmlns:a16="http://schemas.microsoft.com/office/drawing/2014/main" id="{98FF5E1D-0D41-6D46-7A8C-A957FD192D8E}"/>
+                <a16:creationId xmlns:a16="http://schemas.microsoft.com/office/drawing/2014/main" id="{98FF5E1D-0D41-6D46-7A8C-A957FD192D8E}"/>
               </a:ext>
             </a:extLst>
           </p:cNvPr>
@@ -3998,7 +5048,7 @@
           <p:cNvPr id="11" name="Picture 10">
             <a:extLst>
               <a:ext uri="{FF2B5EF4-FFF2-40B4-BE49-F238E27FC236}">
-                <a16:creationId xmlns="" xmlns:a16="http://schemas.microsoft.com/office/drawing/2014/main" id="{59BFCAB6-47E3-909A-10B5-4E9977979D3B}"/>
+                <a16:creationId xmlns:a16="http://schemas.microsoft.com/office/drawing/2014/main" id="{59BFCAB6-47E3-909A-10B5-4E9977979D3B}"/>
               </a:ext>
             </a:extLst>
           </p:cNvPr>
@@ -4171,7 +5221,7 @@
           <p:cNvPr id="13" name="TextBox 12">
             <a:extLst>
               <a:ext uri="{FF2B5EF4-FFF2-40B4-BE49-F238E27FC236}">
-                <a16:creationId xmlns="" xmlns:a16="http://schemas.microsoft.com/office/drawing/2014/main" id="{018D77F0-6BFA-89B7-6D33-39315F6A59DF}"/>
+                <a16:creationId xmlns:a16="http://schemas.microsoft.com/office/drawing/2014/main" id="{018D77F0-6BFA-89B7-6D33-39315F6A59DF}"/>
               </a:ext>
             </a:extLst>
           </p:cNvPr>
@@ -4286,7 +5336,7 @@
           <p:cNvPr id="15" name="TextBox 14">
             <a:extLst>
               <a:ext uri="{FF2B5EF4-FFF2-40B4-BE49-F238E27FC236}">
-                <a16:creationId xmlns="" xmlns:a16="http://schemas.microsoft.com/office/drawing/2014/main" id="{EC3D82F1-A43D-0428-C58A-4966898D85D2}"/>
+                <a16:creationId xmlns:a16="http://schemas.microsoft.com/office/drawing/2014/main" id="{EC3D82F1-A43D-0428-C58A-4966898D85D2}"/>
               </a:ext>
             </a:extLst>
           </p:cNvPr>
@@ -4822,6 +5872,14 @@
 <file path=ppt/slides/slide5.xml><?xml version="1.0" encoding="utf-8"?>
 <p:sld xmlns:a="http://schemas.openxmlformats.org/drawingml/2006/main" xmlns:r="http://schemas.openxmlformats.org/officeDocument/2006/relationships" xmlns:p="http://schemas.openxmlformats.org/presentationml/2006/main">
   <p:cSld>
+    <p:bg>
+      <p:bgPr>
+        <a:solidFill>
+          <a:schemeClr val="bg1"/>
+        </a:solidFill>
+        <a:effectLst/>
+      </p:bgPr>
+    </p:bg>
     <p:spTree>
       <p:nvGrpSpPr>
         <p:cNvPr id="1" name=""/>
@@ -4838,6 +5896,72 @@
       </p:grpSpPr>
       <p:sp>
         <p:nvSpPr>
+          <p:cNvPr id="10" name="Down Arrow 7">
+            <a:extLst>
+              <a:ext uri="{FF2B5EF4-FFF2-40B4-BE49-F238E27FC236}">
+                <a16:creationId xmlns:a16="http://schemas.microsoft.com/office/drawing/2014/main" id="{D4771268-CB57-404A-9271-370EB28F6090}"/>
+              </a:ext>
+              <a:ext uri="{C183D7F6-B498-43B3-948B-1728B52AA6E4}">
+                <adec:decorative xmlns:adec="http://schemas.microsoft.com/office/drawing/2017/decorative" val="1"/>
+              </a:ext>
+            </a:extLst>
+          </p:cNvPr>
+          <p:cNvSpPr>
+            <a:spLocks noGrp="1" noRot="1" noChangeAspect="1" noMove="1" noResize="1" noEditPoints="1" noAdjustHandles="1" noChangeArrowheads="1" noChangeShapeType="1" noTextEdit="1"/>
+          </p:cNvSpPr>
+          <p:nvPr>
+            <p:extLst>
+              <p:ext uri="{386F3935-93C4-4BCD-93E2-E3B085C9AB24}">
+                <p16:designElem xmlns:p16="http://schemas.microsoft.com/office/powerpoint/2015/main" val="1"/>
+              </p:ext>
+            </p:extLst>
+          </p:nvPr>
+        </p:nvSpPr>
+        <p:spPr>
+          <a:xfrm rot="16200000">
+            <a:off x="800100" y="1491343"/>
+            <a:ext cx="3333749" cy="3499103"/>
+          </a:xfrm>
+          <a:prstGeom prst="downArrow">
+            <a:avLst>
+              <a:gd name="adj1" fmla="val 100000"/>
+              <a:gd name="adj2" fmla="val 15788"/>
+            </a:avLst>
+          </a:prstGeom>
+          <a:solidFill>
+            <a:srgbClr val="404040"/>
+          </a:solidFill>
+          <a:ln w="53975">
+            <a:noFill/>
+          </a:ln>
+        </p:spPr>
+        <p:style>
+          <a:lnRef idx="2">
+            <a:schemeClr val="accent1">
+              <a:shade val="50000"/>
+            </a:schemeClr>
+          </a:lnRef>
+          <a:fillRef idx="1">
+            <a:schemeClr val="accent1"/>
+          </a:fillRef>
+          <a:effectRef idx="0">
+            <a:schemeClr val="accent1"/>
+          </a:effectRef>
+          <a:fontRef idx="minor">
+            <a:schemeClr val="lt1"/>
+          </a:fontRef>
+        </p:style>
+        <p:txBody>
+          <a:bodyPr rtlCol="0" anchor="ctr"/>
+          <a:lstStyle/>
+          <a:p>
+            <a:pPr algn="ctr"/>
+            <a:endParaRPr lang="en-US"/>
+          </a:p>
+        </p:txBody>
+      </p:sp>
+      <p:sp>
+        <p:nvSpPr>
           <p:cNvPr id="2" name="Title 1"/>
           <p:cNvSpPr>
             <a:spLocks noGrp="1"/>
@@ -4846,15 +5970,25 @@
             <p:ph type="title"/>
           </p:nvPr>
         </p:nvSpPr>
-        <p:spPr/>
-        <p:txBody>
-          <a:bodyPr>
+        <p:spPr>
+          <a:xfrm>
+            <a:off x="1028700" y="1967266"/>
+            <a:ext cx="2628900" cy="2547257"/>
+          </a:xfrm>
+          <a:noFill/>
+        </p:spPr>
+        <p:txBody>
+          <a:bodyPr vert="horz" lIns="91440" tIns="45720" rIns="91440" bIns="45720" rtlCol="0" anchor="ctr">
             <a:normAutofit/>
           </a:bodyPr>
           <a:lstStyle/>
           <a:p>
-            <a:r>
-              <a:rPr lang="en-IN" sz="3600" dirty="0">
+            <a:pPr algn="ctr"/>
+            <a:r>
+              <a:rPr lang="en-US" sz="3600" kern="1200">
+                <a:solidFill>
+                  <a:srgbClr val="FFFFFF"/>
+                </a:solidFill>
                 <a:effectLst>
                   <a:outerShdw blurRad="38100" dist="38100" dir="2700000" algn="tl">
                     <a:srgbClr val="000000">
@@ -4862,182 +5996,61 @@
                     </a:srgbClr>
                   </a:outerShdw>
                 </a:effectLst>
-                <a:latin typeface="Times New Roman" panose="02020603050405020304" pitchFamily="18" charset="0"/>
-                <a:cs typeface="Times New Roman" panose="02020603050405020304" pitchFamily="18" charset="0"/>
-              </a:rPr>
-              <a:t>Project Progress Update</a:t>
-            </a:r>
-          </a:p>
-        </p:txBody>
-      </p:sp>
-      <p:sp>
-        <p:nvSpPr>
-          <p:cNvPr id="5" name="Content Placeholder 4">
+                <a:latin typeface="+mj-lt"/>
+                <a:ea typeface="+mj-ea"/>
+                <a:cs typeface="+mj-cs"/>
+              </a:rPr>
+              <a:t>High-Level Timeline Chart (GANTT)</a:t>
+            </a:r>
+          </a:p>
+        </p:txBody>
+      </p:sp>
+      <p:pic>
+        <p:nvPicPr>
+          <p:cNvPr id="5" name="Picture 4" descr="A picture containing timeline">
             <a:extLst>
               <a:ext uri="{FF2B5EF4-FFF2-40B4-BE49-F238E27FC236}">
-                <a16:creationId xmlns="" xmlns:a16="http://schemas.microsoft.com/office/drawing/2014/main" id="{C727D6AB-2ED1-490A-9EBD-99C9428D4C08}"/>
+                <a16:creationId xmlns:a16="http://schemas.microsoft.com/office/drawing/2014/main" id="{8DA54B31-2FBF-8C58-41C1-6D18E827346D}"/>
               </a:ext>
             </a:extLst>
           </p:cNvPr>
-          <p:cNvSpPr>
-            <a:spLocks noGrp="1"/>
-          </p:cNvSpPr>
-          <p:nvPr>
-            <p:ph idx="1"/>
-          </p:nvPr>
-        </p:nvSpPr>
-        <p:spPr/>
-        <p:txBody>
-          <a:bodyPr>
-            <a:normAutofit/>
-          </a:bodyPr>
-          <a:lstStyle/>
-          <a:p>
-            <a:pPr marL="0" indent="0">
-              <a:buNone/>
-            </a:pPr>
-            <a:endParaRPr lang="en-US" sz="2000" dirty="0">
-              <a:latin typeface="Times New Roman" panose="02020603050405020304" pitchFamily="18" charset="0"/>
-              <a:cs typeface="Times New Roman" panose="02020603050405020304" pitchFamily="18" charset="0"/>
-            </a:endParaRPr>
-          </a:p>
-          <a:p>
-            <a:pPr marL="971550" lvl="1" indent="-514350">
-              <a:buFont typeface="+mj-lt"/>
-              <a:buAutoNum type="romanLcPeriod"/>
-            </a:pPr>
-            <a:r>
-              <a:rPr lang="en-US" sz="2000" dirty="0" smtClean="0">
-                <a:latin typeface="Times New Roman" panose="02020603050405020304" pitchFamily="18" charset="0"/>
-                <a:cs typeface="Times New Roman" panose="02020603050405020304" pitchFamily="18" charset="0"/>
-              </a:rPr>
-              <a:t>Convert Image in </a:t>
-            </a:r>
-            <a:r>
-              <a:rPr lang="en-US" sz="2000" dirty="0" smtClean="0">
-                <a:latin typeface="Times New Roman" panose="02020603050405020304" pitchFamily="18" charset="0"/>
-                <a:cs typeface="Times New Roman" panose="02020603050405020304" pitchFamily="18" charset="0"/>
-              </a:rPr>
-              <a:t>Thermal and grayscale images</a:t>
-            </a:r>
-            <a:endParaRPr lang="en-US" sz="2000" dirty="0" smtClean="0">
-              <a:latin typeface="Times New Roman" panose="02020603050405020304" pitchFamily="18" charset="0"/>
-              <a:cs typeface="Times New Roman" panose="02020603050405020304" pitchFamily="18" charset="0"/>
-            </a:endParaRPr>
-          </a:p>
-          <a:p>
-            <a:pPr marL="971550" lvl="1" indent="-514350">
-              <a:buFont typeface="+mj-lt"/>
-              <a:buAutoNum type="romanLcPeriod"/>
-            </a:pPr>
-            <a:r>
-              <a:rPr lang="en-US" sz="2000" dirty="0" smtClean="0">
-                <a:latin typeface="Times New Roman" panose="02020603050405020304" pitchFamily="18" charset="0"/>
-                <a:cs typeface="Times New Roman" panose="02020603050405020304" pitchFamily="18" charset="0"/>
-              </a:rPr>
-              <a:t>Store multiple images in dataset</a:t>
-            </a:r>
-          </a:p>
-          <a:p>
-            <a:pPr marL="971550" lvl="1" indent="-514350">
-              <a:buFont typeface="+mj-lt"/>
-              <a:buAutoNum type="romanLcPeriod"/>
-            </a:pPr>
-            <a:r>
-              <a:rPr lang="en-US" sz="2000" dirty="0" smtClean="0">
-                <a:latin typeface="Times New Roman" panose="02020603050405020304" pitchFamily="18" charset="0"/>
-                <a:cs typeface="Times New Roman" panose="02020603050405020304" pitchFamily="18" charset="0"/>
-              </a:rPr>
-              <a:t>Explore the capacity of CRI AI Cameras</a:t>
-            </a:r>
-          </a:p>
-          <a:p>
-            <a:pPr marL="971550" lvl="1" indent="-514350">
-              <a:buFont typeface="+mj-lt"/>
-              <a:buAutoNum type="romanLcPeriod"/>
-            </a:pPr>
-            <a:r>
-              <a:rPr lang="en-US" sz="2000" dirty="0" smtClean="0">
-                <a:latin typeface="Times New Roman" panose="02020603050405020304" pitchFamily="18" charset="0"/>
-                <a:cs typeface="Times New Roman" panose="02020603050405020304" pitchFamily="18" charset="0"/>
-              </a:rPr>
-              <a:t>Problem statement/scope of work</a:t>
-            </a:r>
-            <a:endParaRPr lang="en-US" sz="2000" dirty="0" smtClean="0">
-              <a:latin typeface="Times New Roman" panose="02020603050405020304" pitchFamily="18" charset="0"/>
-              <a:cs typeface="Times New Roman" panose="02020603050405020304" pitchFamily="18" charset="0"/>
-            </a:endParaRPr>
-          </a:p>
-          <a:p>
-            <a:pPr marL="971550" lvl="1" indent="-514350">
-              <a:buFont typeface="+mj-lt"/>
-              <a:buAutoNum type="romanLcPeriod"/>
-            </a:pPr>
-            <a:r>
-              <a:rPr lang="en-US" sz="2000" dirty="0" smtClean="0">
-                <a:latin typeface="Times New Roman" panose="02020603050405020304" pitchFamily="18" charset="0"/>
-                <a:cs typeface="Times New Roman" panose="02020603050405020304" pitchFamily="18" charset="0"/>
-              </a:rPr>
-              <a:t>Update </a:t>
-            </a:r>
-            <a:r>
-              <a:rPr lang="en-US" sz="2000" dirty="0" err="1">
-                <a:latin typeface="Times New Roman" panose="02020603050405020304" pitchFamily="18" charset="0"/>
-                <a:cs typeface="Times New Roman" panose="02020603050405020304" pitchFamily="18" charset="0"/>
-              </a:rPr>
-              <a:t>G</a:t>
-            </a:r>
-            <a:r>
-              <a:rPr lang="en-US" sz="2000" dirty="0" err="1" smtClean="0">
-                <a:latin typeface="Times New Roman" panose="02020603050405020304" pitchFamily="18" charset="0"/>
-                <a:cs typeface="Times New Roman" panose="02020603050405020304" pitchFamily="18" charset="0"/>
-              </a:rPr>
-              <a:t>it</a:t>
-            </a:r>
-            <a:r>
-              <a:rPr lang="en-US" sz="2000" dirty="0" smtClean="0">
-                <a:latin typeface="Times New Roman" panose="02020603050405020304" pitchFamily="18" charset="0"/>
-                <a:cs typeface="Times New Roman" panose="02020603050405020304" pitchFamily="18" charset="0"/>
-              </a:rPr>
-              <a:t> repository</a:t>
-            </a:r>
-            <a:endParaRPr lang="en-US" sz="2000" dirty="0">
-              <a:latin typeface="Times New Roman" panose="02020603050405020304" pitchFamily="18" charset="0"/>
-              <a:cs typeface="Times New Roman" panose="02020603050405020304" pitchFamily="18" charset="0"/>
-            </a:endParaRPr>
-          </a:p>
-          <a:p>
-            <a:pPr marL="971550" lvl="1" indent="-514350">
-              <a:buFont typeface="+mj-lt"/>
-              <a:buAutoNum type="romanLcPeriod"/>
-            </a:pPr>
-            <a:r>
-              <a:rPr lang="en-US" sz="2000" dirty="0">
-                <a:latin typeface="Times New Roman" panose="02020603050405020304" pitchFamily="18" charset="0"/>
-                <a:cs typeface="Times New Roman" panose="02020603050405020304" pitchFamily="18" charset="0"/>
-              </a:rPr>
-              <a:t>Presentation.</a:t>
-            </a:r>
-          </a:p>
-        </p:txBody>
-      </p:sp>
+          <p:cNvPicPr>
+            <a:picLocks noChangeAspect="1"/>
+          </p:cNvPicPr>
+          <p:nvPr/>
+        </p:nvPicPr>
+        <p:blipFill>
+          <a:blip r:embed="rId2">
+            <a:extLst>
+              <a:ext uri="{28A0092B-C50C-407E-A947-70E740481C1C}">
+                <a14:useLocalDpi xmlns:a14="http://schemas.microsoft.com/office/drawing/2010/main" val="0"/>
+              </a:ext>
+            </a:extLst>
+          </a:blip>
+          <a:stretch>
+            <a:fillRect/>
+          </a:stretch>
+        </p:blipFill>
+        <p:spPr>
+          <a:xfrm>
+            <a:off x="4777316" y="885073"/>
+            <a:ext cx="6780700" cy="5085525"/>
+          </a:xfrm>
+          <a:prstGeom prst="rect">
+            <a:avLst/>
+          </a:prstGeom>
+        </p:spPr>
+      </p:pic>
     </p:spTree>
     <p:extLst>
       <p:ext uri="{BB962C8B-B14F-4D97-AF65-F5344CB8AC3E}">
-        <p14:creationId xmlns:p14="http://schemas.microsoft.com/office/powerpoint/2010/main" val="2891419364"/>
+        <p14:creationId xmlns:p14="http://schemas.microsoft.com/office/powerpoint/2010/main" val="2838180354"/>
       </p:ext>
     </p:extLst>
   </p:cSld>
   <p:clrMapOvr>
     <a:masterClrMapping/>
   </p:clrMapOvr>
-  <p:timing>
-    <p:tnLst>
-      <p:par>
-        <p:cTn id="1" dur="indefinite" restart="never" nodeType="tmRoot"/>
-      </p:par>
-    </p:tnLst>
-  </p:timing>
 </p:sld>
 </file>
 
@@ -5076,34 +6089,6 @@
           <a:lstStyle/>
           <a:p>
             <a:r>
-              <a:rPr lang="en-US" sz="3600" dirty="0">
-                <a:effectLst>
-                  <a:outerShdw blurRad="38100" dist="38100" dir="2700000" algn="tl">
-                    <a:srgbClr val="000000">
-                      <a:alpha val="43137"/>
-                    </a:srgbClr>
-                  </a:outerShdw>
-                </a:effectLst>
-                <a:latin typeface="Times New Roman" panose="02020603050405020304" pitchFamily="18" charset="0"/>
-                <a:cs typeface="Times New Roman" panose="02020603050405020304" pitchFamily="18" charset="0"/>
-              </a:rPr>
-              <a:t>I</a:t>
-            </a:r>
-            <a:r>
-              <a:rPr lang="en-IN" sz="3600" dirty="0" err="1">
-                <a:effectLst>
-                  <a:outerShdw blurRad="38100" dist="38100" dir="2700000" algn="tl">
-                    <a:srgbClr val="000000">
-                      <a:alpha val="43137"/>
-                    </a:srgbClr>
-                  </a:outerShdw>
-                </a:effectLst>
-                <a:latin typeface="Times New Roman" panose="02020603050405020304" pitchFamily="18" charset="0"/>
-                <a:cs typeface="Times New Roman" panose="02020603050405020304" pitchFamily="18" charset="0"/>
-              </a:rPr>
-              <a:t>ndividual</a:t>
-            </a:r>
-            <a:r>
               <a:rPr lang="en-IN" sz="3600" dirty="0">
                 <a:effectLst>
                   <a:outerShdw blurRad="38100" dist="38100" dir="2700000" algn="tl">
@@ -5115,7 +6100,7 @@
                 <a:latin typeface="Times New Roman" panose="02020603050405020304" pitchFamily="18" charset="0"/>
                 <a:cs typeface="Times New Roman" panose="02020603050405020304" pitchFamily="18" charset="0"/>
               </a:rPr>
-              <a:t> Status Report</a:t>
+              <a:t>Project Progress Update</a:t>
             </a:r>
           </a:p>
         </p:txBody>
@@ -5125,7 +6110,7 @@
           <p:cNvPr id="5" name="Content Placeholder 4">
             <a:extLst>
               <a:ext uri="{FF2B5EF4-FFF2-40B4-BE49-F238E27FC236}">
-                <a16:creationId xmlns="" xmlns:a16="http://schemas.microsoft.com/office/drawing/2014/main" id="{D40A2881-15F6-FF24-285A-218469C87F53}"/>
+                <a16:creationId xmlns:a16="http://schemas.microsoft.com/office/drawing/2014/main" id="{C727D6AB-2ED1-490A-9EBD-99C9428D4C08}"/>
               </a:ext>
             </a:extLst>
           </p:cNvPr>
@@ -5143,266 +6128,132 @@
           </a:bodyPr>
           <a:lstStyle/>
           <a:p>
-            <a:r>
-              <a:rPr lang="en-US" sz="2000" b="1" dirty="0" err="1" smtClean="0">
-                <a:latin typeface="Times New Roman" panose="02020603050405020304" pitchFamily="18" charset="0"/>
-                <a:cs typeface="Times New Roman" panose="02020603050405020304" pitchFamily="18" charset="0"/>
-              </a:rPr>
-              <a:t>Namra</a:t>
-            </a:r>
-            <a:r>
-              <a:rPr lang="en-US" sz="2000" b="1" dirty="0">
-                <a:latin typeface="Times New Roman" panose="02020603050405020304" pitchFamily="18" charset="0"/>
-                <a:cs typeface="Times New Roman" panose="02020603050405020304" pitchFamily="18" charset="0"/>
-              </a:rPr>
-              <a:t>:</a:t>
-            </a:r>
-            <a:r>
-              <a:rPr lang="en-US" sz="2000" dirty="0">
-                <a:latin typeface="Times New Roman" panose="02020603050405020304" pitchFamily="18" charset="0"/>
-                <a:cs typeface="Times New Roman" panose="02020603050405020304" pitchFamily="18" charset="0"/>
-              </a:rPr>
-              <a:t> </a:t>
-            </a:r>
-          </a:p>
-          <a:p>
-            <a:pPr lvl="1"/>
-            <a:r>
-              <a:rPr lang="en-US" sz="1800" dirty="0" smtClean="0">
-                <a:latin typeface="Times New Roman" panose="02020603050405020304" pitchFamily="18" charset="0"/>
-                <a:cs typeface="Times New Roman" panose="02020603050405020304" pitchFamily="18" charset="0"/>
-              </a:rPr>
-              <a:t>Identify ways to </a:t>
-            </a:r>
-            <a:r>
-              <a:rPr lang="en-US" sz="1800" dirty="0" smtClean="0">
-                <a:latin typeface="Times New Roman" panose="02020603050405020304" pitchFamily="18" charset="0"/>
-                <a:cs typeface="Times New Roman" panose="02020603050405020304" pitchFamily="18" charset="0"/>
-              </a:rPr>
-              <a:t>store limited multiple </a:t>
-            </a:r>
-            <a:r>
-              <a:rPr lang="en-US" sz="1800" dirty="0" smtClean="0">
-                <a:latin typeface="Times New Roman" panose="02020603050405020304" pitchFamily="18" charset="0"/>
-                <a:cs typeface="Times New Roman" panose="02020603050405020304" pitchFamily="18" charset="0"/>
-              </a:rPr>
-              <a:t>images in </a:t>
-            </a:r>
-            <a:r>
-              <a:rPr lang="en-US" sz="1800" dirty="0" smtClean="0">
-                <a:latin typeface="Times New Roman" panose="02020603050405020304" pitchFamily="18" charset="0"/>
-                <a:cs typeface="Times New Roman" panose="02020603050405020304" pitchFamily="18" charset="0"/>
-              </a:rPr>
-              <a:t>Dataset.</a:t>
-            </a:r>
-          </a:p>
-          <a:p>
-            <a:pPr lvl="1"/>
-            <a:r>
-              <a:rPr lang="en-US" sz="1800" dirty="0">
-                <a:latin typeface="Times New Roman" panose="02020603050405020304" pitchFamily="18" charset="0"/>
-                <a:cs typeface="Times New Roman" panose="02020603050405020304" pitchFamily="18" charset="0"/>
-              </a:rPr>
-              <a:t>Explore the capacity of CRI AI </a:t>
-            </a:r>
-            <a:r>
-              <a:rPr lang="en-US" sz="1800" dirty="0" smtClean="0">
-                <a:latin typeface="Times New Roman" panose="02020603050405020304" pitchFamily="18" charset="0"/>
-                <a:cs typeface="Times New Roman" panose="02020603050405020304" pitchFamily="18" charset="0"/>
-              </a:rPr>
-              <a:t>Cameras</a:t>
-            </a:r>
-            <a:endParaRPr lang="en-US" sz="1800" dirty="0" smtClean="0">
-              <a:latin typeface="Times New Roman" panose="02020603050405020304" pitchFamily="18" charset="0"/>
-              <a:cs typeface="Times New Roman" panose="02020603050405020304" pitchFamily="18" charset="0"/>
-            </a:endParaRPr>
-          </a:p>
-          <a:p>
-            <a:r>
-              <a:rPr lang="en-US" sz="2000" b="1" dirty="0" smtClean="0">
-                <a:latin typeface="Times New Roman" panose="02020603050405020304" pitchFamily="18" charset="0"/>
-                <a:cs typeface="Times New Roman" panose="02020603050405020304" pitchFamily="18" charset="0"/>
-              </a:rPr>
-              <a:t>Tilak:</a:t>
-            </a:r>
-            <a:r>
-              <a:rPr lang="en-US" sz="2000" dirty="0" smtClean="0">
-                <a:latin typeface="Times New Roman" panose="02020603050405020304" pitchFamily="18" charset="0"/>
-                <a:cs typeface="Times New Roman" panose="02020603050405020304" pitchFamily="18" charset="0"/>
-              </a:rPr>
-              <a:t> </a:t>
-            </a:r>
-          </a:p>
-          <a:p>
-            <a:pPr lvl="1"/>
-            <a:r>
-              <a:rPr lang="en-US" sz="1800" dirty="0" smtClean="0">
-                <a:latin typeface="Times New Roman" panose="02020603050405020304" pitchFamily="18" charset="0"/>
-                <a:cs typeface="Times New Roman" panose="02020603050405020304" pitchFamily="18" charset="0"/>
-              </a:rPr>
-              <a:t>Convert </a:t>
-            </a:r>
-            <a:r>
-              <a:rPr lang="en-US" sz="1800" dirty="0" smtClean="0">
-                <a:latin typeface="Times New Roman" panose="02020603050405020304" pitchFamily="18" charset="0"/>
-                <a:cs typeface="Times New Roman" panose="02020603050405020304" pitchFamily="18" charset="0"/>
-              </a:rPr>
-              <a:t>Image to gray scale and thermal </a:t>
-            </a:r>
-            <a:r>
-              <a:rPr lang="en-US" sz="1800" dirty="0" smtClean="0">
-                <a:latin typeface="Times New Roman" panose="02020603050405020304" pitchFamily="18" charset="0"/>
-                <a:cs typeface="Times New Roman" panose="02020603050405020304" pitchFamily="18" charset="0"/>
-              </a:rPr>
-              <a:t>images</a:t>
-            </a:r>
-          </a:p>
-          <a:p>
-            <a:pPr lvl="1"/>
-            <a:r>
-              <a:rPr lang="en-US" sz="1800" dirty="0">
-                <a:latin typeface="Times New Roman" panose="02020603050405020304" pitchFamily="18" charset="0"/>
-                <a:cs typeface="Times New Roman" panose="02020603050405020304" pitchFamily="18" charset="0"/>
-              </a:rPr>
-              <a:t>Presentation </a:t>
-            </a:r>
-            <a:endParaRPr lang="en-US" sz="1800" dirty="0" smtClean="0">
-              <a:latin typeface="Times New Roman" panose="02020603050405020304" pitchFamily="18" charset="0"/>
-              <a:cs typeface="Times New Roman" panose="02020603050405020304" pitchFamily="18" charset="0"/>
-            </a:endParaRPr>
-          </a:p>
-          <a:p>
-            <a:r>
-              <a:rPr lang="en-US" sz="2000" b="1" dirty="0" err="1" smtClean="0">
-                <a:latin typeface="Times New Roman" panose="02020603050405020304" pitchFamily="18" charset="0"/>
-                <a:cs typeface="Times New Roman" panose="02020603050405020304" pitchFamily="18" charset="0"/>
-              </a:rPr>
-              <a:t>Kishan</a:t>
-            </a:r>
-            <a:r>
-              <a:rPr lang="en-US" sz="2000" b="1" dirty="0">
-                <a:latin typeface="Times New Roman" panose="02020603050405020304" pitchFamily="18" charset="0"/>
-                <a:cs typeface="Times New Roman" panose="02020603050405020304" pitchFamily="18" charset="0"/>
-              </a:rPr>
-              <a:t>:</a:t>
-            </a:r>
+            <a:pPr marL="0" indent="0">
+              <a:buNone/>
+            </a:pPr>
             <a:endParaRPr lang="en-US" sz="2000" dirty="0">
               <a:latin typeface="Times New Roman" panose="02020603050405020304" pitchFamily="18" charset="0"/>
               <a:cs typeface="Times New Roman" panose="02020603050405020304" pitchFamily="18" charset="0"/>
             </a:endParaRPr>
           </a:p>
           <a:p>
-            <a:pPr lvl="1"/>
-            <a:r>
-              <a:rPr lang="en-US" sz="1800" dirty="0">
-                <a:latin typeface="Times New Roman" panose="02020603050405020304" pitchFamily="18" charset="0"/>
-                <a:cs typeface="Times New Roman" panose="02020603050405020304" pitchFamily="18" charset="0"/>
-              </a:rPr>
-              <a:t>Develop code </a:t>
-            </a:r>
-            <a:r>
-              <a:rPr lang="en-US" sz="1800" dirty="0" smtClean="0">
-                <a:latin typeface="Times New Roman" panose="02020603050405020304" pitchFamily="18" charset="0"/>
-                <a:cs typeface="Times New Roman" panose="02020603050405020304" pitchFamily="18" charset="0"/>
-              </a:rPr>
-              <a:t>to store </a:t>
-            </a:r>
-            <a:r>
-              <a:rPr lang="en-US" sz="1800" dirty="0">
-                <a:latin typeface="Times New Roman" panose="02020603050405020304" pitchFamily="18" charset="0"/>
-                <a:cs typeface="Times New Roman" panose="02020603050405020304" pitchFamily="18" charset="0"/>
-              </a:rPr>
-              <a:t>limited</a:t>
-            </a:r>
-            <a:r>
-              <a:rPr lang="en-US" sz="1800" dirty="0" smtClean="0">
-                <a:latin typeface="Times New Roman" panose="02020603050405020304" pitchFamily="18" charset="0"/>
-                <a:cs typeface="Times New Roman" panose="02020603050405020304" pitchFamily="18" charset="0"/>
-              </a:rPr>
-              <a:t> </a:t>
-            </a:r>
-            <a:r>
-              <a:rPr lang="en-US" sz="1800" dirty="0">
-                <a:latin typeface="Times New Roman" panose="02020603050405020304" pitchFamily="18" charset="0"/>
-                <a:cs typeface="Times New Roman" panose="02020603050405020304" pitchFamily="18" charset="0"/>
-              </a:rPr>
-              <a:t>multiple</a:t>
-            </a:r>
-            <a:r>
-              <a:rPr lang="en-US" sz="1800" dirty="0" smtClean="0">
-                <a:latin typeface="Times New Roman" panose="02020603050405020304" pitchFamily="18" charset="0"/>
-                <a:cs typeface="Times New Roman" panose="02020603050405020304" pitchFamily="18" charset="0"/>
-              </a:rPr>
-              <a:t> images in the dataset</a:t>
-            </a:r>
-            <a:endParaRPr lang="en-US" sz="1800" dirty="0" smtClean="0">
-              <a:latin typeface="Times New Roman" panose="02020603050405020304" pitchFamily="18" charset="0"/>
-              <a:cs typeface="Times New Roman" panose="02020603050405020304" pitchFamily="18" charset="0"/>
-            </a:endParaRPr>
-          </a:p>
-          <a:p>
-            <a:pPr lvl="1"/>
-            <a:r>
-              <a:rPr lang="en-US" sz="1800" dirty="0" smtClean="0">
-                <a:latin typeface="Times New Roman" panose="02020603050405020304" pitchFamily="18" charset="0"/>
-                <a:cs typeface="Times New Roman" panose="02020603050405020304" pitchFamily="18" charset="0"/>
-              </a:rPr>
-              <a:t>Analyze </a:t>
-            </a:r>
-            <a:r>
-              <a:rPr lang="en-US" sz="1800" dirty="0">
-                <a:latin typeface="Times New Roman" panose="02020603050405020304" pitchFamily="18" charset="0"/>
-                <a:cs typeface="Times New Roman" panose="02020603050405020304" pitchFamily="18" charset="0"/>
-              </a:rPr>
-              <a:t>Problem statement/scope of </a:t>
-            </a:r>
-            <a:r>
-              <a:rPr lang="en-US" sz="1800" dirty="0" smtClean="0">
-                <a:latin typeface="Times New Roman" panose="02020603050405020304" pitchFamily="18" charset="0"/>
-                <a:cs typeface="Times New Roman" panose="02020603050405020304" pitchFamily="18" charset="0"/>
-              </a:rPr>
-              <a:t>work</a:t>
-            </a:r>
-            <a:endParaRPr lang="en-US" sz="1800" dirty="0">
-              <a:latin typeface="Times New Roman" panose="02020603050405020304" pitchFamily="18" charset="0"/>
-              <a:cs typeface="Times New Roman" panose="02020603050405020304" pitchFamily="18" charset="0"/>
-            </a:endParaRPr>
-          </a:p>
-          <a:p>
-            <a:pPr marL="457200" lvl="1" indent="0">
-              <a:buNone/>
+            <a:pPr marL="971550" lvl="1" indent="-514350">
+              <a:buFont typeface="+mj-lt"/>
+              <a:buAutoNum type="romanLcPeriod"/>
             </a:pPr>
-            <a:endParaRPr lang="en-US" sz="1800" dirty="0">
-              <a:latin typeface="Times New Roman" panose="02020603050405020304" pitchFamily="18" charset="0"/>
-              <a:cs typeface="Times New Roman" panose="02020603050405020304" pitchFamily="18" charset="0"/>
-            </a:endParaRPr>
-          </a:p>
-          <a:p>
-            <a:pPr lvl="2"/>
-            <a:endParaRPr lang="en-US" sz="1400" dirty="0">
-              <a:latin typeface="Times New Roman" panose="02020603050405020304" pitchFamily="18" charset="0"/>
-              <a:cs typeface="Times New Roman" panose="02020603050405020304" pitchFamily="18" charset="0"/>
-            </a:endParaRPr>
+            <a:r>
+              <a:rPr lang="en-US" sz="2000" dirty="0">
+                <a:latin typeface="Times New Roman" panose="02020603050405020304" pitchFamily="18" charset="0"/>
+                <a:cs typeface="Times New Roman" panose="02020603050405020304" pitchFamily="18" charset="0"/>
+              </a:rPr>
+              <a:t>Face recognition using OpenCV </a:t>
+            </a:r>
+            <a:r>
+              <a:rPr lang="en-US" sz="2000" dirty="0" err="1">
+                <a:latin typeface="Times New Roman" panose="02020603050405020304" pitchFamily="18" charset="0"/>
+                <a:cs typeface="Times New Roman" panose="02020603050405020304" pitchFamily="18" charset="0"/>
+              </a:rPr>
+              <a:t>LBPHFaceRecognizer_create</a:t>
+            </a:r>
+            <a:r>
+              <a:rPr lang="en-US" sz="2000" dirty="0">
+                <a:latin typeface="Times New Roman" panose="02020603050405020304" pitchFamily="18" charset="0"/>
+                <a:cs typeface="Times New Roman" panose="02020603050405020304" pitchFamily="18" charset="0"/>
+              </a:rPr>
+              <a:t> model</a:t>
+            </a:r>
+          </a:p>
+          <a:p>
+            <a:pPr marL="971550" lvl="1" indent="-514350">
+              <a:buFont typeface="+mj-lt"/>
+              <a:buAutoNum type="romanLcPeriod"/>
+            </a:pPr>
+            <a:r>
+              <a:rPr lang="en-US" sz="2000" dirty="0">
+                <a:latin typeface="Times New Roman" panose="02020603050405020304" pitchFamily="18" charset="0"/>
+                <a:cs typeface="Times New Roman" panose="02020603050405020304" pitchFamily="18" charset="0"/>
+              </a:rPr>
+              <a:t>Handled registration by storing in CSV</a:t>
+            </a:r>
+          </a:p>
+          <a:p>
+            <a:pPr marL="971550" lvl="1" indent="-514350">
+              <a:buFont typeface="+mj-lt"/>
+              <a:buAutoNum type="romanLcPeriod"/>
+            </a:pPr>
+            <a:r>
+              <a:rPr lang="en-US" sz="2000" dirty="0">
+                <a:latin typeface="Times New Roman" panose="02020603050405020304" pitchFamily="18" charset="0"/>
+                <a:cs typeface="Times New Roman" panose="02020603050405020304" pitchFamily="18" charset="0"/>
+              </a:rPr>
+              <a:t>Configured </a:t>
+            </a:r>
+            <a:r>
+              <a:rPr lang="en-US" sz="2000" dirty="0" err="1">
+                <a:latin typeface="Times New Roman" panose="02020603050405020304" pitchFamily="18" charset="0"/>
+                <a:cs typeface="Times New Roman" panose="02020603050405020304" pitchFamily="18" charset="0"/>
+              </a:rPr>
+              <a:t>iVMS</a:t>
+            </a:r>
+            <a:r>
+              <a:rPr lang="en-US" sz="2000" dirty="0">
+                <a:latin typeface="Times New Roman" panose="02020603050405020304" pitchFamily="18" charset="0"/>
+                <a:cs typeface="Times New Roman" panose="02020603050405020304" pitchFamily="18" charset="0"/>
+              </a:rPr>
+              <a:t> 4200 camera</a:t>
+            </a:r>
+          </a:p>
+          <a:p>
+            <a:pPr marL="971550" lvl="1" indent="-514350">
+              <a:buFont typeface="+mj-lt"/>
+              <a:buAutoNum type="romanLcPeriod"/>
+            </a:pPr>
+            <a:r>
+              <a:rPr lang="en-US" sz="2000" dirty="0">
+                <a:latin typeface="Times New Roman" panose="02020603050405020304" pitchFamily="18" charset="0"/>
+                <a:cs typeface="Times New Roman" panose="02020603050405020304" pitchFamily="18" charset="0"/>
+              </a:rPr>
+              <a:t>Troubleshooting of CRI AI Cameras and Black body radiation box </a:t>
+            </a:r>
+          </a:p>
+          <a:p>
+            <a:pPr marL="971550" lvl="1" indent="-514350">
+              <a:buFont typeface="+mj-lt"/>
+              <a:buAutoNum type="romanLcPeriod"/>
+            </a:pPr>
+            <a:r>
+              <a:rPr lang="en-US" sz="2000" dirty="0">
+                <a:latin typeface="Times New Roman" panose="02020603050405020304" pitchFamily="18" charset="0"/>
+                <a:cs typeface="Times New Roman" panose="02020603050405020304" pitchFamily="18" charset="0"/>
+              </a:rPr>
+              <a:t>Update Git repository</a:t>
+            </a:r>
+          </a:p>
+          <a:p>
+            <a:pPr marL="971550" lvl="1" indent="-514350">
+              <a:buFont typeface="+mj-lt"/>
+              <a:buAutoNum type="romanLcPeriod"/>
+            </a:pPr>
+            <a:r>
+              <a:rPr lang="en-US" sz="2000" dirty="0">
+                <a:latin typeface="Times New Roman" panose="02020603050405020304" pitchFamily="18" charset="0"/>
+                <a:cs typeface="Times New Roman" panose="02020603050405020304" pitchFamily="18" charset="0"/>
+              </a:rPr>
+              <a:t>Presentation.</a:t>
+            </a:r>
           </a:p>
         </p:txBody>
       </p:sp>
     </p:spTree>
     <p:extLst>
       <p:ext uri="{BB962C8B-B14F-4D97-AF65-F5344CB8AC3E}">
-        <p14:creationId xmlns:p14="http://schemas.microsoft.com/office/powerpoint/2010/main" val="2631961069"/>
+        <p14:creationId xmlns:p14="http://schemas.microsoft.com/office/powerpoint/2010/main" val="2891419364"/>
       </p:ext>
     </p:extLst>
   </p:cSld>
   <p:clrMapOvr>
     <a:masterClrMapping/>
   </p:clrMapOvr>
-  <p:timing>
-    <p:tnLst>
-      <p:par>
-        <p:cTn id="1" dur="indefinite" restart="never" nodeType="tmRoot"/>
-      </p:par>
-    </p:tnLst>
-  </p:timing>
 </p:sld>
 </file>
 
@@ -5433,18 +6284,41 @@
             <p:ph type="title"/>
           </p:nvPr>
         </p:nvSpPr>
-        <p:spPr>
-          <a:xfrm>
-            <a:off x="979503" y="134305"/>
-            <a:ext cx="10515600" cy="1325563"/>
-          </a:xfrm>
-        </p:spPr>
+        <p:spPr/>
         <p:txBody>
           <a:bodyPr>
             <a:normAutofit/>
           </a:bodyPr>
           <a:lstStyle/>
           <a:p>
+            <a:r>
+              <a:rPr lang="en-US" sz="3600" dirty="0">
+                <a:effectLst>
+                  <a:outerShdw blurRad="38100" dist="38100" dir="2700000" algn="tl">
+                    <a:srgbClr val="000000">
+                      <a:alpha val="43137"/>
+                    </a:srgbClr>
+                  </a:outerShdw>
+                </a:effectLst>
+                <a:latin typeface="Times New Roman" panose="02020603050405020304" pitchFamily="18" charset="0"/>
+                <a:cs typeface="Times New Roman" panose="02020603050405020304" pitchFamily="18" charset="0"/>
+              </a:rPr>
+              <a:t>I</a:t>
+            </a:r>
+            <a:r>
+              <a:rPr lang="en-IN" sz="3600" dirty="0" err="1">
+                <a:effectLst>
+                  <a:outerShdw blurRad="38100" dist="38100" dir="2700000" algn="tl">
+                    <a:srgbClr val="000000">
+                      <a:alpha val="43137"/>
+                    </a:srgbClr>
+                  </a:outerShdw>
+                </a:effectLst>
+                <a:latin typeface="Times New Roman" panose="02020603050405020304" pitchFamily="18" charset="0"/>
+                <a:cs typeface="Times New Roman" panose="02020603050405020304" pitchFamily="18" charset="0"/>
+              </a:rPr>
+              <a:t>ndividual</a:t>
+            </a:r>
             <a:r>
               <a:rPr lang="en-IN" sz="3600" dirty="0">
                 <a:effectLst>
@@ -5457,58 +6331,228 @@
                 <a:latin typeface="Times New Roman" panose="02020603050405020304" pitchFamily="18" charset="0"/>
                 <a:cs typeface="Times New Roman" panose="02020603050405020304" pitchFamily="18" charset="0"/>
               </a:rPr>
-              <a:t>High-Level Timeline Chart (GANTT)</a:t>
-            </a:r>
-          </a:p>
-        </p:txBody>
-      </p:sp>
-      <p:pic>
-        <p:nvPicPr>
-          <p:cNvPr id="3" name="Picture 2"/>
-          <p:cNvPicPr>
-            <a:picLocks noChangeAspect="1"/>
-          </p:cNvPicPr>
-          <p:nvPr/>
-        </p:nvPicPr>
-        <p:blipFill>
-          <a:blip r:embed="rId2"/>
-          <a:stretch>
-            <a:fillRect/>
-          </a:stretch>
-        </p:blipFill>
-        <p:spPr>
-          <a:xfrm>
-            <a:off x="1448425" y="1459868"/>
-            <a:ext cx="7683851" cy="4943696"/>
-          </a:xfrm>
-          <a:prstGeom prst="rect">
-            <a:avLst/>
-          </a:prstGeom>
-        </p:spPr>
-      </p:pic>
+              <a:t> Status Report</a:t>
+            </a:r>
+          </a:p>
+        </p:txBody>
+      </p:sp>
+      <p:sp>
+        <p:nvSpPr>
+          <p:cNvPr id="5" name="Content Placeholder 4">
+            <a:extLst>
+              <a:ext uri="{FF2B5EF4-FFF2-40B4-BE49-F238E27FC236}">
+                <a16:creationId xmlns:a16="http://schemas.microsoft.com/office/drawing/2014/main" id="{D40A2881-15F6-FF24-285A-218469C87F53}"/>
+              </a:ext>
+            </a:extLst>
+          </p:cNvPr>
+          <p:cNvSpPr>
+            <a:spLocks noGrp="1"/>
+          </p:cNvSpPr>
+          <p:nvPr>
+            <p:ph idx="1"/>
+          </p:nvPr>
+        </p:nvSpPr>
+        <p:spPr/>
+        <p:txBody>
+          <a:bodyPr>
+            <a:normAutofit/>
+          </a:bodyPr>
+          <a:lstStyle/>
+          <a:p>
+            <a:r>
+              <a:rPr lang="en-US" sz="2000" b="1" dirty="0" err="1">
+                <a:latin typeface="Times New Roman" panose="02020603050405020304" pitchFamily="18" charset="0"/>
+                <a:cs typeface="Times New Roman" panose="02020603050405020304" pitchFamily="18" charset="0"/>
+              </a:rPr>
+              <a:t>Namra</a:t>
+            </a:r>
+            <a:r>
+              <a:rPr lang="en-US" sz="2000" b="1" dirty="0">
+                <a:latin typeface="Times New Roman" panose="02020603050405020304" pitchFamily="18" charset="0"/>
+                <a:cs typeface="Times New Roman" panose="02020603050405020304" pitchFamily="18" charset="0"/>
+              </a:rPr>
+              <a:t>:</a:t>
+            </a:r>
+            <a:r>
+              <a:rPr lang="en-US" sz="2000" dirty="0">
+                <a:latin typeface="Times New Roman" panose="02020603050405020304" pitchFamily="18" charset="0"/>
+                <a:cs typeface="Times New Roman" panose="02020603050405020304" pitchFamily="18" charset="0"/>
+              </a:rPr>
+              <a:t> </a:t>
+            </a:r>
+          </a:p>
+          <a:p>
+            <a:pPr lvl="1"/>
+            <a:r>
+              <a:rPr lang="en-US" sz="1800" dirty="0">
+                <a:latin typeface="Times New Roman" panose="02020603050405020304" pitchFamily="18" charset="0"/>
+                <a:cs typeface="Times New Roman" panose="02020603050405020304" pitchFamily="18" charset="0"/>
+              </a:rPr>
+              <a:t>Handling Registration data using CSV</a:t>
+            </a:r>
+          </a:p>
+          <a:p>
+            <a:pPr lvl="1"/>
+            <a:r>
+              <a:rPr lang="en-US" sz="1800" dirty="0">
+                <a:latin typeface="Times New Roman" panose="02020603050405020304" pitchFamily="18" charset="0"/>
+                <a:cs typeface="Times New Roman" panose="02020603050405020304" pitchFamily="18" charset="0"/>
+              </a:rPr>
+              <a:t>Storing pictures using registration ID</a:t>
+            </a:r>
+          </a:p>
+          <a:p>
+            <a:pPr lvl="1"/>
+            <a:r>
+              <a:rPr lang="en-US" sz="1800" dirty="0">
+                <a:latin typeface="Times New Roman" panose="02020603050405020304" pitchFamily="18" charset="0"/>
+                <a:cs typeface="Times New Roman" panose="02020603050405020304" pitchFamily="18" charset="0"/>
+              </a:rPr>
+              <a:t>Fetching name from Identified face and printing name</a:t>
+            </a:r>
+          </a:p>
+          <a:p>
+            <a:r>
+              <a:rPr lang="en-US" sz="2000" b="1" dirty="0">
+                <a:latin typeface="Times New Roman" panose="02020603050405020304" pitchFamily="18" charset="0"/>
+                <a:cs typeface="Times New Roman" panose="02020603050405020304" pitchFamily="18" charset="0"/>
+              </a:rPr>
+              <a:t>Tilak:</a:t>
+            </a:r>
+            <a:r>
+              <a:rPr lang="en-US" sz="2000" dirty="0">
+                <a:latin typeface="Times New Roman" panose="02020603050405020304" pitchFamily="18" charset="0"/>
+                <a:cs typeface="Times New Roman" panose="02020603050405020304" pitchFamily="18" charset="0"/>
+              </a:rPr>
+              <a:t> </a:t>
+            </a:r>
+          </a:p>
+          <a:p>
+            <a:pPr lvl="1"/>
+            <a:r>
+              <a:rPr lang="en-US" sz="1800" dirty="0">
+                <a:latin typeface="Times New Roman" panose="02020603050405020304" pitchFamily="18" charset="0"/>
+                <a:cs typeface="Times New Roman" panose="02020603050405020304" pitchFamily="18" charset="0"/>
+              </a:rPr>
+              <a:t>Face Recognition </a:t>
+            </a:r>
+          </a:p>
+          <a:p>
+            <a:pPr lvl="1"/>
+            <a:r>
+              <a:rPr lang="en-US" sz="1800" dirty="0">
+                <a:latin typeface="Times New Roman" panose="02020603050405020304" pitchFamily="18" charset="0"/>
+                <a:cs typeface="Times New Roman" panose="02020603050405020304" pitchFamily="18" charset="0"/>
+              </a:rPr>
+              <a:t>Checking CRI AI Camera configuration</a:t>
+            </a:r>
+          </a:p>
+          <a:p>
+            <a:r>
+              <a:rPr lang="en-US" sz="2000" b="1" dirty="0" err="1">
+                <a:latin typeface="Times New Roman" panose="02020603050405020304" pitchFamily="18" charset="0"/>
+                <a:cs typeface="Times New Roman" panose="02020603050405020304" pitchFamily="18" charset="0"/>
+              </a:rPr>
+              <a:t>Kishan</a:t>
+            </a:r>
+            <a:r>
+              <a:rPr lang="en-US" sz="2000" b="1" dirty="0">
+                <a:latin typeface="Times New Roman" panose="02020603050405020304" pitchFamily="18" charset="0"/>
+                <a:cs typeface="Times New Roman" panose="02020603050405020304" pitchFamily="18" charset="0"/>
+              </a:rPr>
+              <a:t>:</a:t>
+            </a:r>
+            <a:endParaRPr lang="en-US" sz="2000" dirty="0">
+              <a:latin typeface="Times New Roman" panose="02020603050405020304" pitchFamily="18" charset="0"/>
+              <a:cs typeface="Times New Roman" panose="02020603050405020304" pitchFamily="18" charset="0"/>
+            </a:endParaRPr>
+          </a:p>
+          <a:p>
+            <a:pPr lvl="1"/>
+            <a:r>
+              <a:rPr lang="en-US" sz="1800" dirty="0">
+                <a:latin typeface="Times New Roman" panose="02020603050405020304" pitchFamily="18" charset="0"/>
+                <a:cs typeface="Times New Roman" panose="02020603050405020304" pitchFamily="18" charset="0"/>
+              </a:rPr>
+              <a:t>Explored and identified the ways of connecting </a:t>
+            </a:r>
+            <a:r>
+              <a:rPr lang="en-US" sz="1800" dirty="0" err="1">
+                <a:latin typeface="Times New Roman" panose="02020603050405020304" pitchFamily="18" charset="0"/>
+                <a:cs typeface="Times New Roman" panose="02020603050405020304" pitchFamily="18" charset="0"/>
+              </a:rPr>
+              <a:t>iVMS</a:t>
+            </a:r>
+            <a:r>
+              <a:rPr lang="en-US" sz="1800" dirty="0">
+                <a:latin typeface="Times New Roman" panose="02020603050405020304" pitchFamily="18" charset="0"/>
+                <a:cs typeface="Times New Roman" panose="02020603050405020304" pitchFamily="18" charset="0"/>
+              </a:rPr>
+              <a:t> 4200 camera.</a:t>
+            </a:r>
+          </a:p>
+          <a:p>
+            <a:pPr lvl="1"/>
+            <a:r>
+              <a:rPr lang="en-US" sz="1800" dirty="0">
+                <a:latin typeface="Times New Roman" panose="02020603050405020304" pitchFamily="18" charset="0"/>
+                <a:cs typeface="Times New Roman" panose="02020603050405020304" pitchFamily="18" charset="0"/>
+              </a:rPr>
+              <a:t>Troubleshooting Network and firewall settings for the camera.</a:t>
+            </a:r>
+          </a:p>
+          <a:p>
+            <a:pPr lvl="1"/>
+            <a:r>
+              <a:rPr lang="en-US" sz="1800" dirty="0">
+                <a:latin typeface="Times New Roman" panose="02020603050405020304" pitchFamily="18" charset="0"/>
+                <a:cs typeface="Times New Roman" panose="02020603050405020304" pitchFamily="18" charset="0"/>
+              </a:rPr>
+              <a:t>Presentation</a:t>
+            </a:r>
+          </a:p>
+          <a:p>
+            <a:pPr marL="457200" lvl="1" indent="0">
+              <a:buNone/>
+            </a:pPr>
+            <a:endParaRPr lang="en-US" sz="1800" dirty="0">
+              <a:latin typeface="Times New Roman" panose="02020603050405020304" pitchFamily="18" charset="0"/>
+              <a:cs typeface="Times New Roman" panose="02020603050405020304" pitchFamily="18" charset="0"/>
+            </a:endParaRPr>
+          </a:p>
+          <a:p>
+            <a:pPr lvl="2"/>
+            <a:endParaRPr lang="en-US" sz="1400" dirty="0">
+              <a:latin typeface="Times New Roman" panose="02020603050405020304" pitchFamily="18" charset="0"/>
+              <a:cs typeface="Times New Roman" panose="02020603050405020304" pitchFamily="18" charset="0"/>
+            </a:endParaRPr>
+          </a:p>
+        </p:txBody>
+      </p:sp>
     </p:spTree>
     <p:extLst>
       <p:ext uri="{BB962C8B-B14F-4D97-AF65-F5344CB8AC3E}">
-        <p14:creationId xmlns:p14="http://schemas.microsoft.com/office/powerpoint/2010/main" val="2838180354"/>
+        <p14:creationId xmlns:p14="http://schemas.microsoft.com/office/powerpoint/2010/main" val="2631961069"/>
       </p:ext>
     </p:extLst>
   </p:cSld>
   <p:clrMapOvr>
     <a:masterClrMapping/>
   </p:clrMapOvr>
-  <p:timing>
-    <p:tnLst>
-      <p:par>
-        <p:cTn id="1" dur="indefinite" restart="never" nodeType="tmRoot"/>
-      </p:par>
-    </p:tnLst>
-  </p:timing>
 </p:sld>
 </file>
 
 <file path=ppt/slides/slide8.xml><?xml version="1.0" encoding="utf-8"?>
 <p:sld xmlns:a="http://schemas.openxmlformats.org/drawingml/2006/main" xmlns:r="http://schemas.openxmlformats.org/officeDocument/2006/relationships" xmlns:p="http://schemas.openxmlformats.org/presentationml/2006/main">
   <p:cSld>
+    <p:bg>
+      <p:bgPr>
+        <a:solidFill>
+          <a:schemeClr val="bg1"/>
+        </a:solidFill>
+        <a:effectLst/>
+      </p:bgPr>
+    </p:bg>
     <p:spTree>
       <p:nvGrpSpPr>
         <p:cNvPr id="1" name=""/>
@@ -5525,160 +6569,99 @@
       </p:grpSpPr>
       <p:sp>
         <p:nvSpPr>
-          <p:cNvPr id="3" name="Content Placeholder 2"/>
-          <p:cNvSpPr>
-            <a:spLocks noGrp="1"/>
-          </p:cNvSpPr>
-          <p:nvPr>
-            <p:ph idx="1"/>
-          </p:nvPr>
-        </p:nvSpPr>
-        <p:spPr/>
-        <p:txBody>
-          <a:bodyPr>
+          <p:cNvPr id="12" name="Down Arrow 7">
+            <a:extLst>
+              <a:ext uri="{FF2B5EF4-FFF2-40B4-BE49-F238E27FC236}">
+                <a16:creationId xmlns:a16="http://schemas.microsoft.com/office/drawing/2014/main" id="{D4771268-CB57-404A-9271-370EB28F6090}"/>
+              </a:ext>
+              <a:ext uri="{C183D7F6-B498-43B3-948B-1728B52AA6E4}">
+                <adec:decorative xmlns:adec="http://schemas.microsoft.com/office/drawing/2017/decorative" val="1"/>
+              </a:ext>
+            </a:extLst>
+          </p:cNvPr>
+          <p:cNvSpPr>
+            <a:spLocks noGrp="1" noRot="1" noChangeAspect="1" noMove="1" noResize="1" noEditPoints="1" noAdjustHandles="1" noChangeArrowheads="1" noChangeShapeType="1" noTextEdit="1"/>
+          </p:cNvSpPr>
+          <p:nvPr>
+            <p:extLst>
+              <p:ext uri="{386F3935-93C4-4BCD-93E2-E3B085C9AB24}">
+                <p16:designElem xmlns:p16="http://schemas.microsoft.com/office/powerpoint/2015/main" val="1"/>
+              </p:ext>
+            </p:extLst>
+          </p:nvPr>
+        </p:nvSpPr>
+        <p:spPr>
+          <a:xfrm rot="16200000">
+            <a:off x="800100" y="1491343"/>
+            <a:ext cx="3333749" cy="3499103"/>
+          </a:xfrm>
+          <a:prstGeom prst="downArrow">
+            <a:avLst>
+              <a:gd name="adj1" fmla="val 100000"/>
+              <a:gd name="adj2" fmla="val 15788"/>
+            </a:avLst>
+          </a:prstGeom>
+          <a:solidFill>
+            <a:srgbClr val="404040"/>
+          </a:solidFill>
+          <a:ln w="53975">
+            <a:noFill/>
+          </a:ln>
+        </p:spPr>
+        <p:style>
+          <a:lnRef idx="2">
+            <a:schemeClr val="accent1">
+              <a:shade val="50000"/>
+            </a:schemeClr>
+          </a:lnRef>
+          <a:fillRef idx="1">
+            <a:schemeClr val="accent1"/>
+          </a:fillRef>
+          <a:effectRef idx="0">
+            <a:schemeClr val="accent1"/>
+          </a:effectRef>
+          <a:fontRef idx="minor">
+            <a:schemeClr val="lt1"/>
+          </a:fontRef>
+        </p:style>
+        <p:txBody>
+          <a:bodyPr rtlCol="0" anchor="ctr"/>
+          <a:lstStyle/>
+          <a:p>
+            <a:pPr algn="ctr"/>
+            <a:endParaRPr lang="en-US"/>
+          </a:p>
+        </p:txBody>
+      </p:sp>
+      <p:sp>
+        <p:nvSpPr>
+          <p:cNvPr id="2" name="Title 1"/>
+          <p:cNvSpPr>
+            <a:spLocks noGrp="1"/>
+          </p:cNvSpPr>
+          <p:nvPr>
+            <p:ph type="title"/>
+          </p:nvPr>
+        </p:nvSpPr>
+        <p:spPr>
+          <a:xfrm>
+            <a:off x="1028700" y="1967266"/>
+            <a:ext cx="2628900" cy="2547257"/>
+          </a:xfrm>
+          <a:noFill/>
+        </p:spPr>
+        <p:txBody>
+          <a:bodyPr vert="horz" lIns="91440" tIns="45720" rIns="91440" bIns="45720" rtlCol="0" anchor="ctr">
             <a:normAutofit/>
           </a:bodyPr>
           <a:lstStyle/>
           <a:p>
-            <a:r>
-              <a:rPr lang="en-US" sz="1800" dirty="0">
-                <a:latin typeface="Times New Roman" panose="02020603050405020304" pitchFamily="18" charset="0"/>
-                <a:cs typeface="Times New Roman" panose="02020603050405020304" pitchFamily="18" charset="0"/>
-              </a:rPr>
-              <a:t>For more information on the cv2.cvtColor function, you can refer to the </a:t>
-            </a:r>
-            <a:r>
-              <a:rPr lang="en-US" sz="1800" dirty="0" err="1">
-                <a:latin typeface="Times New Roman" panose="02020603050405020304" pitchFamily="18" charset="0"/>
-                <a:cs typeface="Times New Roman" panose="02020603050405020304" pitchFamily="18" charset="0"/>
-              </a:rPr>
-              <a:t>OpenCV</a:t>
-            </a:r>
-            <a:r>
-              <a:rPr lang="en-US" sz="1800" dirty="0">
-                <a:latin typeface="Times New Roman" panose="02020603050405020304" pitchFamily="18" charset="0"/>
-                <a:cs typeface="Times New Roman" panose="02020603050405020304" pitchFamily="18" charset="0"/>
-              </a:rPr>
-              <a:t> documentation: </a:t>
-            </a:r>
-            <a:r>
-              <a:rPr lang="en-US" sz="1800" dirty="0">
-                <a:latin typeface="Times New Roman" panose="02020603050405020304" pitchFamily="18" charset="0"/>
-                <a:cs typeface="Times New Roman" panose="02020603050405020304" pitchFamily="18" charset="0"/>
-                <a:hlinkClick r:id="rId2" action="ppaction://hlinkfile"/>
-              </a:rPr>
-              <a:t>https://docs.opencv.org/master/d9/d61/tutorial_py_morphological_ops.html </a:t>
-            </a:r>
-            <a:endParaRPr lang="en-US" sz="1800" dirty="0" smtClean="0">
-              <a:latin typeface="Times New Roman" panose="02020603050405020304" pitchFamily="18" charset="0"/>
-              <a:cs typeface="Times New Roman" panose="02020603050405020304" pitchFamily="18" charset="0"/>
-            </a:endParaRPr>
-          </a:p>
-          <a:p>
-            <a:r>
-              <a:rPr lang="en-US" sz="1800" dirty="0" smtClean="0">
-                <a:latin typeface="Times New Roman" panose="02020603050405020304" pitchFamily="18" charset="0"/>
-                <a:cs typeface="Times New Roman" panose="02020603050405020304" pitchFamily="18" charset="0"/>
-              </a:rPr>
-              <a:t>For </a:t>
-            </a:r>
-            <a:r>
-              <a:rPr lang="en-US" sz="1800" dirty="0">
-                <a:latin typeface="Times New Roman" panose="02020603050405020304" pitchFamily="18" charset="0"/>
-                <a:cs typeface="Times New Roman" panose="02020603050405020304" pitchFamily="18" charset="0"/>
-              </a:rPr>
-              <a:t>more information on the cv2.applyColorMap function, you can refer to the </a:t>
-            </a:r>
-            <a:r>
-              <a:rPr lang="en-US" sz="1800" dirty="0" err="1">
-                <a:latin typeface="Times New Roman" panose="02020603050405020304" pitchFamily="18" charset="0"/>
-                <a:cs typeface="Times New Roman" panose="02020603050405020304" pitchFamily="18" charset="0"/>
-              </a:rPr>
-              <a:t>OpenCV</a:t>
-            </a:r>
-            <a:r>
-              <a:rPr lang="en-US" sz="1800" dirty="0">
-                <a:latin typeface="Times New Roman" panose="02020603050405020304" pitchFamily="18" charset="0"/>
-                <a:cs typeface="Times New Roman" panose="02020603050405020304" pitchFamily="18" charset="0"/>
-              </a:rPr>
-              <a:t> documentation: </a:t>
-            </a:r>
-            <a:r>
-              <a:rPr lang="en-US" sz="1800" dirty="0">
-                <a:latin typeface="Times New Roman" panose="02020603050405020304" pitchFamily="18" charset="0"/>
-                <a:cs typeface="Times New Roman" panose="02020603050405020304" pitchFamily="18" charset="0"/>
-                <a:hlinkClick r:id="rId2" action="ppaction://hlinkfile"/>
-              </a:rPr>
-              <a:t>https://docs.opencv.org/master/d3/d50/group__imgproc__colormap.html </a:t>
-            </a:r>
-            <a:endParaRPr lang="en-US" sz="1800" dirty="0" smtClean="0">
-              <a:latin typeface="Times New Roman" panose="02020603050405020304" pitchFamily="18" charset="0"/>
-              <a:cs typeface="Times New Roman" panose="02020603050405020304" pitchFamily="18" charset="0"/>
-            </a:endParaRPr>
-          </a:p>
-          <a:p>
-            <a:r>
-              <a:rPr lang="en-US" sz="1800" dirty="0" smtClean="0">
-                <a:latin typeface="Times New Roman" panose="02020603050405020304" pitchFamily="18" charset="0"/>
-                <a:cs typeface="Times New Roman" panose="02020603050405020304" pitchFamily="18" charset="0"/>
-              </a:rPr>
-              <a:t>For </a:t>
-            </a:r>
-            <a:r>
-              <a:rPr lang="en-US" sz="1800" dirty="0">
-                <a:latin typeface="Times New Roman" panose="02020603050405020304" pitchFamily="18" charset="0"/>
-                <a:cs typeface="Times New Roman" panose="02020603050405020304" pitchFamily="18" charset="0"/>
-              </a:rPr>
-              <a:t>more information on the cv2.imwrite function, you can refer to the </a:t>
-            </a:r>
-            <a:r>
-              <a:rPr lang="en-US" sz="1800" dirty="0" err="1">
-                <a:latin typeface="Times New Roman" panose="02020603050405020304" pitchFamily="18" charset="0"/>
-                <a:cs typeface="Times New Roman" panose="02020603050405020304" pitchFamily="18" charset="0"/>
-              </a:rPr>
-              <a:t>OpenCV</a:t>
-            </a:r>
-            <a:r>
-              <a:rPr lang="en-US" sz="1800" dirty="0">
-                <a:latin typeface="Times New Roman" panose="02020603050405020304" pitchFamily="18" charset="0"/>
-                <a:cs typeface="Times New Roman" panose="02020603050405020304" pitchFamily="18" charset="0"/>
-              </a:rPr>
-              <a:t> documentation: </a:t>
-            </a:r>
-            <a:r>
-              <a:rPr lang="en-US" sz="1800" dirty="0">
-                <a:latin typeface="Times New Roman" panose="02020603050405020304" pitchFamily="18" charset="0"/>
-                <a:cs typeface="Times New Roman" panose="02020603050405020304" pitchFamily="18" charset="0"/>
-                <a:hlinkClick r:id="rId2" action="ppaction://hlinkfile"/>
-              </a:rPr>
-              <a:t>https://docs.opencv.org/master/d4/dc0/group__imgcodecs.html</a:t>
-            </a:r>
-            <a:endParaRPr lang="en-IN" sz="1800" dirty="0">
-              <a:latin typeface="Times New Roman" panose="02020603050405020304" pitchFamily="18" charset="0"/>
-              <a:cs typeface="Times New Roman" panose="02020603050405020304" pitchFamily="18" charset="0"/>
-            </a:endParaRPr>
-          </a:p>
-        </p:txBody>
-      </p:sp>
-      <p:sp>
-        <p:nvSpPr>
-          <p:cNvPr id="4" name="Title 1"/>
-          <p:cNvSpPr>
-            <a:spLocks noGrp="1"/>
-          </p:cNvSpPr>
-          <p:nvPr>
-            <p:ph type="title"/>
-          </p:nvPr>
-        </p:nvSpPr>
-        <p:spPr/>
-        <p:txBody>
-          <a:bodyPr>
-            <a:normAutofit/>
-          </a:bodyPr>
-          <a:lstStyle/>
-          <a:p>
-            <a:r>
-              <a:rPr lang="en-IN" sz="3600" dirty="0" smtClean="0">
+            <a:pPr algn="ctr"/>
+            <a:r>
+              <a:rPr lang="en-US" sz="3600" kern="1200">
+                <a:solidFill>
+                  <a:srgbClr val="FFFFFF"/>
+                </a:solidFill>
                 <a:effectLst>
                   <a:outerShdw blurRad="38100" dist="38100" dir="2700000" algn="tl">
                     <a:srgbClr val="000000">
@@ -5686,29 +6669,63 @@
                     </a:srgbClr>
                   </a:outerShdw>
                 </a:effectLst>
-                <a:latin typeface="Times New Roman" panose="02020603050405020304" pitchFamily="18" charset="0"/>
-                <a:cs typeface="Times New Roman" panose="02020603050405020304" pitchFamily="18" charset="0"/>
-              </a:rPr>
-              <a:t>Thermal Images detection References</a:t>
-            </a:r>
-            <a:endParaRPr lang="en-IN" sz="3600" dirty="0">
-              <a:effectLst>
-                <a:outerShdw blurRad="38100" dist="38100" dir="2700000" algn="tl">
-                  <a:srgbClr val="000000">
-                    <a:alpha val="43137"/>
-                  </a:srgbClr>
-                </a:outerShdw>
-              </a:effectLst>
-              <a:latin typeface="Times New Roman" panose="02020603050405020304" pitchFamily="18" charset="0"/>
-              <a:cs typeface="Times New Roman" panose="02020603050405020304" pitchFamily="18" charset="0"/>
+                <a:latin typeface="+mj-lt"/>
+                <a:ea typeface="+mj-ea"/>
+                <a:cs typeface="+mj-cs"/>
+              </a:rPr>
+              <a:t>Accessibility to CRI AI Cameras</a:t>
+            </a:r>
+            <a:endParaRPr lang="en-US" sz="3600" kern="1200">
+              <a:solidFill>
+                <a:srgbClr val="FFFFFF"/>
+              </a:solidFill>
+              <a:latin typeface="+mj-lt"/>
+              <a:ea typeface="+mj-ea"/>
+              <a:cs typeface="+mj-cs"/>
             </a:endParaRPr>
           </a:p>
         </p:txBody>
       </p:sp>
+      <p:pic>
+        <p:nvPicPr>
+          <p:cNvPr id="7" name="Picture 6" descr="A screenshot of a computer&#10;&#10;Description automatically generated with low confidence">
+            <a:extLst>
+              <a:ext uri="{FF2B5EF4-FFF2-40B4-BE49-F238E27FC236}">
+                <a16:creationId xmlns:a16="http://schemas.microsoft.com/office/drawing/2014/main" id="{58BCC00C-9734-891E-9529-99F1D14DDA9E}"/>
+              </a:ext>
+            </a:extLst>
+          </p:cNvPr>
+          <p:cNvPicPr>
+            <a:picLocks noChangeAspect="1"/>
+          </p:cNvPicPr>
+          <p:nvPr/>
+        </p:nvPicPr>
+        <p:blipFill>
+          <a:blip r:embed="rId2">
+            <a:extLst>
+              <a:ext uri="{28A0092B-C50C-407E-A947-70E740481C1C}">
+                <a14:useLocalDpi xmlns:a14="http://schemas.microsoft.com/office/drawing/2010/main" val="0"/>
+              </a:ext>
+            </a:extLst>
+          </a:blip>
+          <a:stretch>
+            <a:fillRect/>
+          </a:stretch>
+        </p:blipFill>
+        <p:spPr>
+          <a:xfrm>
+            <a:off x="4777316" y="1520764"/>
+            <a:ext cx="6780700" cy="3814143"/>
+          </a:xfrm>
+          <a:prstGeom prst="rect">
+            <a:avLst/>
+          </a:prstGeom>
+        </p:spPr>
+      </p:pic>
     </p:spTree>
     <p:extLst>
       <p:ext uri="{BB962C8B-B14F-4D97-AF65-F5344CB8AC3E}">
-        <p14:creationId xmlns:p14="http://schemas.microsoft.com/office/powerpoint/2010/main" val="1442264115"/>
+        <p14:creationId xmlns:p14="http://schemas.microsoft.com/office/powerpoint/2010/main" val="1126275773"/>
       </p:ext>
     </p:extLst>
   </p:cSld>
@@ -5737,7 +6754,120 @@
       </p:grpSpPr>
       <p:sp>
         <p:nvSpPr>
-          <p:cNvPr id="2" name="Title 1"/>
+          <p:cNvPr id="3" name="Content Placeholder 2"/>
+          <p:cNvSpPr>
+            <a:spLocks noGrp="1"/>
+          </p:cNvSpPr>
+          <p:nvPr>
+            <p:ph idx="1"/>
+          </p:nvPr>
+        </p:nvSpPr>
+        <p:spPr/>
+        <p:txBody>
+          <a:bodyPr>
+            <a:normAutofit/>
+          </a:bodyPr>
+          <a:lstStyle/>
+          <a:p>
+            <a:r>
+              <a:rPr lang="en-US" sz="1800" dirty="0">
+                <a:latin typeface="Times New Roman" panose="02020603050405020304" pitchFamily="18" charset="0"/>
+                <a:cs typeface="Times New Roman" panose="02020603050405020304" pitchFamily="18" charset="0"/>
+              </a:rPr>
+              <a:t>User manual of </a:t>
+            </a:r>
+            <a:r>
+              <a:rPr lang="en-US" sz="1800" dirty="0" err="1">
+                <a:latin typeface="Times New Roman" panose="02020603050405020304" pitchFamily="18" charset="0"/>
+                <a:cs typeface="Times New Roman" panose="02020603050405020304" pitchFamily="18" charset="0"/>
+              </a:rPr>
+              <a:t>iVMS</a:t>
+            </a:r>
+            <a:r>
+              <a:rPr lang="en-US" sz="1800" dirty="0">
+                <a:latin typeface="Times New Roman" panose="02020603050405020304" pitchFamily="18" charset="0"/>
+                <a:cs typeface="Times New Roman" panose="02020603050405020304" pitchFamily="18" charset="0"/>
+              </a:rPr>
+              <a:t> 4200: </a:t>
+            </a:r>
+            <a:r>
+              <a:rPr lang="en-US" sz="1800" dirty="0">
+                <a:latin typeface="Times New Roman" panose="02020603050405020304" pitchFamily="18" charset="0"/>
+                <a:cs typeface="Times New Roman" panose="02020603050405020304" pitchFamily="18" charset="0"/>
+                <a:hlinkClick r:id="rId2"/>
+              </a:rPr>
+              <a:t>https://us.hikvision.com/en/system/files_force/ivms-4200_v2.8.2.2_windows_user_manual_v2_0.pdf?download=1</a:t>
+            </a:r>
+            <a:endParaRPr lang="en-US" sz="1800" dirty="0">
+              <a:latin typeface="Times New Roman" panose="02020603050405020304" pitchFamily="18" charset="0"/>
+              <a:cs typeface="Times New Roman" panose="02020603050405020304" pitchFamily="18" charset="0"/>
+            </a:endParaRPr>
+          </a:p>
+          <a:p>
+            <a:endParaRPr lang="en-US" sz="1800" dirty="0">
+              <a:latin typeface="Times New Roman" panose="02020603050405020304" pitchFamily="18" charset="0"/>
+              <a:cs typeface="Times New Roman" panose="02020603050405020304" pitchFamily="18" charset="0"/>
+            </a:endParaRPr>
+          </a:p>
+          <a:p>
+            <a:r>
+              <a:rPr lang="en-US" sz="1800" dirty="0">
+                <a:latin typeface="Times New Roman" panose="02020603050405020304" pitchFamily="18" charset="0"/>
+                <a:cs typeface="Times New Roman" panose="02020603050405020304" pitchFamily="18" charset="0"/>
+              </a:rPr>
+              <a:t>Software used: </a:t>
+            </a:r>
+            <a:r>
+              <a:rPr lang="en-US" sz="1800" dirty="0">
+                <a:latin typeface="Times New Roman" panose="02020603050405020304" pitchFamily="18" charset="0"/>
+                <a:cs typeface="Times New Roman" panose="02020603050405020304" pitchFamily="18" charset="0"/>
+                <a:hlinkClick r:id="rId3"/>
+              </a:rPr>
+              <a:t>https://www.hikvision.com/ca-en/support/download/software/ivms4200-series/</a:t>
+            </a:r>
+            <a:endParaRPr lang="en-US" sz="1800" dirty="0">
+              <a:latin typeface="Times New Roman" panose="02020603050405020304" pitchFamily="18" charset="0"/>
+              <a:cs typeface="Times New Roman" panose="02020603050405020304" pitchFamily="18" charset="0"/>
+            </a:endParaRPr>
+          </a:p>
+          <a:p>
+            <a:endParaRPr lang="en-US" sz="1800" dirty="0">
+              <a:latin typeface="Times New Roman" panose="02020603050405020304" pitchFamily="18" charset="0"/>
+              <a:cs typeface="Times New Roman" panose="02020603050405020304" pitchFamily="18" charset="0"/>
+            </a:endParaRPr>
+          </a:p>
+          <a:p>
+            <a:r>
+              <a:rPr lang="en-US" sz="1800" dirty="0">
+                <a:latin typeface="Times New Roman" panose="02020603050405020304" pitchFamily="18" charset="0"/>
+                <a:cs typeface="Times New Roman" panose="02020603050405020304" pitchFamily="18" charset="0"/>
+              </a:rPr>
+              <a:t>For more information FAQs: </a:t>
+            </a:r>
+            <a:r>
+              <a:rPr lang="en-US" sz="1800" dirty="0">
+                <a:latin typeface="Times New Roman" panose="02020603050405020304" pitchFamily="18" charset="0"/>
+                <a:cs typeface="Times New Roman" panose="02020603050405020304" pitchFamily="18" charset="0"/>
+                <a:hlinkClick r:id="rId4"/>
+              </a:rPr>
+              <a:t>https://us.hikvision.com/en/support-resources/documentation/faq/software</a:t>
+            </a:r>
+            <a:endParaRPr lang="en-US" sz="1800" dirty="0">
+              <a:latin typeface="Times New Roman" panose="02020603050405020304" pitchFamily="18" charset="0"/>
+              <a:cs typeface="Times New Roman" panose="02020603050405020304" pitchFamily="18" charset="0"/>
+            </a:endParaRPr>
+          </a:p>
+          <a:p>
+            <a:endParaRPr lang="en-IN" sz="1800" dirty="0">
+              <a:latin typeface="Times New Roman" panose="02020603050405020304" pitchFamily="18" charset="0"/>
+              <a:cs typeface="Times New Roman" panose="02020603050405020304" pitchFamily="18" charset="0"/>
+            </a:endParaRPr>
+          </a:p>
+        </p:txBody>
+      </p:sp>
+      <p:sp>
+        <p:nvSpPr>
+          <p:cNvPr id="4" name="Title 1"/>
           <p:cNvSpPr>
             <a:spLocks noGrp="1"/>
           </p:cNvSpPr>
@@ -5747,11 +6877,13 @@
         </p:nvSpPr>
         <p:spPr/>
         <p:txBody>
-          <a:bodyPr/>
-          <a:lstStyle/>
-          <a:p>
-            <a:r>
-              <a:rPr lang="en-IN" dirty="0" smtClean="0">
+          <a:bodyPr>
+            <a:normAutofit/>
+          </a:bodyPr>
+          <a:lstStyle/>
+          <a:p>
+            <a:r>
+              <a:rPr lang="en-IN" sz="3600" dirty="0" err="1">
                 <a:effectLst>
                   <a:outerShdw blurRad="38100" dist="38100" dir="2700000" algn="tl">
                     <a:srgbClr val="000000">
@@ -5762,64 +6894,21 @@
                 <a:latin typeface="Times New Roman" panose="02020603050405020304" pitchFamily="18" charset="0"/>
                 <a:cs typeface="Times New Roman" panose="02020603050405020304" pitchFamily="18" charset="0"/>
               </a:rPr>
-              <a:t>Time to work on N-101</a:t>
-            </a:r>
-            <a:r>
-              <a:rPr lang="en-US" dirty="0" smtClean="0"/>
-              <a:t>:</a:t>
-            </a:r>
-            <a:endParaRPr lang="en-US" dirty="0"/>
-          </a:p>
-        </p:txBody>
-      </p:sp>
-      <p:sp>
-        <p:nvSpPr>
-          <p:cNvPr id="3" name="Content Placeholder 2"/>
-          <p:cNvSpPr>
-            <a:spLocks noGrp="1"/>
-          </p:cNvSpPr>
-          <p:nvPr>
-            <p:ph idx="1"/>
-          </p:nvPr>
-        </p:nvSpPr>
-        <p:spPr/>
-        <p:txBody>
-          <a:bodyPr>
-            <a:normAutofit/>
-          </a:bodyPr>
-          <a:lstStyle/>
-          <a:p>
-            <a:r>
-              <a:rPr lang="en-US" sz="1800" dirty="0" smtClean="0">
-                <a:latin typeface="Times New Roman" panose="02020603050405020304" pitchFamily="18" charset="0"/>
-                <a:cs typeface="Times New Roman" panose="02020603050405020304" pitchFamily="18" charset="0"/>
-              </a:rPr>
-              <a:t>Tuesday</a:t>
-            </a:r>
-            <a:r>
-              <a:rPr lang="en-US" sz="1800" dirty="0">
-                <a:latin typeface="Times New Roman" panose="02020603050405020304" pitchFamily="18" charset="0"/>
-                <a:cs typeface="Times New Roman" panose="02020603050405020304" pitchFamily="18" charset="0"/>
-              </a:rPr>
-              <a:t>: all day</a:t>
-            </a:r>
-          </a:p>
-          <a:p>
-            <a:r>
-              <a:rPr lang="en-US" sz="1800" dirty="0">
-                <a:latin typeface="Times New Roman" panose="02020603050405020304" pitchFamily="18" charset="0"/>
-                <a:cs typeface="Times New Roman" panose="02020603050405020304" pitchFamily="18" charset="0"/>
-              </a:rPr>
-              <a:t>Wednesday: Morning</a:t>
-            </a:r>
-          </a:p>
-          <a:p>
-            <a:r>
-              <a:rPr lang="en-US" sz="1800" dirty="0">
-                <a:latin typeface="Times New Roman" panose="02020603050405020304" pitchFamily="18" charset="0"/>
-                <a:cs typeface="Times New Roman" panose="02020603050405020304" pitchFamily="18" charset="0"/>
-              </a:rPr>
-              <a:t>Thursday: Morning until 11 or after 12:00</a:t>
+              <a:t>iVMS</a:t>
+            </a:r>
+            <a:r>
+              <a:rPr lang="en-IN" sz="3600" dirty="0">
+                <a:effectLst>
+                  <a:outerShdw blurRad="38100" dist="38100" dir="2700000" algn="tl">
+                    <a:srgbClr val="000000">
+                      <a:alpha val="43137"/>
+                    </a:srgbClr>
+                  </a:outerShdw>
+                </a:effectLst>
+                <a:latin typeface="Times New Roman" panose="02020603050405020304" pitchFamily="18" charset="0"/>
+                <a:cs typeface="Times New Roman" panose="02020603050405020304" pitchFamily="18" charset="0"/>
+              </a:rPr>
+              <a:t> 4200 References</a:t>
             </a:r>
           </a:p>
         </p:txBody>
@@ -5827,7 +6916,7 @@
     </p:spTree>
     <p:extLst>
       <p:ext uri="{BB962C8B-B14F-4D97-AF65-F5344CB8AC3E}">
-        <p14:creationId xmlns:p14="http://schemas.microsoft.com/office/powerpoint/2010/main" val="1126275773"/>
+        <p14:creationId xmlns:p14="http://schemas.microsoft.com/office/powerpoint/2010/main" val="1442264115"/>
       </p:ext>
     </p:extLst>
   </p:cSld>
